--- a/325.pptx
+++ b/325.pptx
@@ -5,10 +5,10 @@
     <p:sldMasterId id="2147483801" r:id="rId1"/>
   </p:sldMasterIdLst>
   <p:notesMasterIdLst>
-    <p:notesMasterId r:id="rId21"/>
+    <p:notesMasterId r:id="rId22"/>
   </p:notesMasterIdLst>
   <p:handoutMasterIdLst>
-    <p:handoutMasterId r:id="rId22"/>
+    <p:handoutMasterId r:id="rId23"/>
   </p:handoutMasterIdLst>
   <p:sldIdLst>
     <p:sldId id="256" r:id="rId2"/>
@@ -29,7 +29,8 @@
     <p:sldId id="354" r:id="rId17"/>
     <p:sldId id="355" r:id="rId18"/>
     <p:sldId id="333" r:id="rId19"/>
-    <p:sldId id="329" r:id="rId20"/>
+    <p:sldId id="357" r:id="rId20"/>
+    <p:sldId id="329" r:id="rId21"/>
   </p:sldIdLst>
   <p:sldSz cx="9144000" cy="6858000" type="screen4x3"/>
   <p:notesSz cx="6858000" cy="9144000"/>
@@ -252,7 +253,7 @@
               <a:pPr>
                 <a:defRPr/>
               </a:pPr>
-              <a:t>7/17/11</a:t>
+              <a:t>7/21/11</a:t>
             </a:fld>
             <a:endParaRPr lang="en-US"/>
           </a:p>
@@ -435,7 +436,7 @@
               <a:pPr>
                 <a:defRPr/>
               </a:pPr>
-              <a:t>7/17/11</a:t>
+              <a:t>7/21/11</a:t>
             </a:fld>
             <a:endParaRPr lang="en-US"/>
           </a:p>
@@ -1313,7 +1314,20 @@
           <a:p>
             <a:r>
               <a:rPr lang="en-US" dirty="0" smtClean="0"/>
-              <a:t>Other than taps, you can react to …</a:t>
+              <a:t>Other than taps, you can react to </a:t>
+            </a:r>
+            <a:r>
+              <a:rPr lang="en-US" dirty="0" smtClean="0"/>
+              <a:t>…</a:t>
+            </a:r>
+          </a:p>
+          <a:p>
+            <a:endParaRPr lang="en-US" dirty="0" smtClean="0"/>
+          </a:p>
+          <a:p>
+            <a:r>
+              <a:rPr lang="en-US" dirty="0" smtClean="0"/>
+              <a:t>(don’t go too deep here, there are upcoming slides for that)</a:t>
             </a:r>
             <a:endParaRPr lang="en-US" dirty="0"/>
           </a:p>
@@ -1831,7 +1845,20 @@
             </a:r>
             <a:r>
               <a:rPr lang="en-US" baseline="0" dirty="0" smtClean="0"/>
-              <a:t>, magnifies view in some contexts</a:t>
+              <a:t>, magnifies view in some </a:t>
+            </a:r>
+            <a:r>
+              <a:rPr lang="en-US" baseline="0" dirty="0" smtClean="0"/>
+              <a:t>contexts</a:t>
+            </a:r>
+          </a:p>
+          <a:p>
+            <a:endParaRPr lang="en-US" baseline="0" dirty="0" smtClean="0"/>
+          </a:p>
+          <a:p>
+            <a:r>
+              <a:rPr lang="en-US" baseline="0" dirty="0" smtClean="0"/>
+              <a:t>Long press will be natively supported soon, maybe 1.8</a:t>
             </a:r>
             <a:endParaRPr lang="en-US" dirty="0"/>
           </a:p>
@@ -2087,22 +2114,14 @@
           <a:lstStyle/>
           <a:p>
             <a:r>
-              <a:rPr lang="en-US" dirty="0" smtClean="0"/>
-              <a:t>Lab for </a:t>
-            </a:r>
-            <a:r>
-              <a:rPr lang="en-US" dirty="0" err="1" smtClean="0"/>
-              <a:t>TiBountyHunter</a:t>
+              <a:rPr lang="en-US" baseline="0" smtClean="0"/>
+              <a:t>In </a:t>
             </a:r>
             <a:r>
               <a:rPr lang="en-US" baseline="0" dirty="0" smtClean="0"/>
-              <a:t> we will redraw and create nice orientation specific layouts for our </a:t>
-            </a:r>
-            <a:r>
-              <a:rPr lang="en-US" baseline="0" smtClean="0"/>
-              <a:t>application windows.</a:t>
-            </a:r>
-            <a:endParaRPr lang="en-US" dirty="0"/>
+              <a:t>this lab you will create modify a simple UI based on orientation changes and then alter than data based on swipe and shake gesture events. When the phone registers the shake event, it will choose a random photo to display as the album image. When you swipe over the copy, it will choose a random one for display as well. Rotation of device will reorient the content of the window to be more effectively located.</a:t>
+            </a:r>
+            <a:endParaRPr lang="en-US" baseline="0" dirty="0" smtClean="0"/>
           </a:p>
         </p:txBody>
       </p:sp>
@@ -2130,6 +2149,111 @@
                 <a:defRPr/>
               </a:pPr>
               <a:t>19</a:t>
+            </a:fld>
+            <a:endParaRPr lang="en-US"/>
+          </a:p>
+        </p:txBody>
+      </p:sp>
+    </p:spTree>
+    <p:extLst>
+      <p:ext uri="{BB962C8B-B14F-4D97-AF65-F5344CB8AC3E}">
+        <p14:creationId xmlns:p14="http://schemas.microsoft.com/office/powerpoint/2010/main" val="2440708566"/>
+      </p:ext>
+    </p:extLst>
+  </p:cSld>
+  <p:clrMapOvr>
+    <a:masterClrMapping/>
+  </p:clrMapOvr>
+</p:notes>
+</file>
+
+<file path=ppt/notesSlides/notesSlide18.xml><?xml version="1.0" encoding="utf-8"?>
+<p:notes xmlns:a="http://schemas.openxmlformats.org/drawingml/2006/main" xmlns:r="http://schemas.openxmlformats.org/officeDocument/2006/relationships" xmlns:p="http://schemas.openxmlformats.org/presentationml/2006/main">
+  <p:cSld>
+    <p:spTree>
+      <p:nvGrpSpPr>
+        <p:cNvPr id="1" name=""/>
+        <p:cNvGrpSpPr/>
+        <p:nvPr/>
+      </p:nvGrpSpPr>
+      <p:grpSpPr>
+        <a:xfrm>
+          <a:off x="0" y="0"/>
+          <a:ext cx="0" cy="0"/>
+          <a:chOff x="0" y="0"/>
+          <a:chExt cx="0" cy="0"/>
+        </a:xfrm>
+      </p:grpSpPr>
+      <p:sp>
+        <p:nvSpPr>
+          <p:cNvPr id="2" name="Slide Image Placeholder 1"/>
+          <p:cNvSpPr>
+            <a:spLocks noGrp="1" noRot="1" noChangeAspect="1"/>
+          </p:cNvSpPr>
+          <p:nvPr>
+            <p:ph type="sldImg"/>
+          </p:nvPr>
+        </p:nvSpPr>
+        <p:spPr/>
+      </p:sp>
+      <p:sp>
+        <p:nvSpPr>
+          <p:cNvPr id="3" name="Notes Placeholder 2"/>
+          <p:cNvSpPr>
+            <a:spLocks noGrp="1"/>
+          </p:cNvSpPr>
+          <p:nvPr>
+            <p:ph type="body" idx="1"/>
+          </p:nvPr>
+        </p:nvSpPr>
+        <p:spPr/>
+        <p:txBody>
+          <a:bodyPr/>
+          <a:lstStyle/>
+          <a:p>
+            <a:r>
+              <a:rPr lang="en-US" dirty="0" smtClean="0"/>
+              <a:t>Lab for </a:t>
+            </a:r>
+            <a:r>
+              <a:rPr lang="en-US" dirty="0" err="1" smtClean="0"/>
+              <a:t>TiBountyHunter</a:t>
+            </a:r>
+            <a:r>
+              <a:rPr lang="en-US" baseline="0" dirty="0" smtClean="0"/>
+              <a:t> we will redraw and create nice orientation specific layouts for our application windows</a:t>
+            </a:r>
+            <a:r>
+              <a:rPr lang="en-US" baseline="0" dirty="0" smtClean="0"/>
+              <a:t>.</a:t>
+            </a:r>
+          </a:p>
+        </p:txBody>
+      </p:sp>
+      <p:sp>
+        <p:nvSpPr>
+          <p:cNvPr id="4" name="Slide Number Placeholder 3"/>
+          <p:cNvSpPr>
+            <a:spLocks noGrp="1"/>
+          </p:cNvSpPr>
+          <p:nvPr>
+            <p:ph type="sldNum" sz="quarter" idx="10"/>
+          </p:nvPr>
+        </p:nvSpPr>
+        <p:spPr/>
+        <p:txBody>
+          <a:bodyPr/>
+          <a:lstStyle/>
+          <a:p>
+            <a:pPr>
+              <a:defRPr/>
+            </a:pPr>
+            <a:fld id="{C704D923-8FB6-2040-A5D7-BD75ED8E8368}" type="slidenum">
+              <a:rPr lang="en-US" smtClean="0"/>
+              <a:pPr>
+                <a:defRPr/>
+              </a:pPr>
+              <a:t>20</a:t>
             </a:fld>
             <a:endParaRPr lang="en-US"/>
           </a:p>
@@ -3222,21 +3346,53 @@
           <a:p>
             <a:r>
               <a:rPr lang="en-US" baseline="0" dirty="0" smtClean="0"/>
-              <a:t>Consider supporting upside down with portrait orientations</a:t>
-            </a:r>
-          </a:p>
-          <a:p>
+              <a:t>Per Apple’s HIG on iPhone, either:</a:t>
+            </a:r>
+          </a:p>
+          <a:p>
+            <a:pPr marL="171450" indent="-171450">
+              <a:buFont typeface="Arial"/>
+              <a:buChar char="•"/>
+            </a:pPr>
             <a:r>
               <a:rPr lang="en-US" baseline="0" dirty="0" smtClean="0"/>
-              <a:t>and both landscape left and right</a:t>
-            </a:r>
-            <a:endParaRPr lang="en-US" dirty="0" smtClean="0"/>
+              <a:t>Lock orientation, or</a:t>
+            </a:r>
+          </a:p>
+          <a:p>
+            <a:pPr marL="171450" indent="-171450">
+              <a:buFont typeface="Arial"/>
+              <a:buChar char="•"/>
+            </a:pPr>
+            <a:r>
+              <a:rPr lang="en-US" baseline="0" dirty="0" smtClean="0"/>
+              <a:t>Support portrait, landscape left &amp; right, but not upside down (to prevent upside down phone during incoming call)</a:t>
+            </a:r>
+          </a:p>
+          <a:p>
+            <a:endParaRPr lang="en-US" baseline="0" dirty="0" smtClean="0"/>
           </a:p>
           <a:p>
             <a:pPr marL="0" indent="0">
               <a:buFont typeface="Arial"/>
               <a:buNone/>
             </a:pPr>
+            <a:r>
+              <a:rPr lang="en-US" dirty="0" smtClean="0"/>
+              <a:t>On </a:t>
+            </a:r>
+            <a:r>
+              <a:rPr lang="en-US" dirty="0" err="1" smtClean="0"/>
+              <a:t>iPad</a:t>
+            </a:r>
+            <a:r>
+              <a:rPr lang="en-US" dirty="0" smtClean="0"/>
+              <a:t>, you should</a:t>
+            </a:r>
+            <a:r>
+              <a:rPr lang="en-US" baseline="0" dirty="0" smtClean="0"/>
+              <a:t> support all orientations</a:t>
+            </a:r>
             <a:endParaRPr lang="en-US" dirty="0" smtClean="0"/>
           </a:p>
         </p:txBody>
@@ -3551,12 +3707,31 @@
           <a:p>
             <a:r>
               <a:rPr lang="en-US" dirty="0" smtClean="0"/>
-              <a:t>Option 2 is to create a custom manifest file in the Resources/android</a:t>
+              <a:t>Option 2 is to create a custom manifest file in the </a:t>
+            </a:r>
+            <a:r>
+              <a:rPr lang="en-US" dirty="0" smtClean="0"/>
+              <a:t>Platform/</a:t>
+            </a:r>
+            <a:r>
+              <a:rPr lang="en-US" dirty="0" smtClean="0"/>
+              <a:t>android</a:t>
             </a:r>
             <a:r>
               <a:rPr lang="en-US" baseline="0" dirty="0" smtClean="0"/>
-              <a:t> folder</a:t>
-            </a:r>
+              <a:t> </a:t>
+            </a:r>
+            <a:r>
+              <a:rPr lang="en-US" baseline="0" dirty="0" smtClean="0"/>
+              <a:t>folder</a:t>
+            </a:r>
+          </a:p>
+          <a:p>
+            <a:r>
+              <a:rPr lang="en-US" baseline="0" dirty="0" smtClean="0"/>
+              <a:t>The Platform folder doesn’t exist by default</a:t>
+            </a:r>
+            <a:endParaRPr lang="en-US" baseline="0" dirty="0" smtClean="0"/>
           </a:p>
           <a:p>
             <a:endParaRPr lang="en-US" baseline="0" dirty="0" smtClean="0"/>
@@ -3666,7 +3841,15 @@
           <a:p>
             <a:r>
               <a:rPr lang="en-US" dirty="0" smtClean="0"/>
-              <a:t>This method is deprecated in favor of the Resources/android/</a:t>
+              <a:t>This method is deprecated in favor of the </a:t>
+            </a:r>
+            <a:r>
+              <a:rPr lang="en-US" dirty="0" smtClean="0"/>
+              <a:t>platform/</a:t>
+            </a:r>
+            <a:r>
+              <a:rPr lang="en-US" dirty="0" smtClean="0"/>
+              <a:t>android/</a:t>
             </a:r>
             <a:r>
               <a:rPr lang="en-US" dirty="0" err="1" smtClean="0"/>
@@ -3674,15 +3857,13 @@
             </a:r>
             <a:r>
               <a:rPr lang="en-US" baseline="0" dirty="0" smtClean="0"/>
-              <a:t> (option 2) technique</a:t>
-            </a:r>
-          </a:p>
-          <a:p>
+              <a:t> (option 2) </a:t>
+            </a:r>
             <a:r>
               <a:rPr lang="en-US" baseline="0" dirty="0" smtClean="0"/>
-              <a:t>However it seems to be the most sure-fire method</a:t>
-            </a:r>
-            <a:endParaRPr lang="en-US" dirty="0"/>
+              <a:t>technique</a:t>
+            </a:r>
+            <a:endParaRPr lang="en-US" baseline="0" dirty="0" smtClean="0"/>
           </a:p>
         </p:txBody>
       </p:sp>
@@ -4344,7 +4525,7 @@
               <a:pPr>
                 <a:defRPr/>
               </a:pPr>
-              <a:t>7/17/11</a:t>
+              <a:t>7/21/11</a:t>
             </a:fld>
             <a:endParaRPr lang="en-US"/>
           </a:p>
@@ -4832,7 +5013,7 @@
               <a:pPr>
                 <a:defRPr/>
               </a:pPr>
-              <a:t>7/17/11</a:t>
+              <a:t>7/21/11</a:t>
             </a:fld>
             <a:endParaRPr lang="en-US"/>
           </a:p>
@@ -5394,7 +5575,7 @@
               <a:pPr>
                 <a:defRPr/>
               </a:pPr>
-              <a:t>7/17/11</a:t>
+              <a:t>7/21/11</a:t>
             </a:fld>
             <a:endParaRPr lang="en-US"/>
           </a:p>
@@ -6004,7 +6185,7 @@
               <a:pPr>
                 <a:defRPr/>
               </a:pPr>
-              <a:t>7/17/11</a:t>
+              <a:t>7/21/11</a:t>
             </a:fld>
             <a:endParaRPr lang="en-US"/>
           </a:p>
@@ -6126,7 +6307,7 @@
               <a:pPr>
                 <a:defRPr/>
               </a:pPr>
-              <a:t>7/17/11</a:t>
+              <a:t>7/21/11</a:t>
             </a:fld>
             <a:endParaRPr lang="en-US"/>
           </a:p>
@@ -6413,7 +6594,7 @@
               <a:pPr>
                 <a:defRPr/>
               </a:pPr>
-              <a:t>7/17/11</a:t>
+              <a:t>7/21/11</a:t>
             </a:fld>
             <a:endParaRPr lang="en-US"/>
           </a:p>
@@ -10042,103 +10223,114 @@
           <a:chExt cx="0" cy="0"/>
         </a:xfrm>
       </p:grpSpPr>
-      <p:pic>
-        <p:nvPicPr>
-          <p:cNvPr id="23553" name="Picture 5" descr="raised_paper.png"/>
-          <p:cNvPicPr>
-            <a:picLocks noChangeAspect="1"/>
-          </p:cNvPicPr>
-          <p:nvPr/>
-        </p:nvPicPr>
-        <p:blipFill>
-          <a:blip r:embed="rId3">
-            <a:extLst>
-              <a:ext uri="{28A0092B-C50C-407E-A947-70E740481C1C}">
-                <a14:useLocalDpi xmlns:a14="http://schemas.microsoft.com/office/drawing/2010/main" val="0"/>
-              </a:ext>
-            </a:extLst>
-          </a:blip>
-          <a:srcRect/>
-          <a:stretch>
-            <a:fillRect/>
-          </a:stretch>
-        </p:blipFill>
-        <p:spPr bwMode="auto">
-          <a:xfrm>
-            <a:off x="1336675" y="2106613"/>
-            <a:ext cx="6456363" cy="2189162"/>
-          </a:xfrm>
-          <a:prstGeom prst="rect">
-            <a:avLst/>
-          </a:prstGeom>
-          <a:noFill/>
-          <a:ln>
-            <a:noFill/>
-          </a:ln>
-          <a:extLst>
-            <a:ext uri="{909E8E84-426E-40dd-AFC4-6F175D3DCCD1}">
-              <a14:hiddenFill xmlns:a14="http://schemas.microsoft.com/office/drawing/2010/main">
-                <a:solidFill>
-                  <a:srgbClr val="FFFFFF"/>
-                </a:solidFill>
-              </a14:hiddenFill>
-            </a:ext>
-            <a:ext uri="{91240B29-F687-4f45-9708-019B960494DF}">
-              <a14:hiddenLine xmlns:a14="http://schemas.microsoft.com/office/drawing/2010/main" w="9525">
-                <a:solidFill>
-                  <a:srgbClr val="000000"/>
-                </a:solidFill>
-                <a:miter lim="800000"/>
-                <a:headEnd/>
-                <a:tailEnd/>
-              </a14:hiddenLine>
-            </a:ext>
-          </a:extLst>
-        </p:spPr>
-      </p:pic>
       <p:sp>
         <p:nvSpPr>
-          <p:cNvPr id="23554" name="Title 1"/>
+          <p:cNvPr id="2" name="Title 1"/>
           <p:cNvSpPr>
             <a:spLocks noGrp="1"/>
           </p:cNvSpPr>
           <p:nvPr>
-            <p:ph type="ctrTitle" idx="4294967295"/>
+            <p:ph type="title"/>
           </p:nvPr>
         </p:nvSpPr>
-        <p:spPr>
-          <a:xfrm>
-            <a:off x="766763" y="2330450"/>
-            <a:ext cx="7772400" cy="1470025"/>
-          </a:xfrm>
-        </p:spPr>
+        <p:spPr/>
         <p:txBody>
           <a:bodyPr/>
           <a:lstStyle/>
           <a:p>
-            <a:pPr algn="ctr"/>
-            <a:r>
-              <a:rPr lang="en-US" sz="4800" i="1" dirty="0" smtClean="0">
-                <a:solidFill>
-                  <a:srgbClr val="122956"/>
-                </a:solidFill>
-                <a:latin typeface="Trebuchet MS" charset="0"/>
-              </a:rPr>
-              <a:t>Lab</a:t>
-            </a:r>
-            <a:endParaRPr lang="en-US" sz="4800" i="1" dirty="0">
-              <a:solidFill>
-                <a:srgbClr val="122956"/>
-              </a:solidFill>
-              <a:latin typeface="Trebuchet MS" charset="0"/>
-            </a:endParaRPr>
+            <a:r>
+              <a:rPr lang="en-US" dirty="0" smtClean="0"/>
+              <a:t>Lab Goals</a:t>
+            </a:r>
+            <a:endParaRPr lang="en-US" dirty="0"/>
+          </a:p>
+        </p:txBody>
+      </p:sp>
+      <p:sp>
+        <p:nvSpPr>
+          <p:cNvPr id="3" name="Content Placeholder 2"/>
+          <p:cNvSpPr>
+            <a:spLocks noGrp="1"/>
+          </p:cNvSpPr>
+          <p:nvPr>
+            <p:ph idx="1"/>
+          </p:nvPr>
+        </p:nvSpPr>
+        <p:spPr/>
+        <p:txBody>
+          <a:bodyPr/>
+          <a:lstStyle/>
+          <a:p>
+            <a:pPr>
+              <a:spcBef>
+                <a:spcPts val="600"/>
+              </a:spcBef>
+              <a:buClrTx/>
+              <a:buFontTx/>
+              <a:buNone/>
+            </a:pPr>
+            <a:r>
+              <a:rPr lang="en-US" dirty="0" smtClean="0"/>
+              <a:t>Update simple app to add orientation support</a:t>
+            </a:r>
+          </a:p>
+          <a:p>
+            <a:pPr>
+              <a:spcBef>
+                <a:spcPts val="600"/>
+              </a:spcBef>
+              <a:buClrTx/>
+              <a:buFontTx/>
+              <a:buNone/>
+            </a:pPr>
+            <a:endParaRPr lang="en-US" dirty="0"/>
+          </a:p>
+          <a:p>
+            <a:pPr>
+              <a:spcBef>
+                <a:spcPts val="600"/>
+              </a:spcBef>
+              <a:buClrTx/>
+              <a:buFontTx/>
+              <a:buNone/>
+            </a:pPr>
+            <a:r>
+              <a:rPr lang="en-US" dirty="0" smtClean="0"/>
+              <a:t>Update data based on swipe and shake events</a:t>
+            </a:r>
+          </a:p>
+          <a:p>
+            <a:pPr>
+              <a:spcBef>
+                <a:spcPts val="600"/>
+              </a:spcBef>
+              <a:buClrTx/>
+              <a:buFontTx/>
+              <a:buNone/>
+            </a:pPr>
+            <a:endParaRPr lang="en-US" dirty="0"/>
+          </a:p>
+          <a:p>
+            <a:pPr>
+              <a:spcBef>
+                <a:spcPts val="600"/>
+              </a:spcBef>
+              <a:buClrTx/>
+              <a:buFontTx/>
+              <a:buNone/>
+            </a:pPr>
+            <a:r>
+              <a:rPr lang="en-US" dirty="0" smtClean="0"/>
+              <a:t>Demo &amp; wiki URL</a:t>
+            </a:r>
+            <a:endParaRPr lang="en-US" dirty="0"/>
           </a:p>
         </p:txBody>
       </p:sp>
     </p:spTree>
     <p:extLst>
       <p:ext uri="{BB962C8B-B14F-4D97-AF65-F5344CB8AC3E}">
-        <p14:creationId xmlns:p14="http://schemas.microsoft.com/office/powerpoint/2010/main" val="3085404215"/>
+        <p14:creationId xmlns:p14="http://schemas.microsoft.com/office/powerpoint/2010/main" val="1320566703"/>
       </p:ext>
     </p:extLst>
   </p:cSld>
@@ -10261,6 +10453,136 @@
             </p:seq>
           </p:childTnLst>
         </p:cTn>
+      </p:par>
+    </p:tnLst>
+  </p:timing>
+</p:sld>
+</file>
+
+<file path=ppt/slides/slide20.xml><?xml version="1.0" encoding="utf-8"?>
+<p:sld xmlns:a="http://schemas.openxmlformats.org/drawingml/2006/main" xmlns:r="http://schemas.openxmlformats.org/officeDocument/2006/relationships" xmlns:p="http://schemas.openxmlformats.org/presentationml/2006/main">
+  <p:cSld>
+    <p:spTree>
+      <p:nvGrpSpPr>
+        <p:cNvPr id="1" name=""/>
+        <p:cNvGrpSpPr/>
+        <p:nvPr/>
+      </p:nvGrpSpPr>
+      <p:grpSpPr>
+        <a:xfrm>
+          <a:off x="0" y="0"/>
+          <a:ext cx="0" cy="0"/>
+          <a:chOff x="0" y="0"/>
+          <a:chExt cx="0" cy="0"/>
+        </a:xfrm>
+      </p:grpSpPr>
+      <p:pic>
+        <p:nvPicPr>
+          <p:cNvPr id="23553" name="Picture 5" descr="raised_paper.png"/>
+          <p:cNvPicPr>
+            <a:picLocks noChangeAspect="1"/>
+          </p:cNvPicPr>
+          <p:nvPr/>
+        </p:nvPicPr>
+        <p:blipFill>
+          <a:blip r:embed="rId3">
+            <a:extLst>
+              <a:ext uri="{28A0092B-C50C-407E-A947-70E740481C1C}">
+                <a14:useLocalDpi xmlns:a14="http://schemas.microsoft.com/office/drawing/2010/main" val="0"/>
+              </a:ext>
+            </a:extLst>
+          </a:blip>
+          <a:srcRect/>
+          <a:stretch>
+            <a:fillRect/>
+          </a:stretch>
+        </p:blipFill>
+        <p:spPr bwMode="auto">
+          <a:xfrm>
+            <a:off x="1336675" y="2106613"/>
+            <a:ext cx="6456363" cy="2189162"/>
+          </a:xfrm>
+          <a:prstGeom prst="rect">
+            <a:avLst/>
+          </a:prstGeom>
+          <a:noFill/>
+          <a:ln>
+            <a:noFill/>
+          </a:ln>
+          <a:extLst>
+            <a:ext uri="{909E8E84-426E-40dd-AFC4-6F175D3DCCD1}">
+              <a14:hiddenFill xmlns:a14="http://schemas.microsoft.com/office/drawing/2010/main">
+                <a:solidFill>
+                  <a:srgbClr val="FFFFFF"/>
+                </a:solidFill>
+              </a14:hiddenFill>
+            </a:ext>
+            <a:ext uri="{91240B29-F687-4f45-9708-019B960494DF}">
+              <a14:hiddenLine xmlns:a14="http://schemas.microsoft.com/office/drawing/2010/main" w="9525">
+                <a:solidFill>
+                  <a:srgbClr val="000000"/>
+                </a:solidFill>
+                <a:miter lim="800000"/>
+                <a:headEnd/>
+                <a:tailEnd/>
+              </a14:hiddenLine>
+            </a:ext>
+          </a:extLst>
+        </p:spPr>
+      </p:pic>
+      <p:sp>
+        <p:nvSpPr>
+          <p:cNvPr id="23554" name="Title 1"/>
+          <p:cNvSpPr>
+            <a:spLocks noGrp="1"/>
+          </p:cNvSpPr>
+          <p:nvPr>
+            <p:ph type="ctrTitle" idx="4294967295"/>
+          </p:nvPr>
+        </p:nvSpPr>
+        <p:spPr>
+          <a:xfrm>
+            <a:off x="766763" y="2330450"/>
+            <a:ext cx="7772400" cy="1470025"/>
+          </a:xfrm>
+        </p:spPr>
+        <p:txBody>
+          <a:bodyPr/>
+          <a:lstStyle/>
+          <a:p>
+            <a:pPr algn="ctr"/>
+            <a:r>
+              <a:rPr lang="en-US" sz="4800" i="1" dirty="0" smtClean="0">
+                <a:solidFill>
+                  <a:srgbClr val="122956"/>
+                </a:solidFill>
+                <a:latin typeface="Trebuchet MS" charset="0"/>
+              </a:rPr>
+              <a:t>Lab</a:t>
+            </a:r>
+            <a:endParaRPr lang="en-US" sz="4800" i="1" dirty="0">
+              <a:solidFill>
+                <a:srgbClr val="122956"/>
+              </a:solidFill>
+              <a:latin typeface="Trebuchet MS" charset="0"/>
+            </a:endParaRPr>
+          </a:p>
+        </p:txBody>
+      </p:sp>
+    </p:spTree>
+    <p:extLst>
+      <p:ext uri="{BB962C8B-B14F-4D97-AF65-F5344CB8AC3E}">
+        <p14:creationId xmlns:p14="http://schemas.microsoft.com/office/powerpoint/2010/main" val="3085404215"/>
+      </p:ext>
+    </p:extLst>
+  </p:cSld>
+  <p:clrMapOvr>
+    <a:masterClrMapping/>
+  </p:clrMapOvr>
+  <p:timing>
+    <p:tnLst>
+      <p:par>
+        <p:cTn xmlns:p14="http://schemas.microsoft.com/office/powerpoint/2010/main" id="1" dur="indefinite" restart="never" nodeType="tmRoot"/>
       </p:par>
     </p:tnLst>
   </p:timing>
@@ -11501,8 +11823,12 @@
               <a:t>	</a:t>
             </a:r>
             <a:r>
+              <a:rPr lang="en-US" sz="2000" dirty="0" smtClean="0"/>
+              <a:t>platform/</a:t>
+            </a:r>
+            <a:r>
               <a:rPr lang="en-US" sz="2000" dirty="0"/>
-              <a:t>Resources/android/</a:t>
+              <a:t>android/</a:t>
             </a:r>
             <a:r>
               <a:rPr lang="en-US" sz="2000" dirty="0" err="1" smtClean="0"/>

--- a/325.pptx
+++ b/325.pptx
@@ -253,7 +253,7 @@
               <a:pPr>
                 <a:defRPr/>
               </a:pPr>
-              <a:t>7/21/11</a:t>
+              <a:t>7/26/11</a:t>
             </a:fld>
             <a:endParaRPr lang="en-US"/>
           </a:p>
@@ -436,7 +436,7 @@
               <a:pPr>
                 <a:defRPr/>
               </a:pPr>
-              <a:t>7/21/11</a:t>
+              <a:t>7/26/11</a:t>
             </a:fld>
             <a:endParaRPr lang="en-US"/>
           </a:p>
@@ -1314,11 +1314,7 @@
           <a:p>
             <a:r>
               <a:rPr lang="en-US" dirty="0" smtClean="0"/>
-              <a:t>Other than taps, you can react to </a:t>
-            </a:r>
-            <a:r>
-              <a:rPr lang="en-US" dirty="0" smtClean="0"/>
-              <a:t>…</a:t>
+              <a:t>Other than taps, you can react to …</a:t>
             </a:r>
           </a:p>
           <a:p>
@@ -1845,11 +1841,7 @@
             </a:r>
             <a:r>
               <a:rPr lang="en-US" baseline="0" dirty="0" smtClean="0"/>
-              <a:t>, magnifies view in some </a:t>
-            </a:r>
-            <a:r>
-              <a:rPr lang="en-US" baseline="0" dirty="0" smtClean="0"/>
-              <a:t>contexts</a:t>
+              <a:t>, magnifies view in some contexts</a:t>
             </a:r>
           </a:p>
           <a:p>
@@ -2121,7 +2113,6 @@
               <a:rPr lang="en-US" baseline="0" dirty="0" smtClean="0"/>
               <a:t>this lab you will create modify a simple UI based on orientation changes and then alter than data based on swipe and shake gesture events. When the phone registers the shake event, it will choose a random photo to display as the album image. When you swipe over the copy, it will choose a random one for display as well. Rotation of device will reorient the content of the window to be more effectively located.</a:t>
             </a:r>
-            <a:endParaRPr lang="en-US" baseline="0" dirty="0" smtClean="0"/>
           </a:p>
         </p:txBody>
       </p:sp>
@@ -2225,8 +2216,184 @@
             </a:r>
             <a:r>
               <a:rPr lang="en-US" baseline="0" dirty="0" smtClean="0"/>
-              <a:t>.</a:t>
-            </a:r>
+              <a:t>.  This happens here:</a:t>
+            </a:r>
+          </a:p>
+          <a:p>
+            <a:endParaRPr lang="en-US" baseline="0" dirty="0" smtClean="0"/>
+          </a:p>
+          <a:p>
+            <a:r>
+              <a:rPr lang="en-US" sz="1200" kern="1200" dirty="0" err="1" smtClean="0">
+                <a:solidFill>
+                  <a:schemeClr val="tx1"/>
+                </a:solidFill>
+                <a:latin typeface="+mn-lt"/>
+                <a:ea typeface="ＭＳ Ｐゴシック" charset="0"/>
+                <a:cs typeface="ＭＳ Ｐゴシック" charset="0"/>
+              </a:rPr>
+              <a:t>Ti.Gesture.addEventListener</a:t>
+            </a:r>
+            <a:r>
+              <a:rPr lang="en-US" sz="1200" kern="1200" dirty="0" smtClean="0">
+                <a:solidFill>
+                  <a:schemeClr val="tx1"/>
+                </a:solidFill>
+                <a:latin typeface="+mn-lt"/>
+                <a:ea typeface="ＭＳ Ｐゴシック" charset="0"/>
+                <a:cs typeface="ＭＳ Ｐゴシック" charset="0"/>
+              </a:rPr>
+              <a:t>('</a:t>
+            </a:r>
+            <a:r>
+              <a:rPr lang="en-US" sz="1200" kern="1200" dirty="0" err="1" smtClean="0">
+                <a:solidFill>
+                  <a:schemeClr val="tx1"/>
+                </a:solidFill>
+                <a:latin typeface="+mn-lt"/>
+                <a:ea typeface="ＭＳ Ｐゴシック" charset="0"/>
+                <a:cs typeface="ＭＳ Ｐゴシック" charset="0"/>
+              </a:rPr>
+              <a:t>orientationchange</a:t>
+            </a:r>
+            <a:r>
+              <a:rPr lang="en-US" sz="1200" kern="1200" dirty="0" smtClean="0">
+                <a:solidFill>
+                  <a:schemeClr val="tx1"/>
+                </a:solidFill>
+                <a:latin typeface="+mn-lt"/>
+                <a:ea typeface="ＭＳ Ｐゴシック" charset="0"/>
+                <a:cs typeface="ＭＳ Ｐゴシック" charset="0"/>
+              </a:rPr>
+              <a:t>', </a:t>
+            </a:r>
+            <a:r>
+              <a:rPr lang="en-US" sz="1200" i="1" kern="1200" dirty="0" smtClean="0">
+                <a:solidFill>
+                  <a:schemeClr val="tx1"/>
+                </a:solidFill>
+                <a:latin typeface="+mn-lt"/>
+                <a:ea typeface="ＭＳ Ｐゴシック" charset="0"/>
+                <a:cs typeface="ＭＳ Ｐゴシック" charset="0"/>
+              </a:rPr>
+              <a:t>function(e) {</a:t>
+            </a:r>
+          </a:p>
+          <a:p>
+            <a:r>
+              <a:rPr lang="en-US" sz="1200" kern="1200" dirty="0" smtClean="0">
+                <a:solidFill>
+                  <a:schemeClr val="tx1"/>
+                </a:solidFill>
+                <a:latin typeface="+mn-lt"/>
+                <a:ea typeface="ＭＳ Ｐゴシック" charset="0"/>
+                <a:cs typeface="ＭＳ Ｐゴシック" charset="0"/>
+              </a:rPr>
+              <a:t>			</a:t>
+            </a:r>
+            <a:r>
+              <a:rPr lang="en-US" sz="1200" kern="1200" dirty="0" err="1" smtClean="0">
+                <a:solidFill>
+                  <a:schemeClr val="tx1"/>
+                </a:solidFill>
+                <a:latin typeface="+mn-lt"/>
+                <a:ea typeface="ＭＳ Ｐゴシック" charset="0"/>
+                <a:cs typeface="ＭＳ Ｐゴシック" charset="0"/>
+              </a:rPr>
+              <a:t>container.width</a:t>
+            </a:r>
+            <a:r>
+              <a:rPr lang="en-US" sz="1200" kern="1200" dirty="0" smtClean="0">
+                <a:solidFill>
+                  <a:schemeClr val="tx1"/>
+                </a:solidFill>
+                <a:latin typeface="+mn-lt"/>
+                <a:ea typeface="ＭＳ Ｐゴシック" charset="0"/>
+                <a:cs typeface="ＭＳ Ｐゴシック" charset="0"/>
+              </a:rPr>
+              <a:t> = </a:t>
+            </a:r>
+            <a:r>
+              <a:rPr lang="en-US" sz="1200" kern="1200" dirty="0" err="1" smtClean="0">
+                <a:solidFill>
+                  <a:schemeClr val="tx1"/>
+                </a:solidFill>
+                <a:latin typeface="+mn-lt"/>
+                <a:ea typeface="ＭＳ Ｐゴシック" charset="0"/>
+                <a:cs typeface="ＭＳ Ｐゴシック" charset="0"/>
+              </a:rPr>
+              <a:t>Ti.Platform.displayCaps.platformWidth</a:t>
+            </a:r>
+            <a:r>
+              <a:rPr lang="en-US" sz="1200" kern="1200" dirty="0" smtClean="0">
+                <a:solidFill>
+                  <a:schemeClr val="tx1"/>
+                </a:solidFill>
+                <a:latin typeface="+mn-lt"/>
+                <a:ea typeface="ＭＳ Ｐゴシック" charset="0"/>
+                <a:cs typeface="ＭＳ Ｐゴシック" charset="0"/>
+              </a:rPr>
+              <a:t>/</a:t>
+            </a:r>
+            <a:r>
+              <a:rPr lang="en-US" sz="1200" b="1" kern="1200" dirty="0" smtClean="0">
+                <a:solidFill>
+                  <a:schemeClr val="tx1"/>
+                </a:solidFill>
+                <a:latin typeface="+mn-lt"/>
+                <a:ea typeface="ＭＳ Ｐゴシック" charset="0"/>
+                <a:cs typeface="ＭＳ Ｐゴシック" charset="0"/>
+              </a:rPr>
+              <a:t>2;</a:t>
+            </a:r>
+          </a:p>
+          <a:p>
+            <a:r>
+              <a:rPr lang="en-US" sz="1200" kern="1200" dirty="0" smtClean="0">
+                <a:solidFill>
+                  <a:schemeClr val="tx1"/>
+                </a:solidFill>
+                <a:latin typeface="+mn-lt"/>
+                <a:ea typeface="ＭＳ Ｐゴシック" charset="0"/>
+                <a:cs typeface="ＭＳ Ｐゴシック" charset="0"/>
+              </a:rPr>
+              <a:t>		});</a:t>
+            </a:r>
+          </a:p>
+          <a:p>
+            <a:endParaRPr lang="en-US" sz="1200" kern="1200" baseline="0" dirty="0" smtClean="0">
+              <a:solidFill>
+                <a:schemeClr val="tx1"/>
+              </a:solidFill>
+              <a:latin typeface="+mn-lt"/>
+              <a:ea typeface="ＭＳ Ｐゴシック" charset="0"/>
+              <a:cs typeface="ＭＳ Ｐゴシック" charset="0"/>
+            </a:endParaRPr>
+          </a:p>
+          <a:p>
+            <a:r>
+              <a:rPr lang="en-US" sz="1200" kern="1200" baseline="0" dirty="0" smtClean="0">
+                <a:solidFill>
+                  <a:schemeClr val="tx1"/>
+                </a:solidFill>
+                <a:latin typeface="+mn-lt"/>
+                <a:ea typeface="ＭＳ Ｐゴシック" charset="0"/>
+                <a:cs typeface="ＭＳ Ｐゴシック" charset="0"/>
+              </a:rPr>
+              <a:t>basically, we listen for orientation change and update our UI to match.  You should add orientation change handlers for every component in your UI that needs to be updated based </a:t>
+            </a:r>
+            <a:r>
+              <a:rPr lang="en-US" sz="1200" kern="1200" baseline="0" smtClean="0">
+                <a:solidFill>
+                  <a:schemeClr val="tx1"/>
+                </a:solidFill>
+                <a:latin typeface="+mn-lt"/>
+                <a:ea typeface="ＭＳ Ｐゴシック" charset="0"/>
+                <a:cs typeface="ＭＳ Ｐゴシック" charset="0"/>
+              </a:rPr>
+              <a:t>on orientation</a:t>
+            </a:r>
+            <a:endParaRPr lang="en-US" baseline="0" dirty="0" smtClean="0"/>
           </a:p>
         </p:txBody>
       </p:sp>
@@ -3707,23 +3874,11 @@
           <a:p>
             <a:r>
               <a:rPr lang="en-US" dirty="0" smtClean="0"/>
-              <a:t>Option 2 is to create a custom manifest file in the </a:t>
-            </a:r>
-            <a:r>
-              <a:rPr lang="en-US" dirty="0" smtClean="0"/>
-              <a:t>Platform/</a:t>
-            </a:r>
-            <a:r>
-              <a:rPr lang="en-US" dirty="0" smtClean="0"/>
-              <a:t>android</a:t>
+              <a:t>Option 2 is to create a custom manifest file in the Platform/android</a:t>
             </a:r>
             <a:r>
               <a:rPr lang="en-US" baseline="0" dirty="0" smtClean="0"/>
-              <a:t> </a:t>
-            </a:r>
-            <a:r>
-              <a:rPr lang="en-US" baseline="0" dirty="0" smtClean="0"/>
-              <a:t>folder</a:t>
+              <a:t> folder</a:t>
             </a:r>
           </a:p>
           <a:p>
@@ -3731,7 +3886,6 @@
               <a:rPr lang="en-US" baseline="0" dirty="0" smtClean="0"/>
               <a:t>The Platform folder doesn’t exist by default</a:t>
             </a:r>
-            <a:endParaRPr lang="en-US" baseline="0" dirty="0" smtClean="0"/>
           </a:p>
           <a:p>
             <a:endParaRPr lang="en-US" baseline="0" dirty="0" smtClean="0"/>
@@ -3841,15 +3995,7 @@
           <a:p>
             <a:r>
               <a:rPr lang="en-US" dirty="0" smtClean="0"/>
-              <a:t>This method is deprecated in favor of the </a:t>
-            </a:r>
-            <a:r>
-              <a:rPr lang="en-US" dirty="0" smtClean="0"/>
-              <a:t>platform/</a:t>
-            </a:r>
-            <a:r>
-              <a:rPr lang="en-US" dirty="0" smtClean="0"/>
-              <a:t>android/</a:t>
+              <a:t>This method is deprecated in favor of the platform/android/</a:t>
             </a:r>
             <a:r>
               <a:rPr lang="en-US" dirty="0" err="1" smtClean="0"/>
@@ -3857,13 +4003,8 @@
             </a:r>
             <a:r>
               <a:rPr lang="en-US" baseline="0" dirty="0" smtClean="0"/>
-              <a:t> (option 2) </a:t>
-            </a:r>
-            <a:r>
-              <a:rPr lang="en-US" baseline="0" dirty="0" smtClean="0"/>
-              <a:t>technique</a:t>
-            </a:r>
-            <a:endParaRPr lang="en-US" baseline="0" dirty="0" smtClean="0"/>
+              <a:t> (option 2) technique</a:t>
+            </a:r>
           </a:p>
         </p:txBody>
       </p:sp>
@@ -4525,7 +4666,7 @@
               <a:pPr>
                 <a:defRPr/>
               </a:pPr>
-              <a:t>7/21/11</a:t>
+              <a:t>7/26/11</a:t>
             </a:fld>
             <a:endParaRPr lang="en-US"/>
           </a:p>
@@ -5013,7 +5154,7 @@
               <a:pPr>
                 <a:defRPr/>
               </a:pPr>
-              <a:t>7/21/11</a:t>
+              <a:t>7/26/11</a:t>
             </a:fld>
             <a:endParaRPr lang="en-US"/>
           </a:p>
@@ -5575,7 +5716,7 @@
               <a:pPr>
                 <a:defRPr/>
               </a:pPr>
-              <a:t>7/21/11</a:t>
+              <a:t>7/26/11</a:t>
             </a:fld>
             <a:endParaRPr lang="en-US"/>
           </a:p>
@@ -6185,7 +6326,7 @@
               <a:pPr>
                 <a:defRPr/>
               </a:pPr>
-              <a:t>7/21/11</a:t>
+              <a:t>7/26/11</a:t>
             </a:fld>
             <a:endParaRPr lang="en-US"/>
           </a:p>
@@ -6307,7 +6448,7 @@
               <a:pPr>
                 <a:defRPr/>
               </a:pPr>
-              <a:t>7/21/11</a:t>
+              <a:t>7/26/11</a:t>
             </a:fld>
             <a:endParaRPr lang="en-US"/>
           </a:p>
@@ -6594,7 +6735,7 @@
               <a:pPr>
                 <a:defRPr/>
               </a:pPr>
-              <a:t>7/21/11</a:t>
+              <a:t>7/26/11</a:t>
             </a:fld>
             <a:endParaRPr lang="en-US"/>
           </a:p>
@@ -11820,11 +11961,7 @@
             </a:r>
             <a:r>
               <a:rPr lang="en-US" sz="2000" dirty="0" smtClean="0"/>
-              <a:t>	</a:t>
-            </a:r>
-            <a:r>
-              <a:rPr lang="en-US" sz="2000" dirty="0" smtClean="0"/>
-              <a:t>platform/</a:t>
+              <a:t>	platform/</a:t>
             </a:r>
             <a:r>
               <a:rPr lang="en-US" sz="2000" dirty="0"/>

--- a/325.pptx
+++ b/325.pptx
@@ -1986,18 +1986,22 @@
           </a:p>
           <a:p>
             <a:r>
-              <a:rPr lang="en-US" dirty="0" smtClean="0"/>
+              <a:rPr lang="en-US" b="1" dirty="0" smtClean="0"/>
               <a:t>Demo must</a:t>
             </a:r>
             <a:r>
+              <a:rPr lang="en-US" b="1" baseline="0" dirty="0" smtClean="0"/>
+              <a:t> be run on a device</a:t>
+            </a:r>
+          </a:p>
+          <a:p>
+            <a:r>
               <a:rPr lang="en-US" baseline="0" dirty="0" smtClean="0"/>
-              <a:t> be run on a device</a:t>
-            </a:r>
-          </a:p>
-          <a:p>
+              <a:t>Phone tab </a:t>
+            </a:r>
             <a:r>
               <a:rPr lang="en-US" baseline="0" dirty="0" smtClean="0"/>
-              <a:t>Phone &gt; Accelerometer</a:t>
+              <a:t>&gt; Accelerometer</a:t>
             </a:r>
           </a:p>
           <a:p>
@@ -2212,11 +2216,7 @@
             </a:r>
             <a:r>
               <a:rPr lang="en-US" baseline="0" dirty="0" smtClean="0"/>
-              <a:t> we will redraw and create nice orientation specific layouts for our application windows</a:t>
-            </a:r>
-            <a:r>
-              <a:rPr lang="en-US" baseline="0" dirty="0" smtClean="0"/>
-              <a:t>.  This happens here:</a:t>
+              <a:t> we will redraw and create nice orientation specific layouts for our application windows.  This happens here:</a:t>
             </a:r>
           </a:p>
           <a:p>
@@ -3995,7 +3995,23 @@
           <a:p>
             <a:r>
               <a:rPr lang="en-US" dirty="0" smtClean="0"/>
-              <a:t>This method is deprecated in favor of the platform/android/</a:t>
+              <a:t>This method is deprecated in favor of </a:t>
+            </a:r>
+            <a:r>
+              <a:rPr lang="en-US" dirty="0" smtClean="0"/>
+              <a:t>the </a:t>
+            </a:r>
+            <a:r>
+              <a:rPr lang="en-US" dirty="0" err="1" smtClean="0"/>
+              <a:t>Tiapp.xml</a:t>
+            </a:r>
+            <a:r>
+              <a:rPr lang="en-US" dirty="0" smtClean="0"/>
+              <a:t> or </a:t>
+            </a:r>
+            <a:r>
+              <a:rPr lang="en-US" dirty="0" smtClean="0"/>
+              <a:t>platform/android/</a:t>
             </a:r>
             <a:r>
               <a:rPr lang="en-US" dirty="0" err="1" smtClean="0"/>
@@ -4003,8 +4019,13 @@
             </a:r>
             <a:r>
               <a:rPr lang="en-US" baseline="0" dirty="0" smtClean="0"/>
-              <a:t> (option 2) technique</a:t>
-            </a:r>
+              <a:t> (option 2) </a:t>
+            </a:r>
+            <a:r>
+              <a:rPr lang="en-US" baseline="0" dirty="0" smtClean="0"/>
+              <a:t>techniques</a:t>
+            </a:r>
+            <a:endParaRPr lang="en-US" baseline="0" dirty="0" smtClean="0"/>
           </a:p>
         </p:txBody>
       </p:sp>

--- a/325.pptx
+++ b/325.pptx
@@ -253,7 +253,7 @@
               <a:pPr>
                 <a:defRPr/>
               </a:pPr>
-              <a:t>7/26/11</a:t>
+              <a:t>8/19/11</a:t>
             </a:fld>
             <a:endParaRPr lang="en-US"/>
           </a:p>
@@ -436,7 +436,7 @@
               <a:pPr>
                 <a:defRPr/>
               </a:pPr>
-              <a:t>7/26/11</a:t>
+              <a:t>8/19/11</a:t>
             </a:fld>
             <a:endParaRPr lang="en-US"/>
           </a:p>
@@ -1997,11 +1997,7 @@
           <a:p>
             <a:r>
               <a:rPr lang="en-US" baseline="0" dirty="0" smtClean="0"/>
-              <a:t>Phone tab </a:t>
-            </a:r>
-            <a:r>
-              <a:rPr lang="en-US" baseline="0" dirty="0" smtClean="0"/>
-              <a:t>&gt; Accelerometer</a:t>
+              <a:t>Phone tab &gt; Accelerometer</a:t>
             </a:r>
           </a:p>
           <a:p>
@@ -3995,11 +3991,7 @@
           <a:p>
             <a:r>
               <a:rPr lang="en-US" dirty="0" smtClean="0"/>
-              <a:t>This method is deprecated in favor of </a:t>
-            </a:r>
-            <a:r>
-              <a:rPr lang="en-US" dirty="0" smtClean="0"/>
-              <a:t>the </a:t>
+              <a:t>This method is deprecated in favor of the </a:t>
             </a:r>
             <a:r>
               <a:rPr lang="en-US" dirty="0" err="1" smtClean="0"/>
@@ -4007,11 +3999,7 @@
             </a:r>
             <a:r>
               <a:rPr lang="en-US" dirty="0" smtClean="0"/>
-              <a:t> or </a:t>
-            </a:r>
-            <a:r>
-              <a:rPr lang="en-US" dirty="0" smtClean="0"/>
-              <a:t>platform/android/</a:t>
+              <a:t> or platform/android/</a:t>
             </a:r>
             <a:r>
               <a:rPr lang="en-US" dirty="0" err="1" smtClean="0"/>
@@ -4019,13 +4007,8 @@
             </a:r>
             <a:r>
               <a:rPr lang="en-US" baseline="0" dirty="0" smtClean="0"/>
-              <a:t> (option 2) </a:t>
-            </a:r>
-            <a:r>
-              <a:rPr lang="en-US" baseline="0" dirty="0" smtClean="0"/>
-              <a:t>techniques</a:t>
-            </a:r>
-            <a:endParaRPr lang="en-US" baseline="0" dirty="0" smtClean="0"/>
+              <a:t> (option 2) techniques</a:t>
+            </a:r>
           </a:p>
         </p:txBody>
       </p:sp>
@@ -4394,60 +4377,6 @@
           <a:chExt cx="0" cy="0"/>
         </a:xfrm>
       </p:grpSpPr>
-      <p:pic>
-        <p:nvPicPr>
-          <p:cNvPr id="2" name="Picture 8" descr="raised_paper.png"/>
-          <p:cNvPicPr>
-            <a:picLocks noChangeAspect="1"/>
-          </p:cNvPicPr>
-          <p:nvPr/>
-        </p:nvPicPr>
-        <p:blipFill>
-          <a:blip r:embed="rId3">
-            <a:extLst>
-              <a:ext uri="{28A0092B-C50C-407E-A947-70E740481C1C}">
-                <a14:useLocalDpi xmlns:a14="http://schemas.microsoft.com/office/drawing/2010/main" val="0"/>
-              </a:ext>
-            </a:extLst>
-          </a:blip>
-          <a:srcRect/>
-          <a:stretch>
-            <a:fillRect/>
-          </a:stretch>
-        </p:blipFill>
-        <p:spPr bwMode="auto">
-          <a:xfrm>
-            <a:off x="-152400" y="1400175"/>
-            <a:ext cx="9144000" cy="3101975"/>
-          </a:xfrm>
-          <a:prstGeom prst="rect">
-            <a:avLst/>
-          </a:prstGeom>
-          <a:noFill/>
-          <a:ln>
-            <a:noFill/>
-          </a:ln>
-          <a:extLst>
-            <a:ext uri="{909E8E84-426E-40dd-AFC4-6F175D3DCCD1}">
-              <a14:hiddenFill xmlns:a14="http://schemas.microsoft.com/office/drawing/2010/main">
-                <a:solidFill>
-                  <a:srgbClr val="FFFFFF"/>
-                </a:solidFill>
-              </a14:hiddenFill>
-            </a:ext>
-            <a:ext uri="{91240B29-F687-4f45-9708-019B960494DF}">
-              <a14:hiddenLine xmlns:a14="http://schemas.microsoft.com/office/drawing/2010/main" w="9525">
-                <a:solidFill>
-                  <a:srgbClr val="000000"/>
-                </a:solidFill>
-                <a:miter lim="800000"/>
-                <a:headEnd/>
-                <a:tailEnd/>
-              </a14:hiddenLine>
-            </a:ext>
-          </a:extLst>
-        </p:spPr>
-      </p:pic>
       <p:sp>
         <p:nvSpPr>
           <p:cNvPr id="3" name="TextBox 9"/>
@@ -4606,60 +4535,6 @@
           </a:p>
         </p:txBody>
       </p:sp>
-      <p:pic>
-        <p:nvPicPr>
-          <p:cNvPr id="5" name="Picture 1"/>
-          <p:cNvPicPr>
-            <a:picLocks noChangeAspect="1"/>
-          </p:cNvPicPr>
-          <p:nvPr/>
-        </p:nvPicPr>
-        <p:blipFill>
-          <a:blip r:embed="rId4">
-            <a:extLst>
-              <a:ext uri="{28A0092B-C50C-407E-A947-70E740481C1C}">
-                <a14:useLocalDpi xmlns:a14="http://schemas.microsoft.com/office/drawing/2010/main" val="0"/>
-              </a:ext>
-            </a:extLst>
-          </a:blip>
-          <a:srcRect/>
-          <a:stretch>
-            <a:fillRect/>
-          </a:stretch>
-        </p:blipFill>
-        <p:spPr bwMode="auto">
-          <a:xfrm>
-            <a:off x="3910013" y="388938"/>
-            <a:ext cx="1290637" cy="757237"/>
-          </a:xfrm>
-          <a:prstGeom prst="rect">
-            <a:avLst/>
-          </a:prstGeom>
-          <a:noFill/>
-          <a:ln>
-            <a:noFill/>
-          </a:ln>
-          <a:extLst>
-            <a:ext uri="{909E8E84-426E-40dd-AFC4-6F175D3DCCD1}">
-              <a14:hiddenFill xmlns:a14="http://schemas.microsoft.com/office/drawing/2010/main">
-                <a:solidFill>
-                  <a:srgbClr val="FFFFFF"/>
-                </a:solidFill>
-              </a14:hiddenFill>
-            </a:ext>
-            <a:ext uri="{91240B29-F687-4f45-9708-019B960494DF}">
-              <a14:hiddenLine xmlns:a14="http://schemas.microsoft.com/office/drawing/2010/main" w="9525">
-                <a:solidFill>
-                  <a:srgbClr val="000000"/>
-                </a:solidFill>
-                <a:miter lim="800000"/>
-                <a:headEnd/>
-                <a:tailEnd/>
-              </a14:hiddenLine>
-            </a:ext>
-          </a:extLst>
-        </p:spPr>
-      </p:pic>
       <p:sp>
         <p:nvSpPr>
           <p:cNvPr id="6" name="Date Placeholder 3"/>
@@ -4687,7 +4562,7 @@
               <a:pPr>
                 <a:defRPr/>
               </a:pPr>
-              <a:t>7/26/11</a:t>
+              <a:t>8/19/11</a:t>
             </a:fld>
             <a:endParaRPr lang="en-US"/>
           </a:p>
@@ -4756,60 +4631,6 @@
           </a:p>
         </p:txBody>
       </p:sp>
-      <p:pic>
-        <p:nvPicPr>
-          <p:cNvPr id="9" name="Picture 8" descr="raised_paper.png"/>
-          <p:cNvPicPr>
-            <a:picLocks noChangeAspect="1"/>
-          </p:cNvPicPr>
-          <p:nvPr userDrawn="1"/>
-        </p:nvPicPr>
-        <p:blipFill>
-          <a:blip r:embed="rId3">
-            <a:extLst>
-              <a:ext uri="{28A0092B-C50C-407E-A947-70E740481C1C}">
-                <a14:useLocalDpi xmlns:a14="http://schemas.microsoft.com/office/drawing/2010/main" val="0"/>
-              </a:ext>
-            </a:extLst>
-          </a:blip>
-          <a:srcRect/>
-          <a:stretch>
-            <a:fillRect/>
-          </a:stretch>
-        </p:blipFill>
-        <p:spPr bwMode="auto">
-          <a:xfrm>
-            <a:off x="-152400" y="1400175"/>
-            <a:ext cx="9144000" cy="3101975"/>
-          </a:xfrm>
-          <a:prstGeom prst="rect">
-            <a:avLst/>
-          </a:prstGeom>
-          <a:noFill/>
-          <a:ln>
-            <a:noFill/>
-          </a:ln>
-          <a:extLst>
-            <a:ext uri="{909E8E84-426E-40dd-AFC4-6F175D3DCCD1}">
-              <a14:hiddenFill xmlns:a14="http://schemas.microsoft.com/office/drawing/2010/main">
-                <a:solidFill>
-                  <a:srgbClr val="FFFFFF"/>
-                </a:solidFill>
-              </a14:hiddenFill>
-            </a:ext>
-            <a:ext uri="{91240B29-F687-4f45-9708-019B960494DF}">
-              <a14:hiddenLine xmlns:a14="http://schemas.microsoft.com/office/drawing/2010/main" w="9525">
-                <a:solidFill>
-                  <a:srgbClr val="000000"/>
-                </a:solidFill>
-                <a:miter lim="800000"/>
-                <a:headEnd/>
-                <a:tailEnd/>
-              </a14:hiddenLine>
-            </a:ext>
-          </a:extLst>
-        </p:spPr>
-      </p:pic>
       <p:sp>
         <p:nvSpPr>
           <p:cNvPr id="10" name="TextBox 9"/>
@@ -4968,60 +4789,6 @@
           </a:p>
         </p:txBody>
       </p:sp>
-      <p:pic>
-        <p:nvPicPr>
-          <p:cNvPr id="11" name="Picture 1"/>
-          <p:cNvPicPr>
-            <a:picLocks noChangeAspect="1"/>
-          </p:cNvPicPr>
-          <p:nvPr userDrawn="1"/>
-        </p:nvPicPr>
-        <p:blipFill>
-          <a:blip r:embed="rId4">
-            <a:extLst>
-              <a:ext uri="{28A0092B-C50C-407E-A947-70E740481C1C}">
-                <a14:useLocalDpi xmlns:a14="http://schemas.microsoft.com/office/drawing/2010/main" val="0"/>
-              </a:ext>
-            </a:extLst>
-          </a:blip>
-          <a:srcRect/>
-          <a:stretch>
-            <a:fillRect/>
-          </a:stretch>
-        </p:blipFill>
-        <p:spPr bwMode="auto">
-          <a:xfrm>
-            <a:off x="3910013" y="388938"/>
-            <a:ext cx="1290637" cy="757237"/>
-          </a:xfrm>
-          <a:prstGeom prst="rect">
-            <a:avLst/>
-          </a:prstGeom>
-          <a:noFill/>
-          <a:ln>
-            <a:noFill/>
-          </a:ln>
-          <a:extLst>
-            <a:ext uri="{909E8E84-426E-40dd-AFC4-6F175D3DCCD1}">
-              <a14:hiddenFill xmlns:a14="http://schemas.microsoft.com/office/drawing/2010/main">
-                <a:solidFill>
-                  <a:srgbClr val="FFFFFF"/>
-                </a:solidFill>
-              </a14:hiddenFill>
-            </a:ext>
-            <a:ext uri="{91240B29-F687-4f45-9708-019B960494DF}">
-              <a14:hiddenLine xmlns:a14="http://schemas.microsoft.com/office/drawing/2010/main" w="9525">
-                <a:solidFill>
-                  <a:srgbClr val="000000"/>
-                </a:solidFill>
-                <a:miter lim="800000"/>
-                <a:headEnd/>
-                <a:tailEnd/>
-              </a14:hiddenLine>
-            </a:ext>
-          </a:extLst>
-        </p:spPr>
-      </p:pic>
     </p:spTree>
     <p:extLst>
       <p:ext uri="{BB962C8B-B14F-4D97-AF65-F5344CB8AC3E}">
@@ -5175,7 +4942,7 @@
               <a:pPr>
                 <a:defRPr/>
               </a:pPr>
-              <a:t>7/26/11</a:t>
+              <a:t>8/19/11</a:t>
             </a:fld>
             <a:endParaRPr lang="en-US"/>
           </a:p>
@@ -5737,7 +5504,7 @@
               <a:pPr>
                 <a:defRPr/>
               </a:pPr>
-              <a:t>7/26/11</a:t>
+              <a:t>8/19/11</a:t>
             </a:fld>
             <a:endParaRPr lang="en-US"/>
           </a:p>
@@ -6347,7 +6114,7 @@
               <a:pPr>
                 <a:defRPr/>
               </a:pPr>
-              <a:t>7/26/11</a:t>
+              <a:t>8/19/11</a:t>
             </a:fld>
             <a:endParaRPr lang="en-US"/>
           </a:p>
@@ -6469,7 +6236,7 @@
               <a:pPr>
                 <a:defRPr/>
               </a:pPr>
-              <a:t>7/26/11</a:t>
+              <a:t>8/19/11</a:t>
             </a:fld>
             <a:endParaRPr lang="en-US"/>
           </a:p>
@@ -6756,7 +6523,7 @@
               <a:pPr>
                 <a:defRPr/>
               </a:pPr>
-              <a:t>7/26/11</a:t>
+              <a:t>8/19/11</a:t>
             </a:fld>
             <a:endParaRPr lang="en-US"/>
           </a:p>
@@ -7768,6 +7535,129 @@
           <a:chExt cx="0" cy="0"/>
         </a:xfrm>
       </p:grpSpPr>
+      <p:grpSp>
+        <p:nvGrpSpPr>
+          <p:cNvPr id="2" name="Group 1"/>
+          <p:cNvGrpSpPr/>
+          <p:nvPr/>
+        </p:nvGrpSpPr>
+        <p:grpSpPr>
+          <a:xfrm>
+            <a:off x="-40106" y="1640564"/>
+            <a:ext cx="8915400" cy="3352800"/>
+            <a:chOff x="-40106" y="1640564"/>
+            <a:chExt cx="8915400" cy="3352800"/>
+          </a:xfrm>
+        </p:grpSpPr>
+        <p:pic>
+          <p:nvPicPr>
+            <p:cNvPr id="8" name="Picture 8" descr="raised_paper.png"/>
+            <p:cNvPicPr>
+              <a:picLocks noChangeAspect="1"/>
+            </p:cNvPicPr>
+            <p:nvPr/>
+          </p:nvPicPr>
+          <p:blipFill>
+            <a:blip r:embed="rId4">
+              <a:extLst>
+                <a:ext uri="{28A0092B-C50C-407E-A947-70E740481C1C}">
+                  <a14:useLocalDpi xmlns:a14="http://schemas.microsoft.com/office/drawing/2010/main" val="0"/>
+                </a:ext>
+              </a:extLst>
+            </a:blip>
+            <a:srcRect/>
+            <a:stretch>
+              <a:fillRect/>
+            </a:stretch>
+          </p:blipFill>
+          <p:spPr bwMode="auto">
+            <a:xfrm>
+              <a:off x="-40106" y="1640564"/>
+              <a:ext cx="8915400" cy="3352800"/>
+            </a:xfrm>
+            <a:prstGeom prst="rect">
+              <a:avLst/>
+            </a:prstGeom>
+            <a:noFill/>
+            <a:ln>
+              <a:noFill/>
+            </a:ln>
+            <a:extLst>
+              <a:ext uri="{909E8E84-426E-40dd-AFC4-6F175D3DCCD1}">
+                <a14:hiddenFill xmlns:a14="http://schemas.microsoft.com/office/drawing/2010/main">
+                  <a:solidFill>
+                    <a:srgbClr val="FFFFFF"/>
+                  </a:solidFill>
+                </a14:hiddenFill>
+              </a:ext>
+              <a:ext uri="{91240B29-F687-4f45-9708-019B960494DF}">
+                <a14:hiddenLine xmlns:a14="http://schemas.microsoft.com/office/drawing/2010/main" w="9525">
+                  <a:solidFill>
+                    <a:srgbClr val="000000"/>
+                  </a:solidFill>
+                  <a:miter lim="800000"/>
+                  <a:headEnd/>
+                  <a:tailEnd/>
+                </a14:hiddenLine>
+              </a:ext>
+            </a:extLst>
+          </p:spPr>
+        </p:pic>
+        <p:pic>
+          <p:nvPicPr>
+            <p:cNvPr id="10" name="Picture 8"/>
+            <p:cNvPicPr>
+              <a:picLocks noChangeAspect="1"/>
+            </p:cNvPicPr>
+            <p:nvPr/>
+          </p:nvPicPr>
+          <p:blipFill>
+            <a:blip r:embed="rId5">
+              <a:extLst>
+                <a:ext uri="{28A0092B-C50C-407E-A947-70E740481C1C}">
+                  <a14:useLocalDpi xmlns:a14="http://schemas.microsoft.com/office/drawing/2010/main" val="0"/>
+                </a:ext>
+              </a:extLst>
+            </a:blip>
+            <a:srcRect/>
+            <a:stretch>
+              <a:fillRect/>
+            </a:stretch>
+          </p:blipFill>
+          <p:spPr bwMode="auto">
+            <a:xfrm>
+              <a:off x="3923882" y="1792964"/>
+              <a:ext cx="1230312" cy="685800"/>
+            </a:xfrm>
+            <a:prstGeom prst="rect">
+              <a:avLst/>
+            </a:prstGeom>
+            <a:noFill/>
+            <a:ln>
+              <a:noFill/>
+            </a:ln>
+            <a:extLst>
+              <a:ext uri="{909E8E84-426E-40dd-AFC4-6F175D3DCCD1}">
+                <a14:hiddenFill xmlns:a14="http://schemas.microsoft.com/office/drawing/2010/main">
+                  <a:solidFill>
+                    <a:srgbClr val="FFFFFF"/>
+                  </a:solidFill>
+                </a14:hiddenFill>
+              </a:ext>
+              <a:ext uri="{91240B29-F687-4f45-9708-019B960494DF}">
+                <a14:hiddenLine xmlns:a14="http://schemas.microsoft.com/office/drawing/2010/main" w="9525">
+                  <a:solidFill>
+                    <a:srgbClr val="000000"/>
+                  </a:solidFill>
+                  <a:miter lim="800000"/>
+                  <a:headEnd/>
+                  <a:tailEnd/>
+                </a14:hiddenLine>
+              </a:ext>
+            </a:extLst>
+          </p:spPr>
+        </p:pic>
+      </p:grpSp>
       <p:sp>
         <p:nvSpPr>
           <p:cNvPr id="17410" name="TextBox 11"/>
@@ -7926,31 +7816,18 @@
           </a:p>
         </p:txBody>
       </p:sp>
-      <p:pic>
-        <p:nvPicPr>
-          <p:cNvPr id="17412" name="Picture 1"/>
-          <p:cNvPicPr>
-            <a:picLocks noChangeAspect="1"/>
-          </p:cNvPicPr>
+      <p:sp>
+        <p:nvSpPr>
+          <p:cNvPr id="17413" name="Title 11"/>
+          <p:cNvSpPr txBox="1">
+            <a:spLocks/>
+          </p:cNvSpPr>
           <p:nvPr/>
-        </p:nvPicPr>
-        <p:blipFill>
-          <a:blip r:embed="rId4">
-            <a:extLst>
-              <a:ext uri="{28A0092B-C50C-407E-A947-70E740481C1C}">
-                <a14:useLocalDpi xmlns:a14="http://schemas.microsoft.com/office/drawing/2010/main" val="0"/>
-              </a:ext>
-            </a:extLst>
-          </a:blip>
-          <a:srcRect/>
-          <a:stretch>
-            <a:fillRect/>
-          </a:stretch>
-        </p:blipFill>
+        </p:nvSpPr>
         <p:spPr bwMode="auto">
           <a:xfrm>
-            <a:off x="3910013" y="388938"/>
-            <a:ext cx="1290637" cy="757237"/>
+            <a:off x="603251" y="2526389"/>
+            <a:ext cx="7951788" cy="1224779"/>
           </a:xfrm>
           <a:prstGeom prst="rect">
             <a:avLst/>
@@ -7979,27 +7856,177 @@
             </a:ext>
           </a:extLst>
         </p:spPr>
-      </p:pic>
+        <p:txBody>
+          <a:bodyPr/>
+          <a:lstStyle>
+            <a:lvl1pPr eaLnBrk="0" hangingPunct="0">
+              <a:defRPr sz="2400">
+                <a:solidFill>
+                  <a:schemeClr val="tx1"/>
+                </a:solidFill>
+                <a:latin typeface="Trebuchet MS" charset="0"/>
+                <a:ea typeface="ＭＳ Ｐゴシック" charset="0"/>
+                <a:cs typeface="ＭＳ Ｐゴシック" charset="0"/>
+              </a:defRPr>
+            </a:lvl1pPr>
+            <a:lvl2pPr marL="742950" indent="-285750" eaLnBrk="0" hangingPunct="0">
+              <a:defRPr sz="2400">
+                <a:solidFill>
+                  <a:schemeClr val="tx1"/>
+                </a:solidFill>
+                <a:latin typeface="Trebuchet MS" charset="0"/>
+                <a:ea typeface="ＭＳ Ｐゴシック" charset="0"/>
+              </a:defRPr>
+            </a:lvl2pPr>
+            <a:lvl3pPr marL="1143000" indent="-228600" eaLnBrk="0" hangingPunct="0">
+              <a:defRPr sz="2400">
+                <a:solidFill>
+                  <a:schemeClr val="tx1"/>
+                </a:solidFill>
+                <a:latin typeface="Trebuchet MS" charset="0"/>
+                <a:ea typeface="ＭＳ Ｐゴシック" charset="0"/>
+              </a:defRPr>
+            </a:lvl3pPr>
+            <a:lvl4pPr marL="1600200" indent="-228600" eaLnBrk="0" hangingPunct="0">
+              <a:defRPr sz="2400">
+                <a:solidFill>
+                  <a:schemeClr val="tx1"/>
+                </a:solidFill>
+                <a:latin typeface="Trebuchet MS" charset="0"/>
+                <a:ea typeface="ＭＳ Ｐゴシック" charset="0"/>
+              </a:defRPr>
+            </a:lvl4pPr>
+            <a:lvl5pPr marL="2057400" indent="-228600" eaLnBrk="0" hangingPunct="0">
+              <a:defRPr sz="2400">
+                <a:solidFill>
+                  <a:schemeClr val="tx1"/>
+                </a:solidFill>
+                <a:latin typeface="Trebuchet MS" charset="0"/>
+                <a:ea typeface="ＭＳ Ｐゴシック" charset="0"/>
+              </a:defRPr>
+            </a:lvl5pPr>
+            <a:lvl6pPr marL="2514600" indent="-228600" eaLnBrk="0" fontAlgn="base" hangingPunct="0">
+              <a:spcBef>
+                <a:spcPct val="0"/>
+              </a:spcBef>
+              <a:spcAft>
+                <a:spcPct val="0"/>
+              </a:spcAft>
+              <a:defRPr sz="2400">
+                <a:solidFill>
+                  <a:schemeClr val="tx1"/>
+                </a:solidFill>
+                <a:latin typeface="Trebuchet MS" charset="0"/>
+                <a:ea typeface="ＭＳ Ｐゴシック" charset="0"/>
+              </a:defRPr>
+            </a:lvl6pPr>
+            <a:lvl7pPr marL="2971800" indent="-228600" eaLnBrk="0" fontAlgn="base" hangingPunct="0">
+              <a:spcBef>
+                <a:spcPct val="0"/>
+              </a:spcBef>
+              <a:spcAft>
+                <a:spcPct val="0"/>
+              </a:spcAft>
+              <a:defRPr sz="2400">
+                <a:solidFill>
+                  <a:schemeClr val="tx1"/>
+                </a:solidFill>
+                <a:latin typeface="Trebuchet MS" charset="0"/>
+                <a:ea typeface="ＭＳ Ｐゴシック" charset="0"/>
+              </a:defRPr>
+            </a:lvl7pPr>
+            <a:lvl8pPr marL="3429000" indent="-228600" eaLnBrk="0" fontAlgn="base" hangingPunct="0">
+              <a:spcBef>
+                <a:spcPct val="0"/>
+              </a:spcBef>
+              <a:spcAft>
+                <a:spcPct val="0"/>
+              </a:spcAft>
+              <a:defRPr sz="2400">
+                <a:solidFill>
+                  <a:schemeClr val="tx1"/>
+                </a:solidFill>
+                <a:latin typeface="Trebuchet MS" charset="0"/>
+                <a:ea typeface="ＭＳ Ｐゴシック" charset="0"/>
+              </a:defRPr>
+            </a:lvl8pPr>
+            <a:lvl9pPr marL="3886200" indent="-228600" eaLnBrk="0" fontAlgn="base" hangingPunct="0">
+              <a:spcBef>
+                <a:spcPct val="0"/>
+              </a:spcBef>
+              <a:spcAft>
+                <a:spcPct val="0"/>
+              </a:spcAft>
+              <a:defRPr sz="2400">
+                <a:solidFill>
+                  <a:schemeClr val="tx1"/>
+                </a:solidFill>
+                <a:latin typeface="Trebuchet MS" charset="0"/>
+                <a:ea typeface="ＭＳ Ｐゴシック" charset="0"/>
+              </a:defRPr>
+            </a:lvl9pPr>
+          </a:lstStyle>
+          <a:p>
+            <a:pPr algn="ctr" eaLnBrk="1" hangingPunct="1"/>
+            <a:r>
+              <a:rPr lang="en-US" sz="4000" b="1" i="1" dirty="0" smtClean="0">
+                <a:solidFill>
+                  <a:srgbClr val="122956"/>
+                </a:solidFill>
+                <a:cs typeface="Trebuchet MS" charset="0"/>
+              </a:rPr>
+              <a:t>Orientation and Gestures</a:t>
+            </a:r>
+            <a:br>
+              <a:rPr lang="en-US" sz="4000" b="1" i="1" dirty="0" smtClean="0">
+                <a:solidFill>
+                  <a:srgbClr val="122956"/>
+                </a:solidFill>
+                <a:cs typeface="Trebuchet MS" charset="0"/>
+              </a:rPr>
+            </a:br>
+            <a:r>
+              <a:rPr lang="en-US" sz="2800" i="1" dirty="0">
+                <a:solidFill>
+                  <a:srgbClr val="122956"/>
+                </a:solidFill>
+                <a:effectLst>
+                  <a:innerShdw blurRad="63500" dist="50800" dir="13500000">
+                    <a:prstClr val="black">
+                      <a:alpha val="50000"/>
+                    </a:prstClr>
+                  </a:innerShdw>
+                </a:effectLst>
+                <a:latin typeface="Trebuchet MS"/>
+                <a:ea typeface="Hiragino Sans GB W6" charset="0"/>
+              </a:rPr>
+              <a:t>Advanced Titanium Mobile Development</a:t>
+            </a:r>
+            <a:endParaRPr lang="en-US" sz="4000" b="1" i="1" dirty="0">
+              <a:solidFill>
+                <a:srgbClr val="122956"/>
+              </a:solidFill>
+              <a:cs typeface="Trebuchet MS" charset="0"/>
+            </a:endParaRPr>
+          </a:p>
+        </p:txBody>
+      </p:sp>
       <p:sp>
         <p:nvSpPr>
-          <p:cNvPr id="17413" name="Title 11"/>
-          <p:cNvSpPr txBox="1">
-            <a:spLocks/>
+          <p:cNvPr id="7" name="Slide Number Placeholder 5"/>
+          <p:cNvSpPr>
+            <a:spLocks noGrp="1"/>
           </p:cNvSpPr>
-          <p:nvPr/>
+          <p:nvPr>
+            <p:ph type="sldNum" sz="quarter" idx="12"/>
+          </p:nvPr>
         </p:nvSpPr>
         <p:spPr bwMode="auto">
           <a:xfrm>
-            <a:off x="762000" y="2500218"/>
-            <a:ext cx="7713663" cy="949325"/>
+            <a:off x="203200" y="6400800"/>
+            <a:ext cx="2133600" cy="365125"/>
           </a:xfrm>
-          <a:prstGeom prst="rect">
-            <a:avLst/>
-          </a:prstGeom>
           <a:noFill/>
-          <a:ln>
-            <a:noFill/>
-          </a:ln>
           <a:extLst>
             <a:ext uri="{909E8E84-426E-40dd-AFC4-6F175D3DCCD1}">
               <a14:hiddenFill xmlns:a14="http://schemas.microsoft.com/office/drawing/2010/main">
@@ -8021,7 +8048,11 @@
           </a:extLst>
         </p:spPr>
         <p:txBody>
-          <a:bodyPr/>
+          <a:bodyPr vert="horz" wrap="square" lIns="91440" tIns="45720" rIns="91440" bIns="45720" numCol="1" anchor="ctr" anchorCtr="0" compatLnSpc="1">
+            <a:prstTxWarp prst="textNoShape">
+              <a:avLst/>
+            </a:prstTxWarp>
+          </a:bodyPr>
           <a:lstStyle>
             <a:lvl1pPr eaLnBrk="0" hangingPunct="0">
               <a:defRPr sz="2400">
@@ -8131,17 +8162,27 @@
             </a:lvl9pPr>
           </a:lstStyle>
           <a:p>
-            <a:pPr algn="ctr" eaLnBrk="1" hangingPunct="1"/>
-            <a:r>
-              <a:rPr lang="en-US" sz="4000" b="1" dirty="0" smtClean="0">
+            <a:pPr algn="l" eaLnBrk="1" hangingPunct="1"/>
+            <a:r>
+              <a:rPr lang="en-US" sz="1200" b="1" dirty="0" smtClean="0">
                 <a:solidFill>
                   <a:srgbClr val="122956"/>
                 </a:solidFill>
                 <a:cs typeface="Trebuchet MS" charset="0"/>
               </a:rPr>
-              <a:t>Orientation and Gestures</a:t>
-            </a:r>
-            <a:endParaRPr lang="en-US" sz="4000" b="1" dirty="0">
+              <a:t>5-</a:t>
+            </a:r>
+            <a:fld id="{31B56995-E14C-B64F-86C9-12D6DB74A41E}" type="slidenum">
+              <a:rPr lang="en-US" sz="1200" b="1">
+                <a:solidFill>
+                  <a:srgbClr val="122956"/>
+                </a:solidFill>
+                <a:cs typeface="Trebuchet MS" charset="0"/>
+              </a:rPr>
+              <a:pPr algn="l" eaLnBrk="1" hangingPunct="1"/>
+              <a:t>1</a:t>
+            </a:fld>
+            <a:endParaRPr lang="en-US" sz="1200" b="1" dirty="0">
               <a:solidFill>
                 <a:srgbClr val="122956"/>
               </a:solidFill>
@@ -8351,6 +8392,186 @@
               <a:buNone/>
             </a:pPr>
             <a:endParaRPr lang="en-US" dirty="0" smtClean="0"/>
+          </a:p>
+        </p:txBody>
+      </p:sp>
+      <p:sp>
+        <p:nvSpPr>
+          <p:cNvPr id="4" name="Slide Number Placeholder 5"/>
+          <p:cNvSpPr>
+            <a:spLocks noGrp="1"/>
+          </p:cNvSpPr>
+          <p:nvPr>
+            <p:ph type="sldNum" sz="quarter" idx="12"/>
+          </p:nvPr>
+        </p:nvSpPr>
+        <p:spPr bwMode="auto">
+          <a:xfrm>
+            <a:off x="203200" y="6400800"/>
+            <a:ext cx="2133600" cy="365125"/>
+          </a:xfrm>
+          <a:noFill/>
+          <a:extLst>
+            <a:ext uri="{909E8E84-426E-40dd-AFC4-6F175D3DCCD1}">
+              <a14:hiddenFill xmlns:a14="http://schemas.microsoft.com/office/drawing/2010/main">
+                <a:solidFill>
+                  <a:srgbClr val="FFFFFF"/>
+                </a:solidFill>
+              </a14:hiddenFill>
+            </a:ext>
+            <a:ext uri="{91240B29-F687-4f45-9708-019B960494DF}">
+              <a14:hiddenLine xmlns:a14="http://schemas.microsoft.com/office/drawing/2010/main" w="9525">
+                <a:solidFill>
+                  <a:srgbClr val="000000"/>
+                </a:solidFill>
+                <a:miter lim="800000"/>
+                <a:headEnd/>
+                <a:tailEnd/>
+              </a14:hiddenLine>
+            </a:ext>
+          </a:extLst>
+        </p:spPr>
+        <p:txBody>
+          <a:bodyPr vert="horz" wrap="square" lIns="91440" tIns="45720" rIns="91440" bIns="45720" numCol="1" anchor="ctr" anchorCtr="0" compatLnSpc="1">
+            <a:prstTxWarp prst="textNoShape">
+              <a:avLst/>
+            </a:prstTxWarp>
+          </a:bodyPr>
+          <a:lstStyle>
+            <a:lvl1pPr eaLnBrk="0" hangingPunct="0">
+              <a:defRPr sz="2400">
+                <a:solidFill>
+                  <a:schemeClr val="tx1"/>
+                </a:solidFill>
+                <a:latin typeface="Trebuchet MS" charset="0"/>
+                <a:ea typeface="ＭＳ Ｐゴシック" charset="0"/>
+                <a:cs typeface="ＭＳ Ｐゴシック" charset="0"/>
+              </a:defRPr>
+            </a:lvl1pPr>
+            <a:lvl2pPr marL="742950" indent="-285750" eaLnBrk="0" hangingPunct="0">
+              <a:defRPr sz="2400">
+                <a:solidFill>
+                  <a:schemeClr val="tx1"/>
+                </a:solidFill>
+                <a:latin typeface="Trebuchet MS" charset="0"/>
+                <a:ea typeface="ＭＳ Ｐゴシック" charset="0"/>
+              </a:defRPr>
+            </a:lvl2pPr>
+            <a:lvl3pPr marL="1143000" indent="-228600" eaLnBrk="0" hangingPunct="0">
+              <a:defRPr sz="2400">
+                <a:solidFill>
+                  <a:schemeClr val="tx1"/>
+                </a:solidFill>
+                <a:latin typeface="Trebuchet MS" charset="0"/>
+                <a:ea typeface="ＭＳ Ｐゴシック" charset="0"/>
+              </a:defRPr>
+            </a:lvl3pPr>
+            <a:lvl4pPr marL="1600200" indent="-228600" eaLnBrk="0" hangingPunct="0">
+              <a:defRPr sz="2400">
+                <a:solidFill>
+                  <a:schemeClr val="tx1"/>
+                </a:solidFill>
+                <a:latin typeface="Trebuchet MS" charset="0"/>
+                <a:ea typeface="ＭＳ Ｐゴシック" charset="0"/>
+              </a:defRPr>
+            </a:lvl4pPr>
+            <a:lvl5pPr marL="2057400" indent="-228600" eaLnBrk="0" hangingPunct="0">
+              <a:defRPr sz="2400">
+                <a:solidFill>
+                  <a:schemeClr val="tx1"/>
+                </a:solidFill>
+                <a:latin typeface="Trebuchet MS" charset="0"/>
+                <a:ea typeface="ＭＳ Ｐゴシック" charset="0"/>
+              </a:defRPr>
+            </a:lvl5pPr>
+            <a:lvl6pPr marL="2514600" indent="-228600" eaLnBrk="0" fontAlgn="base" hangingPunct="0">
+              <a:spcBef>
+                <a:spcPct val="0"/>
+              </a:spcBef>
+              <a:spcAft>
+                <a:spcPct val="0"/>
+              </a:spcAft>
+              <a:defRPr sz="2400">
+                <a:solidFill>
+                  <a:schemeClr val="tx1"/>
+                </a:solidFill>
+                <a:latin typeface="Trebuchet MS" charset="0"/>
+                <a:ea typeface="ＭＳ Ｐゴシック" charset="0"/>
+              </a:defRPr>
+            </a:lvl6pPr>
+            <a:lvl7pPr marL="2971800" indent="-228600" eaLnBrk="0" fontAlgn="base" hangingPunct="0">
+              <a:spcBef>
+                <a:spcPct val="0"/>
+              </a:spcBef>
+              <a:spcAft>
+                <a:spcPct val="0"/>
+              </a:spcAft>
+              <a:defRPr sz="2400">
+                <a:solidFill>
+                  <a:schemeClr val="tx1"/>
+                </a:solidFill>
+                <a:latin typeface="Trebuchet MS" charset="0"/>
+                <a:ea typeface="ＭＳ Ｐゴシック" charset="0"/>
+              </a:defRPr>
+            </a:lvl7pPr>
+            <a:lvl8pPr marL="3429000" indent="-228600" eaLnBrk="0" fontAlgn="base" hangingPunct="0">
+              <a:spcBef>
+                <a:spcPct val="0"/>
+              </a:spcBef>
+              <a:spcAft>
+                <a:spcPct val="0"/>
+              </a:spcAft>
+              <a:defRPr sz="2400">
+                <a:solidFill>
+                  <a:schemeClr val="tx1"/>
+                </a:solidFill>
+                <a:latin typeface="Trebuchet MS" charset="0"/>
+                <a:ea typeface="ＭＳ Ｐゴシック" charset="0"/>
+              </a:defRPr>
+            </a:lvl8pPr>
+            <a:lvl9pPr marL="3886200" indent="-228600" eaLnBrk="0" fontAlgn="base" hangingPunct="0">
+              <a:spcBef>
+                <a:spcPct val="0"/>
+              </a:spcBef>
+              <a:spcAft>
+                <a:spcPct val="0"/>
+              </a:spcAft>
+              <a:defRPr sz="2400">
+                <a:solidFill>
+                  <a:schemeClr val="tx1"/>
+                </a:solidFill>
+                <a:latin typeface="Trebuchet MS" charset="0"/>
+                <a:ea typeface="ＭＳ Ｐゴシック" charset="0"/>
+              </a:defRPr>
+            </a:lvl9pPr>
+          </a:lstStyle>
+          <a:p>
+            <a:pPr algn="l" eaLnBrk="1" hangingPunct="1"/>
+            <a:r>
+              <a:rPr lang="en-US" sz="1200" b="1" dirty="0" smtClean="0">
+                <a:solidFill>
+                  <a:srgbClr val="122956"/>
+                </a:solidFill>
+                <a:cs typeface="Trebuchet MS" charset="0"/>
+              </a:rPr>
+              <a:t>5-</a:t>
+            </a:r>
+            <a:fld id="{31B56995-E14C-B64F-86C9-12D6DB74A41E}" type="slidenum">
+              <a:rPr lang="en-US" sz="1200" b="1">
+                <a:solidFill>
+                  <a:srgbClr val="122956"/>
+                </a:solidFill>
+                <a:cs typeface="Trebuchet MS" charset="0"/>
+              </a:rPr>
+              <a:pPr algn="l" eaLnBrk="1" hangingPunct="1"/>
+              <a:t>10</a:t>
+            </a:fld>
+            <a:endParaRPr lang="en-US" sz="1200" b="1" dirty="0">
+              <a:solidFill>
+                <a:srgbClr val="122956"/>
+              </a:solidFill>
+              <a:cs typeface="Trebuchet MS" charset="0"/>
+            </a:endParaRPr>
           </a:p>
         </p:txBody>
       </p:sp>
@@ -8484,6 +8705,186 @@
           </a:p>
         </p:txBody>
       </p:sp>
+      <p:sp>
+        <p:nvSpPr>
+          <p:cNvPr id="4" name="Slide Number Placeholder 5"/>
+          <p:cNvSpPr>
+            <a:spLocks noGrp="1"/>
+          </p:cNvSpPr>
+          <p:nvPr>
+            <p:ph type="sldNum" sz="quarter" idx="12"/>
+          </p:nvPr>
+        </p:nvSpPr>
+        <p:spPr bwMode="auto">
+          <a:xfrm>
+            <a:off x="203200" y="6400800"/>
+            <a:ext cx="2133600" cy="365125"/>
+          </a:xfrm>
+          <a:noFill/>
+          <a:extLst>
+            <a:ext uri="{909E8E84-426E-40dd-AFC4-6F175D3DCCD1}">
+              <a14:hiddenFill xmlns:a14="http://schemas.microsoft.com/office/drawing/2010/main">
+                <a:solidFill>
+                  <a:srgbClr val="FFFFFF"/>
+                </a:solidFill>
+              </a14:hiddenFill>
+            </a:ext>
+            <a:ext uri="{91240B29-F687-4f45-9708-019B960494DF}">
+              <a14:hiddenLine xmlns:a14="http://schemas.microsoft.com/office/drawing/2010/main" w="9525">
+                <a:solidFill>
+                  <a:srgbClr val="000000"/>
+                </a:solidFill>
+                <a:miter lim="800000"/>
+                <a:headEnd/>
+                <a:tailEnd/>
+              </a14:hiddenLine>
+            </a:ext>
+          </a:extLst>
+        </p:spPr>
+        <p:txBody>
+          <a:bodyPr vert="horz" wrap="square" lIns="91440" tIns="45720" rIns="91440" bIns="45720" numCol="1" anchor="ctr" anchorCtr="0" compatLnSpc="1">
+            <a:prstTxWarp prst="textNoShape">
+              <a:avLst/>
+            </a:prstTxWarp>
+          </a:bodyPr>
+          <a:lstStyle>
+            <a:lvl1pPr eaLnBrk="0" hangingPunct="0">
+              <a:defRPr sz="2400">
+                <a:solidFill>
+                  <a:schemeClr val="tx1"/>
+                </a:solidFill>
+                <a:latin typeface="Trebuchet MS" charset="0"/>
+                <a:ea typeface="ＭＳ Ｐゴシック" charset="0"/>
+                <a:cs typeface="ＭＳ Ｐゴシック" charset="0"/>
+              </a:defRPr>
+            </a:lvl1pPr>
+            <a:lvl2pPr marL="742950" indent="-285750" eaLnBrk="0" hangingPunct="0">
+              <a:defRPr sz="2400">
+                <a:solidFill>
+                  <a:schemeClr val="tx1"/>
+                </a:solidFill>
+                <a:latin typeface="Trebuchet MS" charset="0"/>
+                <a:ea typeface="ＭＳ Ｐゴシック" charset="0"/>
+              </a:defRPr>
+            </a:lvl2pPr>
+            <a:lvl3pPr marL="1143000" indent="-228600" eaLnBrk="0" hangingPunct="0">
+              <a:defRPr sz="2400">
+                <a:solidFill>
+                  <a:schemeClr val="tx1"/>
+                </a:solidFill>
+                <a:latin typeface="Trebuchet MS" charset="0"/>
+                <a:ea typeface="ＭＳ Ｐゴシック" charset="0"/>
+              </a:defRPr>
+            </a:lvl3pPr>
+            <a:lvl4pPr marL="1600200" indent="-228600" eaLnBrk="0" hangingPunct="0">
+              <a:defRPr sz="2400">
+                <a:solidFill>
+                  <a:schemeClr val="tx1"/>
+                </a:solidFill>
+                <a:latin typeface="Trebuchet MS" charset="0"/>
+                <a:ea typeface="ＭＳ Ｐゴシック" charset="0"/>
+              </a:defRPr>
+            </a:lvl4pPr>
+            <a:lvl5pPr marL="2057400" indent="-228600" eaLnBrk="0" hangingPunct="0">
+              <a:defRPr sz="2400">
+                <a:solidFill>
+                  <a:schemeClr val="tx1"/>
+                </a:solidFill>
+                <a:latin typeface="Trebuchet MS" charset="0"/>
+                <a:ea typeface="ＭＳ Ｐゴシック" charset="0"/>
+              </a:defRPr>
+            </a:lvl5pPr>
+            <a:lvl6pPr marL="2514600" indent="-228600" eaLnBrk="0" fontAlgn="base" hangingPunct="0">
+              <a:spcBef>
+                <a:spcPct val="0"/>
+              </a:spcBef>
+              <a:spcAft>
+                <a:spcPct val="0"/>
+              </a:spcAft>
+              <a:defRPr sz="2400">
+                <a:solidFill>
+                  <a:schemeClr val="tx1"/>
+                </a:solidFill>
+                <a:latin typeface="Trebuchet MS" charset="0"/>
+                <a:ea typeface="ＭＳ Ｐゴシック" charset="0"/>
+              </a:defRPr>
+            </a:lvl6pPr>
+            <a:lvl7pPr marL="2971800" indent="-228600" eaLnBrk="0" fontAlgn="base" hangingPunct="0">
+              <a:spcBef>
+                <a:spcPct val="0"/>
+              </a:spcBef>
+              <a:spcAft>
+                <a:spcPct val="0"/>
+              </a:spcAft>
+              <a:defRPr sz="2400">
+                <a:solidFill>
+                  <a:schemeClr val="tx1"/>
+                </a:solidFill>
+                <a:latin typeface="Trebuchet MS" charset="0"/>
+                <a:ea typeface="ＭＳ Ｐゴシック" charset="0"/>
+              </a:defRPr>
+            </a:lvl7pPr>
+            <a:lvl8pPr marL="3429000" indent="-228600" eaLnBrk="0" fontAlgn="base" hangingPunct="0">
+              <a:spcBef>
+                <a:spcPct val="0"/>
+              </a:spcBef>
+              <a:spcAft>
+                <a:spcPct val="0"/>
+              </a:spcAft>
+              <a:defRPr sz="2400">
+                <a:solidFill>
+                  <a:schemeClr val="tx1"/>
+                </a:solidFill>
+                <a:latin typeface="Trebuchet MS" charset="0"/>
+                <a:ea typeface="ＭＳ Ｐゴシック" charset="0"/>
+              </a:defRPr>
+            </a:lvl8pPr>
+            <a:lvl9pPr marL="3886200" indent="-228600" eaLnBrk="0" fontAlgn="base" hangingPunct="0">
+              <a:spcBef>
+                <a:spcPct val="0"/>
+              </a:spcBef>
+              <a:spcAft>
+                <a:spcPct val="0"/>
+              </a:spcAft>
+              <a:defRPr sz="2400">
+                <a:solidFill>
+                  <a:schemeClr val="tx1"/>
+                </a:solidFill>
+                <a:latin typeface="Trebuchet MS" charset="0"/>
+                <a:ea typeface="ＭＳ Ｐゴシック" charset="0"/>
+              </a:defRPr>
+            </a:lvl9pPr>
+          </a:lstStyle>
+          <a:p>
+            <a:pPr algn="l" eaLnBrk="1" hangingPunct="1"/>
+            <a:r>
+              <a:rPr lang="en-US" sz="1200" b="1" dirty="0" smtClean="0">
+                <a:solidFill>
+                  <a:srgbClr val="122956"/>
+                </a:solidFill>
+                <a:cs typeface="Trebuchet MS" charset="0"/>
+              </a:rPr>
+              <a:t>5-</a:t>
+            </a:r>
+            <a:fld id="{31B56995-E14C-B64F-86C9-12D6DB74A41E}" type="slidenum">
+              <a:rPr lang="en-US" sz="1200" b="1">
+                <a:solidFill>
+                  <a:srgbClr val="122956"/>
+                </a:solidFill>
+                <a:cs typeface="Trebuchet MS" charset="0"/>
+              </a:rPr>
+              <a:pPr algn="l" eaLnBrk="1" hangingPunct="1"/>
+              <a:t>11</a:t>
+            </a:fld>
+            <a:endParaRPr lang="en-US" sz="1200" b="1" dirty="0">
+              <a:solidFill>
+                <a:srgbClr val="122956"/>
+              </a:solidFill>
+              <a:cs typeface="Trebuchet MS" charset="0"/>
+            </a:endParaRPr>
+          </a:p>
+        </p:txBody>
+      </p:sp>
     </p:spTree>
     <p:extLst>
       <p:ext uri="{BB962C8B-B14F-4D97-AF65-F5344CB8AC3E}">
@@ -8671,6 +9072,186 @@
               <a:rPr lang="en-US" dirty="0" smtClean="0"/>
               <a:t>Pitch, roll, and yaw</a:t>
             </a:r>
+          </a:p>
+        </p:txBody>
+      </p:sp>
+      <p:sp>
+        <p:nvSpPr>
+          <p:cNvPr id="4" name="Slide Number Placeholder 5"/>
+          <p:cNvSpPr>
+            <a:spLocks noGrp="1"/>
+          </p:cNvSpPr>
+          <p:nvPr>
+            <p:ph type="sldNum" sz="quarter" idx="12"/>
+          </p:nvPr>
+        </p:nvSpPr>
+        <p:spPr bwMode="auto">
+          <a:xfrm>
+            <a:off x="203200" y="6400800"/>
+            <a:ext cx="2133600" cy="365125"/>
+          </a:xfrm>
+          <a:noFill/>
+          <a:extLst>
+            <a:ext uri="{909E8E84-426E-40dd-AFC4-6F175D3DCCD1}">
+              <a14:hiddenFill xmlns:a14="http://schemas.microsoft.com/office/drawing/2010/main">
+                <a:solidFill>
+                  <a:srgbClr val="FFFFFF"/>
+                </a:solidFill>
+              </a14:hiddenFill>
+            </a:ext>
+            <a:ext uri="{91240B29-F687-4f45-9708-019B960494DF}">
+              <a14:hiddenLine xmlns:a14="http://schemas.microsoft.com/office/drawing/2010/main" w="9525">
+                <a:solidFill>
+                  <a:srgbClr val="000000"/>
+                </a:solidFill>
+                <a:miter lim="800000"/>
+                <a:headEnd/>
+                <a:tailEnd/>
+              </a14:hiddenLine>
+            </a:ext>
+          </a:extLst>
+        </p:spPr>
+        <p:txBody>
+          <a:bodyPr vert="horz" wrap="square" lIns="91440" tIns="45720" rIns="91440" bIns="45720" numCol="1" anchor="ctr" anchorCtr="0" compatLnSpc="1">
+            <a:prstTxWarp prst="textNoShape">
+              <a:avLst/>
+            </a:prstTxWarp>
+          </a:bodyPr>
+          <a:lstStyle>
+            <a:lvl1pPr eaLnBrk="0" hangingPunct="0">
+              <a:defRPr sz="2400">
+                <a:solidFill>
+                  <a:schemeClr val="tx1"/>
+                </a:solidFill>
+                <a:latin typeface="Trebuchet MS" charset="0"/>
+                <a:ea typeface="ＭＳ Ｐゴシック" charset="0"/>
+                <a:cs typeface="ＭＳ Ｐゴシック" charset="0"/>
+              </a:defRPr>
+            </a:lvl1pPr>
+            <a:lvl2pPr marL="742950" indent="-285750" eaLnBrk="0" hangingPunct="0">
+              <a:defRPr sz="2400">
+                <a:solidFill>
+                  <a:schemeClr val="tx1"/>
+                </a:solidFill>
+                <a:latin typeface="Trebuchet MS" charset="0"/>
+                <a:ea typeface="ＭＳ Ｐゴシック" charset="0"/>
+              </a:defRPr>
+            </a:lvl2pPr>
+            <a:lvl3pPr marL="1143000" indent="-228600" eaLnBrk="0" hangingPunct="0">
+              <a:defRPr sz="2400">
+                <a:solidFill>
+                  <a:schemeClr val="tx1"/>
+                </a:solidFill>
+                <a:latin typeface="Trebuchet MS" charset="0"/>
+                <a:ea typeface="ＭＳ Ｐゴシック" charset="0"/>
+              </a:defRPr>
+            </a:lvl3pPr>
+            <a:lvl4pPr marL="1600200" indent="-228600" eaLnBrk="0" hangingPunct="0">
+              <a:defRPr sz="2400">
+                <a:solidFill>
+                  <a:schemeClr val="tx1"/>
+                </a:solidFill>
+                <a:latin typeface="Trebuchet MS" charset="0"/>
+                <a:ea typeface="ＭＳ Ｐゴシック" charset="0"/>
+              </a:defRPr>
+            </a:lvl4pPr>
+            <a:lvl5pPr marL="2057400" indent="-228600" eaLnBrk="0" hangingPunct="0">
+              <a:defRPr sz="2400">
+                <a:solidFill>
+                  <a:schemeClr val="tx1"/>
+                </a:solidFill>
+                <a:latin typeface="Trebuchet MS" charset="0"/>
+                <a:ea typeface="ＭＳ Ｐゴシック" charset="0"/>
+              </a:defRPr>
+            </a:lvl5pPr>
+            <a:lvl6pPr marL="2514600" indent="-228600" eaLnBrk="0" fontAlgn="base" hangingPunct="0">
+              <a:spcBef>
+                <a:spcPct val="0"/>
+              </a:spcBef>
+              <a:spcAft>
+                <a:spcPct val="0"/>
+              </a:spcAft>
+              <a:defRPr sz="2400">
+                <a:solidFill>
+                  <a:schemeClr val="tx1"/>
+                </a:solidFill>
+                <a:latin typeface="Trebuchet MS" charset="0"/>
+                <a:ea typeface="ＭＳ Ｐゴシック" charset="0"/>
+              </a:defRPr>
+            </a:lvl6pPr>
+            <a:lvl7pPr marL="2971800" indent="-228600" eaLnBrk="0" fontAlgn="base" hangingPunct="0">
+              <a:spcBef>
+                <a:spcPct val="0"/>
+              </a:spcBef>
+              <a:spcAft>
+                <a:spcPct val="0"/>
+              </a:spcAft>
+              <a:defRPr sz="2400">
+                <a:solidFill>
+                  <a:schemeClr val="tx1"/>
+                </a:solidFill>
+                <a:latin typeface="Trebuchet MS" charset="0"/>
+                <a:ea typeface="ＭＳ Ｐゴシック" charset="0"/>
+              </a:defRPr>
+            </a:lvl7pPr>
+            <a:lvl8pPr marL="3429000" indent="-228600" eaLnBrk="0" fontAlgn="base" hangingPunct="0">
+              <a:spcBef>
+                <a:spcPct val="0"/>
+              </a:spcBef>
+              <a:spcAft>
+                <a:spcPct val="0"/>
+              </a:spcAft>
+              <a:defRPr sz="2400">
+                <a:solidFill>
+                  <a:schemeClr val="tx1"/>
+                </a:solidFill>
+                <a:latin typeface="Trebuchet MS" charset="0"/>
+                <a:ea typeface="ＭＳ Ｐゴシック" charset="0"/>
+              </a:defRPr>
+            </a:lvl8pPr>
+            <a:lvl9pPr marL="3886200" indent="-228600" eaLnBrk="0" fontAlgn="base" hangingPunct="0">
+              <a:spcBef>
+                <a:spcPct val="0"/>
+              </a:spcBef>
+              <a:spcAft>
+                <a:spcPct val="0"/>
+              </a:spcAft>
+              <a:defRPr sz="2400">
+                <a:solidFill>
+                  <a:schemeClr val="tx1"/>
+                </a:solidFill>
+                <a:latin typeface="Trebuchet MS" charset="0"/>
+                <a:ea typeface="ＭＳ Ｐゴシック" charset="0"/>
+              </a:defRPr>
+            </a:lvl9pPr>
+          </a:lstStyle>
+          <a:p>
+            <a:pPr algn="l" eaLnBrk="1" hangingPunct="1"/>
+            <a:r>
+              <a:rPr lang="en-US" sz="1200" b="1" dirty="0" smtClean="0">
+                <a:solidFill>
+                  <a:srgbClr val="122956"/>
+                </a:solidFill>
+                <a:cs typeface="Trebuchet MS" charset="0"/>
+              </a:rPr>
+              <a:t>5-</a:t>
+            </a:r>
+            <a:fld id="{31B56995-E14C-B64F-86C9-12D6DB74A41E}" type="slidenum">
+              <a:rPr lang="en-US" sz="1200" b="1">
+                <a:solidFill>
+                  <a:srgbClr val="122956"/>
+                </a:solidFill>
+                <a:cs typeface="Trebuchet MS" charset="0"/>
+              </a:rPr>
+              <a:pPr algn="l" eaLnBrk="1" hangingPunct="1"/>
+              <a:t>12</a:t>
+            </a:fld>
+            <a:endParaRPr lang="en-US" sz="1200" b="1" dirty="0">
+              <a:solidFill>
+                <a:srgbClr val="122956"/>
+              </a:solidFill>
+              <a:cs typeface="Trebuchet MS" charset="0"/>
+            </a:endParaRPr>
           </a:p>
         </p:txBody>
       </p:sp>
@@ -8965,6 +9546,186 @@
             <a:endParaRPr lang="en-US" sz="1600" dirty="0">
               <a:latin typeface="Courier"/>
               <a:cs typeface="Courier"/>
+            </a:endParaRPr>
+          </a:p>
+        </p:txBody>
+      </p:sp>
+      <p:sp>
+        <p:nvSpPr>
+          <p:cNvPr id="6" name="Slide Number Placeholder 5"/>
+          <p:cNvSpPr>
+            <a:spLocks noGrp="1"/>
+          </p:cNvSpPr>
+          <p:nvPr>
+            <p:ph type="sldNum" sz="quarter" idx="12"/>
+          </p:nvPr>
+        </p:nvSpPr>
+        <p:spPr bwMode="auto">
+          <a:xfrm>
+            <a:off x="203200" y="6400800"/>
+            <a:ext cx="2133600" cy="365125"/>
+          </a:xfrm>
+          <a:noFill/>
+          <a:extLst>
+            <a:ext uri="{909E8E84-426E-40dd-AFC4-6F175D3DCCD1}">
+              <a14:hiddenFill xmlns:a14="http://schemas.microsoft.com/office/drawing/2010/main">
+                <a:solidFill>
+                  <a:srgbClr val="FFFFFF"/>
+                </a:solidFill>
+              </a14:hiddenFill>
+            </a:ext>
+            <a:ext uri="{91240B29-F687-4f45-9708-019B960494DF}">
+              <a14:hiddenLine xmlns:a14="http://schemas.microsoft.com/office/drawing/2010/main" w="9525">
+                <a:solidFill>
+                  <a:srgbClr val="000000"/>
+                </a:solidFill>
+                <a:miter lim="800000"/>
+                <a:headEnd/>
+                <a:tailEnd/>
+              </a14:hiddenLine>
+            </a:ext>
+          </a:extLst>
+        </p:spPr>
+        <p:txBody>
+          <a:bodyPr vert="horz" wrap="square" lIns="91440" tIns="45720" rIns="91440" bIns="45720" numCol="1" anchor="ctr" anchorCtr="0" compatLnSpc="1">
+            <a:prstTxWarp prst="textNoShape">
+              <a:avLst/>
+            </a:prstTxWarp>
+          </a:bodyPr>
+          <a:lstStyle>
+            <a:lvl1pPr eaLnBrk="0" hangingPunct="0">
+              <a:defRPr sz="2400">
+                <a:solidFill>
+                  <a:schemeClr val="tx1"/>
+                </a:solidFill>
+                <a:latin typeface="Trebuchet MS" charset="0"/>
+                <a:ea typeface="ＭＳ Ｐゴシック" charset="0"/>
+                <a:cs typeface="ＭＳ Ｐゴシック" charset="0"/>
+              </a:defRPr>
+            </a:lvl1pPr>
+            <a:lvl2pPr marL="742950" indent="-285750" eaLnBrk="0" hangingPunct="0">
+              <a:defRPr sz="2400">
+                <a:solidFill>
+                  <a:schemeClr val="tx1"/>
+                </a:solidFill>
+                <a:latin typeface="Trebuchet MS" charset="0"/>
+                <a:ea typeface="ＭＳ Ｐゴシック" charset="0"/>
+              </a:defRPr>
+            </a:lvl2pPr>
+            <a:lvl3pPr marL="1143000" indent="-228600" eaLnBrk="0" hangingPunct="0">
+              <a:defRPr sz="2400">
+                <a:solidFill>
+                  <a:schemeClr val="tx1"/>
+                </a:solidFill>
+                <a:latin typeface="Trebuchet MS" charset="0"/>
+                <a:ea typeface="ＭＳ Ｐゴシック" charset="0"/>
+              </a:defRPr>
+            </a:lvl3pPr>
+            <a:lvl4pPr marL="1600200" indent="-228600" eaLnBrk="0" hangingPunct="0">
+              <a:defRPr sz="2400">
+                <a:solidFill>
+                  <a:schemeClr val="tx1"/>
+                </a:solidFill>
+                <a:latin typeface="Trebuchet MS" charset="0"/>
+                <a:ea typeface="ＭＳ Ｐゴシック" charset="0"/>
+              </a:defRPr>
+            </a:lvl4pPr>
+            <a:lvl5pPr marL="2057400" indent="-228600" eaLnBrk="0" hangingPunct="0">
+              <a:defRPr sz="2400">
+                <a:solidFill>
+                  <a:schemeClr val="tx1"/>
+                </a:solidFill>
+                <a:latin typeface="Trebuchet MS" charset="0"/>
+                <a:ea typeface="ＭＳ Ｐゴシック" charset="0"/>
+              </a:defRPr>
+            </a:lvl5pPr>
+            <a:lvl6pPr marL="2514600" indent="-228600" eaLnBrk="0" fontAlgn="base" hangingPunct="0">
+              <a:spcBef>
+                <a:spcPct val="0"/>
+              </a:spcBef>
+              <a:spcAft>
+                <a:spcPct val="0"/>
+              </a:spcAft>
+              <a:defRPr sz="2400">
+                <a:solidFill>
+                  <a:schemeClr val="tx1"/>
+                </a:solidFill>
+                <a:latin typeface="Trebuchet MS" charset="0"/>
+                <a:ea typeface="ＭＳ Ｐゴシック" charset="0"/>
+              </a:defRPr>
+            </a:lvl6pPr>
+            <a:lvl7pPr marL="2971800" indent="-228600" eaLnBrk="0" fontAlgn="base" hangingPunct="0">
+              <a:spcBef>
+                <a:spcPct val="0"/>
+              </a:spcBef>
+              <a:spcAft>
+                <a:spcPct val="0"/>
+              </a:spcAft>
+              <a:defRPr sz="2400">
+                <a:solidFill>
+                  <a:schemeClr val="tx1"/>
+                </a:solidFill>
+                <a:latin typeface="Trebuchet MS" charset="0"/>
+                <a:ea typeface="ＭＳ Ｐゴシック" charset="0"/>
+              </a:defRPr>
+            </a:lvl7pPr>
+            <a:lvl8pPr marL="3429000" indent="-228600" eaLnBrk="0" fontAlgn="base" hangingPunct="0">
+              <a:spcBef>
+                <a:spcPct val="0"/>
+              </a:spcBef>
+              <a:spcAft>
+                <a:spcPct val="0"/>
+              </a:spcAft>
+              <a:defRPr sz="2400">
+                <a:solidFill>
+                  <a:schemeClr val="tx1"/>
+                </a:solidFill>
+                <a:latin typeface="Trebuchet MS" charset="0"/>
+                <a:ea typeface="ＭＳ Ｐゴシック" charset="0"/>
+              </a:defRPr>
+            </a:lvl8pPr>
+            <a:lvl9pPr marL="3886200" indent="-228600" eaLnBrk="0" fontAlgn="base" hangingPunct="0">
+              <a:spcBef>
+                <a:spcPct val="0"/>
+              </a:spcBef>
+              <a:spcAft>
+                <a:spcPct val="0"/>
+              </a:spcAft>
+              <a:defRPr sz="2400">
+                <a:solidFill>
+                  <a:schemeClr val="tx1"/>
+                </a:solidFill>
+                <a:latin typeface="Trebuchet MS" charset="0"/>
+                <a:ea typeface="ＭＳ Ｐゴシック" charset="0"/>
+              </a:defRPr>
+            </a:lvl9pPr>
+          </a:lstStyle>
+          <a:p>
+            <a:pPr algn="l" eaLnBrk="1" hangingPunct="1"/>
+            <a:r>
+              <a:rPr lang="en-US" sz="1200" b="1" dirty="0" smtClean="0">
+                <a:solidFill>
+                  <a:srgbClr val="122956"/>
+                </a:solidFill>
+                <a:cs typeface="Trebuchet MS" charset="0"/>
+              </a:rPr>
+              <a:t>5-</a:t>
+            </a:r>
+            <a:fld id="{31B56995-E14C-B64F-86C9-12D6DB74A41E}" type="slidenum">
+              <a:rPr lang="en-US" sz="1200" b="1">
+                <a:solidFill>
+                  <a:srgbClr val="122956"/>
+                </a:solidFill>
+                <a:cs typeface="Trebuchet MS" charset="0"/>
+              </a:rPr>
+              <a:pPr algn="l" eaLnBrk="1" hangingPunct="1"/>
+              <a:t>13</a:t>
+            </a:fld>
+            <a:endParaRPr lang="en-US" sz="1200" b="1" dirty="0">
+              <a:solidFill>
+                <a:srgbClr val="122956"/>
+              </a:solidFill>
+              <a:cs typeface="Trebuchet MS" charset="0"/>
             </a:endParaRPr>
           </a:p>
         </p:txBody>
@@ -9506,6 +10267,186 @@
           </p:sp>
         </p:grpSp>
       </p:grpSp>
+      <p:sp>
+        <p:nvSpPr>
+          <p:cNvPr id="13" name="Slide Number Placeholder 5"/>
+          <p:cNvSpPr>
+            <a:spLocks noGrp="1"/>
+          </p:cNvSpPr>
+          <p:nvPr>
+            <p:ph type="sldNum" sz="quarter" idx="12"/>
+          </p:nvPr>
+        </p:nvSpPr>
+        <p:spPr bwMode="auto">
+          <a:xfrm>
+            <a:off x="203200" y="6400800"/>
+            <a:ext cx="2133600" cy="365125"/>
+          </a:xfrm>
+          <a:noFill/>
+          <a:extLst>
+            <a:ext uri="{909E8E84-426E-40dd-AFC4-6F175D3DCCD1}">
+              <a14:hiddenFill xmlns:a14="http://schemas.microsoft.com/office/drawing/2010/main">
+                <a:solidFill>
+                  <a:srgbClr val="FFFFFF"/>
+                </a:solidFill>
+              </a14:hiddenFill>
+            </a:ext>
+            <a:ext uri="{91240B29-F687-4f45-9708-019B960494DF}">
+              <a14:hiddenLine xmlns:a14="http://schemas.microsoft.com/office/drawing/2010/main" w="9525">
+                <a:solidFill>
+                  <a:srgbClr val="000000"/>
+                </a:solidFill>
+                <a:miter lim="800000"/>
+                <a:headEnd/>
+                <a:tailEnd/>
+              </a14:hiddenLine>
+            </a:ext>
+          </a:extLst>
+        </p:spPr>
+        <p:txBody>
+          <a:bodyPr vert="horz" wrap="square" lIns="91440" tIns="45720" rIns="91440" bIns="45720" numCol="1" anchor="ctr" anchorCtr="0" compatLnSpc="1">
+            <a:prstTxWarp prst="textNoShape">
+              <a:avLst/>
+            </a:prstTxWarp>
+          </a:bodyPr>
+          <a:lstStyle>
+            <a:lvl1pPr eaLnBrk="0" hangingPunct="0">
+              <a:defRPr sz="2400">
+                <a:solidFill>
+                  <a:schemeClr val="tx1"/>
+                </a:solidFill>
+                <a:latin typeface="Trebuchet MS" charset="0"/>
+                <a:ea typeface="ＭＳ Ｐゴシック" charset="0"/>
+                <a:cs typeface="ＭＳ Ｐゴシック" charset="0"/>
+              </a:defRPr>
+            </a:lvl1pPr>
+            <a:lvl2pPr marL="742950" indent="-285750" eaLnBrk="0" hangingPunct="0">
+              <a:defRPr sz="2400">
+                <a:solidFill>
+                  <a:schemeClr val="tx1"/>
+                </a:solidFill>
+                <a:latin typeface="Trebuchet MS" charset="0"/>
+                <a:ea typeface="ＭＳ Ｐゴシック" charset="0"/>
+              </a:defRPr>
+            </a:lvl2pPr>
+            <a:lvl3pPr marL="1143000" indent="-228600" eaLnBrk="0" hangingPunct="0">
+              <a:defRPr sz="2400">
+                <a:solidFill>
+                  <a:schemeClr val="tx1"/>
+                </a:solidFill>
+                <a:latin typeface="Trebuchet MS" charset="0"/>
+                <a:ea typeface="ＭＳ Ｐゴシック" charset="0"/>
+              </a:defRPr>
+            </a:lvl3pPr>
+            <a:lvl4pPr marL="1600200" indent="-228600" eaLnBrk="0" hangingPunct="0">
+              <a:defRPr sz="2400">
+                <a:solidFill>
+                  <a:schemeClr val="tx1"/>
+                </a:solidFill>
+                <a:latin typeface="Trebuchet MS" charset="0"/>
+                <a:ea typeface="ＭＳ Ｐゴシック" charset="0"/>
+              </a:defRPr>
+            </a:lvl4pPr>
+            <a:lvl5pPr marL="2057400" indent="-228600" eaLnBrk="0" hangingPunct="0">
+              <a:defRPr sz="2400">
+                <a:solidFill>
+                  <a:schemeClr val="tx1"/>
+                </a:solidFill>
+                <a:latin typeface="Trebuchet MS" charset="0"/>
+                <a:ea typeface="ＭＳ Ｐゴシック" charset="0"/>
+              </a:defRPr>
+            </a:lvl5pPr>
+            <a:lvl6pPr marL="2514600" indent="-228600" eaLnBrk="0" fontAlgn="base" hangingPunct="0">
+              <a:spcBef>
+                <a:spcPct val="0"/>
+              </a:spcBef>
+              <a:spcAft>
+                <a:spcPct val="0"/>
+              </a:spcAft>
+              <a:defRPr sz="2400">
+                <a:solidFill>
+                  <a:schemeClr val="tx1"/>
+                </a:solidFill>
+                <a:latin typeface="Trebuchet MS" charset="0"/>
+                <a:ea typeface="ＭＳ Ｐゴシック" charset="0"/>
+              </a:defRPr>
+            </a:lvl6pPr>
+            <a:lvl7pPr marL="2971800" indent="-228600" eaLnBrk="0" fontAlgn="base" hangingPunct="0">
+              <a:spcBef>
+                <a:spcPct val="0"/>
+              </a:spcBef>
+              <a:spcAft>
+                <a:spcPct val="0"/>
+              </a:spcAft>
+              <a:defRPr sz="2400">
+                <a:solidFill>
+                  <a:schemeClr val="tx1"/>
+                </a:solidFill>
+                <a:latin typeface="Trebuchet MS" charset="0"/>
+                <a:ea typeface="ＭＳ Ｐゴシック" charset="0"/>
+              </a:defRPr>
+            </a:lvl7pPr>
+            <a:lvl8pPr marL="3429000" indent="-228600" eaLnBrk="0" fontAlgn="base" hangingPunct="0">
+              <a:spcBef>
+                <a:spcPct val="0"/>
+              </a:spcBef>
+              <a:spcAft>
+                <a:spcPct val="0"/>
+              </a:spcAft>
+              <a:defRPr sz="2400">
+                <a:solidFill>
+                  <a:schemeClr val="tx1"/>
+                </a:solidFill>
+                <a:latin typeface="Trebuchet MS" charset="0"/>
+                <a:ea typeface="ＭＳ Ｐゴシック" charset="0"/>
+              </a:defRPr>
+            </a:lvl8pPr>
+            <a:lvl9pPr marL="3886200" indent="-228600" eaLnBrk="0" fontAlgn="base" hangingPunct="0">
+              <a:spcBef>
+                <a:spcPct val="0"/>
+              </a:spcBef>
+              <a:spcAft>
+                <a:spcPct val="0"/>
+              </a:spcAft>
+              <a:defRPr sz="2400">
+                <a:solidFill>
+                  <a:schemeClr val="tx1"/>
+                </a:solidFill>
+                <a:latin typeface="Trebuchet MS" charset="0"/>
+                <a:ea typeface="ＭＳ Ｐゴシック" charset="0"/>
+              </a:defRPr>
+            </a:lvl9pPr>
+          </a:lstStyle>
+          <a:p>
+            <a:pPr algn="l" eaLnBrk="1" hangingPunct="1"/>
+            <a:r>
+              <a:rPr lang="en-US" sz="1200" b="1" dirty="0" smtClean="0">
+                <a:solidFill>
+                  <a:srgbClr val="122956"/>
+                </a:solidFill>
+                <a:cs typeface="Trebuchet MS" charset="0"/>
+              </a:rPr>
+              <a:t>5-</a:t>
+            </a:r>
+            <a:fld id="{31B56995-E14C-B64F-86C9-12D6DB74A41E}" type="slidenum">
+              <a:rPr lang="en-US" sz="1200" b="1">
+                <a:solidFill>
+                  <a:srgbClr val="122956"/>
+                </a:solidFill>
+                <a:cs typeface="Trebuchet MS" charset="0"/>
+              </a:rPr>
+              <a:pPr algn="l" eaLnBrk="1" hangingPunct="1"/>
+              <a:t>14</a:t>
+            </a:fld>
+            <a:endParaRPr lang="en-US" sz="1200" b="1" dirty="0">
+              <a:solidFill>
+                <a:srgbClr val="122956"/>
+              </a:solidFill>
+              <a:cs typeface="Trebuchet MS" charset="0"/>
+            </a:endParaRPr>
+          </a:p>
+        </p:txBody>
+      </p:sp>
     </p:spTree>
     <p:extLst>
       <p:ext uri="{BB962C8B-B14F-4D97-AF65-F5344CB8AC3E}">
@@ -9751,6 +10692,186 @@
               <a:buNone/>
             </a:pPr>
             <a:endParaRPr lang="en-US" dirty="0" smtClean="0"/>
+          </a:p>
+        </p:txBody>
+      </p:sp>
+      <p:sp>
+        <p:nvSpPr>
+          <p:cNvPr id="4" name="Slide Number Placeholder 5"/>
+          <p:cNvSpPr>
+            <a:spLocks noGrp="1"/>
+          </p:cNvSpPr>
+          <p:nvPr>
+            <p:ph type="sldNum" sz="quarter" idx="12"/>
+          </p:nvPr>
+        </p:nvSpPr>
+        <p:spPr bwMode="auto">
+          <a:xfrm>
+            <a:off x="203200" y="6400800"/>
+            <a:ext cx="2133600" cy="365125"/>
+          </a:xfrm>
+          <a:noFill/>
+          <a:extLst>
+            <a:ext uri="{909E8E84-426E-40dd-AFC4-6F175D3DCCD1}">
+              <a14:hiddenFill xmlns:a14="http://schemas.microsoft.com/office/drawing/2010/main">
+                <a:solidFill>
+                  <a:srgbClr val="FFFFFF"/>
+                </a:solidFill>
+              </a14:hiddenFill>
+            </a:ext>
+            <a:ext uri="{91240B29-F687-4f45-9708-019B960494DF}">
+              <a14:hiddenLine xmlns:a14="http://schemas.microsoft.com/office/drawing/2010/main" w="9525">
+                <a:solidFill>
+                  <a:srgbClr val="000000"/>
+                </a:solidFill>
+                <a:miter lim="800000"/>
+                <a:headEnd/>
+                <a:tailEnd/>
+              </a14:hiddenLine>
+            </a:ext>
+          </a:extLst>
+        </p:spPr>
+        <p:txBody>
+          <a:bodyPr vert="horz" wrap="square" lIns="91440" tIns="45720" rIns="91440" bIns="45720" numCol="1" anchor="ctr" anchorCtr="0" compatLnSpc="1">
+            <a:prstTxWarp prst="textNoShape">
+              <a:avLst/>
+            </a:prstTxWarp>
+          </a:bodyPr>
+          <a:lstStyle>
+            <a:lvl1pPr eaLnBrk="0" hangingPunct="0">
+              <a:defRPr sz="2400">
+                <a:solidFill>
+                  <a:schemeClr val="tx1"/>
+                </a:solidFill>
+                <a:latin typeface="Trebuchet MS" charset="0"/>
+                <a:ea typeface="ＭＳ Ｐゴシック" charset="0"/>
+                <a:cs typeface="ＭＳ Ｐゴシック" charset="0"/>
+              </a:defRPr>
+            </a:lvl1pPr>
+            <a:lvl2pPr marL="742950" indent="-285750" eaLnBrk="0" hangingPunct="0">
+              <a:defRPr sz="2400">
+                <a:solidFill>
+                  <a:schemeClr val="tx1"/>
+                </a:solidFill>
+                <a:latin typeface="Trebuchet MS" charset="0"/>
+                <a:ea typeface="ＭＳ Ｐゴシック" charset="0"/>
+              </a:defRPr>
+            </a:lvl2pPr>
+            <a:lvl3pPr marL="1143000" indent="-228600" eaLnBrk="0" hangingPunct="0">
+              <a:defRPr sz="2400">
+                <a:solidFill>
+                  <a:schemeClr val="tx1"/>
+                </a:solidFill>
+                <a:latin typeface="Trebuchet MS" charset="0"/>
+                <a:ea typeface="ＭＳ Ｐゴシック" charset="0"/>
+              </a:defRPr>
+            </a:lvl3pPr>
+            <a:lvl4pPr marL="1600200" indent="-228600" eaLnBrk="0" hangingPunct="0">
+              <a:defRPr sz="2400">
+                <a:solidFill>
+                  <a:schemeClr val="tx1"/>
+                </a:solidFill>
+                <a:latin typeface="Trebuchet MS" charset="0"/>
+                <a:ea typeface="ＭＳ Ｐゴシック" charset="0"/>
+              </a:defRPr>
+            </a:lvl4pPr>
+            <a:lvl5pPr marL="2057400" indent="-228600" eaLnBrk="0" hangingPunct="0">
+              <a:defRPr sz="2400">
+                <a:solidFill>
+                  <a:schemeClr val="tx1"/>
+                </a:solidFill>
+                <a:latin typeface="Trebuchet MS" charset="0"/>
+                <a:ea typeface="ＭＳ Ｐゴシック" charset="0"/>
+              </a:defRPr>
+            </a:lvl5pPr>
+            <a:lvl6pPr marL="2514600" indent="-228600" eaLnBrk="0" fontAlgn="base" hangingPunct="0">
+              <a:spcBef>
+                <a:spcPct val="0"/>
+              </a:spcBef>
+              <a:spcAft>
+                <a:spcPct val="0"/>
+              </a:spcAft>
+              <a:defRPr sz="2400">
+                <a:solidFill>
+                  <a:schemeClr val="tx1"/>
+                </a:solidFill>
+                <a:latin typeface="Trebuchet MS" charset="0"/>
+                <a:ea typeface="ＭＳ Ｐゴシック" charset="0"/>
+              </a:defRPr>
+            </a:lvl6pPr>
+            <a:lvl7pPr marL="2971800" indent="-228600" eaLnBrk="0" fontAlgn="base" hangingPunct="0">
+              <a:spcBef>
+                <a:spcPct val="0"/>
+              </a:spcBef>
+              <a:spcAft>
+                <a:spcPct val="0"/>
+              </a:spcAft>
+              <a:defRPr sz="2400">
+                <a:solidFill>
+                  <a:schemeClr val="tx1"/>
+                </a:solidFill>
+                <a:latin typeface="Trebuchet MS" charset="0"/>
+                <a:ea typeface="ＭＳ Ｐゴシック" charset="0"/>
+              </a:defRPr>
+            </a:lvl7pPr>
+            <a:lvl8pPr marL="3429000" indent="-228600" eaLnBrk="0" fontAlgn="base" hangingPunct="0">
+              <a:spcBef>
+                <a:spcPct val="0"/>
+              </a:spcBef>
+              <a:spcAft>
+                <a:spcPct val="0"/>
+              </a:spcAft>
+              <a:defRPr sz="2400">
+                <a:solidFill>
+                  <a:schemeClr val="tx1"/>
+                </a:solidFill>
+                <a:latin typeface="Trebuchet MS" charset="0"/>
+                <a:ea typeface="ＭＳ Ｐゴシック" charset="0"/>
+              </a:defRPr>
+            </a:lvl8pPr>
+            <a:lvl9pPr marL="3886200" indent="-228600" eaLnBrk="0" fontAlgn="base" hangingPunct="0">
+              <a:spcBef>
+                <a:spcPct val="0"/>
+              </a:spcBef>
+              <a:spcAft>
+                <a:spcPct val="0"/>
+              </a:spcAft>
+              <a:defRPr sz="2400">
+                <a:solidFill>
+                  <a:schemeClr val="tx1"/>
+                </a:solidFill>
+                <a:latin typeface="Trebuchet MS" charset="0"/>
+                <a:ea typeface="ＭＳ Ｐゴシック" charset="0"/>
+              </a:defRPr>
+            </a:lvl9pPr>
+          </a:lstStyle>
+          <a:p>
+            <a:pPr algn="l" eaLnBrk="1" hangingPunct="1"/>
+            <a:r>
+              <a:rPr lang="en-US" sz="1200" b="1" dirty="0" smtClean="0">
+                <a:solidFill>
+                  <a:srgbClr val="122956"/>
+                </a:solidFill>
+                <a:cs typeface="Trebuchet MS" charset="0"/>
+              </a:rPr>
+              <a:t>5-</a:t>
+            </a:r>
+            <a:fld id="{31B56995-E14C-B64F-86C9-12D6DB74A41E}" type="slidenum">
+              <a:rPr lang="en-US" sz="1200" b="1">
+                <a:solidFill>
+                  <a:srgbClr val="122956"/>
+                </a:solidFill>
+                <a:cs typeface="Trebuchet MS" charset="0"/>
+              </a:rPr>
+              <a:pPr algn="l" eaLnBrk="1" hangingPunct="1"/>
+              <a:t>15</a:t>
+            </a:fld>
+            <a:endParaRPr lang="en-US" sz="1200" b="1" dirty="0">
+              <a:solidFill>
+                <a:srgbClr val="122956"/>
+              </a:solidFill>
+              <a:cs typeface="Trebuchet MS" charset="0"/>
+            </a:endParaRPr>
           </a:p>
         </p:txBody>
       </p:sp>
@@ -10023,6 +11144,186 @@
           </a:p>
         </p:txBody>
       </p:sp>
+      <p:sp>
+        <p:nvSpPr>
+          <p:cNvPr id="4" name="Slide Number Placeholder 5"/>
+          <p:cNvSpPr>
+            <a:spLocks noGrp="1"/>
+          </p:cNvSpPr>
+          <p:nvPr>
+            <p:ph type="sldNum" sz="quarter" idx="12"/>
+          </p:nvPr>
+        </p:nvSpPr>
+        <p:spPr bwMode="auto">
+          <a:xfrm>
+            <a:off x="203200" y="6400800"/>
+            <a:ext cx="2133600" cy="365125"/>
+          </a:xfrm>
+          <a:noFill/>
+          <a:extLst>
+            <a:ext uri="{909E8E84-426E-40dd-AFC4-6F175D3DCCD1}">
+              <a14:hiddenFill xmlns:a14="http://schemas.microsoft.com/office/drawing/2010/main">
+                <a:solidFill>
+                  <a:srgbClr val="FFFFFF"/>
+                </a:solidFill>
+              </a14:hiddenFill>
+            </a:ext>
+            <a:ext uri="{91240B29-F687-4f45-9708-019B960494DF}">
+              <a14:hiddenLine xmlns:a14="http://schemas.microsoft.com/office/drawing/2010/main" w="9525">
+                <a:solidFill>
+                  <a:srgbClr val="000000"/>
+                </a:solidFill>
+                <a:miter lim="800000"/>
+                <a:headEnd/>
+                <a:tailEnd/>
+              </a14:hiddenLine>
+            </a:ext>
+          </a:extLst>
+        </p:spPr>
+        <p:txBody>
+          <a:bodyPr vert="horz" wrap="square" lIns="91440" tIns="45720" rIns="91440" bIns="45720" numCol="1" anchor="ctr" anchorCtr="0" compatLnSpc="1">
+            <a:prstTxWarp prst="textNoShape">
+              <a:avLst/>
+            </a:prstTxWarp>
+          </a:bodyPr>
+          <a:lstStyle>
+            <a:lvl1pPr eaLnBrk="0" hangingPunct="0">
+              <a:defRPr sz="2400">
+                <a:solidFill>
+                  <a:schemeClr val="tx1"/>
+                </a:solidFill>
+                <a:latin typeface="Trebuchet MS" charset="0"/>
+                <a:ea typeface="ＭＳ Ｐゴシック" charset="0"/>
+                <a:cs typeface="ＭＳ Ｐゴシック" charset="0"/>
+              </a:defRPr>
+            </a:lvl1pPr>
+            <a:lvl2pPr marL="742950" indent="-285750" eaLnBrk="0" hangingPunct="0">
+              <a:defRPr sz="2400">
+                <a:solidFill>
+                  <a:schemeClr val="tx1"/>
+                </a:solidFill>
+                <a:latin typeface="Trebuchet MS" charset="0"/>
+                <a:ea typeface="ＭＳ Ｐゴシック" charset="0"/>
+              </a:defRPr>
+            </a:lvl2pPr>
+            <a:lvl3pPr marL="1143000" indent="-228600" eaLnBrk="0" hangingPunct="0">
+              <a:defRPr sz="2400">
+                <a:solidFill>
+                  <a:schemeClr val="tx1"/>
+                </a:solidFill>
+                <a:latin typeface="Trebuchet MS" charset="0"/>
+                <a:ea typeface="ＭＳ Ｐゴシック" charset="0"/>
+              </a:defRPr>
+            </a:lvl3pPr>
+            <a:lvl4pPr marL="1600200" indent="-228600" eaLnBrk="0" hangingPunct="0">
+              <a:defRPr sz="2400">
+                <a:solidFill>
+                  <a:schemeClr val="tx1"/>
+                </a:solidFill>
+                <a:latin typeface="Trebuchet MS" charset="0"/>
+                <a:ea typeface="ＭＳ Ｐゴシック" charset="0"/>
+              </a:defRPr>
+            </a:lvl4pPr>
+            <a:lvl5pPr marL="2057400" indent="-228600" eaLnBrk="0" hangingPunct="0">
+              <a:defRPr sz="2400">
+                <a:solidFill>
+                  <a:schemeClr val="tx1"/>
+                </a:solidFill>
+                <a:latin typeface="Trebuchet MS" charset="0"/>
+                <a:ea typeface="ＭＳ Ｐゴシック" charset="0"/>
+              </a:defRPr>
+            </a:lvl5pPr>
+            <a:lvl6pPr marL="2514600" indent="-228600" eaLnBrk="0" fontAlgn="base" hangingPunct="0">
+              <a:spcBef>
+                <a:spcPct val="0"/>
+              </a:spcBef>
+              <a:spcAft>
+                <a:spcPct val="0"/>
+              </a:spcAft>
+              <a:defRPr sz="2400">
+                <a:solidFill>
+                  <a:schemeClr val="tx1"/>
+                </a:solidFill>
+                <a:latin typeface="Trebuchet MS" charset="0"/>
+                <a:ea typeface="ＭＳ Ｐゴシック" charset="0"/>
+              </a:defRPr>
+            </a:lvl6pPr>
+            <a:lvl7pPr marL="2971800" indent="-228600" eaLnBrk="0" fontAlgn="base" hangingPunct="0">
+              <a:spcBef>
+                <a:spcPct val="0"/>
+              </a:spcBef>
+              <a:spcAft>
+                <a:spcPct val="0"/>
+              </a:spcAft>
+              <a:defRPr sz="2400">
+                <a:solidFill>
+                  <a:schemeClr val="tx1"/>
+                </a:solidFill>
+                <a:latin typeface="Trebuchet MS" charset="0"/>
+                <a:ea typeface="ＭＳ Ｐゴシック" charset="0"/>
+              </a:defRPr>
+            </a:lvl7pPr>
+            <a:lvl8pPr marL="3429000" indent="-228600" eaLnBrk="0" fontAlgn="base" hangingPunct="0">
+              <a:spcBef>
+                <a:spcPct val="0"/>
+              </a:spcBef>
+              <a:spcAft>
+                <a:spcPct val="0"/>
+              </a:spcAft>
+              <a:defRPr sz="2400">
+                <a:solidFill>
+                  <a:schemeClr val="tx1"/>
+                </a:solidFill>
+                <a:latin typeface="Trebuchet MS" charset="0"/>
+                <a:ea typeface="ＭＳ Ｐゴシック" charset="0"/>
+              </a:defRPr>
+            </a:lvl8pPr>
+            <a:lvl9pPr marL="3886200" indent="-228600" eaLnBrk="0" fontAlgn="base" hangingPunct="0">
+              <a:spcBef>
+                <a:spcPct val="0"/>
+              </a:spcBef>
+              <a:spcAft>
+                <a:spcPct val="0"/>
+              </a:spcAft>
+              <a:defRPr sz="2400">
+                <a:solidFill>
+                  <a:schemeClr val="tx1"/>
+                </a:solidFill>
+                <a:latin typeface="Trebuchet MS" charset="0"/>
+                <a:ea typeface="ＭＳ Ｐゴシック" charset="0"/>
+              </a:defRPr>
+            </a:lvl9pPr>
+          </a:lstStyle>
+          <a:p>
+            <a:pPr algn="l" eaLnBrk="1" hangingPunct="1"/>
+            <a:r>
+              <a:rPr lang="en-US" sz="1200" b="1" dirty="0" smtClean="0">
+                <a:solidFill>
+                  <a:srgbClr val="122956"/>
+                </a:solidFill>
+                <a:cs typeface="Trebuchet MS" charset="0"/>
+              </a:rPr>
+              <a:t>5-</a:t>
+            </a:r>
+            <a:fld id="{31B56995-E14C-B64F-86C9-12D6DB74A41E}" type="slidenum">
+              <a:rPr lang="en-US" sz="1200" b="1">
+                <a:solidFill>
+                  <a:srgbClr val="122956"/>
+                </a:solidFill>
+                <a:cs typeface="Trebuchet MS" charset="0"/>
+              </a:rPr>
+              <a:pPr algn="l" eaLnBrk="1" hangingPunct="1"/>
+              <a:t>16</a:t>
+            </a:fld>
+            <a:endParaRPr lang="en-US" sz="1200" b="1" dirty="0">
+              <a:solidFill>
+                <a:srgbClr val="122956"/>
+              </a:solidFill>
+              <a:cs typeface="Trebuchet MS" charset="0"/>
+            </a:endParaRPr>
+          </a:p>
+        </p:txBody>
+      </p:sp>
     </p:spTree>
     <p:extLst>
       <p:ext uri="{BB962C8B-B14F-4D97-AF65-F5344CB8AC3E}">
@@ -10215,6 +11516,186 @@
               <a:t>Kitchen Sink demo</a:t>
             </a:r>
             <a:endParaRPr lang="en-US" dirty="0"/>
+          </a:p>
+        </p:txBody>
+      </p:sp>
+      <p:sp>
+        <p:nvSpPr>
+          <p:cNvPr id="4" name="Slide Number Placeholder 5"/>
+          <p:cNvSpPr>
+            <a:spLocks noGrp="1"/>
+          </p:cNvSpPr>
+          <p:nvPr>
+            <p:ph type="sldNum" sz="quarter" idx="12"/>
+          </p:nvPr>
+        </p:nvSpPr>
+        <p:spPr bwMode="auto">
+          <a:xfrm>
+            <a:off x="203200" y="6400800"/>
+            <a:ext cx="2133600" cy="365125"/>
+          </a:xfrm>
+          <a:noFill/>
+          <a:extLst>
+            <a:ext uri="{909E8E84-426E-40dd-AFC4-6F175D3DCCD1}">
+              <a14:hiddenFill xmlns:a14="http://schemas.microsoft.com/office/drawing/2010/main">
+                <a:solidFill>
+                  <a:srgbClr val="FFFFFF"/>
+                </a:solidFill>
+              </a14:hiddenFill>
+            </a:ext>
+            <a:ext uri="{91240B29-F687-4f45-9708-019B960494DF}">
+              <a14:hiddenLine xmlns:a14="http://schemas.microsoft.com/office/drawing/2010/main" w="9525">
+                <a:solidFill>
+                  <a:srgbClr val="000000"/>
+                </a:solidFill>
+                <a:miter lim="800000"/>
+                <a:headEnd/>
+                <a:tailEnd/>
+              </a14:hiddenLine>
+            </a:ext>
+          </a:extLst>
+        </p:spPr>
+        <p:txBody>
+          <a:bodyPr vert="horz" wrap="square" lIns="91440" tIns="45720" rIns="91440" bIns="45720" numCol="1" anchor="ctr" anchorCtr="0" compatLnSpc="1">
+            <a:prstTxWarp prst="textNoShape">
+              <a:avLst/>
+            </a:prstTxWarp>
+          </a:bodyPr>
+          <a:lstStyle>
+            <a:lvl1pPr eaLnBrk="0" hangingPunct="0">
+              <a:defRPr sz="2400">
+                <a:solidFill>
+                  <a:schemeClr val="tx1"/>
+                </a:solidFill>
+                <a:latin typeface="Trebuchet MS" charset="0"/>
+                <a:ea typeface="ＭＳ Ｐゴシック" charset="0"/>
+                <a:cs typeface="ＭＳ Ｐゴシック" charset="0"/>
+              </a:defRPr>
+            </a:lvl1pPr>
+            <a:lvl2pPr marL="742950" indent="-285750" eaLnBrk="0" hangingPunct="0">
+              <a:defRPr sz="2400">
+                <a:solidFill>
+                  <a:schemeClr val="tx1"/>
+                </a:solidFill>
+                <a:latin typeface="Trebuchet MS" charset="0"/>
+                <a:ea typeface="ＭＳ Ｐゴシック" charset="0"/>
+              </a:defRPr>
+            </a:lvl2pPr>
+            <a:lvl3pPr marL="1143000" indent="-228600" eaLnBrk="0" hangingPunct="0">
+              <a:defRPr sz="2400">
+                <a:solidFill>
+                  <a:schemeClr val="tx1"/>
+                </a:solidFill>
+                <a:latin typeface="Trebuchet MS" charset="0"/>
+                <a:ea typeface="ＭＳ Ｐゴシック" charset="0"/>
+              </a:defRPr>
+            </a:lvl3pPr>
+            <a:lvl4pPr marL="1600200" indent="-228600" eaLnBrk="0" hangingPunct="0">
+              <a:defRPr sz="2400">
+                <a:solidFill>
+                  <a:schemeClr val="tx1"/>
+                </a:solidFill>
+                <a:latin typeface="Trebuchet MS" charset="0"/>
+                <a:ea typeface="ＭＳ Ｐゴシック" charset="0"/>
+              </a:defRPr>
+            </a:lvl4pPr>
+            <a:lvl5pPr marL="2057400" indent="-228600" eaLnBrk="0" hangingPunct="0">
+              <a:defRPr sz="2400">
+                <a:solidFill>
+                  <a:schemeClr val="tx1"/>
+                </a:solidFill>
+                <a:latin typeface="Trebuchet MS" charset="0"/>
+                <a:ea typeface="ＭＳ Ｐゴシック" charset="0"/>
+              </a:defRPr>
+            </a:lvl5pPr>
+            <a:lvl6pPr marL="2514600" indent="-228600" eaLnBrk="0" fontAlgn="base" hangingPunct="0">
+              <a:spcBef>
+                <a:spcPct val="0"/>
+              </a:spcBef>
+              <a:spcAft>
+                <a:spcPct val="0"/>
+              </a:spcAft>
+              <a:defRPr sz="2400">
+                <a:solidFill>
+                  <a:schemeClr val="tx1"/>
+                </a:solidFill>
+                <a:latin typeface="Trebuchet MS" charset="0"/>
+                <a:ea typeface="ＭＳ Ｐゴシック" charset="0"/>
+              </a:defRPr>
+            </a:lvl6pPr>
+            <a:lvl7pPr marL="2971800" indent="-228600" eaLnBrk="0" fontAlgn="base" hangingPunct="0">
+              <a:spcBef>
+                <a:spcPct val="0"/>
+              </a:spcBef>
+              <a:spcAft>
+                <a:spcPct val="0"/>
+              </a:spcAft>
+              <a:defRPr sz="2400">
+                <a:solidFill>
+                  <a:schemeClr val="tx1"/>
+                </a:solidFill>
+                <a:latin typeface="Trebuchet MS" charset="0"/>
+                <a:ea typeface="ＭＳ Ｐゴシック" charset="0"/>
+              </a:defRPr>
+            </a:lvl7pPr>
+            <a:lvl8pPr marL="3429000" indent="-228600" eaLnBrk="0" fontAlgn="base" hangingPunct="0">
+              <a:spcBef>
+                <a:spcPct val="0"/>
+              </a:spcBef>
+              <a:spcAft>
+                <a:spcPct val="0"/>
+              </a:spcAft>
+              <a:defRPr sz="2400">
+                <a:solidFill>
+                  <a:schemeClr val="tx1"/>
+                </a:solidFill>
+                <a:latin typeface="Trebuchet MS" charset="0"/>
+                <a:ea typeface="ＭＳ Ｐゴシック" charset="0"/>
+              </a:defRPr>
+            </a:lvl8pPr>
+            <a:lvl9pPr marL="3886200" indent="-228600" eaLnBrk="0" fontAlgn="base" hangingPunct="0">
+              <a:spcBef>
+                <a:spcPct val="0"/>
+              </a:spcBef>
+              <a:spcAft>
+                <a:spcPct val="0"/>
+              </a:spcAft>
+              <a:defRPr sz="2400">
+                <a:solidFill>
+                  <a:schemeClr val="tx1"/>
+                </a:solidFill>
+                <a:latin typeface="Trebuchet MS" charset="0"/>
+                <a:ea typeface="ＭＳ Ｐゴシック" charset="0"/>
+              </a:defRPr>
+            </a:lvl9pPr>
+          </a:lstStyle>
+          <a:p>
+            <a:pPr algn="l" eaLnBrk="1" hangingPunct="1"/>
+            <a:r>
+              <a:rPr lang="en-US" sz="1200" b="1" dirty="0" smtClean="0">
+                <a:solidFill>
+                  <a:srgbClr val="122956"/>
+                </a:solidFill>
+                <a:cs typeface="Trebuchet MS" charset="0"/>
+              </a:rPr>
+              <a:t>5-</a:t>
+            </a:r>
+            <a:fld id="{31B56995-E14C-B64F-86C9-12D6DB74A41E}" type="slidenum">
+              <a:rPr lang="en-US" sz="1200" b="1">
+                <a:solidFill>
+                  <a:srgbClr val="122956"/>
+                </a:solidFill>
+                <a:cs typeface="Trebuchet MS" charset="0"/>
+              </a:rPr>
+              <a:pPr algn="l" eaLnBrk="1" hangingPunct="1"/>
+              <a:t>17</a:t>
+            </a:fld>
+            <a:endParaRPr lang="en-US" sz="1200" b="1" dirty="0">
+              <a:solidFill>
+                <a:srgbClr val="122956"/>
+              </a:solidFill>
+              <a:cs typeface="Trebuchet MS" charset="0"/>
+            </a:endParaRPr>
           </a:p>
         </p:txBody>
       </p:sp>
@@ -10348,6 +11829,186 @@
           </a:p>
         </p:txBody>
       </p:sp>
+      <p:sp>
+        <p:nvSpPr>
+          <p:cNvPr id="4" name="Slide Number Placeholder 5"/>
+          <p:cNvSpPr>
+            <a:spLocks noGrp="1"/>
+          </p:cNvSpPr>
+          <p:nvPr>
+            <p:ph type="sldNum" sz="quarter" idx="12"/>
+          </p:nvPr>
+        </p:nvSpPr>
+        <p:spPr bwMode="auto">
+          <a:xfrm>
+            <a:off x="203200" y="6400800"/>
+            <a:ext cx="2133600" cy="365125"/>
+          </a:xfrm>
+          <a:noFill/>
+          <a:extLst>
+            <a:ext uri="{909E8E84-426E-40dd-AFC4-6F175D3DCCD1}">
+              <a14:hiddenFill xmlns:a14="http://schemas.microsoft.com/office/drawing/2010/main">
+                <a:solidFill>
+                  <a:srgbClr val="FFFFFF"/>
+                </a:solidFill>
+              </a14:hiddenFill>
+            </a:ext>
+            <a:ext uri="{91240B29-F687-4f45-9708-019B960494DF}">
+              <a14:hiddenLine xmlns:a14="http://schemas.microsoft.com/office/drawing/2010/main" w="9525">
+                <a:solidFill>
+                  <a:srgbClr val="000000"/>
+                </a:solidFill>
+                <a:miter lim="800000"/>
+                <a:headEnd/>
+                <a:tailEnd/>
+              </a14:hiddenLine>
+            </a:ext>
+          </a:extLst>
+        </p:spPr>
+        <p:txBody>
+          <a:bodyPr vert="horz" wrap="square" lIns="91440" tIns="45720" rIns="91440" bIns="45720" numCol="1" anchor="ctr" anchorCtr="0" compatLnSpc="1">
+            <a:prstTxWarp prst="textNoShape">
+              <a:avLst/>
+            </a:prstTxWarp>
+          </a:bodyPr>
+          <a:lstStyle>
+            <a:lvl1pPr eaLnBrk="0" hangingPunct="0">
+              <a:defRPr sz="2400">
+                <a:solidFill>
+                  <a:schemeClr val="tx1"/>
+                </a:solidFill>
+                <a:latin typeface="Trebuchet MS" charset="0"/>
+                <a:ea typeface="ＭＳ Ｐゴシック" charset="0"/>
+                <a:cs typeface="ＭＳ Ｐゴシック" charset="0"/>
+              </a:defRPr>
+            </a:lvl1pPr>
+            <a:lvl2pPr marL="742950" indent="-285750" eaLnBrk="0" hangingPunct="0">
+              <a:defRPr sz="2400">
+                <a:solidFill>
+                  <a:schemeClr val="tx1"/>
+                </a:solidFill>
+                <a:latin typeface="Trebuchet MS" charset="0"/>
+                <a:ea typeface="ＭＳ Ｐゴシック" charset="0"/>
+              </a:defRPr>
+            </a:lvl2pPr>
+            <a:lvl3pPr marL="1143000" indent="-228600" eaLnBrk="0" hangingPunct="0">
+              <a:defRPr sz="2400">
+                <a:solidFill>
+                  <a:schemeClr val="tx1"/>
+                </a:solidFill>
+                <a:latin typeface="Trebuchet MS" charset="0"/>
+                <a:ea typeface="ＭＳ Ｐゴシック" charset="0"/>
+              </a:defRPr>
+            </a:lvl3pPr>
+            <a:lvl4pPr marL="1600200" indent="-228600" eaLnBrk="0" hangingPunct="0">
+              <a:defRPr sz="2400">
+                <a:solidFill>
+                  <a:schemeClr val="tx1"/>
+                </a:solidFill>
+                <a:latin typeface="Trebuchet MS" charset="0"/>
+                <a:ea typeface="ＭＳ Ｐゴシック" charset="0"/>
+              </a:defRPr>
+            </a:lvl4pPr>
+            <a:lvl5pPr marL="2057400" indent="-228600" eaLnBrk="0" hangingPunct="0">
+              <a:defRPr sz="2400">
+                <a:solidFill>
+                  <a:schemeClr val="tx1"/>
+                </a:solidFill>
+                <a:latin typeface="Trebuchet MS" charset="0"/>
+                <a:ea typeface="ＭＳ Ｐゴシック" charset="0"/>
+              </a:defRPr>
+            </a:lvl5pPr>
+            <a:lvl6pPr marL="2514600" indent="-228600" eaLnBrk="0" fontAlgn="base" hangingPunct="0">
+              <a:spcBef>
+                <a:spcPct val="0"/>
+              </a:spcBef>
+              <a:spcAft>
+                <a:spcPct val="0"/>
+              </a:spcAft>
+              <a:defRPr sz="2400">
+                <a:solidFill>
+                  <a:schemeClr val="tx1"/>
+                </a:solidFill>
+                <a:latin typeface="Trebuchet MS" charset="0"/>
+                <a:ea typeface="ＭＳ Ｐゴシック" charset="0"/>
+              </a:defRPr>
+            </a:lvl6pPr>
+            <a:lvl7pPr marL="2971800" indent="-228600" eaLnBrk="0" fontAlgn="base" hangingPunct="0">
+              <a:spcBef>
+                <a:spcPct val="0"/>
+              </a:spcBef>
+              <a:spcAft>
+                <a:spcPct val="0"/>
+              </a:spcAft>
+              <a:defRPr sz="2400">
+                <a:solidFill>
+                  <a:schemeClr val="tx1"/>
+                </a:solidFill>
+                <a:latin typeface="Trebuchet MS" charset="0"/>
+                <a:ea typeface="ＭＳ Ｐゴシック" charset="0"/>
+              </a:defRPr>
+            </a:lvl7pPr>
+            <a:lvl8pPr marL="3429000" indent="-228600" eaLnBrk="0" fontAlgn="base" hangingPunct="0">
+              <a:spcBef>
+                <a:spcPct val="0"/>
+              </a:spcBef>
+              <a:spcAft>
+                <a:spcPct val="0"/>
+              </a:spcAft>
+              <a:defRPr sz="2400">
+                <a:solidFill>
+                  <a:schemeClr val="tx1"/>
+                </a:solidFill>
+                <a:latin typeface="Trebuchet MS" charset="0"/>
+                <a:ea typeface="ＭＳ Ｐゴシック" charset="0"/>
+              </a:defRPr>
+            </a:lvl8pPr>
+            <a:lvl9pPr marL="3886200" indent="-228600" eaLnBrk="0" fontAlgn="base" hangingPunct="0">
+              <a:spcBef>
+                <a:spcPct val="0"/>
+              </a:spcBef>
+              <a:spcAft>
+                <a:spcPct val="0"/>
+              </a:spcAft>
+              <a:defRPr sz="2400">
+                <a:solidFill>
+                  <a:schemeClr val="tx1"/>
+                </a:solidFill>
+                <a:latin typeface="Trebuchet MS" charset="0"/>
+                <a:ea typeface="ＭＳ Ｐゴシック" charset="0"/>
+              </a:defRPr>
+            </a:lvl9pPr>
+          </a:lstStyle>
+          <a:p>
+            <a:pPr algn="l" eaLnBrk="1" hangingPunct="1"/>
+            <a:r>
+              <a:rPr lang="en-US" sz="1200" b="1" dirty="0" smtClean="0">
+                <a:solidFill>
+                  <a:srgbClr val="122956"/>
+                </a:solidFill>
+                <a:cs typeface="Trebuchet MS" charset="0"/>
+              </a:rPr>
+              <a:t>5-</a:t>
+            </a:r>
+            <a:fld id="{31B56995-E14C-B64F-86C9-12D6DB74A41E}" type="slidenum">
+              <a:rPr lang="en-US" sz="1200" b="1">
+                <a:solidFill>
+                  <a:srgbClr val="122956"/>
+                </a:solidFill>
+                <a:cs typeface="Trebuchet MS" charset="0"/>
+              </a:rPr>
+              <a:pPr algn="l" eaLnBrk="1" hangingPunct="1"/>
+              <a:t>18</a:t>
+            </a:fld>
+            <a:endParaRPr lang="en-US" sz="1200" b="1" dirty="0">
+              <a:solidFill>
+                <a:srgbClr val="122956"/>
+              </a:solidFill>
+              <a:cs typeface="Trebuchet MS" charset="0"/>
+            </a:endParaRPr>
+          </a:p>
+        </p:txBody>
+      </p:sp>
     </p:spTree>
     <p:extLst>
       <p:ext uri="{BB962C8B-B14F-4D97-AF65-F5344CB8AC3E}">
@@ -10486,6 +12147,186 @@
               <a:t>Demo &amp; wiki URL</a:t>
             </a:r>
             <a:endParaRPr lang="en-US" dirty="0"/>
+          </a:p>
+        </p:txBody>
+      </p:sp>
+      <p:sp>
+        <p:nvSpPr>
+          <p:cNvPr id="4" name="Slide Number Placeholder 5"/>
+          <p:cNvSpPr>
+            <a:spLocks noGrp="1"/>
+          </p:cNvSpPr>
+          <p:nvPr>
+            <p:ph type="sldNum" sz="quarter" idx="12"/>
+          </p:nvPr>
+        </p:nvSpPr>
+        <p:spPr bwMode="auto">
+          <a:xfrm>
+            <a:off x="203200" y="6400800"/>
+            <a:ext cx="2133600" cy="365125"/>
+          </a:xfrm>
+          <a:noFill/>
+          <a:extLst>
+            <a:ext uri="{909E8E84-426E-40dd-AFC4-6F175D3DCCD1}">
+              <a14:hiddenFill xmlns:a14="http://schemas.microsoft.com/office/drawing/2010/main">
+                <a:solidFill>
+                  <a:srgbClr val="FFFFFF"/>
+                </a:solidFill>
+              </a14:hiddenFill>
+            </a:ext>
+            <a:ext uri="{91240B29-F687-4f45-9708-019B960494DF}">
+              <a14:hiddenLine xmlns:a14="http://schemas.microsoft.com/office/drawing/2010/main" w="9525">
+                <a:solidFill>
+                  <a:srgbClr val="000000"/>
+                </a:solidFill>
+                <a:miter lim="800000"/>
+                <a:headEnd/>
+                <a:tailEnd/>
+              </a14:hiddenLine>
+            </a:ext>
+          </a:extLst>
+        </p:spPr>
+        <p:txBody>
+          <a:bodyPr vert="horz" wrap="square" lIns="91440" tIns="45720" rIns="91440" bIns="45720" numCol="1" anchor="ctr" anchorCtr="0" compatLnSpc="1">
+            <a:prstTxWarp prst="textNoShape">
+              <a:avLst/>
+            </a:prstTxWarp>
+          </a:bodyPr>
+          <a:lstStyle>
+            <a:lvl1pPr eaLnBrk="0" hangingPunct="0">
+              <a:defRPr sz="2400">
+                <a:solidFill>
+                  <a:schemeClr val="tx1"/>
+                </a:solidFill>
+                <a:latin typeface="Trebuchet MS" charset="0"/>
+                <a:ea typeface="ＭＳ Ｐゴシック" charset="0"/>
+                <a:cs typeface="ＭＳ Ｐゴシック" charset="0"/>
+              </a:defRPr>
+            </a:lvl1pPr>
+            <a:lvl2pPr marL="742950" indent="-285750" eaLnBrk="0" hangingPunct="0">
+              <a:defRPr sz="2400">
+                <a:solidFill>
+                  <a:schemeClr val="tx1"/>
+                </a:solidFill>
+                <a:latin typeface="Trebuchet MS" charset="0"/>
+                <a:ea typeface="ＭＳ Ｐゴシック" charset="0"/>
+              </a:defRPr>
+            </a:lvl2pPr>
+            <a:lvl3pPr marL="1143000" indent="-228600" eaLnBrk="0" hangingPunct="0">
+              <a:defRPr sz="2400">
+                <a:solidFill>
+                  <a:schemeClr val="tx1"/>
+                </a:solidFill>
+                <a:latin typeface="Trebuchet MS" charset="0"/>
+                <a:ea typeface="ＭＳ Ｐゴシック" charset="0"/>
+              </a:defRPr>
+            </a:lvl3pPr>
+            <a:lvl4pPr marL="1600200" indent="-228600" eaLnBrk="0" hangingPunct="0">
+              <a:defRPr sz="2400">
+                <a:solidFill>
+                  <a:schemeClr val="tx1"/>
+                </a:solidFill>
+                <a:latin typeface="Trebuchet MS" charset="0"/>
+                <a:ea typeface="ＭＳ Ｐゴシック" charset="0"/>
+              </a:defRPr>
+            </a:lvl4pPr>
+            <a:lvl5pPr marL="2057400" indent="-228600" eaLnBrk="0" hangingPunct="0">
+              <a:defRPr sz="2400">
+                <a:solidFill>
+                  <a:schemeClr val="tx1"/>
+                </a:solidFill>
+                <a:latin typeface="Trebuchet MS" charset="0"/>
+                <a:ea typeface="ＭＳ Ｐゴシック" charset="0"/>
+              </a:defRPr>
+            </a:lvl5pPr>
+            <a:lvl6pPr marL="2514600" indent="-228600" eaLnBrk="0" fontAlgn="base" hangingPunct="0">
+              <a:spcBef>
+                <a:spcPct val="0"/>
+              </a:spcBef>
+              <a:spcAft>
+                <a:spcPct val="0"/>
+              </a:spcAft>
+              <a:defRPr sz="2400">
+                <a:solidFill>
+                  <a:schemeClr val="tx1"/>
+                </a:solidFill>
+                <a:latin typeface="Trebuchet MS" charset="0"/>
+                <a:ea typeface="ＭＳ Ｐゴシック" charset="0"/>
+              </a:defRPr>
+            </a:lvl6pPr>
+            <a:lvl7pPr marL="2971800" indent="-228600" eaLnBrk="0" fontAlgn="base" hangingPunct="0">
+              <a:spcBef>
+                <a:spcPct val="0"/>
+              </a:spcBef>
+              <a:spcAft>
+                <a:spcPct val="0"/>
+              </a:spcAft>
+              <a:defRPr sz="2400">
+                <a:solidFill>
+                  <a:schemeClr val="tx1"/>
+                </a:solidFill>
+                <a:latin typeface="Trebuchet MS" charset="0"/>
+                <a:ea typeface="ＭＳ Ｐゴシック" charset="0"/>
+              </a:defRPr>
+            </a:lvl7pPr>
+            <a:lvl8pPr marL="3429000" indent="-228600" eaLnBrk="0" fontAlgn="base" hangingPunct="0">
+              <a:spcBef>
+                <a:spcPct val="0"/>
+              </a:spcBef>
+              <a:spcAft>
+                <a:spcPct val="0"/>
+              </a:spcAft>
+              <a:defRPr sz="2400">
+                <a:solidFill>
+                  <a:schemeClr val="tx1"/>
+                </a:solidFill>
+                <a:latin typeface="Trebuchet MS" charset="0"/>
+                <a:ea typeface="ＭＳ Ｐゴシック" charset="0"/>
+              </a:defRPr>
+            </a:lvl8pPr>
+            <a:lvl9pPr marL="3886200" indent="-228600" eaLnBrk="0" fontAlgn="base" hangingPunct="0">
+              <a:spcBef>
+                <a:spcPct val="0"/>
+              </a:spcBef>
+              <a:spcAft>
+                <a:spcPct val="0"/>
+              </a:spcAft>
+              <a:defRPr sz="2400">
+                <a:solidFill>
+                  <a:schemeClr val="tx1"/>
+                </a:solidFill>
+                <a:latin typeface="Trebuchet MS" charset="0"/>
+                <a:ea typeface="ＭＳ Ｐゴシック" charset="0"/>
+              </a:defRPr>
+            </a:lvl9pPr>
+          </a:lstStyle>
+          <a:p>
+            <a:pPr algn="l" eaLnBrk="1" hangingPunct="1"/>
+            <a:r>
+              <a:rPr lang="en-US" sz="1200" b="1" dirty="0" smtClean="0">
+                <a:solidFill>
+                  <a:srgbClr val="122956"/>
+                </a:solidFill>
+                <a:cs typeface="Trebuchet MS" charset="0"/>
+              </a:rPr>
+              <a:t>5-</a:t>
+            </a:r>
+            <a:fld id="{31B56995-E14C-B64F-86C9-12D6DB74A41E}" type="slidenum">
+              <a:rPr lang="en-US" sz="1200" b="1">
+                <a:solidFill>
+                  <a:srgbClr val="122956"/>
+                </a:solidFill>
+                <a:cs typeface="Trebuchet MS" charset="0"/>
+              </a:rPr>
+              <a:pPr algn="l" eaLnBrk="1" hangingPunct="1"/>
+              <a:t>19</a:t>
+            </a:fld>
+            <a:endParaRPr lang="en-US" sz="1200" b="1" dirty="0">
+              <a:solidFill>
+                <a:srgbClr val="122956"/>
+              </a:solidFill>
+              <a:cs typeface="Trebuchet MS" charset="0"/>
+            </a:endParaRPr>
           </a:p>
         </p:txBody>
       </p:sp>
@@ -10577,6 +12418,186 @@
               <a:rPr lang="en-US" dirty="0" smtClean="0"/>
               <a:t>Gestures</a:t>
             </a:r>
+          </a:p>
+        </p:txBody>
+      </p:sp>
+      <p:sp>
+        <p:nvSpPr>
+          <p:cNvPr id="4" name="Slide Number Placeholder 5"/>
+          <p:cNvSpPr>
+            <a:spLocks noGrp="1"/>
+          </p:cNvSpPr>
+          <p:nvPr>
+            <p:ph type="sldNum" sz="quarter" idx="12"/>
+          </p:nvPr>
+        </p:nvSpPr>
+        <p:spPr bwMode="auto">
+          <a:xfrm>
+            <a:off x="203200" y="6400800"/>
+            <a:ext cx="2133600" cy="365125"/>
+          </a:xfrm>
+          <a:noFill/>
+          <a:extLst>
+            <a:ext uri="{909E8E84-426E-40dd-AFC4-6F175D3DCCD1}">
+              <a14:hiddenFill xmlns:a14="http://schemas.microsoft.com/office/drawing/2010/main">
+                <a:solidFill>
+                  <a:srgbClr val="FFFFFF"/>
+                </a:solidFill>
+              </a14:hiddenFill>
+            </a:ext>
+            <a:ext uri="{91240B29-F687-4f45-9708-019B960494DF}">
+              <a14:hiddenLine xmlns:a14="http://schemas.microsoft.com/office/drawing/2010/main" w="9525">
+                <a:solidFill>
+                  <a:srgbClr val="000000"/>
+                </a:solidFill>
+                <a:miter lim="800000"/>
+                <a:headEnd/>
+                <a:tailEnd/>
+              </a14:hiddenLine>
+            </a:ext>
+          </a:extLst>
+        </p:spPr>
+        <p:txBody>
+          <a:bodyPr vert="horz" wrap="square" lIns="91440" tIns="45720" rIns="91440" bIns="45720" numCol="1" anchor="ctr" anchorCtr="0" compatLnSpc="1">
+            <a:prstTxWarp prst="textNoShape">
+              <a:avLst/>
+            </a:prstTxWarp>
+          </a:bodyPr>
+          <a:lstStyle>
+            <a:lvl1pPr eaLnBrk="0" hangingPunct="0">
+              <a:defRPr sz="2400">
+                <a:solidFill>
+                  <a:schemeClr val="tx1"/>
+                </a:solidFill>
+                <a:latin typeface="Trebuchet MS" charset="0"/>
+                <a:ea typeface="ＭＳ Ｐゴシック" charset="0"/>
+                <a:cs typeface="ＭＳ Ｐゴシック" charset="0"/>
+              </a:defRPr>
+            </a:lvl1pPr>
+            <a:lvl2pPr marL="742950" indent="-285750" eaLnBrk="0" hangingPunct="0">
+              <a:defRPr sz="2400">
+                <a:solidFill>
+                  <a:schemeClr val="tx1"/>
+                </a:solidFill>
+                <a:latin typeface="Trebuchet MS" charset="0"/>
+                <a:ea typeface="ＭＳ Ｐゴシック" charset="0"/>
+              </a:defRPr>
+            </a:lvl2pPr>
+            <a:lvl3pPr marL="1143000" indent="-228600" eaLnBrk="0" hangingPunct="0">
+              <a:defRPr sz="2400">
+                <a:solidFill>
+                  <a:schemeClr val="tx1"/>
+                </a:solidFill>
+                <a:latin typeface="Trebuchet MS" charset="0"/>
+                <a:ea typeface="ＭＳ Ｐゴシック" charset="0"/>
+              </a:defRPr>
+            </a:lvl3pPr>
+            <a:lvl4pPr marL="1600200" indent="-228600" eaLnBrk="0" hangingPunct="0">
+              <a:defRPr sz="2400">
+                <a:solidFill>
+                  <a:schemeClr val="tx1"/>
+                </a:solidFill>
+                <a:latin typeface="Trebuchet MS" charset="0"/>
+                <a:ea typeface="ＭＳ Ｐゴシック" charset="0"/>
+              </a:defRPr>
+            </a:lvl4pPr>
+            <a:lvl5pPr marL="2057400" indent="-228600" eaLnBrk="0" hangingPunct="0">
+              <a:defRPr sz="2400">
+                <a:solidFill>
+                  <a:schemeClr val="tx1"/>
+                </a:solidFill>
+                <a:latin typeface="Trebuchet MS" charset="0"/>
+                <a:ea typeface="ＭＳ Ｐゴシック" charset="0"/>
+              </a:defRPr>
+            </a:lvl5pPr>
+            <a:lvl6pPr marL="2514600" indent="-228600" eaLnBrk="0" fontAlgn="base" hangingPunct="0">
+              <a:spcBef>
+                <a:spcPct val="0"/>
+              </a:spcBef>
+              <a:spcAft>
+                <a:spcPct val="0"/>
+              </a:spcAft>
+              <a:defRPr sz="2400">
+                <a:solidFill>
+                  <a:schemeClr val="tx1"/>
+                </a:solidFill>
+                <a:latin typeface="Trebuchet MS" charset="0"/>
+                <a:ea typeface="ＭＳ Ｐゴシック" charset="0"/>
+              </a:defRPr>
+            </a:lvl6pPr>
+            <a:lvl7pPr marL="2971800" indent="-228600" eaLnBrk="0" fontAlgn="base" hangingPunct="0">
+              <a:spcBef>
+                <a:spcPct val="0"/>
+              </a:spcBef>
+              <a:spcAft>
+                <a:spcPct val="0"/>
+              </a:spcAft>
+              <a:defRPr sz="2400">
+                <a:solidFill>
+                  <a:schemeClr val="tx1"/>
+                </a:solidFill>
+                <a:latin typeface="Trebuchet MS" charset="0"/>
+                <a:ea typeface="ＭＳ Ｐゴシック" charset="0"/>
+              </a:defRPr>
+            </a:lvl7pPr>
+            <a:lvl8pPr marL="3429000" indent="-228600" eaLnBrk="0" fontAlgn="base" hangingPunct="0">
+              <a:spcBef>
+                <a:spcPct val="0"/>
+              </a:spcBef>
+              <a:spcAft>
+                <a:spcPct val="0"/>
+              </a:spcAft>
+              <a:defRPr sz="2400">
+                <a:solidFill>
+                  <a:schemeClr val="tx1"/>
+                </a:solidFill>
+                <a:latin typeface="Trebuchet MS" charset="0"/>
+                <a:ea typeface="ＭＳ Ｐゴシック" charset="0"/>
+              </a:defRPr>
+            </a:lvl8pPr>
+            <a:lvl9pPr marL="3886200" indent="-228600" eaLnBrk="0" fontAlgn="base" hangingPunct="0">
+              <a:spcBef>
+                <a:spcPct val="0"/>
+              </a:spcBef>
+              <a:spcAft>
+                <a:spcPct val="0"/>
+              </a:spcAft>
+              <a:defRPr sz="2400">
+                <a:solidFill>
+                  <a:schemeClr val="tx1"/>
+                </a:solidFill>
+                <a:latin typeface="Trebuchet MS" charset="0"/>
+                <a:ea typeface="ＭＳ Ｐゴシック" charset="0"/>
+              </a:defRPr>
+            </a:lvl9pPr>
+          </a:lstStyle>
+          <a:p>
+            <a:pPr algn="l" eaLnBrk="1" hangingPunct="1"/>
+            <a:r>
+              <a:rPr lang="en-US" sz="1200" b="1" dirty="0" smtClean="0">
+                <a:solidFill>
+                  <a:srgbClr val="122956"/>
+                </a:solidFill>
+                <a:cs typeface="Trebuchet MS" charset="0"/>
+              </a:rPr>
+              <a:t>5-</a:t>
+            </a:r>
+            <a:fld id="{31B56995-E14C-B64F-86C9-12D6DB74A41E}" type="slidenum">
+              <a:rPr lang="en-US" sz="1200" b="1">
+                <a:solidFill>
+                  <a:srgbClr val="122956"/>
+                </a:solidFill>
+                <a:cs typeface="Trebuchet MS" charset="0"/>
+              </a:rPr>
+              <a:pPr algn="l" eaLnBrk="1" hangingPunct="1"/>
+              <a:t>2</a:t>
+            </a:fld>
+            <a:endParaRPr lang="en-US" sz="1200" b="1" dirty="0">
+              <a:solidFill>
+                <a:srgbClr val="122956"/>
+              </a:solidFill>
+              <a:cs typeface="Trebuchet MS" charset="0"/>
+            </a:endParaRPr>
           </a:p>
         </p:txBody>
       </p:sp>
@@ -10731,6 +12752,186 @@
           </a:p>
         </p:txBody>
       </p:sp>
+      <p:sp>
+        <p:nvSpPr>
+          <p:cNvPr id="4" name="Slide Number Placeholder 5"/>
+          <p:cNvSpPr>
+            <a:spLocks noGrp="1"/>
+          </p:cNvSpPr>
+          <p:nvPr>
+            <p:ph type="sldNum" sz="quarter" idx="12"/>
+          </p:nvPr>
+        </p:nvSpPr>
+        <p:spPr bwMode="auto">
+          <a:xfrm>
+            <a:off x="203200" y="6400800"/>
+            <a:ext cx="2133600" cy="365125"/>
+          </a:xfrm>
+          <a:noFill/>
+          <a:extLst>
+            <a:ext uri="{909E8E84-426E-40dd-AFC4-6F175D3DCCD1}">
+              <a14:hiddenFill xmlns:a14="http://schemas.microsoft.com/office/drawing/2010/main">
+                <a:solidFill>
+                  <a:srgbClr val="FFFFFF"/>
+                </a:solidFill>
+              </a14:hiddenFill>
+            </a:ext>
+            <a:ext uri="{91240B29-F687-4f45-9708-019B960494DF}">
+              <a14:hiddenLine xmlns:a14="http://schemas.microsoft.com/office/drawing/2010/main" w="9525">
+                <a:solidFill>
+                  <a:srgbClr val="000000"/>
+                </a:solidFill>
+                <a:miter lim="800000"/>
+                <a:headEnd/>
+                <a:tailEnd/>
+              </a14:hiddenLine>
+            </a:ext>
+          </a:extLst>
+        </p:spPr>
+        <p:txBody>
+          <a:bodyPr vert="horz" wrap="square" lIns="91440" tIns="45720" rIns="91440" bIns="45720" numCol="1" anchor="ctr" anchorCtr="0" compatLnSpc="1">
+            <a:prstTxWarp prst="textNoShape">
+              <a:avLst/>
+            </a:prstTxWarp>
+          </a:bodyPr>
+          <a:lstStyle>
+            <a:lvl1pPr eaLnBrk="0" hangingPunct="0">
+              <a:defRPr sz="2400">
+                <a:solidFill>
+                  <a:schemeClr val="tx1"/>
+                </a:solidFill>
+                <a:latin typeface="Trebuchet MS" charset="0"/>
+                <a:ea typeface="ＭＳ Ｐゴシック" charset="0"/>
+                <a:cs typeface="ＭＳ Ｐゴシック" charset="0"/>
+              </a:defRPr>
+            </a:lvl1pPr>
+            <a:lvl2pPr marL="742950" indent="-285750" eaLnBrk="0" hangingPunct="0">
+              <a:defRPr sz="2400">
+                <a:solidFill>
+                  <a:schemeClr val="tx1"/>
+                </a:solidFill>
+                <a:latin typeface="Trebuchet MS" charset="0"/>
+                <a:ea typeface="ＭＳ Ｐゴシック" charset="0"/>
+              </a:defRPr>
+            </a:lvl2pPr>
+            <a:lvl3pPr marL="1143000" indent="-228600" eaLnBrk="0" hangingPunct="0">
+              <a:defRPr sz="2400">
+                <a:solidFill>
+                  <a:schemeClr val="tx1"/>
+                </a:solidFill>
+                <a:latin typeface="Trebuchet MS" charset="0"/>
+                <a:ea typeface="ＭＳ Ｐゴシック" charset="0"/>
+              </a:defRPr>
+            </a:lvl3pPr>
+            <a:lvl4pPr marL="1600200" indent="-228600" eaLnBrk="0" hangingPunct="0">
+              <a:defRPr sz="2400">
+                <a:solidFill>
+                  <a:schemeClr val="tx1"/>
+                </a:solidFill>
+                <a:latin typeface="Trebuchet MS" charset="0"/>
+                <a:ea typeface="ＭＳ Ｐゴシック" charset="0"/>
+              </a:defRPr>
+            </a:lvl4pPr>
+            <a:lvl5pPr marL="2057400" indent="-228600" eaLnBrk="0" hangingPunct="0">
+              <a:defRPr sz="2400">
+                <a:solidFill>
+                  <a:schemeClr val="tx1"/>
+                </a:solidFill>
+                <a:latin typeface="Trebuchet MS" charset="0"/>
+                <a:ea typeface="ＭＳ Ｐゴシック" charset="0"/>
+              </a:defRPr>
+            </a:lvl5pPr>
+            <a:lvl6pPr marL="2514600" indent="-228600" eaLnBrk="0" fontAlgn="base" hangingPunct="0">
+              <a:spcBef>
+                <a:spcPct val="0"/>
+              </a:spcBef>
+              <a:spcAft>
+                <a:spcPct val="0"/>
+              </a:spcAft>
+              <a:defRPr sz="2400">
+                <a:solidFill>
+                  <a:schemeClr val="tx1"/>
+                </a:solidFill>
+                <a:latin typeface="Trebuchet MS" charset="0"/>
+                <a:ea typeface="ＭＳ Ｐゴシック" charset="0"/>
+              </a:defRPr>
+            </a:lvl6pPr>
+            <a:lvl7pPr marL="2971800" indent="-228600" eaLnBrk="0" fontAlgn="base" hangingPunct="0">
+              <a:spcBef>
+                <a:spcPct val="0"/>
+              </a:spcBef>
+              <a:spcAft>
+                <a:spcPct val="0"/>
+              </a:spcAft>
+              <a:defRPr sz="2400">
+                <a:solidFill>
+                  <a:schemeClr val="tx1"/>
+                </a:solidFill>
+                <a:latin typeface="Trebuchet MS" charset="0"/>
+                <a:ea typeface="ＭＳ Ｐゴシック" charset="0"/>
+              </a:defRPr>
+            </a:lvl7pPr>
+            <a:lvl8pPr marL="3429000" indent="-228600" eaLnBrk="0" fontAlgn="base" hangingPunct="0">
+              <a:spcBef>
+                <a:spcPct val="0"/>
+              </a:spcBef>
+              <a:spcAft>
+                <a:spcPct val="0"/>
+              </a:spcAft>
+              <a:defRPr sz="2400">
+                <a:solidFill>
+                  <a:schemeClr val="tx1"/>
+                </a:solidFill>
+                <a:latin typeface="Trebuchet MS" charset="0"/>
+                <a:ea typeface="ＭＳ Ｐゴシック" charset="0"/>
+              </a:defRPr>
+            </a:lvl8pPr>
+            <a:lvl9pPr marL="3886200" indent="-228600" eaLnBrk="0" fontAlgn="base" hangingPunct="0">
+              <a:spcBef>
+                <a:spcPct val="0"/>
+              </a:spcBef>
+              <a:spcAft>
+                <a:spcPct val="0"/>
+              </a:spcAft>
+              <a:defRPr sz="2400">
+                <a:solidFill>
+                  <a:schemeClr val="tx1"/>
+                </a:solidFill>
+                <a:latin typeface="Trebuchet MS" charset="0"/>
+                <a:ea typeface="ＭＳ Ｐゴシック" charset="0"/>
+              </a:defRPr>
+            </a:lvl9pPr>
+          </a:lstStyle>
+          <a:p>
+            <a:pPr algn="l" eaLnBrk="1" hangingPunct="1"/>
+            <a:r>
+              <a:rPr lang="en-US" sz="1200" b="1" dirty="0" smtClean="0">
+                <a:solidFill>
+                  <a:srgbClr val="122956"/>
+                </a:solidFill>
+                <a:cs typeface="Trebuchet MS" charset="0"/>
+              </a:rPr>
+              <a:t>5-</a:t>
+            </a:r>
+            <a:fld id="{31B56995-E14C-B64F-86C9-12D6DB74A41E}" type="slidenum">
+              <a:rPr lang="en-US" sz="1200" b="1">
+                <a:solidFill>
+                  <a:srgbClr val="122956"/>
+                </a:solidFill>
+                <a:cs typeface="Trebuchet MS" charset="0"/>
+              </a:rPr>
+              <a:pPr algn="l" eaLnBrk="1" hangingPunct="1"/>
+              <a:t>20</a:t>
+            </a:fld>
+            <a:endParaRPr lang="en-US" sz="1200" b="1" dirty="0">
+              <a:solidFill>
+                <a:srgbClr val="122956"/>
+              </a:solidFill>
+              <a:cs typeface="Trebuchet MS" charset="0"/>
+            </a:endParaRPr>
+          </a:p>
+        </p:txBody>
+      </p:sp>
     </p:spTree>
     <p:extLst>
       <p:ext uri="{BB962C8B-B14F-4D97-AF65-F5344CB8AC3E}">
@@ -10932,6 +13133,186 @@
           </a:prstGeom>
         </p:spPr>
       </p:pic>
+      <p:sp>
+        <p:nvSpPr>
+          <p:cNvPr id="6" name="Slide Number Placeholder 5"/>
+          <p:cNvSpPr>
+            <a:spLocks noGrp="1"/>
+          </p:cNvSpPr>
+          <p:nvPr>
+            <p:ph type="sldNum" sz="quarter" idx="12"/>
+          </p:nvPr>
+        </p:nvSpPr>
+        <p:spPr bwMode="auto">
+          <a:xfrm>
+            <a:off x="203200" y="6400800"/>
+            <a:ext cx="2133600" cy="365125"/>
+          </a:xfrm>
+          <a:noFill/>
+          <a:extLst>
+            <a:ext uri="{909E8E84-426E-40dd-AFC4-6F175D3DCCD1}">
+              <a14:hiddenFill xmlns:a14="http://schemas.microsoft.com/office/drawing/2010/main">
+                <a:solidFill>
+                  <a:srgbClr val="FFFFFF"/>
+                </a:solidFill>
+              </a14:hiddenFill>
+            </a:ext>
+            <a:ext uri="{91240B29-F687-4f45-9708-019B960494DF}">
+              <a14:hiddenLine xmlns:a14="http://schemas.microsoft.com/office/drawing/2010/main" w="9525">
+                <a:solidFill>
+                  <a:srgbClr val="000000"/>
+                </a:solidFill>
+                <a:miter lim="800000"/>
+                <a:headEnd/>
+                <a:tailEnd/>
+              </a14:hiddenLine>
+            </a:ext>
+          </a:extLst>
+        </p:spPr>
+        <p:txBody>
+          <a:bodyPr vert="horz" wrap="square" lIns="91440" tIns="45720" rIns="91440" bIns="45720" numCol="1" anchor="ctr" anchorCtr="0" compatLnSpc="1">
+            <a:prstTxWarp prst="textNoShape">
+              <a:avLst/>
+            </a:prstTxWarp>
+          </a:bodyPr>
+          <a:lstStyle>
+            <a:lvl1pPr eaLnBrk="0" hangingPunct="0">
+              <a:defRPr sz="2400">
+                <a:solidFill>
+                  <a:schemeClr val="tx1"/>
+                </a:solidFill>
+                <a:latin typeface="Trebuchet MS" charset="0"/>
+                <a:ea typeface="ＭＳ Ｐゴシック" charset="0"/>
+                <a:cs typeface="ＭＳ Ｐゴシック" charset="0"/>
+              </a:defRPr>
+            </a:lvl1pPr>
+            <a:lvl2pPr marL="742950" indent="-285750" eaLnBrk="0" hangingPunct="0">
+              <a:defRPr sz="2400">
+                <a:solidFill>
+                  <a:schemeClr val="tx1"/>
+                </a:solidFill>
+                <a:latin typeface="Trebuchet MS" charset="0"/>
+                <a:ea typeface="ＭＳ Ｐゴシック" charset="0"/>
+              </a:defRPr>
+            </a:lvl2pPr>
+            <a:lvl3pPr marL="1143000" indent="-228600" eaLnBrk="0" hangingPunct="0">
+              <a:defRPr sz="2400">
+                <a:solidFill>
+                  <a:schemeClr val="tx1"/>
+                </a:solidFill>
+                <a:latin typeface="Trebuchet MS" charset="0"/>
+                <a:ea typeface="ＭＳ Ｐゴシック" charset="0"/>
+              </a:defRPr>
+            </a:lvl3pPr>
+            <a:lvl4pPr marL="1600200" indent="-228600" eaLnBrk="0" hangingPunct="0">
+              <a:defRPr sz="2400">
+                <a:solidFill>
+                  <a:schemeClr val="tx1"/>
+                </a:solidFill>
+                <a:latin typeface="Trebuchet MS" charset="0"/>
+                <a:ea typeface="ＭＳ Ｐゴシック" charset="0"/>
+              </a:defRPr>
+            </a:lvl4pPr>
+            <a:lvl5pPr marL="2057400" indent="-228600" eaLnBrk="0" hangingPunct="0">
+              <a:defRPr sz="2400">
+                <a:solidFill>
+                  <a:schemeClr val="tx1"/>
+                </a:solidFill>
+                <a:latin typeface="Trebuchet MS" charset="0"/>
+                <a:ea typeface="ＭＳ Ｐゴシック" charset="0"/>
+              </a:defRPr>
+            </a:lvl5pPr>
+            <a:lvl6pPr marL="2514600" indent="-228600" eaLnBrk="0" fontAlgn="base" hangingPunct="0">
+              <a:spcBef>
+                <a:spcPct val="0"/>
+              </a:spcBef>
+              <a:spcAft>
+                <a:spcPct val="0"/>
+              </a:spcAft>
+              <a:defRPr sz="2400">
+                <a:solidFill>
+                  <a:schemeClr val="tx1"/>
+                </a:solidFill>
+                <a:latin typeface="Trebuchet MS" charset="0"/>
+                <a:ea typeface="ＭＳ Ｐゴシック" charset="0"/>
+              </a:defRPr>
+            </a:lvl6pPr>
+            <a:lvl7pPr marL="2971800" indent="-228600" eaLnBrk="0" fontAlgn="base" hangingPunct="0">
+              <a:spcBef>
+                <a:spcPct val="0"/>
+              </a:spcBef>
+              <a:spcAft>
+                <a:spcPct val="0"/>
+              </a:spcAft>
+              <a:defRPr sz="2400">
+                <a:solidFill>
+                  <a:schemeClr val="tx1"/>
+                </a:solidFill>
+                <a:latin typeface="Trebuchet MS" charset="0"/>
+                <a:ea typeface="ＭＳ Ｐゴシック" charset="0"/>
+              </a:defRPr>
+            </a:lvl7pPr>
+            <a:lvl8pPr marL="3429000" indent="-228600" eaLnBrk="0" fontAlgn="base" hangingPunct="0">
+              <a:spcBef>
+                <a:spcPct val="0"/>
+              </a:spcBef>
+              <a:spcAft>
+                <a:spcPct val="0"/>
+              </a:spcAft>
+              <a:defRPr sz="2400">
+                <a:solidFill>
+                  <a:schemeClr val="tx1"/>
+                </a:solidFill>
+                <a:latin typeface="Trebuchet MS" charset="0"/>
+                <a:ea typeface="ＭＳ Ｐゴシック" charset="0"/>
+              </a:defRPr>
+            </a:lvl8pPr>
+            <a:lvl9pPr marL="3886200" indent="-228600" eaLnBrk="0" fontAlgn="base" hangingPunct="0">
+              <a:spcBef>
+                <a:spcPct val="0"/>
+              </a:spcBef>
+              <a:spcAft>
+                <a:spcPct val="0"/>
+              </a:spcAft>
+              <a:defRPr sz="2400">
+                <a:solidFill>
+                  <a:schemeClr val="tx1"/>
+                </a:solidFill>
+                <a:latin typeface="Trebuchet MS" charset="0"/>
+                <a:ea typeface="ＭＳ Ｐゴシック" charset="0"/>
+              </a:defRPr>
+            </a:lvl9pPr>
+          </a:lstStyle>
+          <a:p>
+            <a:pPr algn="l" eaLnBrk="1" hangingPunct="1"/>
+            <a:r>
+              <a:rPr lang="en-US" sz="1200" b="1" dirty="0" smtClean="0">
+                <a:solidFill>
+                  <a:srgbClr val="122956"/>
+                </a:solidFill>
+                <a:cs typeface="Trebuchet MS" charset="0"/>
+              </a:rPr>
+              <a:t>5-</a:t>
+            </a:r>
+            <a:fld id="{31B56995-E14C-B64F-86C9-12D6DB74A41E}" type="slidenum">
+              <a:rPr lang="en-US" sz="1200" b="1">
+                <a:solidFill>
+                  <a:srgbClr val="122956"/>
+                </a:solidFill>
+                <a:cs typeface="Trebuchet MS" charset="0"/>
+              </a:rPr>
+              <a:pPr algn="l" eaLnBrk="1" hangingPunct="1"/>
+              <a:t>3</a:t>
+            </a:fld>
+            <a:endParaRPr lang="en-US" sz="1200" b="1" dirty="0">
+              <a:solidFill>
+                <a:srgbClr val="122956"/>
+              </a:solidFill>
+              <a:cs typeface="Trebuchet MS" charset="0"/>
+            </a:endParaRPr>
+          </a:p>
+        </p:txBody>
+      </p:sp>
     </p:spTree>
     <p:extLst>
       <p:ext uri="{BB962C8B-B14F-4D97-AF65-F5344CB8AC3E}">
@@ -11325,6 +13706,186 @@
               </a:rPr>
               <a:t>&gt;</a:t>
             </a:r>
+          </a:p>
+        </p:txBody>
+      </p:sp>
+      <p:sp>
+        <p:nvSpPr>
+          <p:cNvPr id="5" name="Slide Number Placeholder 5"/>
+          <p:cNvSpPr>
+            <a:spLocks noGrp="1"/>
+          </p:cNvSpPr>
+          <p:nvPr>
+            <p:ph type="sldNum" sz="quarter" idx="12"/>
+          </p:nvPr>
+        </p:nvSpPr>
+        <p:spPr bwMode="auto">
+          <a:xfrm>
+            <a:off x="203200" y="6400800"/>
+            <a:ext cx="2133600" cy="365125"/>
+          </a:xfrm>
+          <a:noFill/>
+          <a:extLst>
+            <a:ext uri="{909E8E84-426E-40dd-AFC4-6F175D3DCCD1}">
+              <a14:hiddenFill xmlns:a14="http://schemas.microsoft.com/office/drawing/2010/main">
+                <a:solidFill>
+                  <a:srgbClr val="FFFFFF"/>
+                </a:solidFill>
+              </a14:hiddenFill>
+            </a:ext>
+            <a:ext uri="{91240B29-F687-4f45-9708-019B960494DF}">
+              <a14:hiddenLine xmlns:a14="http://schemas.microsoft.com/office/drawing/2010/main" w="9525">
+                <a:solidFill>
+                  <a:srgbClr val="000000"/>
+                </a:solidFill>
+                <a:miter lim="800000"/>
+                <a:headEnd/>
+                <a:tailEnd/>
+              </a14:hiddenLine>
+            </a:ext>
+          </a:extLst>
+        </p:spPr>
+        <p:txBody>
+          <a:bodyPr vert="horz" wrap="square" lIns="91440" tIns="45720" rIns="91440" bIns="45720" numCol="1" anchor="ctr" anchorCtr="0" compatLnSpc="1">
+            <a:prstTxWarp prst="textNoShape">
+              <a:avLst/>
+            </a:prstTxWarp>
+          </a:bodyPr>
+          <a:lstStyle>
+            <a:lvl1pPr eaLnBrk="0" hangingPunct="0">
+              <a:defRPr sz="2400">
+                <a:solidFill>
+                  <a:schemeClr val="tx1"/>
+                </a:solidFill>
+                <a:latin typeface="Trebuchet MS" charset="0"/>
+                <a:ea typeface="ＭＳ Ｐゴシック" charset="0"/>
+                <a:cs typeface="ＭＳ Ｐゴシック" charset="0"/>
+              </a:defRPr>
+            </a:lvl1pPr>
+            <a:lvl2pPr marL="742950" indent="-285750" eaLnBrk="0" hangingPunct="0">
+              <a:defRPr sz="2400">
+                <a:solidFill>
+                  <a:schemeClr val="tx1"/>
+                </a:solidFill>
+                <a:latin typeface="Trebuchet MS" charset="0"/>
+                <a:ea typeface="ＭＳ Ｐゴシック" charset="0"/>
+              </a:defRPr>
+            </a:lvl2pPr>
+            <a:lvl3pPr marL="1143000" indent="-228600" eaLnBrk="0" hangingPunct="0">
+              <a:defRPr sz="2400">
+                <a:solidFill>
+                  <a:schemeClr val="tx1"/>
+                </a:solidFill>
+                <a:latin typeface="Trebuchet MS" charset="0"/>
+                <a:ea typeface="ＭＳ Ｐゴシック" charset="0"/>
+              </a:defRPr>
+            </a:lvl3pPr>
+            <a:lvl4pPr marL="1600200" indent="-228600" eaLnBrk="0" hangingPunct="0">
+              <a:defRPr sz="2400">
+                <a:solidFill>
+                  <a:schemeClr val="tx1"/>
+                </a:solidFill>
+                <a:latin typeface="Trebuchet MS" charset="0"/>
+                <a:ea typeface="ＭＳ Ｐゴシック" charset="0"/>
+              </a:defRPr>
+            </a:lvl4pPr>
+            <a:lvl5pPr marL="2057400" indent="-228600" eaLnBrk="0" hangingPunct="0">
+              <a:defRPr sz="2400">
+                <a:solidFill>
+                  <a:schemeClr val="tx1"/>
+                </a:solidFill>
+                <a:latin typeface="Trebuchet MS" charset="0"/>
+                <a:ea typeface="ＭＳ Ｐゴシック" charset="0"/>
+              </a:defRPr>
+            </a:lvl5pPr>
+            <a:lvl6pPr marL="2514600" indent="-228600" eaLnBrk="0" fontAlgn="base" hangingPunct="0">
+              <a:spcBef>
+                <a:spcPct val="0"/>
+              </a:spcBef>
+              <a:spcAft>
+                <a:spcPct val="0"/>
+              </a:spcAft>
+              <a:defRPr sz="2400">
+                <a:solidFill>
+                  <a:schemeClr val="tx1"/>
+                </a:solidFill>
+                <a:latin typeface="Trebuchet MS" charset="0"/>
+                <a:ea typeface="ＭＳ Ｐゴシック" charset="0"/>
+              </a:defRPr>
+            </a:lvl6pPr>
+            <a:lvl7pPr marL="2971800" indent="-228600" eaLnBrk="0" fontAlgn="base" hangingPunct="0">
+              <a:spcBef>
+                <a:spcPct val="0"/>
+              </a:spcBef>
+              <a:spcAft>
+                <a:spcPct val="0"/>
+              </a:spcAft>
+              <a:defRPr sz="2400">
+                <a:solidFill>
+                  <a:schemeClr val="tx1"/>
+                </a:solidFill>
+                <a:latin typeface="Trebuchet MS" charset="0"/>
+                <a:ea typeface="ＭＳ Ｐゴシック" charset="0"/>
+              </a:defRPr>
+            </a:lvl7pPr>
+            <a:lvl8pPr marL="3429000" indent="-228600" eaLnBrk="0" fontAlgn="base" hangingPunct="0">
+              <a:spcBef>
+                <a:spcPct val="0"/>
+              </a:spcBef>
+              <a:spcAft>
+                <a:spcPct val="0"/>
+              </a:spcAft>
+              <a:defRPr sz="2400">
+                <a:solidFill>
+                  <a:schemeClr val="tx1"/>
+                </a:solidFill>
+                <a:latin typeface="Trebuchet MS" charset="0"/>
+                <a:ea typeface="ＭＳ Ｐゴシック" charset="0"/>
+              </a:defRPr>
+            </a:lvl8pPr>
+            <a:lvl9pPr marL="3886200" indent="-228600" eaLnBrk="0" fontAlgn="base" hangingPunct="0">
+              <a:spcBef>
+                <a:spcPct val="0"/>
+              </a:spcBef>
+              <a:spcAft>
+                <a:spcPct val="0"/>
+              </a:spcAft>
+              <a:defRPr sz="2400">
+                <a:solidFill>
+                  <a:schemeClr val="tx1"/>
+                </a:solidFill>
+                <a:latin typeface="Trebuchet MS" charset="0"/>
+                <a:ea typeface="ＭＳ Ｐゴシック" charset="0"/>
+              </a:defRPr>
+            </a:lvl9pPr>
+          </a:lstStyle>
+          <a:p>
+            <a:pPr algn="l" eaLnBrk="1" hangingPunct="1"/>
+            <a:r>
+              <a:rPr lang="en-US" sz="1200" b="1" dirty="0" smtClean="0">
+                <a:solidFill>
+                  <a:srgbClr val="122956"/>
+                </a:solidFill>
+                <a:cs typeface="Trebuchet MS" charset="0"/>
+              </a:rPr>
+              <a:t>5-</a:t>
+            </a:r>
+            <a:fld id="{31B56995-E14C-B64F-86C9-12D6DB74A41E}" type="slidenum">
+              <a:rPr lang="en-US" sz="1200" b="1">
+                <a:solidFill>
+                  <a:srgbClr val="122956"/>
+                </a:solidFill>
+                <a:cs typeface="Trebuchet MS" charset="0"/>
+              </a:rPr>
+              <a:pPr algn="l" eaLnBrk="1" hangingPunct="1"/>
+              <a:t>4</a:t>
+            </a:fld>
+            <a:endParaRPr lang="en-US" sz="1200" b="1" dirty="0">
+              <a:solidFill>
+                <a:srgbClr val="122956"/>
+              </a:solidFill>
+              <a:cs typeface="Trebuchet MS" charset="0"/>
+            </a:endParaRPr>
           </a:p>
         </p:txBody>
       </p:sp>
@@ -11849,6 +14410,186 @@
           </a:p>
         </p:txBody>
       </p:sp>
+      <p:sp>
+        <p:nvSpPr>
+          <p:cNvPr id="5" name="Slide Number Placeholder 5"/>
+          <p:cNvSpPr>
+            <a:spLocks noGrp="1"/>
+          </p:cNvSpPr>
+          <p:nvPr>
+            <p:ph type="sldNum" sz="quarter" idx="12"/>
+          </p:nvPr>
+        </p:nvSpPr>
+        <p:spPr bwMode="auto">
+          <a:xfrm>
+            <a:off x="203200" y="6400800"/>
+            <a:ext cx="2133600" cy="365125"/>
+          </a:xfrm>
+          <a:noFill/>
+          <a:extLst>
+            <a:ext uri="{909E8E84-426E-40dd-AFC4-6F175D3DCCD1}">
+              <a14:hiddenFill xmlns:a14="http://schemas.microsoft.com/office/drawing/2010/main">
+                <a:solidFill>
+                  <a:srgbClr val="FFFFFF"/>
+                </a:solidFill>
+              </a14:hiddenFill>
+            </a:ext>
+            <a:ext uri="{91240B29-F687-4f45-9708-019B960494DF}">
+              <a14:hiddenLine xmlns:a14="http://schemas.microsoft.com/office/drawing/2010/main" w="9525">
+                <a:solidFill>
+                  <a:srgbClr val="000000"/>
+                </a:solidFill>
+                <a:miter lim="800000"/>
+                <a:headEnd/>
+                <a:tailEnd/>
+              </a14:hiddenLine>
+            </a:ext>
+          </a:extLst>
+        </p:spPr>
+        <p:txBody>
+          <a:bodyPr vert="horz" wrap="square" lIns="91440" tIns="45720" rIns="91440" bIns="45720" numCol="1" anchor="ctr" anchorCtr="0" compatLnSpc="1">
+            <a:prstTxWarp prst="textNoShape">
+              <a:avLst/>
+            </a:prstTxWarp>
+          </a:bodyPr>
+          <a:lstStyle>
+            <a:lvl1pPr eaLnBrk="0" hangingPunct="0">
+              <a:defRPr sz="2400">
+                <a:solidFill>
+                  <a:schemeClr val="tx1"/>
+                </a:solidFill>
+                <a:latin typeface="Trebuchet MS" charset="0"/>
+                <a:ea typeface="ＭＳ Ｐゴシック" charset="0"/>
+                <a:cs typeface="ＭＳ Ｐゴシック" charset="0"/>
+              </a:defRPr>
+            </a:lvl1pPr>
+            <a:lvl2pPr marL="742950" indent="-285750" eaLnBrk="0" hangingPunct="0">
+              <a:defRPr sz="2400">
+                <a:solidFill>
+                  <a:schemeClr val="tx1"/>
+                </a:solidFill>
+                <a:latin typeface="Trebuchet MS" charset="0"/>
+                <a:ea typeface="ＭＳ Ｐゴシック" charset="0"/>
+              </a:defRPr>
+            </a:lvl2pPr>
+            <a:lvl3pPr marL="1143000" indent="-228600" eaLnBrk="0" hangingPunct="0">
+              <a:defRPr sz="2400">
+                <a:solidFill>
+                  <a:schemeClr val="tx1"/>
+                </a:solidFill>
+                <a:latin typeface="Trebuchet MS" charset="0"/>
+                <a:ea typeface="ＭＳ Ｐゴシック" charset="0"/>
+              </a:defRPr>
+            </a:lvl3pPr>
+            <a:lvl4pPr marL="1600200" indent="-228600" eaLnBrk="0" hangingPunct="0">
+              <a:defRPr sz="2400">
+                <a:solidFill>
+                  <a:schemeClr val="tx1"/>
+                </a:solidFill>
+                <a:latin typeface="Trebuchet MS" charset="0"/>
+                <a:ea typeface="ＭＳ Ｐゴシック" charset="0"/>
+              </a:defRPr>
+            </a:lvl4pPr>
+            <a:lvl5pPr marL="2057400" indent="-228600" eaLnBrk="0" hangingPunct="0">
+              <a:defRPr sz="2400">
+                <a:solidFill>
+                  <a:schemeClr val="tx1"/>
+                </a:solidFill>
+                <a:latin typeface="Trebuchet MS" charset="0"/>
+                <a:ea typeface="ＭＳ Ｐゴシック" charset="0"/>
+              </a:defRPr>
+            </a:lvl5pPr>
+            <a:lvl6pPr marL="2514600" indent="-228600" eaLnBrk="0" fontAlgn="base" hangingPunct="0">
+              <a:spcBef>
+                <a:spcPct val="0"/>
+              </a:spcBef>
+              <a:spcAft>
+                <a:spcPct val="0"/>
+              </a:spcAft>
+              <a:defRPr sz="2400">
+                <a:solidFill>
+                  <a:schemeClr val="tx1"/>
+                </a:solidFill>
+                <a:latin typeface="Trebuchet MS" charset="0"/>
+                <a:ea typeface="ＭＳ Ｐゴシック" charset="0"/>
+              </a:defRPr>
+            </a:lvl6pPr>
+            <a:lvl7pPr marL="2971800" indent="-228600" eaLnBrk="0" fontAlgn="base" hangingPunct="0">
+              <a:spcBef>
+                <a:spcPct val="0"/>
+              </a:spcBef>
+              <a:spcAft>
+                <a:spcPct val="0"/>
+              </a:spcAft>
+              <a:defRPr sz="2400">
+                <a:solidFill>
+                  <a:schemeClr val="tx1"/>
+                </a:solidFill>
+                <a:latin typeface="Trebuchet MS" charset="0"/>
+                <a:ea typeface="ＭＳ Ｐゴシック" charset="0"/>
+              </a:defRPr>
+            </a:lvl7pPr>
+            <a:lvl8pPr marL="3429000" indent="-228600" eaLnBrk="0" fontAlgn="base" hangingPunct="0">
+              <a:spcBef>
+                <a:spcPct val="0"/>
+              </a:spcBef>
+              <a:spcAft>
+                <a:spcPct val="0"/>
+              </a:spcAft>
+              <a:defRPr sz="2400">
+                <a:solidFill>
+                  <a:schemeClr val="tx1"/>
+                </a:solidFill>
+                <a:latin typeface="Trebuchet MS" charset="0"/>
+                <a:ea typeface="ＭＳ Ｐゴシック" charset="0"/>
+              </a:defRPr>
+            </a:lvl8pPr>
+            <a:lvl9pPr marL="3886200" indent="-228600" eaLnBrk="0" fontAlgn="base" hangingPunct="0">
+              <a:spcBef>
+                <a:spcPct val="0"/>
+              </a:spcBef>
+              <a:spcAft>
+                <a:spcPct val="0"/>
+              </a:spcAft>
+              <a:defRPr sz="2400">
+                <a:solidFill>
+                  <a:schemeClr val="tx1"/>
+                </a:solidFill>
+                <a:latin typeface="Trebuchet MS" charset="0"/>
+                <a:ea typeface="ＭＳ Ｐゴシック" charset="0"/>
+              </a:defRPr>
+            </a:lvl9pPr>
+          </a:lstStyle>
+          <a:p>
+            <a:pPr algn="l" eaLnBrk="1" hangingPunct="1"/>
+            <a:r>
+              <a:rPr lang="en-US" sz="1200" b="1" dirty="0" smtClean="0">
+                <a:solidFill>
+                  <a:srgbClr val="122956"/>
+                </a:solidFill>
+                <a:cs typeface="Trebuchet MS" charset="0"/>
+              </a:rPr>
+              <a:t>5-</a:t>
+            </a:r>
+            <a:fld id="{31B56995-E14C-B64F-86C9-12D6DB74A41E}" type="slidenum">
+              <a:rPr lang="en-US" sz="1200" b="1">
+                <a:solidFill>
+                  <a:srgbClr val="122956"/>
+                </a:solidFill>
+                <a:cs typeface="Trebuchet MS" charset="0"/>
+              </a:rPr>
+              <a:pPr algn="l" eaLnBrk="1" hangingPunct="1"/>
+              <a:t>5</a:t>
+            </a:fld>
+            <a:endParaRPr lang="en-US" sz="1200" b="1" dirty="0">
+              <a:solidFill>
+                <a:srgbClr val="122956"/>
+              </a:solidFill>
+              <a:cs typeface="Trebuchet MS" charset="0"/>
+            </a:endParaRPr>
+          </a:p>
+        </p:txBody>
+      </p:sp>
     </p:spTree>
     <p:extLst>
       <p:ext uri="{BB962C8B-B14F-4D97-AF65-F5344CB8AC3E}">
@@ -12298,6 +15039,186 @@
             <a:endParaRPr lang="en-US" sz="1500" dirty="0">
               <a:latin typeface="Courier"/>
               <a:cs typeface="Courier"/>
+            </a:endParaRPr>
+          </a:p>
+        </p:txBody>
+      </p:sp>
+      <p:sp>
+        <p:nvSpPr>
+          <p:cNvPr id="5" name="Slide Number Placeholder 5"/>
+          <p:cNvSpPr>
+            <a:spLocks noGrp="1"/>
+          </p:cNvSpPr>
+          <p:nvPr>
+            <p:ph type="sldNum" sz="quarter" idx="12"/>
+          </p:nvPr>
+        </p:nvSpPr>
+        <p:spPr bwMode="auto">
+          <a:xfrm>
+            <a:off x="203200" y="6400800"/>
+            <a:ext cx="2133600" cy="365125"/>
+          </a:xfrm>
+          <a:noFill/>
+          <a:extLst>
+            <a:ext uri="{909E8E84-426E-40dd-AFC4-6F175D3DCCD1}">
+              <a14:hiddenFill xmlns:a14="http://schemas.microsoft.com/office/drawing/2010/main">
+                <a:solidFill>
+                  <a:srgbClr val="FFFFFF"/>
+                </a:solidFill>
+              </a14:hiddenFill>
+            </a:ext>
+            <a:ext uri="{91240B29-F687-4f45-9708-019B960494DF}">
+              <a14:hiddenLine xmlns:a14="http://schemas.microsoft.com/office/drawing/2010/main" w="9525">
+                <a:solidFill>
+                  <a:srgbClr val="000000"/>
+                </a:solidFill>
+                <a:miter lim="800000"/>
+                <a:headEnd/>
+                <a:tailEnd/>
+              </a14:hiddenLine>
+            </a:ext>
+          </a:extLst>
+        </p:spPr>
+        <p:txBody>
+          <a:bodyPr vert="horz" wrap="square" lIns="91440" tIns="45720" rIns="91440" bIns="45720" numCol="1" anchor="ctr" anchorCtr="0" compatLnSpc="1">
+            <a:prstTxWarp prst="textNoShape">
+              <a:avLst/>
+            </a:prstTxWarp>
+          </a:bodyPr>
+          <a:lstStyle>
+            <a:lvl1pPr eaLnBrk="0" hangingPunct="0">
+              <a:defRPr sz="2400">
+                <a:solidFill>
+                  <a:schemeClr val="tx1"/>
+                </a:solidFill>
+                <a:latin typeface="Trebuchet MS" charset="0"/>
+                <a:ea typeface="ＭＳ Ｐゴシック" charset="0"/>
+                <a:cs typeface="ＭＳ Ｐゴシック" charset="0"/>
+              </a:defRPr>
+            </a:lvl1pPr>
+            <a:lvl2pPr marL="742950" indent="-285750" eaLnBrk="0" hangingPunct="0">
+              <a:defRPr sz="2400">
+                <a:solidFill>
+                  <a:schemeClr val="tx1"/>
+                </a:solidFill>
+                <a:latin typeface="Trebuchet MS" charset="0"/>
+                <a:ea typeface="ＭＳ Ｐゴシック" charset="0"/>
+              </a:defRPr>
+            </a:lvl2pPr>
+            <a:lvl3pPr marL="1143000" indent="-228600" eaLnBrk="0" hangingPunct="0">
+              <a:defRPr sz="2400">
+                <a:solidFill>
+                  <a:schemeClr val="tx1"/>
+                </a:solidFill>
+                <a:latin typeface="Trebuchet MS" charset="0"/>
+                <a:ea typeface="ＭＳ Ｐゴシック" charset="0"/>
+              </a:defRPr>
+            </a:lvl3pPr>
+            <a:lvl4pPr marL="1600200" indent="-228600" eaLnBrk="0" hangingPunct="0">
+              <a:defRPr sz="2400">
+                <a:solidFill>
+                  <a:schemeClr val="tx1"/>
+                </a:solidFill>
+                <a:latin typeface="Trebuchet MS" charset="0"/>
+                <a:ea typeface="ＭＳ Ｐゴシック" charset="0"/>
+              </a:defRPr>
+            </a:lvl4pPr>
+            <a:lvl5pPr marL="2057400" indent="-228600" eaLnBrk="0" hangingPunct="0">
+              <a:defRPr sz="2400">
+                <a:solidFill>
+                  <a:schemeClr val="tx1"/>
+                </a:solidFill>
+                <a:latin typeface="Trebuchet MS" charset="0"/>
+                <a:ea typeface="ＭＳ Ｐゴシック" charset="0"/>
+              </a:defRPr>
+            </a:lvl5pPr>
+            <a:lvl6pPr marL="2514600" indent="-228600" eaLnBrk="0" fontAlgn="base" hangingPunct="0">
+              <a:spcBef>
+                <a:spcPct val="0"/>
+              </a:spcBef>
+              <a:spcAft>
+                <a:spcPct val="0"/>
+              </a:spcAft>
+              <a:defRPr sz="2400">
+                <a:solidFill>
+                  <a:schemeClr val="tx1"/>
+                </a:solidFill>
+                <a:latin typeface="Trebuchet MS" charset="0"/>
+                <a:ea typeface="ＭＳ Ｐゴシック" charset="0"/>
+              </a:defRPr>
+            </a:lvl6pPr>
+            <a:lvl7pPr marL="2971800" indent="-228600" eaLnBrk="0" fontAlgn="base" hangingPunct="0">
+              <a:spcBef>
+                <a:spcPct val="0"/>
+              </a:spcBef>
+              <a:spcAft>
+                <a:spcPct val="0"/>
+              </a:spcAft>
+              <a:defRPr sz="2400">
+                <a:solidFill>
+                  <a:schemeClr val="tx1"/>
+                </a:solidFill>
+                <a:latin typeface="Trebuchet MS" charset="0"/>
+                <a:ea typeface="ＭＳ Ｐゴシック" charset="0"/>
+              </a:defRPr>
+            </a:lvl7pPr>
+            <a:lvl8pPr marL="3429000" indent="-228600" eaLnBrk="0" fontAlgn="base" hangingPunct="0">
+              <a:spcBef>
+                <a:spcPct val="0"/>
+              </a:spcBef>
+              <a:spcAft>
+                <a:spcPct val="0"/>
+              </a:spcAft>
+              <a:defRPr sz="2400">
+                <a:solidFill>
+                  <a:schemeClr val="tx1"/>
+                </a:solidFill>
+                <a:latin typeface="Trebuchet MS" charset="0"/>
+                <a:ea typeface="ＭＳ Ｐゴシック" charset="0"/>
+              </a:defRPr>
+            </a:lvl8pPr>
+            <a:lvl9pPr marL="3886200" indent="-228600" eaLnBrk="0" fontAlgn="base" hangingPunct="0">
+              <a:spcBef>
+                <a:spcPct val="0"/>
+              </a:spcBef>
+              <a:spcAft>
+                <a:spcPct val="0"/>
+              </a:spcAft>
+              <a:defRPr sz="2400">
+                <a:solidFill>
+                  <a:schemeClr val="tx1"/>
+                </a:solidFill>
+                <a:latin typeface="Trebuchet MS" charset="0"/>
+                <a:ea typeface="ＭＳ Ｐゴシック" charset="0"/>
+              </a:defRPr>
+            </a:lvl9pPr>
+          </a:lstStyle>
+          <a:p>
+            <a:pPr algn="l" eaLnBrk="1" hangingPunct="1"/>
+            <a:r>
+              <a:rPr lang="en-US" sz="1200" b="1" dirty="0" smtClean="0">
+                <a:solidFill>
+                  <a:srgbClr val="122956"/>
+                </a:solidFill>
+                <a:cs typeface="Trebuchet MS" charset="0"/>
+              </a:rPr>
+              <a:t>5-</a:t>
+            </a:r>
+            <a:fld id="{31B56995-E14C-B64F-86C9-12D6DB74A41E}" type="slidenum">
+              <a:rPr lang="en-US" sz="1200" b="1">
+                <a:solidFill>
+                  <a:srgbClr val="122956"/>
+                </a:solidFill>
+                <a:cs typeface="Trebuchet MS" charset="0"/>
+              </a:rPr>
+              <a:pPr algn="l" eaLnBrk="1" hangingPunct="1"/>
+              <a:t>6</a:t>
+            </a:fld>
+            <a:endParaRPr lang="en-US" sz="1200" b="1" dirty="0">
+              <a:solidFill>
+                <a:srgbClr val="122956"/>
+              </a:solidFill>
+              <a:cs typeface="Trebuchet MS" charset="0"/>
             </a:endParaRPr>
           </a:p>
         </p:txBody>
@@ -12759,6 +15680,186 @@
             <a:endParaRPr lang="en-US" sz="1500" dirty="0">
               <a:latin typeface="Courier"/>
               <a:cs typeface="Courier"/>
+            </a:endParaRPr>
+          </a:p>
+        </p:txBody>
+      </p:sp>
+      <p:sp>
+        <p:nvSpPr>
+          <p:cNvPr id="5" name="Slide Number Placeholder 5"/>
+          <p:cNvSpPr>
+            <a:spLocks noGrp="1"/>
+          </p:cNvSpPr>
+          <p:nvPr>
+            <p:ph type="sldNum" sz="quarter" idx="12"/>
+          </p:nvPr>
+        </p:nvSpPr>
+        <p:spPr bwMode="auto">
+          <a:xfrm>
+            <a:off x="203200" y="6400800"/>
+            <a:ext cx="2133600" cy="365125"/>
+          </a:xfrm>
+          <a:noFill/>
+          <a:extLst>
+            <a:ext uri="{909E8E84-426E-40dd-AFC4-6F175D3DCCD1}">
+              <a14:hiddenFill xmlns:a14="http://schemas.microsoft.com/office/drawing/2010/main">
+                <a:solidFill>
+                  <a:srgbClr val="FFFFFF"/>
+                </a:solidFill>
+              </a14:hiddenFill>
+            </a:ext>
+            <a:ext uri="{91240B29-F687-4f45-9708-019B960494DF}">
+              <a14:hiddenLine xmlns:a14="http://schemas.microsoft.com/office/drawing/2010/main" w="9525">
+                <a:solidFill>
+                  <a:srgbClr val="000000"/>
+                </a:solidFill>
+                <a:miter lim="800000"/>
+                <a:headEnd/>
+                <a:tailEnd/>
+              </a14:hiddenLine>
+            </a:ext>
+          </a:extLst>
+        </p:spPr>
+        <p:txBody>
+          <a:bodyPr vert="horz" wrap="square" lIns="91440" tIns="45720" rIns="91440" bIns="45720" numCol="1" anchor="ctr" anchorCtr="0" compatLnSpc="1">
+            <a:prstTxWarp prst="textNoShape">
+              <a:avLst/>
+            </a:prstTxWarp>
+          </a:bodyPr>
+          <a:lstStyle>
+            <a:lvl1pPr eaLnBrk="0" hangingPunct="0">
+              <a:defRPr sz="2400">
+                <a:solidFill>
+                  <a:schemeClr val="tx1"/>
+                </a:solidFill>
+                <a:latin typeface="Trebuchet MS" charset="0"/>
+                <a:ea typeface="ＭＳ Ｐゴシック" charset="0"/>
+                <a:cs typeface="ＭＳ Ｐゴシック" charset="0"/>
+              </a:defRPr>
+            </a:lvl1pPr>
+            <a:lvl2pPr marL="742950" indent="-285750" eaLnBrk="0" hangingPunct="0">
+              <a:defRPr sz="2400">
+                <a:solidFill>
+                  <a:schemeClr val="tx1"/>
+                </a:solidFill>
+                <a:latin typeface="Trebuchet MS" charset="0"/>
+                <a:ea typeface="ＭＳ Ｐゴシック" charset="0"/>
+              </a:defRPr>
+            </a:lvl2pPr>
+            <a:lvl3pPr marL="1143000" indent="-228600" eaLnBrk="0" hangingPunct="0">
+              <a:defRPr sz="2400">
+                <a:solidFill>
+                  <a:schemeClr val="tx1"/>
+                </a:solidFill>
+                <a:latin typeface="Trebuchet MS" charset="0"/>
+                <a:ea typeface="ＭＳ Ｐゴシック" charset="0"/>
+              </a:defRPr>
+            </a:lvl3pPr>
+            <a:lvl4pPr marL="1600200" indent="-228600" eaLnBrk="0" hangingPunct="0">
+              <a:defRPr sz="2400">
+                <a:solidFill>
+                  <a:schemeClr val="tx1"/>
+                </a:solidFill>
+                <a:latin typeface="Trebuchet MS" charset="0"/>
+                <a:ea typeface="ＭＳ Ｐゴシック" charset="0"/>
+              </a:defRPr>
+            </a:lvl4pPr>
+            <a:lvl5pPr marL="2057400" indent="-228600" eaLnBrk="0" hangingPunct="0">
+              <a:defRPr sz="2400">
+                <a:solidFill>
+                  <a:schemeClr val="tx1"/>
+                </a:solidFill>
+                <a:latin typeface="Trebuchet MS" charset="0"/>
+                <a:ea typeface="ＭＳ Ｐゴシック" charset="0"/>
+              </a:defRPr>
+            </a:lvl5pPr>
+            <a:lvl6pPr marL="2514600" indent="-228600" eaLnBrk="0" fontAlgn="base" hangingPunct="0">
+              <a:spcBef>
+                <a:spcPct val="0"/>
+              </a:spcBef>
+              <a:spcAft>
+                <a:spcPct val="0"/>
+              </a:spcAft>
+              <a:defRPr sz="2400">
+                <a:solidFill>
+                  <a:schemeClr val="tx1"/>
+                </a:solidFill>
+                <a:latin typeface="Trebuchet MS" charset="0"/>
+                <a:ea typeface="ＭＳ Ｐゴシック" charset="0"/>
+              </a:defRPr>
+            </a:lvl6pPr>
+            <a:lvl7pPr marL="2971800" indent="-228600" eaLnBrk="0" fontAlgn="base" hangingPunct="0">
+              <a:spcBef>
+                <a:spcPct val="0"/>
+              </a:spcBef>
+              <a:spcAft>
+                <a:spcPct val="0"/>
+              </a:spcAft>
+              <a:defRPr sz="2400">
+                <a:solidFill>
+                  <a:schemeClr val="tx1"/>
+                </a:solidFill>
+                <a:latin typeface="Trebuchet MS" charset="0"/>
+                <a:ea typeface="ＭＳ Ｐゴシック" charset="0"/>
+              </a:defRPr>
+            </a:lvl7pPr>
+            <a:lvl8pPr marL="3429000" indent="-228600" eaLnBrk="0" fontAlgn="base" hangingPunct="0">
+              <a:spcBef>
+                <a:spcPct val="0"/>
+              </a:spcBef>
+              <a:spcAft>
+                <a:spcPct val="0"/>
+              </a:spcAft>
+              <a:defRPr sz="2400">
+                <a:solidFill>
+                  <a:schemeClr val="tx1"/>
+                </a:solidFill>
+                <a:latin typeface="Trebuchet MS" charset="0"/>
+                <a:ea typeface="ＭＳ Ｐゴシック" charset="0"/>
+              </a:defRPr>
+            </a:lvl8pPr>
+            <a:lvl9pPr marL="3886200" indent="-228600" eaLnBrk="0" fontAlgn="base" hangingPunct="0">
+              <a:spcBef>
+                <a:spcPct val="0"/>
+              </a:spcBef>
+              <a:spcAft>
+                <a:spcPct val="0"/>
+              </a:spcAft>
+              <a:defRPr sz="2400">
+                <a:solidFill>
+                  <a:schemeClr val="tx1"/>
+                </a:solidFill>
+                <a:latin typeface="Trebuchet MS" charset="0"/>
+                <a:ea typeface="ＭＳ Ｐゴシック" charset="0"/>
+              </a:defRPr>
+            </a:lvl9pPr>
+          </a:lstStyle>
+          <a:p>
+            <a:pPr algn="l" eaLnBrk="1" hangingPunct="1"/>
+            <a:r>
+              <a:rPr lang="en-US" sz="1200" b="1" dirty="0" smtClean="0">
+                <a:solidFill>
+                  <a:srgbClr val="122956"/>
+                </a:solidFill>
+                <a:cs typeface="Trebuchet MS" charset="0"/>
+              </a:rPr>
+              <a:t>5-</a:t>
+            </a:r>
+            <a:fld id="{31B56995-E14C-B64F-86C9-12D6DB74A41E}" type="slidenum">
+              <a:rPr lang="en-US" sz="1200" b="1">
+                <a:solidFill>
+                  <a:srgbClr val="122956"/>
+                </a:solidFill>
+                <a:cs typeface="Trebuchet MS" charset="0"/>
+              </a:rPr>
+              <a:pPr algn="l" eaLnBrk="1" hangingPunct="1"/>
+              <a:t>7</a:t>
+            </a:fld>
+            <a:endParaRPr lang="en-US" sz="1200" b="1" dirty="0">
+              <a:solidFill>
+                <a:srgbClr val="122956"/>
+              </a:solidFill>
+              <a:cs typeface="Trebuchet MS" charset="0"/>
             </a:endParaRPr>
           </a:p>
         </p:txBody>
@@ -13429,6 +16530,186 @@
           </p:txBody>
         </p:sp>
       </p:grpSp>
+      <p:sp>
+        <p:nvSpPr>
+          <p:cNvPr id="11" name="Slide Number Placeholder 5"/>
+          <p:cNvSpPr>
+            <a:spLocks noGrp="1"/>
+          </p:cNvSpPr>
+          <p:nvPr>
+            <p:ph type="sldNum" sz="quarter" idx="12"/>
+          </p:nvPr>
+        </p:nvSpPr>
+        <p:spPr bwMode="auto">
+          <a:xfrm>
+            <a:off x="203200" y="6400800"/>
+            <a:ext cx="2133600" cy="365125"/>
+          </a:xfrm>
+          <a:noFill/>
+          <a:extLst>
+            <a:ext uri="{909E8E84-426E-40dd-AFC4-6F175D3DCCD1}">
+              <a14:hiddenFill xmlns:a14="http://schemas.microsoft.com/office/drawing/2010/main">
+                <a:solidFill>
+                  <a:srgbClr val="FFFFFF"/>
+                </a:solidFill>
+              </a14:hiddenFill>
+            </a:ext>
+            <a:ext uri="{91240B29-F687-4f45-9708-019B960494DF}">
+              <a14:hiddenLine xmlns:a14="http://schemas.microsoft.com/office/drawing/2010/main" w="9525">
+                <a:solidFill>
+                  <a:srgbClr val="000000"/>
+                </a:solidFill>
+                <a:miter lim="800000"/>
+                <a:headEnd/>
+                <a:tailEnd/>
+              </a14:hiddenLine>
+            </a:ext>
+          </a:extLst>
+        </p:spPr>
+        <p:txBody>
+          <a:bodyPr vert="horz" wrap="square" lIns="91440" tIns="45720" rIns="91440" bIns="45720" numCol="1" anchor="ctr" anchorCtr="0" compatLnSpc="1">
+            <a:prstTxWarp prst="textNoShape">
+              <a:avLst/>
+            </a:prstTxWarp>
+          </a:bodyPr>
+          <a:lstStyle>
+            <a:lvl1pPr eaLnBrk="0" hangingPunct="0">
+              <a:defRPr sz="2400">
+                <a:solidFill>
+                  <a:schemeClr val="tx1"/>
+                </a:solidFill>
+                <a:latin typeface="Trebuchet MS" charset="0"/>
+                <a:ea typeface="ＭＳ Ｐゴシック" charset="0"/>
+                <a:cs typeface="ＭＳ Ｐゴシック" charset="0"/>
+              </a:defRPr>
+            </a:lvl1pPr>
+            <a:lvl2pPr marL="742950" indent="-285750" eaLnBrk="0" hangingPunct="0">
+              <a:defRPr sz="2400">
+                <a:solidFill>
+                  <a:schemeClr val="tx1"/>
+                </a:solidFill>
+                <a:latin typeface="Trebuchet MS" charset="0"/>
+                <a:ea typeface="ＭＳ Ｐゴシック" charset="0"/>
+              </a:defRPr>
+            </a:lvl2pPr>
+            <a:lvl3pPr marL="1143000" indent="-228600" eaLnBrk="0" hangingPunct="0">
+              <a:defRPr sz="2400">
+                <a:solidFill>
+                  <a:schemeClr val="tx1"/>
+                </a:solidFill>
+                <a:latin typeface="Trebuchet MS" charset="0"/>
+                <a:ea typeface="ＭＳ Ｐゴシック" charset="0"/>
+              </a:defRPr>
+            </a:lvl3pPr>
+            <a:lvl4pPr marL="1600200" indent="-228600" eaLnBrk="0" hangingPunct="0">
+              <a:defRPr sz="2400">
+                <a:solidFill>
+                  <a:schemeClr val="tx1"/>
+                </a:solidFill>
+                <a:latin typeface="Trebuchet MS" charset="0"/>
+                <a:ea typeface="ＭＳ Ｐゴシック" charset="0"/>
+              </a:defRPr>
+            </a:lvl4pPr>
+            <a:lvl5pPr marL="2057400" indent="-228600" eaLnBrk="0" hangingPunct="0">
+              <a:defRPr sz="2400">
+                <a:solidFill>
+                  <a:schemeClr val="tx1"/>
+                </a:solidFill>
+                <a:latin typeface="Trebuchet MS" charset="0"/>
+                <a:ea typeface="ＭＳ Ｐゴシック" charset="0"/>
+              </a:defRPr>
+            </a:lvl5pPr>
+            <a:lvl6pPr marL="2514600" indent="-228600" eaLnBrk="0" fontAlgn="base" hangingPunct="0">
+              <a:spcBef>
+                <a:spcPct val="0"/>
+              </a:spcBef>
+              <a:spcAft>
+                <a:spcPct val="0"/>
+              </a:spcAft>
+              <a:defRPr sz="2400">
+                <a:solidFill>
+                  <a:schemeClr val="tx1"/>
+                </a:solidFill>
+                <a:latin typeface="Trebuchet MS" charset="0"/>
+                <a:ea typeface="ＭＳ Ｐゴシック" charset="0"/>
+              </a:defRPr>
+            </a:lvl6pPr>
+            <a:lvl7pPr marL="2971800" indent="-228600" eaLnBrk="0" fontAlgn="base" hangingPunct="0">
+              <a:spcBef>
+                <a:spcPct val="0"/>
+              </a:spcBef>
+              <a:spcAft>
+                <a:spcPct val="0"/>
+              </a:spcAft>
+              <a:defRPr sz="2400">
+                <a:solidFill>
+                  <a:schemeClr val="tx1"/>
+                </a:solidFill>
+                <a:latin typeface="Trebuchet MS" charset="0"/>
+                <a:ea typeface="ＭＳ Ｐゴシック" charset="0"/>
+              </a:defRPr>
+            </a:lvl7pPr>
+            <a:lvl8pPr marL="3429000" indent="-228600" eaLnBrk="0" fontAlgn="base" hangingPunct="0">
+              <a:spcBef>
+                <a:spcPct val="0"/>
+              </a:spcBef>
+              <a:spcAft>
+                <a:spcPct val="0"/>
+              </a:spcAft>
+              <a:defRPr sz="2400">
+                <a:solidFill>
+                  <a:schemeClr val="tx1"/>
+                </a:solidFill>
+                <a:latin typeface="Trebuchet MS" charset="0"/>
+                <a:ea typeface="ＭＳ Ｐゴシック" charset="0"/>
+              </a:defRPr>
+            </a:lvl8pPr>
+            <a:lvl9pPr marL="3886200" indent="-228600" eaLnBrk="0" fontAlgn="base" hangingPunct="0">
+              <a:spcBef>
+                <a:spcPct val="0"/>
+              </a:spcBef>
+              <a:spcAft>
+                <a:spcPct val="0"/>
+              </a:spcAft>
+              <a:defRPr sz="2400">
+                <a:solidFill>
+                  <a:schemeClr val="tx1"/>
+                </a:solidFill>
+                <a:latin typeface="Trebuchet MS" charset="0"/>
+                <a:ea typeface="ＭＳ Ｐゴシック" charset="0"/>
+              </a:defRPr>
+            </a:lvl9pPr>
+          </a:lstStyle>
+          <a:p>
+            <a:pPr algn="l" eaLnBrk="1" hangingPunct="1"/>
+            <a:r>
+              <a:rPr lang="en-US" sz="1200" b="1" dirty="0" smtClean="0">
+                <a:solidFill>
+                  <a:srgbClr val="122956"/>
+                </a:solidFill>
+                <a:cs typeface="Trebuchet MS" charset="0"/>
+              </a:rPr>
+              <a:t>5-</a:t>
+            </a:r>
+            <a:fld id="{31B56995-E14C-B64F-86C9-12D6DB74A41E}" type="slidenum">
+              <a:rPr lang="en-US" sz="1200" b="1">
+                <a:solidFill>
+                  <a:srgbClr val="122956"/>
+                </a:solidFill>
+                <a:cs typeface="Trebuchet MS" charset="0"/>
+              </a:rPr>
+              <a:pPr algn="l" eaLnBrk="1" hangingPunct="1"/>
+              <a:t>8</a:t>
+            </a:fld>
+            <a:endParaRPr lang="en-US" sz="1200" b="1" dirty="0">
+              <a:solidFill>
+                <a:srgbClr val="122956"/>
+              </a:solidFill>
+              <a:cs typeface="Trebuchet MS" charset="0"/>
+            </a:endParaRPr>
+          </a:p>
+        </p:txBody>
+      </p:sp>
     </p:spTree>
     <p:extLst>
       <p:ext uri="{BB962C8B-B14F-4D97-AF65-F5344CB8AC3E}">
@@ -14059,6 +17340,186 @@
               </a:rPr>
               <a:t>);</a:t>
             </a:r>
+          </a:p>
+        </p:txBody>
+      </p:sp>
+      <p:sp>
+        <p:nvSpPr>
+          <p:cNvPr id="5" name="Slide Number Placeholder 5"/>
+          <p:cNvSpPr>
+            <a:spLocks noGrp="1"/>
+          </p:cNvSpPr>
+          <p:nvPr>
+            <p:ph type="sldNum" sz="quarter" idx="12"/>
+          </p:nvPr>
+        </p:nvSpPr>
+        <p:spPr bwMode="auto">
+          <a:xfrm>
+            <a:off x="203200" y="6400800"/>
+            <a:ext cx="2133600" cy="365125"/>
+          </a:xfrm>
+          <a:noFill/>
+          <a:extLst>
+            <a:ext uri="{909E8E84-426E-40dd-AFC4-6F175D3DCCD1}">
+              <a14:hiddenFill xmlns:a14="http://schemas.microsoft.com/office/drawing/2010/main">
+                <a:solidFill>
+                  <a:srgbClr val="FFFFFF"/>
+                </a:solidFill>
+              </a14:hiddenFill>
+            </a:ext>
+            <a:ext uri="{91240B29-F687-4f45-9708-019B960494DF}">
+              <a14:hiddenLine xmlns:a14="http://schemas.microsoft.com/office/drawing/2010/main" w="9525">
+                <a:solidFill>
+                  <a:srgbClr val="000000"/>
+                </a:solidFill>
+                <a:miter lim="800000"/>
+                <a:headEnd/>
+                <a:tailEnd/>
+              </a14:hiddenLine>
+            </a:ext>
+          </a:extLst>
+        </p:spPr>
+        <p:txBody>
+          <a:bodyPr vert="horz" wrap="square" lIns="91440" tIns="45720" rIns="91440" bIns="45720" numCol="1" anchor="ctr" anchorCtr="0" compatLnSpc="1">
+            <a:prstTxWarp prst="textNoShape">
+              <a:avLst/>
+            </a:prstTxWarp>
+          </a:bodyPr>
+          <a:lstStyle>
+            <a:lvl1pPr eaLnBrk="0" hangingPunct="0">
+              <a:defRPr sz="2400">
+                <a:solidFill>
+                  <a:schemeClr val="tx1"/>
+                </a:solidFill>
+                <a:latin typeface="Trebuchet MS" charset="0"/>
+                <a:ea typeface="ＭＳ Ｐゴシック" charset="0"/>
+                <a:cs typeface="ＭＳ Ｐゴシック" charset="0"/>
+              </a:defRPr>
+            </a:lvl1pPr>
+            <a:lvl2pPr marL="742950" indent="-285750" eaLnBrk="0" hangingPunct="0">
+              <a:defRPr sz="2400">
+                <a:solidFill>
+                  <a:schemeClr val="tx1"/>
+                </a:solidFill>
+                <a:latin typeface="Trebuchet MS" charset="0"/>
+                <a:ea typeface="ＭＳ Ｐゴシック" charset="0"/>
+              </a:defRPr>
+            </a:lvl2pPr>
+            <a:lvl3pPr marL="1143000" indent="-228600" eaLnBrk="0" hangingPunct="0">
+              <a:defRPr sz="2400">
+                <a:solidFill>
+                  <a:schemeClr val="tx1"/>
+                </a:solidFill>
+                <a:latin typeface="Trebuchet MS" charset="0"/>
+                <a:ea typeface="ＭＳ Ｐゴシック" charset="0"/>
+              </a:defRPr>
+            </a:lvl3pPr>
+            <a:lvl4pPr marL="1600200" indent="-228600" eaLnBrk="0" hangingPunct="0">
+              <a:defRPr sz="2400">
+                <a:solidFill>
+                  <a:schemeClr val="tx1"/>
+                </a:solidFill>
+                <a:latin typeface="Trebuchet MS" charset="0"/>
+                <a:ea typeface="ＭＳ Ｐゴシック" charset="0"/>
+              </a:defRPr>
+            </a:lvl4pPr>
+            <a:lvl5pPr marL="2057400" indent="-228600" eaLnBrk="0" hangingPunct="0">
+              <a:defRPr sz="2400">
+                <a:solidFill>
+                  <a:schemeClr val="tx1"/>
+                </a:solidFill>
+                <a:latin typeface="Trebuchet MS" charset="0"/>
+                <a:ea typeface="ＭＳ Ｐゴシック" charset="0"/>
+              </a:defRPr>
+            </a:lvl5pPr>
+            <a:lvl6pPr marL="2514600" indent="-228600" eaLnBrk="0" fontAlgn="base" hangingPunct="0">
+              <a:spcBef>
+                <a:spcPct val="0"/>
+              </a:spcBef>
+              <a:spcAft>
+                <a:spcPct val="0"/>
+              </a:spcAft>
+              <a:defRPr sz="2400">
+                <a:solidFill>
+                  <a:schemeClr val="tx1"/>
+                </a:solidFill>
+                <a:latin typeface="Trebuchet MS" charset="0"/>
+                <a:ea typeface="ＭＳ Ｐゴシック" charset="0"/>
+              </a:defRPr>
+            </a:lvl6pPr>
+            <a:lvl7pPr marL="2971800" indent="-228600" eaLnBrk="0" fontAlgn="base" hangingPunct="0">
+              <a:spcBef>
+                <a:spcPct val="0"/>
+              </a:spcBef>
+              <a:spcAft>
+                <a:spcPct val="0"/>
+              </a:spcAft>
+              <a:defRPr sz="2400">
+                <a:solidFill>
+                  <a:schemeClr val="tx1"/>
+                </a:solidFill>
+                <a:latin typeface="Trebuchet MS" charset="0"/>
+                <a:ea typeface="ＭＳ Ｐゴシック" charset="0"/>
+              </a:defRPr>
+            </a:lvl7pPr>
+            <a:lvl8pPr marL="3429000" indent="-228600" eaLnBrk="0" fontAlgn="base" hangingPunct="0">
+              <a:spcBef>
+                <a:spcPct val="0"/>
+              </a:spcBef>
+              <a:spcAft>
+                <a:spcPct val="0"/>
+              </a:spcAft>
+              <a:defRPr sz="2400">
+                <a:solidFill>
+                  <a:schemeClr val="tx1"/>
+                </a:solidFill>
+                <a:latin typeface="Trebuchet MS" charset="0"/>
+                <a:ea typeface="ＭＳ Ｐゴシック" charset="0"/>
+              </a:defRPr>
+            </a:lvl8pPr>
+            <a:lvl9pPr marL="3886200" indent="-228600" eaLnBrk="0" fontAlgn="base" hangingPunct="0">
+              <a:spcBef>
+                <a:spcPct val="0"/>
+              </a:spcBef>
+              <a:spcAft>
+                <a:spcPct val="0"/>
+              </a:spcAft>
+              <a:defRPr sz="2400">
+                <a:solidFill>
+                  <a:schemeClr val="tx1"/>
+                </a:solidFill>
+                <a:latin typeface="Trebuchet MS" charset="0"/>
+                <a:ea typeface="ＭＳ Ｐゴシック" charset="0"/>
+              </a:defRPr>
+            </a:lvl9pPr>
+          </a:lstStyle>
+          <a:p>
+            <a:pPr algn="l" eaLnBrk="1" hangingPunct="1"/>
+            <a:r>
+              <a:rPr lang="en-US" sz="1200" b="1" dirty="0" smtClean="0">
+                <a:solidFill>
+                  <a:srgbClr val="122956"/>
+                </a:solidFill>
+                <a:cs typeface="Trebuchet MS" charset="0"/>
+              </a:rPr>
+              <a:t>5-</a:t>
+            </a:r>
+            <a:fld id="{31B56995-E14C-B64F-86C9-12D6DB74A41E}" type="slidenum">
+              <a:rPr lang="en-US" sz="1200" b="1">
+                <a:solidFill>
+                  <a:srgbClr val="122956"/>
+                </a:solidFill>
+                <a:cs typeface="Trebuchet MS" charset="0"/>
+              </a:rPr>
+              <a:pPr algn="l" eaLnBrk="1" hangingPunct="1"/>
+              <a:t>9</a:t>
+            </a:fld>
+            <a:endParaRPr lang="en-US" sz="1200" b="1" dirty="0">
+              <a:solidFill>
+                <a:srgbClr val="122956"/>
+              </a:solidFill>
+              <a:cs typeface="Trebuchet MS" charset="0"/>
+            </a:endParaRPr>
           </a:p>
         </p:txBody>
       </p:sp>

--- a/325.pptx
+++ b/325.pptx
@@ -253,7 +253,7 @@
               <a:pPr>
                 <a:defRPr/>
               </a:pPr>
-              <a:t>8/19/11</a:t>
+              <a:t>9/27/11</a:t>
             </a:fld>
             <a:endParaRPr lang="en-US"/>
           </a:p>
@@ -436,7 +436,7 @@
               <a:pPr>
                 <a:defRPr/>
               </a:pPr>
-              <a:t>8/19/11</a:t>
+              <a:t>9/27/11</a:t>
             </a:fld>
             <a:endParaRPr lang="en-US"/>
           </a:p>
@@ -4562,7 +4562,7 @@
               <a:pPr>
                 <a:defRPr/>
               </a:pPr>
-              <a:t>8/19/11</a:t>
+              <a:t>9/27/11</a:t>
             </a:fld>
             <a:endParaRPr lang="en-US"/>
           </a:p>
@@ -4942,7 +4942,7 @@
               <a:pPr>
                 <a:defRPr/>
               </a:pPr>
-              <a:t>8/19/11</a:t>
+              <a:t>9/27/11</a:t>
             </a:fld>
             <a:endParaRPr lang="en-US"/>
           </a:p>
@@ -5504,7 +5504,7 @@
               <a:pPr>
                 <a:defRPr/>
               </a:pPr>
-              <a:t>8/19/11</a:t>
+              <a:t>9/27/11</a:t>
             </a:fld>
             <a:endParaRPr lang="en-US"/>
           </a:p>
@@ -6114,7 +6114,7 @@
               <a:pPr>
                 <a:defRPr/>
               </a:pPr>
-              <a:t>8/19/11</a:t>
+              <a:t>9/27/11</a:t>
             </a:fld>
             <a:endParaRPr lang="en-US"/>
           </a:p>
@@ -6236,7 +6236,7 @@
               <a:pPr>
                 <a:defRPr/>
               </a:pPr>
-              <a:t>8/19/11</a:t>
+              <a:t>9/27/11</a:t>
             </a:fld>
             <a:endParaRPr lang="en-US"/>
           </a:p>
@@ -6523,7 +6523,7 @@
               <a:pPr>
                 <a:defRPr/>
               </a:pPr>
-              <a:t>8/19/11</a:t>
+              <a:t>9/27/11</a:t>
             </a:fld>
             <a:endParaRPr lang="en-US"/>
           </a:p>
@@ -8170,7 +8170,16 @@
                 </a:solidFill>
                 <a:cs typeface="Trebuchet MS" charset="0"/>
               </a:rPr>
-              <a:t>5-</a:t>
+              <a:t>OG</a:t>
+            </a:r>
+            <a:r>
+              <a:rPr lang="en-US" sz="1200" b="1" dirty="0" smtClean="0">
+                <a:solidFill>
+                  <a:srgbClr val="122956"/>
+                </a:solidFill>
+                <a:cs typeface="Trebuchet MS" charset="0"/>
+              </a:rPr>
+              <a:t>-</a:t>
             </a:r>
             <a:fld id="{31B56995-E14C-B64F-86C9-12D6DB74A41E}" type="slidenum">
               <a:rPr lang="en-US" sz="1200" b="1">
@@ -8548,13 +8557,13 @@
           <a:p>
             <a:pPr algn="l" eaLnBrk="1" hangingPunct="1"/>
             <a:r>
-              <a:rPr lang="en-US" sz="1200" b="1" dirty="0" smtClean="0">
+              <a:rPr lang="en-US" sz="1200" b="1" dirty="0">
                 <a:solidFill>
                   <a:srgbClr val="122956"/>
                 </a:solidFill>
                 <a:cs typeface="Trebuchet MS" charset="0"/>
               </a:rPr>
-              <a:t>5-</a:t>
+              <a:t>OG-</a:t>
             </a:r>
             <a:fld id="{31B56995-E14C-B64F-86C9-12D6DB74A41E}" type="slidenum">
               <a:rPr lang="en-US" sz="1200" b="1">
@@ -8858,13 +8867,13 @@
           <a:p>
             <a:pPr algn="l" eaLnBrk="1" hangingPunct="1"/>
             <a:r>
-              <a:rPr lang="en-US" sz="1200" b="1" dirty="0" smtClean="0">
+              <a:rPr lang="en-US" sz="1200" b="1" dirty="0">
                 <a:solidFill>
                   <a:srgbClr val="122956"/>
                 </a:solidFill>
                 <a:cs typeface="Trebuchet MS" charset="0"/>
               </a:rPr>
-              <a:t>5-</a:t>
+              <a:t>OG-</a:t>
             </a:r>
             <a:fld id="{31B56995-E14C-B64F-86C9-12D6DB74A41E}" type="slidenum">
               <a:rPr lang="en-US" sz="1200" b="1">
@@ -9228,13 +9237,13 @@
           <a:p>
             <a:pPr algn="l" eaLnBrk="1" hangingPunct="1"/>
             <a:r>
-              <a:rPr lang="en-US" sz="1200" b="1" dirty="0" smtClean="0">
+              <a:rPr lang="en-US" sz="1200" b="1" dirty="0">
                 <a:solidFill>
                   <a:srgbClr val="122956"/>
                 </a:solidFill>
                 <a:cs typeface="Trebuchet MS" charset="0"/>
               </a:rPr>
-              <a:t>5-</a:t>
+              <a:t>OG-</a:t>
             </a:r>
             <a:fld id="{31B56995-E14C-B64F-86C9-12D6DB74A41E}" type="slidenum">
               <a:rPr lang="en-US" sz="1200" b="1">
@@ -9703,13 +9712,13 @@
           <a:p>
             <a:pPr algn="l" eaLnBrk="1" hangingPunct="1"/>
             <a:r>
-              <a:rPr lang="en-US" sz="1200" b="1" dirty="0" smtClean="0">
+              <a:rPr lang="en-US" sz="1200" b="1" dirty="0">
                 <a:solidFill>
                   <a:srgbClr val="122956"/>
                 </a:solidFill>
                 <a:cs typeface="Trebuchet MS" charset="0"/>
               </a:rPr>
-              <a:t>5-</a:t>
+              <a:t>OG-</a:t>
             </a:r>
             <a:fld id="{31B56995-E14C-B64F-86C9-12D6DB74A41E}" type="slidenum">
               <a:rPr lang="en-US" sz="1200" b="1">
@@ -10420,13 +10429,13 @@
           <a:p>
             <a:pPr algn="l" eaLnBrk="1" hangingPunct="1"/>
             <a:r>
-              <a:rPr lang="en-US" sz="1200" b="1" dirty="0" smtClean="0">
+              <a:rPr lang="en-US" sz="1200" b="1" dirty="0">
                 <a:solidFill>
                   <a:srgbClr val="122956"/>
                 </a:solidFill>
                 <a:cs typeface="Trebuchet MS" charset="0"/>
               </a:rPr>
-              <a:t>5-</a:t>
+              <a:t>OG-</a:t>
             </a:r>
             <a:fld id="{31B56995-E14C-B64F-86C9-12D6DB74A41E}" type="slidenum">
               <a:rPr lang="en-US" sz="1200" b="1">
@@ -10848,13 +10857,13 @@
           <a:p>
             <a:pPr algn="l" eaLnBrk="1" hangingPunct="1"/>
             <a:r>
-              <a:rPr lang="en-US" sz="1200" b="1" dirty="0" smtClean="0">
+              <a:rPr lang="en-US" sz="1200" b="1" dirty="0">
                 <a:solidFill>
                   <a:srgbClr val="122956"/>
                 </a:solidFill>
                 <a:cs typeface="Trebuchet MS" charset="0"/>
               </a:rPr>
-              <a:t>5-</a:t>
+              <a:t>OG-</a:t>
             </a:r>
             <a:fld id="{31B56995-E14C-B64F-86C9-12D6DB74A41E}" type="slidenum">
               <a:rPr lang="en-US" sz="1200" b="1">
@@ -11297,13 +11306,13 @@
           <a:p>
             <a:pPr algn="l" eaLnBrk="1" hangingPunct="1"/>
             <a:r>
-              <a:rPr lang="en-US" sz="1200" b="1" dirty="0" smtClean="0">
+              <a:rPr lang="en-US" sz="1200" b="1" dirty="0">
                 <a:solidFill>
                   <a:srgbClr val="122956"/>
                 </a:solidFill>
                 <a:cs typeface="Trebuchet MS" charset="0"/>
               </a:rPr>
-              <a:t>5-</a:t>
+              <a:t>OG-</a:t>
             </a:r>
             <a:fld id="{31B56995-E14C-B64F-86C9-12D6DB74A41E}" type="slidenum">
               <a:rPr lang="en-US" sz="1200" b="1">
@@ -11672,13 +11681,13 @@
           <a:p>
             <a:pPr algn="l" eaLnBrk="1" hangingPunct="1"/>
             <a:r>
-              <a:rPr lang="en-US" sz="1200" b="1" dirty="0" smtClean="0">
+              <a:rPr lang="en-US" sz="1200" b="1" dirty="0">
                 <a:solidFill>
                   <a:srgbClr val="122956"/>
                 </a:solidFill>
                 <a:cs typeface="Trebuchet MS" charset="0"/>
               </a:rPr>
-              <a:t>5-</a:t>
+              <a:t>OG-</a:t>
             </a:r>
             <a:fld id="{31B56995-E14C-B64F-86C9-12D6DB74A41E}" type="slidenum">
               <a:rPr lang="en-US" sz="1200" b="1">
@@ -11982,13 +11991,13 @@
           <a:p>
             <a:pPr algn="l" eaLnBrk="1" hangingPunct="1"/>
             <a:r>
-              <a:rPr lang="en-US" sz="1200" b="1" dirty="0" smtClean="0">
+              <a:rPr lang="en-US" sz="1200" b="1" dirty="0">
                 <a:solidFill>
                   <a:srgbClr val="122956"/>
                 </a:solidFill>
                 <a:cs typeface="Trebuchet MS" charset="0"/>
               </a:rPr>
-              <a:t>5-</a:t>
+              <a:t>OG-</a:t>
             </a:r>
             <a:fld id="{31B56995-E14C-B64F-86C9-12D6DB74A41E}" type="slidenum">
               <a:rPr lang="en-US" sz="1200" b="1">
@@ -12303,13 +12312,13 @@
           <a:p>
             <a:pPr algn="l" eaLnBrk="1" hangingPunct="1"/>
             <a:r>
-              <a:rPr lang="en-US" sz="1200" b="1" dirty="0" smtClean="0">
+              <a:rPr lang="en-US" sz="1200" b="1" dirty="0">
                 <a:solidFill>
                   <a:srgbClr val="122956"/>
                 </a:solidFill>
                 <a:cs typeface="Trebuchet MS" charset="0"/>
               </a:rPr>
-              <a:t>5-</a:t>
+              <a:t>OG-</a:t>
             </a:r>
             <a:fld id="{31B56995-E14C-B64F-86C9-12D6DB74A41E}" type="slidenum">
               <a:rPr lang="en-US" sz="1200" b="1">
@@ -12580,7 +12589,7 @@
                 </a:solidFill>
                 <a:cs typeface="Trebuchet MS" charset="0"/>
               </a:rPr>
-              <a:t>5-</a:t>
+              <a:t>OG-</a:t>
             </a:r>
             <a:fld id="{31B56995-E14C-B64F-86C9-12D6DB74A41E}" type="slidenum">
               <a:rPr lang="en-US" sz="1200" b="1">
@@ -12905,13 +12914,13 @@
           <a:p>
             <a:pPr algn="l" eaLnBrk="1" hangingPunct="1"/>
             <a:r>
-              <a:rPr lang="en-US" sz="1200" b="1" dirty="0" smtClean="0">
+              <a:rPr lang="en-US" sz="1200" b="1" dirty="0">
                 <a:solidFill>
                   <a:srgbClr val="122956"/>
                 </a:solidFill>
                 <a:cs typeface="Trebuchet MS" charset="0"/>
               </a:rPr>
-              <a:t>5-</a:t>
+              <a:t>OG-</a:t>
             </a:r>
             <a:fld id="{31B56995-E14C-B64F-86C9-12D6DB74A41E}" type="slidenum">
               <a:rPr lang="en-US" sz="1200" b="1">
@@ -13286,13 +13295,13 @@
           <a:p>
             <a:pPr algn="l" eaLnBrk="1" hangingPunct="1"/>
             <a:r>
-              <a:rPr lang="en-US" sz="1200" b="1" dirty="0" smtClean="0">
+              <a:rPr lang="en-US" sz="1200" b="1" dirty="0">
                 <a:solidFill>
                   <a:srgbClr val="122956"/>
                 </a:solidFill>
                 <a:cs typeface="Trebuchet MS" charset="0"/>
               </a:rPr>
-              <a:t>5-</a:t>
+              <a:t>OG-</a:t>
             </a:r>
             <a:fld id="{31B56995-E14C-B64F-86C9-12D6DB74A41E}" type="slidenum">
               <a:rPr lang="en-US" sz="1200" b="1">
@@ -13862,13 +13871,13 @@
           <a:p>
             <a:pPr algn="l" eaLnBrk="1" hangingPunct="1"/>
             <a:r>
-              <a:rPr lang="en-US" sz="1200" b="1" dirty="0" smtClean="0">
+              <a:rPr lang="en-US" sz="1200" b="1" dirty="0">
                 <a:solidFill>
                   <a:srgbClr val="122956"/>
                 </a:solidFill>
                 <a:cs typeface="Trebuchet MS" charset="0"/>
               </a:rPr>
-              <a:t>5-</a:t>
+              <a:t>OG-</a:t>
             </a:r>
             <a:fld id="{31B56995-E14C-B64F-86C9-12D6DB74A41E}" type="slidenum">
               <a:rPr lang="en-US" sz="1200" b="1">
@@ -14563,13 +14572,13 @@
           <a:p>
             <a:pPr algn="l" eaLnBrk="1" hangingPunct="1"/>
             <a:r>
-              <a:rPr lang="en-US" sz="1200" b="1" dirty="0" smtClean="0">
+              <a:rPr lang="en-US" sz="1200" b="1" dirty="0">
                 <a:solidFill>
                   <a:srgbClr val="122956"/>
                 </a:solidFill>
                 <a:cs typeface="Trebuchet MS" charset="0"/>
               </a:rPr>
-              <a:t>5-</a:t>
+              <a:t>OG-</a:t>
             </a:r>
             <a:fld id="{31B56995-E14C-B64F-86C9-12D6DB74A41E}" type="slidenum">
               <a:rPr lang="en-US" sz="1200" b="1">
@@ -15196,13 +15205,13 @@
           <a:p>
             <a:pPr algn="l" eaLnBrk="1" hangingPunct="1"/>
             <a:r>
-              <a:rPr lang="en-US" sz="1200" b="1" dirty="0" smtClean="0">
+              <a:rPr lang="en-US" sz="1200" b="1" dirty="0">
                 <a:solidFill>
                   <a:srgbClr val="122956"/>
                 </a:solidFill>
                 <a:cs typeface="Trebuchet MS" charset="0"/>
               </a:rPr>
-              <a:t>5-</a:t>
+              <a:t>OG-</a:t>
             </a:r>
             <a:fld id="{31B56995-E14C-B64F-86C9-12D6DB74A41E}" type="slidenum">
               <a:rPr lang="en-US" sz="1200" b="1">
@@ -15837,13 +15846,13 @@
           <a:p>
             <a:pPr algn="l" eaLnBrk="1" hangingPunct="1"/>
             <a:r>
-              <a:rPr lang="en-US" sz="1200" b="1" dirty="0" smtClean="0">
+              <a:rPr lang="en-US" sz="1200" b="1" dirty="0">
                 <a:solidFill>
                   <a:srgbClr val="122956"/>
                 </a:solidFill>
                 <a:cs typeface="Trebuchet MS" charset="0"/>
               </a:rPr>
-              <a:t>5-</a:t>
+              <a:t>OG-</a:t>
             </a:r>
             <a:fld id="{31B56995-E14C-B64F-86C9-12D6DB74A41E}" type="slidenum">
               <a:rPr lang="en-US" sz="1200" b="1">
@@ -16683,13 +16692,13 @@
           <a:p>
             <a:pPr algn="l" eaLnBrk="1" hangingPunct="1"/>
             <a:r>
-              <a:rPr lang="en-US" sz="1200" b="1" dirty="0" smtClean="0">
+              <a:rPr lang="en-US" sz="1200" b="1" dirty="0">
                 <a:solidFill>
                   <a:srgbClr val="122956"/>
                 </a:solidFill>
                 <a:cs typeface="Trebuchet MS" charset="0"/>
               </a:rPr>
-              <a:t>5-</a:t>
+              <a:t>OG-</a:t>
             </a:r>
             <a:fld id="{31B56995-E14C-B64F-86C9-12D6DB74A41E}" type="slidenum">
               <a:rPr lang="en-US" sz="1200" b="1">
@@ -17496,13 +17505,13 @@
           <a:p>
             <a:pPr algn="l" eaLnBrk="1" hangingPunct="1"/>
             <a:r>
-              <a:rPr lang="en-US" sz="1200" b="1" dirty="0" smtClean="0">
+              <a:rPr lang="en-US" sz="1200" b="1" dirty="0">
                 <a:solidFill>
                   <a:srgbClr val="122956"/>
                 </a:solidFill>
                 <a:cs typeface="Trebuchet MS" charset="0"/>
               </a:rPr>
-              <a:t>5-</a:t>
+              <a:t>OG-</a:t>
             </a:r>
             <a:fld id="{31B56995-E14C-B64F-86C9-12D6DB74A41E}" type="slidenum">
               <a:rPr lang="en-US" sz="1200" b="1">

--- a/325.pptx
+++ b/325.pptx
@@ -253,7 +253,7 @@
               <a:pPr>
                 <a:defRPr/>
               </a:pPr>
-              <a:t>9/27/11</a:t>
+              <a:t>11/4/11</a:t>
             </a:fld>
             <a:endParaRPr lang="en-US"/>
           </a:p>
@@ -436,7 +436,7 @@
               <a:pPr>
                 <a:defRPr/>
               </a:pPr>
-              <a:t>9/27/11</a:t>
+              <a:t>11/4/11</a:t>
             </a:fld>
             <a:endParaRPr lang="en-US"/>
           </a:p>
@@ -4104,7 +4104,11 @@
             </a:r>
             <a:r>
               <a:rPr lang="en-US" baseline="0" dirty="0" smtClean="0"/>
-              <a:t> basis within your app</a:t>
+              <a:t> basis within your </a:t>
+            </a:r>
+            <a:r>
+              <a:rPr lang="en-US" baseline="0" dirty="0" smtClean="0"/>
+              <a:t>app</a:t>
             </a:r>
           </a:p>
           <a:p>
@@ -4113,16 +4117,7 @@
           <a:p>
             <a:r>
               <a:rPr lang="en-US" baseline="0" dirty="0" smtClean="0"/>
-              <a:t>Two options:</a:t>
-            </a:r>
-          </a:p>
-          <a:p>
-            <a:pPr marL="228600" indent="-228600">
-              <a:buAutoNum type="arabicParenR"/>
-            </a:pPr>
-            <a:r>
-              <a:rPr lang="en-US" baseline="0" dirty="0" smtClean="0"/>
-              <a:t>Use </a:t>
+              <a:t>The older </a:t>
             </a:r>
             <a:r>
               <a:rPr lang="en-US" baseline="0" dirty="0" err="1" smtClean="0"/>
@@ -4130,26 +4125,11 @@
             </a:r>
             <a:r>
               <a:rPr lang="en-US" baseline="0" dirty="0" smtClean="0"/>
-              <a:t> statement</a:t>
-            </a:r>
-          </a:p>
-          <a:p>
-            <a:pPr marL="228600" indent="-228600">
-              <a:buAutoNum type="arabicParenR"/>
-            </a:pPr>
-            <a:r>
-              <a:rPr lang="en-US" baseline="0" dirty="0" smtClean="0"/>
-              <a:t>set </a:t>
-            </a:r>
-            <a:r>
-              <a:rPr lang="en-US" baseline="0" dirty="0" err="1" smtClean="0"/>
-              <a:t>orientationModes</a:t>
-            </a:r>
-            <a:r>
-              <a:rPr lang="en-US" baseline="0" dirty="0" smtClean="0"/>
-              <a:t> when defining the window</a:t>
-            </a:r>
-            <a:endParaRPr lang="en-US" dirty="0"/>
+              <a:t> property technique is deprecated and should not be used.</a:t>
+            </a:r>
+          </a:p>
+          <a:p>
+            <a:endParaRPr lang="en-US" baseline="0" dirty="0" smtClean="0"/>
           </a:p>
         </p:txBody>
       </p:sp>
@@ -4260,21 +4240,6 @@
             <a:r>
               <a:rPr lang="en-US" baseline="0" dirty="0" smtClean="0"/>
               <a:t> event listener</a:t>
-            </a:r>
-          </a:p>
-          <a:p>
-            <a:endParaRPr lang="en-US" baseline="0" dirty="0" smtClean="0"/>
-          </a:p>
-          <a:p>
-            <a:r>
-              <a:rPr lang="en-US" baseline="0" dirty="0" smtClean="0"/>
-              <a:t>On Android, can’t be in a tab group (open ticket  TIMOB-4121)</a:t>
-            </a:r>
-          </a:p>
-          <a:p>
-            <a:r>
-              <a:rPr lang="en-US" baseline="0" dirty="0" smtClean="0"/>
-              <a:t>Remove from tab group or use sub-contexts</a:t>
             </a:r>
           </a:p>
           <a:p>
@@ -4562,7 +4527,7 @@
               <a:pPr>
                 <a:defRPr/>
               </a:pPr>
-              <a:t>9/27/11</a:t>
+              <a:t>11/4/11</a:t>
             </a:fld>
             <a:endParaRPr lang="en-US"/>
           </a:p>
@@ -4942,7 +4907,7 @@
               <a:pPr>
                 <a:defRPr/>
               </a:pPr>
-              <a:t>9/27/11</a:t>
+              <a:t>11/4/11</a:t>
             </a:fld>
             <a:endParaRPr lang="en-US"/>
           </a:p>
@@ -5504,7 +5469,7 @@
               <a:pPr>
                 <a:defRPr/>
               </a:pPr>
-              <a:t>9/27/11</a:t>
+              <a:t>11/4/11</a:t>
             </a:fld>
             <a:endParaRPr lang="en-US"/>
           </a:p>
@@ -6114,7 +6079,7 @@
               <a:pPr>
                 <a:defRPr/>
               </a:pPr>
-              <a:t>9/27/11</a:t>
+              <a:t>11/4/11</a:t>
             </a:fld>
             <a:endParaRPr lang="en-US"/>
           </a:p>
@@ -6236,7 +6201,7 @@
               <a:pPr>
                 <a:defRPr/>
               </a:pPr>
-              <a:t>9/27/11</a:t>
+              <a:t>11/4/11</a:t>
             </a:fld>
             <a:endParaRPr lang="en-US"/>
           </a:p>
@@ -6523,7 +6488,7 @@
               <a:pPr>
                 <a:defRPr/>
               </a:pPr>
-              <a:t>9/27/11</a:t>
+              <a:t>11/4/11</a:t>
             </a:fld>
             <a:endParaRPr lang="en-US"/>
           </a:p>
@@ -8170,16 +8135,7 @@
                 </a:solidFill>
                 <a:cs typeface="Trebuchet MS" charset="0"/>
               </a:rPr>
-              <a:t>OG</a:t>
-            </a:r>
-            <a:r>
-              <a:rPr lang="en-US" sz="1200" b="1" dirty="0" smtClean="0">
-                <a:solidFill>
-                  <a:srgbClr val="122956"/>
-                </a:solidFill>
-                <a:cs typeface="Trebuchet MS" charset="0"/>
-              </a:rPr>
-              <a:t>-</a:t>
+              <a:t>OG-</a:t>
             </a:r>
             <a:fld id="{31B56995-E14C-B64F-86C9-12D6DB74A41E}" type="slidenum">
               <a:rPr lang="en-US" sz="1200" b="1">
@@ -13983,7 +13939,11 @@
             </a:pPr>
             <a:r>
               <a:rPr lang="en-US" u="sng" dirty="0" smtClean="0"/>
-              <a:t>Option 1 - </a:t>
+              <a:t>Option 1 </a:t>
+            </a:r>
+            <a:r>
+              <a:rPr lang="en-US" u="sng" dirty="0" smtClean="0"/>
+              <a:t>– modify </a:t>
             </a:r>
             <a:r>
               <a:rPr lang="en-US" u="sng" dirty="0" err="1" smtClean="0"/>
@@ -14684,7 +14644,15 @@
             </a:pPr>
             <a:r>
               <a:rPr lang="en-US" u="sng" dirty="0" smtClean="0"/>
-              <a:t>Option 2 - Android manifest file</a:t>
+              <a:t>Option 2 </a:t>
+            </a:r>
+            <a:r>
+              <a:rPr lang="en-US" u="sng" dirty="0" smtClean="0"/>
+              <a:t>– Custom Android </a:t>
+            </a:r>
+            <a:r>
+              <a:rPr lang="en-US" u="sng" dirty="0" smtClean="0"/>
+              <a:t>manifest file</a:t>
             </a:r>
           </a:p>
           <a:p>
@@ -14732,17 +14700,21 @@
             </a:r>
             <a:r>
               <a:rPr lang="en-US" sz="2000" dirty="0" smtClean="0"/>
-              <a:t>	platform/</a:t>
-            </a:r>
-            <a:r>
-              <a:rPr lang="en-US" sz="2000" dirty="0"/>
+              <a:t>	</a:t>
+            </a:r>
+            <a:r>
+              <a:rPr lang="en-US" sz="2000" b="1" dirty="0" smtClean="0"/>
+              <a:t>platform/</a:t>
+            </a:r>
+            <a:r>
+              <a:rPr lang="en-US" sz="2000" b="1" dirty="0"/>
               <a:t>android/</a:t>
             </a:r>
             <a:r>
-              <a:rPr lang="en-US" sz="2000" dirty="0" err="1" smtClean="0"/>
+              <a:rPr lang="en-US" sz="2000" b="1" dirty="0" err="1" smtClean="0"/>
               <a:t>AndroidManifest.xml</a:t>
             </a:r>
-            <a:endParaRPr lang="en-US" sz="2000" dirty="0"/>
+            <a:endParaRPr lang="en-US" sz="2000" b="1" dirty="0"/>
           </a:p>
           <a:p>
             <a:pPr>
@@ -15324,7 +15296,11 @@
               <a:t> – </a:t>
             </a:r>
             <a:r>
-              <a:rPr lang="en-US" i="1" dirty="0" smtClean="0"/>
+              <a:rPr lang="en-US" i="1" dirty="0" smtClean="0">
+                <a:solidFill>
+                  <a:schemeClr val="accent2"/>
+                </a:solidFill>
+              </a:rPr>
               <a:t>deprecated</a:t>
             </a:r>
           </a:p>
@@ -15957,14 +15933,9 @@
               <a:buNone/>
             </a:pPr>
             <a:r>
-              <a:rPr lang="en-US" dirty="0" err="1" smtClean="0"/>
-              <a:t>Ti.UI.</a:t>
-            </a:r>
-            <a:r>
-              <a:rPr lang="en-US" i="1" dirty="0" err="1" smtClean="0"/>
-              <a:t>orientation</a:t>
-            </a:r>
-            <a:endParaRPr lang="en-US" dirty="0"/>
+              <a:rPr lang="en-US" dirty="0" smtClean="0"/>
+              <a:t>Window Orientation Modes</a:t>
+            </a:r>
           </a:p>
           <a:p>
             <a:pPr lvl="1">
@@ -15989,7 +15960,11 @@
             </a:pPr>
             <a:r>
               <a:rPr lang="en-US" sz="1800" dirty="0" smtClean="0"/>
-              <a:t>PORTRAIT / UPSIDE_PORTRAIT</a:t>
+              <a:t>PORTRAIT </a:t>
+            </a:r>
+            <a:r>
+              <a:rPr lang="en-US" sz="1800" dirty="0" smtClean="0"/>
+              <a:t>/ UPSIDE_PORTRAIT</a:t>
             </a:r>
           </a:p>
           <a:p>
@@ -16048,497 +16023,207 @@
           </a:p>
         </p:txBody>
       </p:sp>
-      <p:pic>
-        <p:nvPicPr>
-          <p:cNvPr id="6" name="Picture 36" descr="tv_advert.png"/>
-          <p:cNvPicPr>
-            <a:picLocks noChangeAspect="1"/>
-          </p:cNvPicPr>
+      <p:sp>
+        <p:nvSpPr>
+          <p:cNvPr id="5" name="TextBox 4"/>
+          <p:cNvSpPr txBox="1"/>
           <p:nvPr/>
-        </p:nvPicPr>
-        <p:blipFill>
-          <a:blip r:embed="rId3">
-            <a:extLst>
-              <a:ext uri="{28A0092B-C50C-407E-A947-70E740481C1C}">
-                <a14:useLocalDpi xmlns:a14="http://schemas.microsoft.com/office/drawing/2010/main" val="0"/>
-              </a:ext>
-            </a:extLst>
-          </a:blip>
-          <a:srcRect/>
-          <a:stretch>
-            <a:fillRect/>
-          </a:stretch>
-        </p:blipFill>
-        <p:spPr bwMode="auto">
+        </p:nvSpPr>
+        <p:spPr>
           <a:xfrm>
-            <a:off x="8543606" y="0"/>
-            <a:ext cx="480315" cy="481263"/>
+            <a:off x="1636325" y="3739330"/>
+            <a:ext cx="5152571" cy="1708160"/>
           </a:xfrm>
           <a:prstGeom prst="rect">
             <a:avLst/>
           </a:prstGeom>
-          <a:noFill/>
-          <a:ln>
-            <a:noFill/>
-          </a:ln>
-          <a:extLst>
-            <a:ext uri="{909E8E84-426E-40dd-AFC4-6F175D3DCCD1}">
-              <a14:hiddenFill xmlns:a14="http://schemas.microsoft.com/office/drawing/2010/main">
-                <a:solidFill>
-                  <a:srgbClr val="FFFFFF"/>
-                </a:solidFill>
-              </a14:hiddenFill>
-            </a:ext>
-            <a:ext uri="{91240B29-F687-4f45-9708-019B960494DF}">
-              <a14:hiddenLine xmlns:a14="http://schemas.microsoft.com/office/drawing/2010/main" w="9525">
-                <a:solidFill>
-                  <a:srgbClr val="000000"/>
-                </a:solidFill>
-                <a:miter lim="800000"/>
-                <a:headEnd/>
-                <a:tailEnd/>
-              </a14:hiddenLine>
-            </a:ext>
-          </a:extLst>
+          <a:solidFill>
+            <a:schemeClr val="bg1"/>
+          </a:solidFill>
+          <a:effectLst>
+            <a:outerShdw blurRad="50800" dist="38100" dir="2700000" algn="tl" rotWithShape="0">
+              <a:prstClr val="black">
+                <a:alpha val="40000"/>
+              </a:prstClr>
+            </a:outerShdw>
+          </a:effectLst>
         </p:spPr>
-      </p:pic>
-      <p:grpSp>
-        <p:nvGrpSpPr>
-          <p:cNvPr id="9" name="Group 8"/>
-          <p:cNvGrpSpPr/>
-          <p:nvPr/>
-        </p:nvGrpSpPr>
-        <p:grpSpPr>
-          <a:xfrm>
-            <a:off x="1769822" y="3489105"/>
-            <a:ext cx="5330083" cy="937503"/>
-            <a:chOff x="1769822" y="3489105"/>
-            <a:chExt cx="5330083" cy="937503"/>
-          </a:xfrm>
-        </p:grpSpPr>
-        <p:sp>
-          <p:nvSpPr>
-            <p:cNvPr id="4" name="TextBox 3"/>
-            <p:cNvSpPr txBox="1"/>
-            <p:nvPr/>
-          </p:nvSpPr>
-          <p:spPr>
-            <a:xfrm>
-              <a:off x="1947334" y="3641778"/>
-              <a:ext cx="5152571" cy="784830"/>
-            </a:xfrm>
-            <a:prstGeom prst="rect">
-              <a:avLst/>
-            </a:prstGeom>
-            <a:solidFill>
-              <a:schemeClr val="bg1"/>
-            </a:solidFill>
-            <a:effectLst>
-              <a:outerShdw blurRad="50800" dist="38100" dir="2700000" algn="tl" rotWithShape="0">
-                <a:prstClr val="black">
-                  <a:alpha val="40000"/>
-                </a:prstClr>
-              </a:outerShdw>
-            </a:effectLst>
-          </p:spPr>
-          <p:style>
-            <a:lnRef idx="2">
-              <a:schemeClr val="accent2"/>
-            </a:lnRef>
-            <a:fillRef idx="1">
-              <a:schemeClr val="lt1"/>
-            </a:fillRef>
-            <a:effectRef idx="0">
-              <a:schemeClr val="accent2"/>
-            </a:effectRef>
-            <a:fontRef idx="minor">
-              <a:schemeClr val="dk1"/>
-            </a:fontRef>
-          </p:style>
-          <p:txBody>
-            <a:bodyPr wrap="square" rtlCol="0">
-              <a:spAutoFit/>
-            </a:bodyPr>
-            <a:lstStyle/>
-            <a:p>
-              <a:endParaRPr lang="en-US" sz="1500" dirty="0" smtClean="0">
-                <a:latin typeface="Courier"/>
-                <a:cs typeface="Courier"/>
-              </a:endParaRPr>
-            </a:p>
-            <a:p>
-              <a:r>
-                <a:rPr lang="en-US" sz="1500" dirty="0" smtClean="0">
-                  <a:latin typeface="Courier"/>
-                  <a:cs typeface="Courier"/>
-                </a:rPr>
-                <a:t> </a:t>
-              </a:r>
-              <a:r>
-                <a:rPr lang="en-US" sz="1500" dirty="0" err="1" smtClean="0">
-                  <a:latin typeface="Courier"/>
-                  <a:cs typeface="Courier"/>
-                </a:rPr>
-                <a:t>Ti.UI.orientation</a:t>
-              </a:r>
-              <a:r>
-                <a:rPr lang="en-US" sz="1500" dirty="0" smtClean="0">
-                  <a:latin typeface="Courier"/>
-                  <a:cs typeface="Courier"/>
-                </a:rPr>
-                <a:t> </a:t>
-              </a:r>
-              <a:r>
-                <a:rPr lang="en-US" sz="1500" dirty="0">
-                  <a:latin typeface="Courier"/>
-                  <a:cs typeface="Courier"/>
-                </a:rPr>
-                <a:t>= </a:t>
-              </a:r>
-              <a:r>
-                <a:rPr lang="en-US" sz="1500" dirty="0" err="1" smtClean="0">
-                  <a:latin typeface="Courier"/>
-                  <a:cs typeface="Courier"/>
-                </a:rPr>
-                <a:t>Ti.UI.PORTRAIT</a:t>
-              </a:r>
-              <a:endParaRPr lang="en-US" sz="1500" dirty="0" smtClean="0">
-                <a:latin typeface="Courier"/>
-                <a:cs typeface="Courier"/>
-              </a:endParaRPr>
-            </a:p>
-            <a:p>
-              <a:r>
-                <a:rPr lang="en-US" sz="1500" dirty="0" smtClean="0">
-                  <a:latin typeface="Courier"/>
-                  <a:cs typeface="Courier"/>
-                </a:rPr>
-                <a:t> </a:t>
-              </a:r>
-              <a:endParaRPr lang="en-US" sz="1500" dirty="0">
-                <a:latin typeface="Courier"/>
-                <a:cs typeface="Courier"/>
-              </a:endParaRPr>
-            </a:p>
-          </p:txBody>
-        </p:sp>
-        <p:sp>
-          <p:nvSpPr>
-            <p:cNvPr id="7" name="Oval 6"/>
-            <p:cNvSpPr/>
-            <p:nvPr/>
-          </p:nvSpPr>
-          <p:spPr>
-            <a:xfrm>
-              <a:off x="1769822" y="3489105"/>
-              <a:ext cx="355023" cy="339566"/>
-            </a:xfrm>
-            <a:prstGeom prst="ellipse">
-              <a:avLst/>
-            </a:prstGeom>
-          </p:spPr>
-          <p:style>
-            <a:lnRef idx="1">
-              <a:schemeClr val="accent1"/>
-            </a:lnRef>
-            <a:fillRef idx="3">
-              <a:schemeClr val="accent1"/>
-            </a:fillRef>
-            <a:effectRef idx="2">
-              <a:schemeClr val="accent1"/>
-            </a:effectRef>
-            <a:fontRef idx="minor">
-              <a:schemeClr val="lt1"/>
-            </a:fontRef>
-          </p:style>
-          <p:txBody>
-            <a:bodyPr lIns="0" rIns="0" rtlCol="0" anchor="ctr"/>
-            <a:lstStyle/>
-            <a:p>
-              <a:pPr algn="ctr"/>
-              <a:r>
-                <a:rPr lang="en-US" sz="1400" dirty="0" smtClean="0">
-                  <a:solidFill>
-                    <a:srgbClr val="3F4B53"/>
-                  </a:solidFill>
-                </a:rPr>
-                <a:t>1</a:t>
-              </a:r>
-              <a:endParaRPr lang="en-US" sz="1400" dirty="0">
-                <a:solidFill>
-                  <a:srgbClr val="3F4B53"/>
-                </a:solidFill>
-              </a:endParaRPr>
-            </a:p>
-          </p:txBody>
-        </p:sp>
-      </p:grpSp>
-      <p:grpSp>
-        <p:nvGrpSpPr>
-          <p:cNvPr id="10" name="Group 9"/>
-          <p:cNvGrpSpPr/>
-          <p:nvPr/>
-        </p:nvGrpSpPr>
-        <p:grpSpPr>
-          <a:xfrm>
-            <a:off x="1769822" y="4473340"/>
-            <a:ext cx="5330083" cy="1828230"/>
-            <a:chOff x="1769822" y="4473340"/>
-            <a:chExt cx="5330083" cy="1828230"/>
-          </a:xfrm>
-        </p:grpSpPr>
-        <p:sp>
-          <p:nvSpPr>
-            <p:cNvPr id="5" name="TextBox 4"/>
-            <p:cNvSpPr txBox="1"/>
-            <p:nvPr/>
-          </p:nvSpPr>
-          <p:spPr>
-            <a:xfrm>
-              <a:off x="1947334" y="4593410"/>
-              <a:ext cx="5152571" cy="1708160"/>
-            </a:xfrm>
-            <a:prstGeom prst="rect">
-              <a:avLst/>
-            </a:prstGeom>
-            <a:solidFill>
-              <a:schemeClr val="bg1"/>
-            </a:solidFill>
-            <a:effectLst>
-              <a:outerShdw blurRad="50800" dist="38100" dir="2700000" algn="tl" rotWithShape="0">
-                <a:prstClr val="black">
-                  <a:alpha val="40000"/>
-                </a:prstClr>
-              </a:outerShdw>
-            </a:effectLst>
-          </p:spPr>
-          <p:style>
-            <a:lnRef idx="2">
-              <a:schemeClr val="accent2"/>
-            </a:lnRef>
-            <a:fillRef idx="1">
-              <a:schemeClr val="lt1"/>
-            </a:fillRef>
-            <a:effectRef idx="0">
-              <a:schemeClr val="accent2"/>
-            </a:effectRef>
-            <a:fontRef idx="minor">
-              <a:schemeClr val="dk1"/>
-            </a:fontRef>
-          </p:style>
-          <p:txBody>
-            <a:bodyPr wrap="square" rtlCol="0">
-              <a:spAutoFit/>
-            </a:bodyPr>
-            <a:lstStyle/>
-            <a:p>
-              <a:r>
-                <a:rPr lang="en-US" sz="1500" dirty="0" smtClean="0">
-                  <a:latin typeface="Courier"/>
-                  <a:cs typeface="Courier"/>
-                </a:rPr>
-                <a:t> </a:t>
-              </a:r>
-              <a:r>
-                <a:rPr lang="en-US" sz="1500" dirty="0" err="1" smtClean="0">
-                  <a:latin typeface="Courier"/>
-                  <a:cs typeface="Courier"/>
-                </a:rPr>
-                <a:t>var</a:t>
-              </a:r>
-              <a:r>
-                <a:rPr lang="en-US" sz="1500" dirty="0" smtClean="0">
-                  <a:latin typeface="Courier"/>
-                  <a:cs typeface="Courier"/>
-                </a:rPr>
-                <a:t> win = </a:t>
-              </a:r>
-              <a:r>
-                <a:rPr lang="en-US" sz="1500" dirty="0" err="1" smtClean="0">
-                  <a:latin typeface="Courier"/>
-                  <a:cs typeface="Courier"/>
-                </a:rPr>
-                <a:t>Ti.UI.createWindow</a:t>
-              </a:r>
-              <a:r>
-                <a:rPr lang="en-US" sz="1500" dirty="0" smtClean="0">
-                  <a:latin typeface="Courier"/>
-                  <a:cs typeface="Courier"/>
-                </a:rPr>
-                <a:t>({</a:t>
-              </a:r>
-            </a:p>
-            <a:p>
-              <a:r>
-                <a:rPr lang="en-US" sz="1500" dirty="0" smtClean="0">
-                  <a:latin typeface="Courier"/>
-                  <a:cs typeface="Courier"/>
-                </a:rPr>
-                <a:t>    </a:t>
-              </a:r>
-              <a:r>
-                <a:rPr lang="en-US" sz="1500" dirty="0" err="1" smtClean="0">
-                  <a:latin typeface="Courier"/>
-                  <a:cs typeface="Courier"/>
-                </a:rPr>
-                <a:t>orientationModes</a:t>
-              </a:r>
-              <a:r>
-                <a:rPr lang="en-US" sz="1500" dirty="0" smtClean="0">
-                  <a:latin typeface="Courier"/>
-                  <a:cs typeface="Courier"/>
-                </a:rPr>
-                <a:t>[</a:t>
-              </a:r>
-            </a:p>
-            <a:p>
-              <a:r>
-                <a:rPr lang="en-US" sz="1500" dirty="0">
-                  <a:latin typeface="Courier"/>
-                  <a:cs typeface="Courier"/>
-                </a:rPr>
-                <a:t> </a:t>
-              </a:r>
-              <a:r>
-                <a:rPr lang="en-US" sz="1500" dirty="0" smtClean="0">
-                  <a:latin typeface="Courier"/>
-                  <a:cs typeface="Courier"/>
-                </a:rPr>
-                <a:t>        </a:t>
-              </a:r>
-              <a:r>
-                <a:rPr lang="en-US" sz="1500" dirty="0" err="1" smtClean="0">
-                  <a:latin typeface="Courier"/>
-                  <a:cs typeface="Courier"/>
-                </a:rPr>
-                <a:t>Ti.UI.PORTRAIT</a:t>
-              </a:r>
-              <a:r>
-                <a:rPr lang="en-US" sz="1500" dirty="0" smtClean="0">
-                  <a:latin typeface="Courier"/>
-                  <a:cs typeface="Courier"/>
-                </a:rPr>
-                <a:t>,</a:t>
-              </a:r>
-            </a:p>
-            <a:p>
-              <a:r>
-                <a:rPr lang="en-US" sz="1500" dirty="0">
-                  <a:latin typeface="Courier"/>
-                  <a:cs typeface="Courier"/>
-                </a:rPr>
-                <a:t> </a:t>
-              </a:r>
-              <a:r>
-                <a:rPr lang="en-US" sz="1500" dirty="0" smtClean="0">
-                  <a:latin typeface="Courier"/>
-                  <a:cs typeface="Courier"/>
-                </a:rPr>
-                <a:t>        </a:t>
-              </a:r>
-              <a:r>
-                <a:rPr lang="en-US" sz="1500" dirty="0" err="1" smtClean="0">
-                  <a:latin typeface="Courier"/>
-                  <a:cs typeface="Courier"/>
-                </a:rPr>
-                <a:t>Ti.UI.UPSIDE_PORTRAIT</a:t>
-              </a:r>
-              <a:endParaRPr lang="en-US" sz="1500" dirty="0" smtClean="0">
-                <a:latin typeface="Courier"/>
-                <a:cs typeface="Courier"/>
-              </a:endParaRPr>
-            </a:p>
-            <a:p>
-              <a:r>
-                <a:rPr lang="en-US" sz="1500" dirty="0">
-                  <a:latin typeface="Courier"/>
-                  <a:cs typeface="Courier"/>
-                </a:rPr>
-                <a:t> </a:t>
-              </a:r>
-              <a:r>
-                <a:rPr lang="en-US" sz="1500" dirty="0" smtClean="0">
-                  <a:latin typeface="Courier"/>
-                  <a:cs typeface="Courier"/>
-                </a:rPr>
-                <a:t>   ]</a:t>
-              </a:r>
-            </a:p>
-            <a:p>
-              <a:r>
-                <a:rPr lang="en-US" sz="1500" dirty="0" smtClean="0">
-                  <a:latin typeface="Courier"/>
-                  <a:cs typeface="Courier"/>
-                </a:rPr>
-                <a:t> });</a:t>
-              </a:r>
-            </a:p>
-            <a:p>
-              <a:r>
-                <a:rPr lang="en-US" sz="1500" dirty="0" smtClean="0">
-                  <a:latin typeface="Courier"/>
-                  <a:cs typeface="Courier"/>
-                </a:rPr>
-                <a:t> </a:t>
-              </a:r>
-              <a:endParaRPr lang="en-US" sz="1500" dirty="0">
-                <a:latin typeface="Courier"/>
-                <a:cs typeface="Courier"/>
-              </a:endParaRPr>
-            </a:p>
-          </p:txBody>
-        </p:sp>
-        <p:sp>
-          <p:nvSpPr>
-            <p:cNvPr id="8" name="Oval 7"/>
-            <p:cNvSpPr/>
-            <p:nvPr/>
-          </p:nvSpPr>
-          <p:spPr>
-            <a:xfrm>
-              <a:off x="1769822" y="4473340"/>
-              <a:ext cx="355023" cy="339566"/>
-            </a:xfrm>
-            <a:prstGeom prst="ellipse">
-              <a:avLst/>
-            </a:prstGeom>
-          </p:spPr>
-          <p:style>
-            <a:lnRef idx="1">
-              <a:schemeClr val="accent1"/>
-            </a:lnRef>
-            <a:fillRef idx="3">
-              <a:schemeClr val="accent1"/>
-            </a:fillRef>
-            <a:effectRef idx="2">
-              <a:schemeClr val="accent1"/>
-            </a:effectRef>
-            <a:fontRef idx="minor">
-              <a:schemeClr val="lt1"/>
-            </a:fontRef>
-          </p:style>
-          <p:txBody>
-            <a:bodyPr lIns="0" rIns="0" rtlCol="0" anchor="ctr"/>
-            <a:lstStyle/>
-            <a:p>
-              <a:pPr algn="ctr"/>
-              <a:r>
-                <a:rPr lang="en-US" sz="1400" dirty="0" smtClean="0">
-                  <a:solidFill>
-                    <a:srgbClr val="3F4B53"/>
-                  </a:solidFill>
-                </a:rPr>
-                <a:t>2</a:t>
-              </a:r>
-              <a:endParaRPr lang="en-US" sz="1400" dirty="0">
-                <a:solidFill>
-                  <a:srgbClr val="3F4B53"/>
-                </a:solidFill>
-              </a:endParaRPr>
-            </a:p>
-          </p:txBody>
-        </p:sp>
-      </p:grpSp>
+        <p:style>
+          <a:lnRef idx="2">
+            <a:schemeClr val="accent2"/>
+          </a:lnRef>
+          <a:fillRef idx="1">
+            <a:schemeClr val="lt1"/>
+          </a:fillRef>
+          <a:effectRef idx="0">
+            <a:schemeClr val="accent2"/>
+          </a:effectRef>
+          <a:fontRef idx="minor">
+            <a:schemeClr val="dk1"/>
+          </a:fontRef>
+        </p:style>
+        <p:txBody>
+          <a:bodyPr wrap="square" rtlCol="0">
+            <a:spAutoFit/>
+          </a:bodyPr>
+          <a:lstStyle/>
+          <a:p>
+            <a:r>
+              <a:rPr lang="en-US" sz="1500" dirty="0" smtClean="0">
+                <a:latin typeface="Courier"/>
+                <a:cs typeface="Courier"/>
+              </a:rPr>
+              <a:t> </a:t>
+            </a:r>
+            <a:r>
+              <a:rPr lang="en-US" sz="1500" dirty="0" err="1" smtClean="0">
+                <a:latin typeface="Courier"/>
+                <a:cs typeface="Courier"/>
+              </a:rPr>
+              <a:t>var</a:t>
+            </a:r>
+            <a:r>
+              <a:rPr lang="en-US" sz="1500" dirty="0" smtClean="0">
+                <a:latin typeface="Courier"/>
+                <a:cs typeface="Courier"/>
+              </a:rPr>
+              <a:t> win = </a:t>
+            </a:r>
+            <a:r>
+              <a:rPr lang="en-US" sz="1500" dirty="0" err="1" smtClean="0">
+                <a:latin typeface="Courier"/>
+                <a:cs typeface="Courier"/>
+              </a:rPr>
+              <a:t>Ti.UI.createWindow</a:t>
+            </a:r>
+            <a:r>
+              <a:rPr lang="en-US" sz="1500" dirty="0" smtClean="0">
+                <a:latin typeface="Courier"/>
+                <a:cs typeface="Courier"/>
+              </a:rPr>
+              <a:t>({</a:t>
+            </a:r>
+          </a:p>
+          <a:p>
+            <a:r>
+              <a:rPr lang="en-US" sz="1500" dirty="0" smtClean="0">
+                <a:latin typeface="Courier"/>
+                <a:cs typeface="Courier"/>
+              </a:rPr>
+              <a:t>    </a:t>
+            </a:r>
+            <a:r>
+              <a:rPr lang="en-US" sz="1500" dirty="0" err="1" smtClean="0">
+                <a:latin typeface="Courier"/>
+                <a:cs typeface="Courier"/>
+              </a:rPr>
+              <a:t>orientationModes</a:t>
+            </a:r>
+            <a:r>
+              <a:rPr lang="en-US" sz="1500" dirty="0" smtClean="0">
+                <a:latin typeface="Courier"/>
+                <a:cs typeface="Courier"/>
+              </a:rPr>
+              <a:t>[</a:t>
+            </a:r>
+          </a:p>
+          <a:p>
+            <a:r>
+              <a:rPr lang="en-US" sz="1500" dirty="0">
+                <a:latin typeface="Courier"/>
+                <a:cs typeface="Courier"/>
+              </a:rPr>
+              <a:t> </a:t>
+            </a:r>
+            <a:r>
+              <a:rPr lang="en-US" sz="1500" dirty="0" smtClean="0">
+                <a:latin typeface="Courier"/>
+                <a:cs typeface="Courier"/>
+              </a:rPr>
+              <a:t>        </a:t>
+            </a:r>
+            <a:r>
+              <a:rPr lang="en-US" sz="1500" dirty="0" err="1" smtClean="0">
+                <a:latin typeface="Courier"/>
+                <a:cs typeface="Courier"/>
+              </a:rPr>
+              <a:t>Ti.UI.PORTRAIT</a:t>
+            </a:r>
+            <a:r>
+              <a:rPr lang="en-US" sz="1500" dirty="0" smtClean="0">
+                <a:latin typeface="Courier"/>
+                <a:cs typeface="Courier"/>
+              </a:rPr>
+              <a:t>,</a:t>
+            </a:r>
+          </a:p>
+          <a:p>
+            <a:r>
+              <a:rPr lang="en-US" sz="1500" dirty="0">
+                <a:latin typeface="Courier"/>
+                <a:cs typeface="Courier"/>
+              </a:rPr>
+              <a:t> </a:t>
+            </a:r>
+            <a:r>
+              <a:rPr lang="en-US" sz="1500" dirty="0" smtClean="0">
+                <a:latin typeface="Courier"/>
+                <a:cs typeface="Courier"/>
+              </a:rPr>
+              <a:t>        </a:t>
+            </a:r>
+            <a:r>
+              <a:rPr lang="en-US" sz="1500" dirty="0" err="1" smtClean="0">
+                <a:latin typeface="Courier"/>
+                <a:cs typeface="Courier"/>
+              </a:rPr>
+              <a:t>Ti.UI.UPSIDE_PORTRAIT</a:t>
+            </a:r>
+            <a:endParaRPr lang="en-US" sz="1500" dirty="0" smtClean="0">
+              <a:latin typeface="Courier"/>
+              <a:cs typeface="Courier"/>
+            </a:endParaRPr>
+          </a:p>
+          <a:p>
+            <a:r>
+              <a:rPr lang="en-US" sz="1500" dirty="0">
+                <a:latin typeface="Courier"/>
+                <a:cs typeface="Courier"/>
+              </a:rPr>
+              <a:t> </a:t>
+            </a:r>
+            <a:r>
+              <a:rPr lang="en-US" sz="1500" dirty="0" smtClean="0">
+                <a:latin typeface="Courier"/>
+                <a:cs typeface="Courier"/>
+              </a:rPr>
+              <a:t>   ]</a:t>
+            </a:r>
+          </a:p>
+          <a:p>
+            <a:r>
+              <a:rPr lang="en-US" sz="1500" dirty="0" smtClean="0">
+                <a:latin typeface="Courier"/>
+                <a:cs typeface="Courier"/>
+              </a:rPr>
+              <a:t> });</a:t>
+            </a:r>
+          </a:p>
+          <a:p>
+            <a:r>
+              <a:rPr lang="en-US" sz="1500" dirty="0" smtClean="0">
+                <a:latin typeface="Courier"/>
+                <a:cs typeface="Courier"/>
+              </a:rPr>
+              <a:t> </a:t>
+            </a:r>
+            <a:endParaRPr lang="en-US" sz="1500" dirty="0">
+              <a:latin typeface="Courier"/>
+              <a:cs typeface="Courier"/>
+            </a:endParaRPr>
+          </a:p>
+        </p:txBody>
+      </p:sp>
       <p:sp>
         <p:nvSpPr>
           <p:cNvPr id="11" name="Slide Number Placeholder 5"/>
@@ -16732,247 +16417,7 @@
   <p:timing>
     <p:tnLst>
       <p:par>
-        <p:cTn xmlns:p14="http://schemas.microsoft.com/office/powerpoint/2010/main" id="1" dur="indefinite" restart="never" nodeType="tmRoot">
-          <p:childTnLst>
-            <p:seq concurrent="1" nextAc="seek">
-              <p:cTn id="2" dur="indefinite" nodeType="mainSeq">
-                <p:childTnLst>
-                  <p:par>
-                    <p:cTn id="3" fill="hold">
-                      <p:stCondLst>
-                        <p:cond delay="indefinite"/>
-                      </p:stCondLst>
-                      <p:childTnLst>
-                        <p:par>
-                          <p:cTn id="4" fill="hold">
-                            <p:stCondLst>
-                              <p:cond delay="0"/>
-                            </p:stCondLst>
-                            <p:childTnLst>
-                              <p:par>
-                                <p:cTn id="5" presetID="2" presetClass="entr" presetSubtype="4" fill="hold" nodeType="clickEffect">
-                                  <p:stCondLst>
-                                    <p:cond delay="0"/>
-                                  </p:stCondLst>
-                                  <p:childTnLst>
-                                    <p:set>
-                                      <p:cBhvr>
-                                        <p:cTn id="6" dur="1" fill="hold">
-                                          <p:stCondLst>
-                                            <p:cond delay="0"/>
-                                          </p:stCondLst>
-                                        </p:cTn>
-                                        <p:tgtEl>
-                                          <p:spTgt spid="9"/>
-                                        </p:tgtEl>
-                                        <p:attrNameLst>
-                                          <p:attrName>style.visibility</p:attrName>
-                                        </p:attrNameLst>
-                                      </p:cBhvr>
-                                      <p:to>
-                                        <p:strVal val="visible"/>
-                                      </p:to>
-                                    </p:set>
-                                    <p:anim calcmode="lin" valueType="num">
-                                      <p:cBhvr additive="base">
-                                        <p:cTn id="7" dur="500" fill="hold"/>
-                                        <p:tgtEl>
-                                          <p:spTgt spid="9"/>
-                                        </p:tgtEl>
-                                        <p:attrNameLst>
-                                          <p:attrName>ppt_x</p:attrName>
-                                        </p:attrNameLst>
-                                      </p:cBhvr>
-                                      <p:tavLst>
-                                        <p:tav tm="0">
-                                          <p:val>
-                                            <p:strVal val="#ppt_x"/>
-                                          </p:val>
-                                        </p:tav>
-                                        <p:tav tm="100000">
-                                          <p:val>
-                                            <p:strVal val="#ppt_x"/>
-                                          </p:val>
-                                        </p:tav>
-                                      </p:tavLst>
-                                    </p:anim>
-                                    <p:anim calcmode="lin" valueType="num">
-                                      <p:cBhvr additive="base">
-                                        <p:cTn id="8" dur="500" fill="hold"/>
-                                        <p:tgtEl>
-                                          <p:spTgt spid="9"/>
-                                        </p:tgtEl>
-                                        <p:attrNameLst>
-                                          <p:attrName>ppt_y</p:attrName>
-                                        </p:attrNameLst>
-                                      </p:cBhvr>
-                                      <p:tavLst>
-                                        <p:tav tm="0">
-                                          <p:val>
-                                            <p:strVal val="1+#ppt_h/2"/>
-                                          </p:val>
-                                        </p:tav>
-                                        <p:tav tm="100000">
-                                          <p:val>
-                                            <p:strVal val="#ppt_y"/>
-                                          </p:val>
-                                        </p:tav>
-                                      </p:tavLst>
-                                    </p:anim>
-                                  </p:childTnLst>
-                                </p:cTn>
-                              </p:par>
-                            </p:childTnLst>
-                          </p:cTn>
-                        </p:par>
-                      </p:childTnLst>
-                    </p:cTn>
-                  </p:par>
-                  <p:par>
-                    <p:cTn id="9" fill="hold">
-                      <p:stCondLst>
-                        <p:cond delay="indefinite"/>
-                      </p:stCondLst>
-                      <p:childTnLst>
-                        <p:par>
-                          <p:cTn id="10" fill="hold">
-                            <p:stCondLst>
-                              <p:cond delay="0"/>
-                            </p:stCondLst>
-                            <p:childTnLst>
-                              <p:par>
-                                <p:cTn id="11" presetID="2" presetClass="entr" presetSubtype="4" fill="hold" nodeType="clickEffect">
-                                  <p:stCondLst>
-                                    <p:cond delay="0"/>
-                                  </p:stCondLst>
-                                  <p:childTnLst>
-                                    <p:set>
-                                      <p:cBhvr>
-                                        <p:cTn id="12" dur="1" fill="hold">
-                                          <p:stCondLst>
-                                            <p:cond delay="0"/>
-                                          </p:stCondLst>
-                                        </p:cTn>
-                                        <p:tgtEl>
-                                          <p:spTgt spid="10"/>
-                                        </p:tgtEl>
-                                        <p:attrNameLst>
-                                          <p:attrName>style.visibility</p:attrName>
-                                        </p:attrNameLst>
-                                      </p:cBhvr>
-                                      <p:to>
-                                        <p:strVal val="visible"/>
-                                      </p:to>
-                                    </p:set>
-                                    <p:anim calcmode="lin" valueType="num">
-                                      <p:cBhvr additive="base">
-                                        <p:cTn id="13" dur="500" fill="hold"/>
-                                        <p:tgtEl>
-                                          <p:spTgt spid="10"/>
-                                        </p:tgtEl>
-                                        <p:attrNameLst>
-                                          <p:attrName>ppt_x</p:attrName>
-                                        </p:attrNameLst>
-                                      </p:cBhvr>
-                                      <p:tavLst>
-                                        <p:tav tm="0">
-                                          <p:val>
-                                            <p:strVal val="#ppt_x"/>
-                                          </p:val>
-                                        </p:tav>
-                                        <p:tav tm="100000">
-                                          <p:val>
-                                            <p:strVal val="#ppt_x"/>
-                                          </p:val>
-                                        </p:tav>
-                                      </p:tavLst>
-                                    </p:anim>
-                                    <p:anim calcmode="lin" valueType="num">
-                                      <p:cBhvr additive="base">
-                                        <p:cTn id="14" dur="500" fill="hold"/>
-                                        <p:tgtEl>
-                                          <p:spTgt spid="10"/>
-                                        </p:tgtEl>
-                                        <p:attrNameLst>
-                                          <p:attrName>ppt_y</p:attrName>
-                                        </p:attrNameLst>
-                                      </p:cBhvr>
-                                      <p:tavLst>
-                                        <p:tav tm="0">
-                                          <p:val>
-                                            <p:strVal val="1+#ppt_h/2"/>
-                                          </p:val>
-                                        </p:tav>
-                                        <p:tav tm="100000">
-                                          <p:val>
-                                            <p:strVal val="#ppt_y"/>
-                                          </p:val>
-                                        </p:tav>
-                                      </p:tavLst>
-                                    </p:anim>
-                                  </p:childTnLst>
-                                </p:cTn>
-                              </p:par>
-                              <p:par>
-                                <p:cTn id="15" presetID="9" presetClass="exit" presetSubtype="0" fill="hold" nodeType="withEffect">
-                                  <p:stCondLst>
-                                    <p:cond delay="0"/>
-                                  </p:stCondLst>
-                                  <p:childTnLst>
-                                    <p:animEffect transition="out" filter="dissolve">
-                                      <p:cBhvr>
-                                        <p:cTn id="16" dur="500"/>
-                                        <p:tgtEl>
-                                          <p:spTgt spid="6"/>
-                                        </p:tgtEl>
-                                      </p:cBhvr>
-                                    </p:animEffect>
-                                    <p:set>
-                                      <p:cBhvr>
-                                        <p:cTn id="17" dur="1" fill="hold">
-                                          <p:stCondLst>
-                                            <p:cond delay="499"/>
-                                          </p:stCondLst>
-                                        </p:cTn>
-                                        <p:tgtEl>
-                                          <p:spTgt spid="6"/>
-                                        </p:tgtEl>
-                                        <p:attrNameLst>
-                                          <p:attrName>style.visibility</p:attrName>
-                                        </p:attrNameLst>
-                                      </p:cBhvr>
-                                      <p:to>
-                                        <p:strVal val="hidden"/>
-                                      </p:to>
-                                    </p:set>
-                                  </p:childTnLst>
-                                </p:cTn>
-                              </p:par>
-                            </p:childTnLst>
-                          </p:cTn>
-                        </p:par>
-                      </p:childTnLst>
-                    </p:cTn>
-                  </p:par>
-                </p:childTnLst>
-              </p:cTn>
-              <p:prevCondLst>
-                <p:cond evt="onPrev" delay="0">
-                  <p:tgtEl>
-                    <p:sldTgt/>
-                  </p:tgtEl>
-                </p:cond>
-              </p:prevCondLst>
-              <p:nextCondLst>
-                <p:cond evt="onNext" delay="0">
-                  <p:tgtEl>
-                    <p:sldTgt/>
-                  </p:tgtEl>
-                </p:cond>
-              </p:nextCondLst>
-            </p:seq>
-          </p:childTnLst>
-        </p:cTn>
+        <p:cTn xmlns:p14="http://schemas.microsoft.com/office/powerpoint/2010/main" id="1" dur="indefinite" restart="never" nodeType="tmRoot"/>
       </p:par>
     </p:tnLst>
   </p:timing>

--- a/325.pptx
+++ b/325.pptx
@@ -253,7 +253,7 @@
               <a:pPr>
                 <a:defRPr/>
               </a:pPr>
-              <a:t>11/4/11</a:t>
+              <a:t>12/7/11</a:t>
             </a:fld>
             <a:endParaRPr lang="en-US"/>
           </a:p>
@@ -436,7 +436,7 @@
               <a:pPr>
                 <a:defRPr/>
               </a:pPr>
-              <a:t>11/4/11</a:t>
+              <a:t>12/7/11</a:t>
             </a:fld>
             <a:endParaRPr lang="en-US"/>
           </a:p>
@@ -4104,11 +4104,7 @@
             </a:r>
             <a:r>
               <a:rPr lang="en-US" baseline="0" dirty="0" smtClean="0"/>
-              <a:t> basis within your </a:t>
-            </a:r>
-            <a:r>
-              <a:rPr lang="en-US" baseline="0" dirty="0" smtClean="0"/>
-              <a:t>app</a:t>
+              <a:t> basis within your app</a:t>
             </a:r>
           </a:p>
           <a:p>
@@ -4527,7 +4523,7 @@
               <a:pPr>
                 <a:defRPr/>
               </a:pPr>
-              <a:t>11/4/11</a:t>
+              <a:t>12/7/11</a:t>
             </a:fld>
             <a:endParaRPr lang="en-US"/>
           </a:p>
@@ -4907,7 +4903,7 @@
               <a:pPr>
                 <a:defRPr/>
               </a:pPr>
-              <a:t>11/4/11</a:t>
+              <a:t>12/7/11</a:t>
             </a:fld>
             <a:endParaRPr lang="en-US"/>
           </a:p>
@@ -5469,7 +5465,7 @@
               <a:pPr>
                 <a:defRPr/>
               </a:pPr>
-              <a:t>11/4/11</a:t>
+              <a:t>12/7/11</a:t>
             </a:fld>
             <a:endParaRPr lang="en-US"/>
           </a:p>
@@ -6079,7 +6075,7 @@
               <a:pPr>
                 <a:defRPr/>
               </a:pPr>
-              <a:t>11/4/11</a:t>
+              <a:t>12/7/11</a:t>
             </a:fld>
             <a:endParaRPr lang="en-US"/>
           </a:p>
@@ -6201,7 +6197,7 @@
               <a:pPr>
                 <a:defRPr/>
               </a:pPr>
-              <a:t>11/4/11</a:t>
+              <a:t>12/7/11</a:t>
             </a:fld>
             <a:endParaRPr lang="en-US"/>
           </a:p>
@@ -6488,7 +6484,7 @@
               <a:pPr>
                 <a:defRPr/>
               </a:pPr>
-              <a:t>11/4/11</a:t>
+              <a:t>12/7/11</a:t>
             </a:fld>
             <a:endParaRPr lang="en-US"/>
           </a:p>
@@ -13939,11 +13935,7 @@
             </a:pPr>
             <a:r>
               <a:rPr lang="en-US" u="sng" dirty="0" smtClean="0"/>
-              <a:t>Option 1 </a:t>
-            </a:r>
-            <a:r>
-              <a:rPr lang="en-US" u="sng" dirty="0" smtClean="0"/>
-              <a:t>– modify </a:t>
+              <a:t>Option 1 – modify </a:t>
             </a:r>
             <a:r>
               <a:rPr lang="en-US" u="sng" dirty="0" err="1" smtClean="0"/>
@@ -14644,15 +14636,7 @@
             </a:pPr>
             <a:r>
               <a:rPr lang="en-US" u="sng" dirty="0" smtClean="0"/>
-              <a:t>Option 2 </a:t>
-            </a:r>
-            <a:r>
-              <a:rPr lang="en-US" u="sng" dirty="0" smtClean="0"/>
-              <a:t>– Custom Android </a:t>
-            </a:r>
-            <a:r>
-              <a:rPr lang="en-US" u="sng" dirty="0" smtClean="0"/>
-              <a:t>manifest file</a:t>
+              <a:t>Option 2 – Custom Android manifest file</a:t>
             </a:r>
           </a:p>
           <a:p>
@@ -15960,11 +15944,7 @@
             </a:pPr>
             <a:r>
               <a:rPr lang="en-US" sz="1800" dirty="0" smtClean="0"/>
-              <a:t>PORTRAIT </a:t>
-            </a:r>
-            <a:r>
-              <a:rPr lang="en-US" sz="1800" dirty="0" smtClean="0"/>
-              <a:t>/ UPSIDE_PORTRAIT</a:t>
+              <a:t>PORTRAIT / UPSIDE_PORTRAIT</a:t>
             </a:r>
           </a:p>
           <a:p>
@@ -16031,8 +16011,8 @@
         </p:nvSpPr>
         <p:spPr>
           <a:xfrm>
-            <a:off x="1636325" y="3739330"/>
-            <a:ext cx="5152571" cy="1708160"/>
+            <a:off x="457200" y="3848187"/>
+            <a:ext cx="3963770" cy="1938992"/>
           </a:xfrm>
           <a:prstGeom prst="rect">
             <a:avLst/>
@@ -16076,10 +16056,37 @@
               <a:t> </a:t>
             </a:r>
             <a:r>
+              <a:rPr lang="en-US" sz="1500" dirty="0" smtClean="0">
+                <a:latin typeface="Courier"/>
+                <a:cs typeface="Courier"/>
+              </a:rPr>
+              <a:t>// </a:t>
+            </a:r>
+            <a:r>
               <a:rPr lang="en-US" sz="1500" dirty="0" err="1" smtClean="0">
                 <a:latin typeface="Courier"/>
                 <a:cs typeface="Courier"/>
               </a:rPr>
+              <a:t>iOS</a:t>
+            </a:r>
+            <a:endParaRPr lang="en-US" sz="1500" dirty="0" smtClean="0">
+              <a:latin typeface="Courier"/>
+              <a:cs typeface="Courier"/>
+            </a:endParaRPr>
+          </a:p>
+          <a:p>
+            <a:r>
+              <a:rPr lang="en-US" sz="1500" dirty="0" smtClean="0">
+                <a:latin typeface="Courier"/>
+                <a:cs typeface="Courier"/>
+              </a:rPr>
+              <a:t> </a:t>
+            </a:r>
+            <a:r>
+              <a:rPr lang="en-US" sz="1500" dirty="0" err="1" smtClean="0">
+                <a:latin typeface="Courier"/>
+                <a:cs typeface="Courier"/>
+              </a:rPr>
               <a:t>var</a:t>
             </a:r>
             <a:r>
@@ -16087,7 +16094,14 @@
                 <a:latin typeface="Courier"/>
                 <a:cs typeface="Courier"/>
               </a:rPr>
-              <a:t> win = </a:t>
+              <a:t> </a:t>
+            </a:r>
+            <a:r>
+              <a:rPr lang="en-US" sz="1500" dirty="0" smtClean="0">
+                <a:latin typeface="Courier"/>
+                <a:cs typeface="Courier"/>
+              </a:rPr>
+              <a:t>win = </a:t>
             </a:r>
             <a:r>
               <a:rPr lang="en-US" sz="1500" dirty="0" err="1" smtClean="0">
@@ -16177,7 +16191,7 @@
                 <a:latin typeface="Courier"/>
                 <a:cs typeface="Courier"/>
               </a:rPr>
-              <a:t>Ti.UI.UPSIDE_PORTRAIT</a:t>
+              <a:t>Ti.UI.LANDSCAPE_LEFT</a:t>
             </a:r>
             <a:endParaRPr lang="en-US" sz="1500" dirty="0" smtClean="0">
               <a:latin typeface="Courier"/>
@@ -16400,6 +16414,235 @@
                 <a:srgbClr val="122956"/>
               </a:solidFill>
               <a:cs typeface="Trebuchet MS" charset="0"/>
+            </a:endParaRPr>
+          </a:p>
+        </p:txBody>
+      </p:sp>
+      <p:sp>
+        <p:nvSpPr>
+          <p:cNvPr id="6" name="TextBox 5"/>
+          <p:cNvSpPr txBox="1"/>
+          <p:nvPr/>
+        </p:nvSpPr>
+        <p:spPr>
+          <a:xfrm>
+            <a:off x="4723030" y="3848187"/>
+            <a:ext cx="3963770" cy="1938992"/>
+          </a:xfrm>
+          <a:prstGeom prst="rect">
+            <a:avLst/>
+          </a:prstGeom>
+          <a:solidFill>
+            <a:schemeClr val="bg1"/>
+          </a:solidFill>
+          <a:effectLst>
+            <a:outerShdw blurRad="50800" dist="38100" dir="2700000" algn="tl" rotWithShape="0">
+              <a:prstClr val="black">
+                <a:alpha val="40000"/>
+              </a:prstClr>
+            </a:outerShdw>
+          </a:effectLst>
+        </p:spPr>
+        <p:style>
+          <a:lnRef idx="2">
+            <a:schemeClr val="accent2"/>
+          </a:lnRef>
+          <a:fillRef idx="1">
+            <a:schemeClr val="lt1"/>
+          </a:fillRef>
+          <a:effectRef idx="0">
+            <a:schemeClr val="accent2"/>
+          </a:effectRef>
+          <a:fontRef idx="minor">
+            <a:schemeClr val="dk1"/>
+          </a:fontRef>
+        </p:style>
+        <p:txBody>
+          <a:bodyPr wrap="square" rtlCol="0">
+            <a:spAutoFit/>
+          </a:bodyPr>
+          <a:lstStyle/>
+          <a:p>
+            <a:r>
+              <a:rPr lang="en-US" sz="1500" dirty="0" smtClean="0">
+                <a:latin typeface="Courier"/>
+                <a:cs typeface="Courier"/>
+              </a:rPr>
+              <a:t> </a:t>
+            </a:r>
+            <a:r>
+              <a:rPr lang="en-US" sz="1500" dirty="0" smtClean="0">
+                <a:latin typeface="Courier"/>
+                <a:cs typeface="Courier"/>
+              </a:rPr>
+              <a:t>// Android</a:t>
+            </a:r>
+          </a:p>
+          <a:p>
+            <a:r>
+              <a:rPr lang="en-US" sz="1500" dirty="0" smtClean="0">
+                <a:latin typeface="Courier"/>
+                <a:cs typeface="Courier"/>
+              </a:rPr>
+              <a:t> </a:t>
+            </a:r>
+            <a:r>
+              <a:rPr lang="en-US" sz="1500" dirty="0" err="1" smtClean="0">
+                <a:latin typeface="Courier"/>
+                <a:cs typeface="Courier"/>
+              </a:rPr>
+              <a:t>var</a:t>
+            </a:r>
+            <a:r>
+              <a:rPr lang="en-US" sz="1500" dirty="0" smtClean="0">
+                <a:latin typeface="Courier"/>
+                <a:cs typeface="Courier"/>
+              </a:rPr>
+              <a:t> </a:t>
+            </a:r>
+            <a:r>
+              <a:rPr lang="en-US" sz="1500" dirty="0" smtClean="0">
+                <a:latin typeface="Courier"/>
+                <a:cs typeface="Courier"/>
+              </a:rPr>
+              <a:t>win = </a:t>
+            </a:r>
+            <a:r>
+              <a:rPr lang="en-US" sz="1500" dirty="0" err="1" smtClean="0">
+                <a:latin typeface="Courier"/>
+                <a:cs typeface="Courier"/>
+              </a:rPr>
+              <a:t>Ti.UI.createWindow</a:t>
+            </a:r>
+            <a:r>
+              <a:rPr lang="en-US" sz="1500" dirty="0" smtClean="0">
+                <a:latin typeface="Courier"/>
+                <a:cs typeface="Courier"/>
+              </a:rPr>
+              <a:t>();</a:t>
+            </a:r>
+          </a:p>
+          <a:p>
+            <a:r>
+              <a:rPr lang="en-US" sz="1500" dirty="0">
+                <a:latin typeface="Courier"/>
+                <a:cs typeface="Courier"/>
+              </a:rPr>
+              <a:t> </a:t>
+            </a:r>
+            <a:r>
+              <a:rPr lang="en-US" sz="1500" dirty="0" smtClean="0">
+                <a:latin typeface="Courier"/>
+                <a:cs typeface="Courier"/>
+              </a:rPr>
+              <a:t>win.</a:t>
+            </a:r>
+            <a:r>
+              <a:rPr lang="en-US" sz="1500" dirty="0">
+                <a:latin typeface="Courier"/>
+                <a:cs typeface="Courier"/>
+              </a:rPr>
+              <a:t> </a:t>
+            </a:r>
+            <a:r>
+              <a:rPr lang="en-US" sz="1500" dirty="0" err="1" smtClean="0">
+                <a:latin typeface="Courier"/>
+                <a:cs typeface="Courier"/>
+              </a:rPr>
+              <a:t>orientationModes</a:t>
+            </a:r>
+            <a:r>
+              <a:rPr lang="en-US" sz="1500" dirty="0" smtClean="0">
+                <a:latin typeface="Courier"/>
+                <a:cs typeface="Courier"/>
+              </a:rPr>
+              <a:t> = [</a:t>
+            </a:r>
+            <a:endParaRPr lang="en-US" sz="1500" dirty="0">
+              <a:latin typeface="Courier"/>
+              <a:cs typeface="Courier"/>
+            </a:endParaRPr>
+          </a:p>
+          <a:p>
+            <a:r>
+              <a:rPr lang="en-US" sz="1500" dirty="0">
+                <a:latin typeface="Courier"/>
+                <a:cs typeface="Courier"/>
+              </a:rPr>
+              <a:t>         </a:t>
+            </a:r>
+            <a:r>
+              <a:rPr lang="en-US" sz="1500" dirty="0" err="1">
+                <a:latin typeface="Courier"/>
+                <a:cs typeface="Courier"/>
+              </a:rPr>
+              <a:t>Ti.UI.PORTRAIT</a:t>
+            </a:r>
+            <a:r>
+              <a:rPr lang="en-US" sz="1500" dirty="0">
+                <a:latin typeface="Courier"/>
+                <a:cs typeface="Courier"/>
+              </a:rPr>
+              <a:t>,</a:t>
+            </a:r>
+          </a:p>
+          <a:p>
+            <a:r>
+              <a:rPr lang="en-US" sz="1500" dirty="0">
+                <a:latin typeface="Courier"/>
+                <a:cs typeface="Courier"/>
+              </a:rPr>
+              <a:t>         </a:t>
+            </a:r>
+            <a:r>
+              <a:rPr lang="en-US" sz="1500" dirty="0" err="1" smtClean="0">
+                <a:latin typeface="Courier"/>
+                <a:cs typeface="Courier"/>
+              </a:rPr>
+              <a:t>Ti.UI.LANDSCAPE_LEFT</a:t>
+            </a:r>
+            <a:endParaRPr lang="en-US" sz="1500" dirty="0">
+              <a:latin typeface="Courier"/>
+              <a:cs typeface="Courier"/>
+            </a:endParaRPr>
+          </a:p>
+          <a:p>
+            <a:r>
+              <a:rPr lang="en-US" sz="1500" dirty="0">
+                <a:latin typeface="Courier"/>
+                <a:cs typeface="Courier"/>
+              </a:rPr>
+              <a:t>    </a:t>
+            </a:r>
+            <a:r>
+              <a:rPr lang="en-US" sz="1500" dirty="0" smtClean="0">
+                <a:latin typeface="Courier"/>
+                <a:cs typeface="Courier"/>
+              </a:rPr>
+              <a:t>];</a:t>
+            </a:r>
+            <a:endParaRPr lang="en-US" sz="1500" dirty="0">
+              <a:latin typeface="Courier"/>
+              <a:cs typeface="Courier"/>
+            </a:endParaRPr>
+          </a:p>
+          <a:p>
+            <a:endParaRPr lang="en-US" sz="1500" dirty="0" smtClean="0">
+              <a:latin typeface="Courier"/>
+              <a:cs typeface="Courier"/>
+            </a:endParaRPr>
+          </a:p>
+          <a:p>
+            <a:r>
+              <a:rPr lang="en-US" sz="1500" dirty="0" smtClean="0">
+                <a:latin typeface="Courier"/>
+                <a:cs typeface="Courier"/>
+              </a:rPr>
+              <a:t> </a:t>
+            </a:r>
+            <a:endParaRPr lang="en-US" sz="1500" dirty="0">
+              <a:latin typeface="Courier"/>
+              <a:cs typeface="Courier"/>
             </a:endParaRPr>
           </a:p>
         </p:txBody>

--- a/325.pptx
+++ b/325.pptx
@@ -17,15 +17,15 @@
     <p:sldId id="344" r:id="rId5"/>
     <p:sldId id="345" r:id="rId6"/>
     <p:sldId id="346" r:id="rId7"/>
-    <p:sldId id="347" r:id="rId8"/>
-    <p:sldId id="342" r:id="rId9"/>
-    <p:sldId id="343" r:id="rId10"/>
-    <p:sldId id="356" r:id="rId11"/>
-    <p:sldId id="349" r:id="rId12"/>
-    <p:sldId id="350" r:id="rId13"/>
-    <p:sldId id="351" r:id="rId14"/>
-    <p:sldId id="352" r:id="rId15"/>
-    <p:sldId id="353" r:id="rId16"/>
+    <p:sldId id="342" r:id="rId8"/>
+    <p:sldId id="343" r:id="rId9"/>
+    <p:sldId id="356" r:id="rId10"/>
+    <p:sldId id="349" r:id="rId11"/>
+    <p:sldId id="350" r:id="rId12"/>
+    <p:sldId id="351" r:id="rId13"/>
+    <p:sldId id="352" r:id="rId14"/>
+    <p:sldId id="353" r:id="rId15"/>
+    <p:sldId id="358" r:id="rId16"/>
     <p:sldId id="354" r:id="rId17"/>
     <p:sldId id="355" r:id="rId18"/>
     <p:sldId id="333" r:id="rId19"/>
@@ -253,7 +253,7 @@
               <a:pPr>
                 <a:defRPr/>
               </a:pPr>
-              <a:t>12/7/11</a:t>
+              <a:t>12/14/11</a:t>
             </a:fld>
             <a:endParaRPr lang="en-US"/>
           </a:p>
@@ -436,7 +436,7 @@
               <a:pPr>
                 <a:defRPr/>
               </a:pPr>
-              <a:t>12/7/11</a:t>
+              <a:t>12/14/11</a:t>
             </a:fld>
             <a:endParaRPr lang="en-US"/>
           </a:p>
@@ -1168,7 +1168,7 @@
           <a:p>
             <a:r>
               <a:rPr lang="en-US" dirty="0" smtClean="0"/>
-              <a:t>Unless your UI dictates otherwise, best-practice is to actively react to orientation changes</a:t>
+              <a:t>Other than taps, you can react to …</a:t>
             </a:r>
           </a:p>
           <a:p>
@@ -1177,51 +1177,8 @@
           <a:p>
             <a:r>
               <a:rPr lang="en-US" dirty="0" smtClean="0"/>
-              <a:t>Self-contained, self-updating is same as we use in </a:t>
-            </a:r>
-            <a:r>
-              <a:rPr lang="en-US" dirty="0" err="1" smtClean="0"/>
-              <a:t>TiBountyHunter</a:t>
-            </a:r>
-            <a:r>
-              <a:rPr lang="en-US" dirty="0" smtClean="0"/>
-              <a:t> with the </a:t>
-            </a:r>
-            <a:r>
-              <a:rPr lang="en-US" dirty="0" err="1" smtClean="0"/>
-              <a:t>tableview</a:t>
-            </a:r>
-            <a:endParaRPr lang="en-US" dirty="0" smtClean="0"/>
-          </a:p>
-          <a:p>
-            <a:r>
-              <a:rPr lang="en-US" dirty="0" smtClean="0"/>
-              <a:t>Components listen</a:t>
-            </a:r>
-            <a:r>
-              <a:rPr lang="en-US" baseline="0" dirty="0" smtClean="0"/>
-              <a:t> for a global orientation event and update themselves</a:t>
-            </a:r>
-          </a:p>
-          <a:p>
-            <a:endParaRPr lang="en-US" baseline="0" dirty="0" smtClean="0"/>
-          </a:p>
-          <a:p>
-            <a:r>
-              <a:rPr lang="en-US" baseline="0" dirty="0" smtClean="0"/>
-              <a:t>Take advantage – move components to logical location, change size &amp; shape, show different content (as in the Jamie Oliver recipe application that shows longer how-to info in landscape and short text &amp; ingredients in portrait)</a:t>
-            </a:r>
-          </a:p>
-          <a:p>
-            <a:endParaRPr lang="en-US" baseline="0" dirty="0" smtClean="0"/>
-          </a:p>
-          <a:p>
-            <a:r>
-              <a:rPr lang="en-US" baseline="0" dirty="0" smtClean="0"/>
-              <a:t>Soft keyboard – might cover a lot more of your UI</a:t>
-            </a:r>
-          </a:p>
-          <a:p>
+              <a:t>(don’t go too deep here, there are upcoming slides for that)</a:t>
+            </a:r>
             <a:endParaRPr lang="en-US" dirty="0"/>
           </a:p>
         </p:txBody>
@@ -1249,7 +1206,7 @@
               <a:pPr>
                 <a:defRPr/>
               </a:pPr>
-              <a:t>10</a:t>
+              <a:t>11</a:t>
             </a:fld>
             <a:endParaRPr lang="en-US"/>
           </a:p>
@@ -1314,16 +1271,17 @@
           <a:p>
             <a:r>
               <a:rPr lang="en-US" dirty="0" smtClean="0"/>
-              <a:t>Other than taps, you can react to …</a:t>
-            </a:r>
-          </a:p>
-          <a:p>
-            <a:endParaRPr lang="en-US" dirty="0" smtClean="0"/>
-          </a:p>
-          <a:p>
-            <a:r>
-              <a:rPr lang="en-US" dirty="0" smtClean="0"/>
-              <a:t>(don’t go too deep here, there are upcoming slides for that)</a:t>
+              <a:t>timestamp</a:t>
+            </a:r>
+            <a:r>
+              <a:rPr lang="en-US" baseline="0" dirty="0" smtClean="0"/>
+              <a:t> is useful to track the time since last shake</a:t>
+            </a:r>
+          </a:p>
+          <a:p>
+            <a:r>
+              <a:rPr lang="en-US" baseline="0" dirty="0" smtClean="0"/>
+              <a:t>Useful for not over reacting to shakes (delay before counting as a new shake event)</a:t>
             </a:r>
             <a:endParaRPr lang="en-US" dirty="0"/>
           </a:p>
@@ -1417,18 +1375,62 @@
           <a:p>
             <a:r>
               <a:rPr lang="en-US" dirty="0" smtClean="0"/>
-              <a:t>timestamp</a:t>
+              <a:t>Swipe supported on pretty much all </a:t>
+            </a:r>
+            <a:r>
+              <a:rPr lang="en-US" dirty="0" err="1" smtClean="0"/>
+              <a:t>Ti.UI</a:t>
+            </a:r>
+            <a:r>
+              <a:rPr lang="en-US" dirty="0" smtClean="0"/>
+              <a:t> components</a:t>
+            </a:r>
+          </a:p>
+          <a:p>
+            <a:r>
+              <a:rPr lang="en-US" dirty="0" smtClean="0"/>
+              <a:t>Most likely to be used on views, windows, </a:t>
+            </a:r>
+            <a:r>
+              <a:rPr lang="en-US" dirty="0" err="1" smtClean="0"/>
+              <a:t>tableviews</a:t>
+            </a:r>
+            <a:r>
+              <a:rPr lang="en-US" dirty="0" smtClean="0"/>
+              <a:t>, </a:t>
+            </a:r>
+            <a:r>
+              <a:rPr lang="en-US" dirty="0" err="1" smtClean="0"/>
+              <a:t>imageviews</a:t>
+            </a:r>
+            <a:r>
+              <a:rPr lang="en-US" dirty="0" smtClean="0"/>
+              <a:t>, labels, web</a:t>
             </a:r>
             <a:r>
               <a:rPr lang="en-US" baseline="0" dirty="0" smtClean="0"/>
-              <a:t> is useful to track the time since last shake</a:t>
-            </a:r>
+              <a:t> views</a:t>
+            </a:r>
+          </a:p>
+          <a:p>
+            <a:endParaRPr lang="en-US" baseline="0" dirty="0" smtClean="0"/>
           </a:p>
           <a:p>
             <a:r>
               <a:rPr lang="en-US" baseline="0" dirty="0" smtClean="0"/>
-              <a:t>Useful for not over reacting to shakes (delay before counting as a new shake event)</a:t>
-            </a:r>
+              <a:t>Key object properties are direction (left or right) and source</a:t>
+            </a:r>
+          </a:p>
+          <a:p>
+            <a:endParaRPr lang="en-US" baseline="0" dirty="0" smtClean="0"/>
+          </a:p>
+          <a:p>
+            <a:endParaRPr lang="en-US" baseline="0" dirty="0" smtClean="0"/>
+          </a:p>
+          <a:p>
+            <a:endParaRPr lang="en-US" dirty="0" smtClean="0"/>
+          </a:p>
+          <a:p>
             <a:endParaRPr lang="en-US" dirty="0"/>
           </a:p>
         </p:txBody>
@@ -1520,61 +1522,26 @@
           <a:lstStyle/>
           <a:p>
             <a:r>
+              <a:rPr lang="en-US" dirty="0" err="1" smtClean="0"/>
+              <a:t>touchcancel</a:t>
+            </a:r>
+            <a:r>
               <a:rPr lang="en-US" dirty="0" smtClean="0"/>
-              <a:t>Swipe supported on pretty much all </a:t>
-            </a:r>
-            <a:r>
-              <a:rPr lang="en-US" dirty="0" err="1" smtClean="0"/>
-              <a:t>Ti.UI</a:t>
-            </a:r>
+              <a:t> fired when your app is interrupted (phone call)</a:t>
+            </a:r>
+          </a:p>
+          <a:p>
             <a:r>
               <a:rPr lang="en-US" dirty="0" smtClean="0"/>
-              <a:t> components</a:t>
-            </a:r>
-          </a:p>
-          <a:p>
-            <a:r>
-              <a:rPr lang="en-US" dirty="0" smtClean="0"/>
-              <a:t>Most likely to be used on views, windows, </a:t>
-            </a:r>
-            <a:r>
-              <a:rPr lang="en-US" dirty="0" err="1" smtClean="0"/>
-              <a:t>tableviews</a:t>
-            </a:r>
-            <a:r>
-              <a:rPr lang="en-US" dirty="0" smtClean="0"/>
-              <a:t>, </a:t>
-            </a:r>
-            <a:r>
-              <a:rPr lang="en-US" dirty="0" err="1" smtClean="0"/>
-              <a:t>imageviews</a:t>
-            </a:r>
-            <a:r>
-              <a:rPr lang="en-US" dirty="0" smtClean="0"/>
-              <a:t>, labels, web</a:t>
+              <a:t>Use x/y coordinates</a:t>
             </a:r>
             <a:r>
               <a:rPr lang="en-US" baseline="0" dirty="0" smtClean="0"/>
-              <a:t> views</a:t>
+              <a:t> to determine direction</a:t>
             </a:r>
           </a:p>
           <a:p>
             <a:endParaRPr lang="en-US" baseline="0" dirty="0" smtClean="0"/>
-          </a:p>
-          <a:p>
-            <a:r>
-              <a:rPr lang="en-US" baseline="0" dirty="0" smtClean="0"/>
-              <a:t>Key object properties are direction (left or right) and source</a:t>
-            </a:r>
-          </a:p>
-          <a:p>
-            <a:endParaRPr lang="en-US" baseline="0" dirty="0" smtClean="0"/>
-          </a:p>
-          <a:p>
-            <a:endParaRPr lang="en-US" baseline="0" dirty="0" smtClean="0"/>
-          </a:p>
-          <a:p>
-            <a:endParaRPr lang="en-US" dirty="0" smtClean="0"/>
           </a:p>
           <a:p>
             <a:endParaRPr lang="en-US" dirty="0"/>
@@ -1668,28 +1635,19 @@
           <a:lstStyle/>
           <a:p>
             <a:r>
-              <a:rPr lang="en-US" dirty="0" err="1" smtClean="0"/>
-              <a:t>touchcancel</a:t>
-            </a:r>
-            <a:r>
               <a:rPr lang="en-US" dirty="0" smtClean="0"/>
-              <a:t> fired when your app is interrupted (phone call)</a:t>
-            </a:r>
-          </a:p>
-          <a:p>
-            <a:r>
-              <a:rPr lang="en-US" dirty="0" smtClean="0"/>
-              <a:t>Use x/y coordinates</a:t>
+              <a:t>Pinch support</a:t>
             </a:r>
             <a:r>
               <a:rPr lang="en-US" baseline="0" dirty="0" smtClean="0"/>
-              <a:t> to determine direction</a:t>
-            </a:r>
-          </a:p>
-          <a:p>
-            <a:endParaRPr lang="en-US" baseline="0" dirty="0" smtClean="0"/>
-          </a:p>
-          <a:p>
+              <a:t> added in 1.8.0.1, Android support planned</a:t>
+            </a:r>
+          </a:p>
+          <a:p>
+            <a:r>
+              <a:rPr lang="en-US" baseline="0" dirty="0" smtClean="0"/>
+              <a:t>Only zoom supported now, rotation might be added</a:t>
+            </a:r>
             <a:endParaRPr lang="en-US" dirty="0"/>
           </a:p>
         </p:txBody>
@@ -1726,7 +1684,7 @@
     </p:spTree>
     <p:extLst>
       <p:ext uri="{BB962C8B-B14F-4D97-AF65-F5344CB8AC3E}">
-        <p14:creationId xmlns:p14="http://schemas.microsoft.com/office/powerpoint/2010/main" val="2440708566"/>
+        <p14:creationId xmlns:p14="http://schemas.microsoft.com/office/powerpoint/2010/main" val="1830906446"/>
       </p:ext>
     </p:extLst>
   </p:cSld>
@@ -1782,22 +1740,20 @@
           <a:p>
             <a:r>
               <a:rPr lang="en-US" dirty="0" smtClean="0"/>
-              <a:t>Long press events</a:t>
-            </a:r>
+              <a:t>Native support for long press added in 1.8.0.1</a:t>
+            </a:r>
+          </a:p>
+          <a:p>
+            <a:endParaRPr lang="en-US" dirty="0" smtClean="0"/>
+          </a:p>
+          <a:p>
             <a:r>
               <a:rPr lang="en-US" baseline="0" dirty="0" smtClean="0"/>
-              <a:t> exist in native </a:t>
-            </a:r>
-            <a:r>
-              <a:rPr lang="en-US" baseline="0" dirty="0" err="1" smtClean="0"/>
-              <a:t>Oses</a:t>
-            </a:r>
-            <a:endParaRPr lang="en-US" baseline="0" dirty="0" smtClean="0"/>
-          </a:p>
-          <a:p>
+              <a:t>Simulate in older SDKs </a:t>
+            </a:r>
             <a:r>
               <a:rPr lang="en-US" baseline="0" dirty="0" smtClean="0"/>
-              <a:t>You can simulate by tracking </a:t>
+              <a:t>by tracking </a:t>
             </a:r>
             <a:r>
               <a:rPr lang="en-US" baseline="0" dirty="0" err="1" smtClean="0"/>
@@ -3991,24 +3947,32 @@
           <a:p>
             <a:r>
               <a:rPr lang="en-US" dirty="0" smtClean="0"/>
-              <a:t>This method is deprecated in favor of the </a:t>
-            </a:r>
-            <a:r>
-              <a:rPr lang="en-US" dirty="0" err="1" smtClean="0"/>
-              <a:t>Tiapp.xml</a:t>
-            </a:r>
-            <a:r>
-              <a:rPr lang="en-US" dirty="0" smtClean="0"/>
-              <a:t> or platform/android/</a:t>
-            </a:r>
-            <a:r>
-              <a:rPr lang="en-US" dirty="0" err="1" smtClean="0"/>
-              <a:t>AndroidManifest</a:t>
+              <a:t>You can set orientation on a per window</a:t>
             </a:r>
             <a:r>
               <a:rPr lang="en-US" baseline="0" dirty="0" smtClean="0"/>
-              <a:t> (option 2) techniques</a:t>
-            </a:r>
+              <a:t> basis within your app</a:t>
+            </a:r>
+          </a:p>
+          <a:p>
+            <a:endParaRPr lang="en-US" baseline="0" dirty="0" smtClean="0"/>
+          </a:p>
+          <a:p>
+            <a:r>
+              <a:rPr lang="en-US" baseline="0" dirty="0" smtClean="0"/>
+              <a:t>The older </a:t>
+            </a:r>
+            <a:r>
+              <a:rPr lang="en-US" baseline="0" dirty="0" err="1" smtClean="0"/>
+              <a:t>Ti.UI.orientation</a:t>
+            </a:r>
+            <a:r>
+              <a:rPr lang="en-US" baseline="0" dirty="0" smtClean="0"/>
+              <a:t> property technique is deprecated and should not be used.</a:t>
+            </a:r>
+          </a:p>
+          <a:p>
+            <a:endParaRPr lang="en-US" baseline="0" dirty="0" smtClean="0"/>
           </a:p>
         </p:txBody>
       </p:sp>
@@ -4100,11 +4064,25 @@
           <a:p>
             <a:r>
               <a:rPr lang="en-US" dirty="0" smtClean="0"/>
-              <a:t>You can set orientation on a per window</a:t>
+              <a:t>You</a:t>
             </a:r>
             <a:r>
               <a:rPr lang="en-US" baseline="0" dirty="0" smtClean="0"/>
-              <a:t> basis within your app</a:t>
+              <a:t> can react to orientation change events</a:t>
+            </a:r>
+          </a:p>
+          <a:p>
+            <a:r>
+              <a:rPr lang="en-US" baseline="0" dirty="0" smtClean="0"/>
+              <a:t>Use the </a:t>
+            </a:r>
+            <a:r>
+              <a:rPr lang="en-US" baseline="0" dirty="0" err="1" smtClean="0"/>
+              <a:t>Ti.Gesture</a:t>
+            </a:r>
+            <a:r>
+              <a:rPr lang="en-US" baseline="0" dirty="0" smtClean="0"/>
+              <a:t> event listener</a:t>
             </a:r>
           </a:p>
           <a:p>
@@ -4113,19 +4091,28 @@
           <a:p>
             <a:r>
               <a:rPr lang="en-US" baseline="0" dirty="0" smtClean="0"/>
-              <a:t>The older </a:t>
+              <a:t>Test on device to be sure you’re getting/using values you expect</a:t>
+            </a:r>
+          </a:p>
+          <a:p>
+            <a:r>
+              <a:rPr lang="en-US" baseline="0" dirty="0" smtClean="0"/>
+              <a:t>They can differ between </a:t>
             </a:r>
             <a:r>
               <a:rPr lang="en-US" baseline="0" dirty="0" err="1" smtClean="0"/>
-              <a:t>Ti.UI.orientation</a:t>
+              <a:t>iOS</a:t>
             </a:r>
             <a:r>
               <a:rPr lang="en-US" baseline="0" dirty="0" smtClean="0"/>
-              <a:t> property technique is deprecated and should not be used.</a:t>
+              <a:t> and Android</a:t>
             </a:r>
           </a:p>
           <a:p>
             <a:endParaRPr lang="en-US" baseline="0" dirty="0" smtClean="0"/>
+          </a:p>
+          <a:p>
+            <a:endParaRPr lang="en-US" dirty="0"/>
           </a:p>
         </p:txBody>
       </p:sp>
@@ -4217,52 +4204,58 @@
           <a:p>
             <a:r>
               <a:rPr lang="en-US" dirty="0" smtClean="0"/>
-              <a:t>You</a:t>
+              <a:t>Unless your UI dictates otherwise, best-practice is to actively react to orientation changes</a:t>
+            </a:r>
+          </a:p>
+          <a:p>
+            <a:endParaRPr lang="en-US" dirty="0" smtClean="0"/>
+          </a:p>
+          <a:p>
+            <a:r>
+              <a:rPr lang="en-US" dirty="0" smtClean="0"/>
+              <a:t>Self-contained, self-updating is same as we use in </a:t>
+            </a:r>
+            <a:r>
+              <a:rPr lang="en-US" dirty="0" err="1" smtClean="0"/>
+              <a:t>TiBountyHunter</a:t>
+            </a:r>
+            <a:r>
+              <a:rPr lang="en-US" dirty="0" smtClean="0"/>
+              <a:t> with the </a:t>
+            </a:r>
+            <a:r>
+              <a:rPr lang="en-US" dirty="0" err="1" smtClean="0"/>
+              <a:t>tableview</a:t>
+            </a:r>
+            <a:endParaRPr lang="en-US" dirty="0" smtClean="0"/>
+          </a:p>
+          <a:p>
+            <a:r>
+              <a:rPr lang="en-US" dirty="0" smtClean="0"/>
+              <a:t>Components listen</a:t>
             </a:r>
             <a:r>
               <a:rPr lang="en-US" baseline="0" dirty="0" smtClean="0"/>
-              <a:t> can react to orientation change events</a:t>
-            </a:r>
+              <a:t> for a global orientation event and update themselves</a:t>
+            </a:r>
+          </a:p>
+          <a:p>
+            <a:endParaRPr lang="en-US" baseline="0" dirty="0" smtClean="0"/>
           </a:p>
           <a:p>
             <a:r>
               <a:rPr lang="en-US" baseline="0" dirty="0" smtClean="0"/>
-              <a:t>Use the </a:t>
-            </a:r>
-            <a:r>
-              <a:rPr lang="en-US" baseline="0" dirty="0" err="1" smtClean="0"/>
-              <a:t>Ti.Gesture</a:t>
-            </a:r>
+              <a:t>Take advantage – move components to logical location, change size &amp; shape, show different content (as in the Jamie Oliver recipe application that shows longer how-to info in landscape and short text &amp; ingredients in portrait)</a:t>
+            </a:r>
+          </a:p>
+          <a:p>
+            <a:endParaRPr lang="en-US" baseline="0" dirty="0" smtClean="0"/>
+          </a:p>
+          <a:p>
             <a:r>
               <a:rPr lang="en-US" baseline="0" dirty="0" smtClean="0"/>
-              <a:t> event listener</a:t>
-            </a:r>
-          </a:p>
-          <a:p>
-            <a:endParaRPr lang="en-US" baseline="0" dirty="0" smtClean="0"/>
-          </a:p>
-          <a:p>
-            <a:r>
-              <a:rPr lang="en-US" baseline="0" dirty="0" smtClean="0"/>
-              <a:t>Test on device to be sure you’re getting/using values you expect</a:t>
-            </a:r>
-          </a:p>
-          <a:p>
-            <a:r>
-              <a:rPr lang="en-US" baseline="0" dirty="0" smtClean="0"/>
-              <a:t>They can differ between </a:t>
-            </a:r>
-            <a:r>
-              <a:rPr lang="en-US" baseline="0" dirty="0" err="1" smtClean="0"/>
-              <a:t>iOS</a:t>
-            </a:r>
-            <a:r>
-              <a:rPr lang="en-US" baseline="0" dirty="0" smtClean="0"/>
-              <a:t> and Android</a:t>
-            </a:r>
-          </a:p>
-          <a:p>
-            <a:endParaRPr lang="en-US" baseline="0" dirty="0" smtClean="0"/>
+              <a:t>Soft keyboard – might cover a lot more of your UI</a:t>
+            </a:r>
           </a:p>
           <a:p>
             <a:endParaRPr lang="en-US" dirty="0"/>
@@ -4523,7 +4516,7 @@
               <a:pPr>
                 <a:defRPr/>
               </a:pPr>
-              <a:t>12/7/11</a:t>
+              <a:t>12/14/11</a:t>
             </a:fld>
             <a:endParaRPr lang="en-US"/>
           </a:p>
@@ -4903,7 +4896,7 @@
               <a:pPr>
                 <a:defRPr/>
               </a:pPr>
-              <a:t>12/7/11</a:t>
+              <a:t>12/14/11</a:t>
             </a:fld>
             <a:endParaRPr lang="en-US"/>
           </a:p>
@@ -5465,7 +5458,7 @@
               <a:pPr>
                 <a:defRPr/>
               </a:pPr>
-              <a:t>12/7/11</a:t>
+              <a:t>12/14/11</a:t>
             </a:fld>
             <a:endParaRPr lang="en-US"/>
           </a:p>
@@ -6075,7 +6068,7 @@
               <a:pPr>
                 <a:defRPr/>
               </a:pPr>
-              <a:t>12/7/11</a:t>
+              <a:t>12/14/11</a:t>
             </a:fld>
             <a:endParaRPr lang="en-US"/>
           </a:p>
@@ -6197,7 +6190,7 @@
               <a:pPr>
                 <a:defRPr/>
               </a:pPr>
-              <a:t>12/7/11</a:t>
+              <a:t>12/14/11</a:t>
             </a:fld>
             <a:endParaRPr lang="en-US"/>
           </a:p>
@@ -6484,7 +6477,7 @@
               <a:pPr>
                 <a:defRPr/>
               </a:pPr>
-              <a:t>12/7/11</a:t>
+              <a:t>12/14/11</a:t>
             </a:fld>
             <a:endParaRPr lang="en-US"/>
           </a:p>
@@ -8184,395 +8177,6 @@
           <a:chExt cx="0" cy="0"/>
         </a:xfrm>
       </p:grpSpPr>
-      <p:sp>
-        <p:nvSpPr>
-          <p:cNvPr id="2" name="Title 1"/>
-          <p:cNvSpPr>
-            <a:spLocks noGrp="1"/>
-          </p:cNvSpPr>
-          <p:nvPr>
-            <p:ph type="title"/>
-          </p:nvPr>
-        </p:nvSpPr>
-        <p:spPr/>
-        <p:txBody>
-          <a:bodyPr/>
-          <a:lstStyle/>
-          <a:p>
-            <a:r>
-              <a:rPr lang="en-US" dirty="0"/>
-              <a:t>Handling Orientation Changes</a:t>
-            </a:r>
-          </a:p>
-        </p:txBody>
-      </p:sp>
-      <p:sp>
-        <p:nvSpPr>
-          <p:cNvPr id="3" name="Content Placeholder 2"/>
-          <p:cNvSpPr>
-            <a:spLocks noGrp="1"/>
-          </p:cNvSpPr>
-          <p:nvPr>
-            <p:ph idx="1"/>
-          </p:nvPr>
-        </p:nvSpPr>
-        <p:spPr/>
-        <p:txBody>
-          <a:bodyPr/>
-          <a:lstStyle/>
-          <a:p>
-            <a:pPr>
-              <a:spcBef>
-                <a:spcPts val="600"/>
-              </a:spcBef>
-            </a:pPr>
-            <a:r>
-              <a:rPr lang="en-US" dirty="0"/>
-              <a:t>React to orientation change via event listener</a:t>
-            </a:r>
-          </a:p>
-          <a:p>
-            <a:pPr>
-              <a:spcBef>
-                <a:spcPts val="600"/>
-              </a:spcBef>
-              <a:buClrTx/>
-              <a:buFontTx/>
-              <a:buNone/>
-            </a:pPr>
-            <a:endParaRPr lang="en-US" dirty="0" smtClean="0"/>
-          </a:p>
-          <a:p>
-            <a:pPr>
-              <a:spcBef>
-                <a:spcPts val="600"/>
-              </a:spcBef>
-              <a:buClrTx/>
-              <a:buFontTx/>
-              <a:buNone/>
-            </a:pPr>
-            <a:r>
-              <a:rPr lang="en-US" dirty="0" smtClean="0"/>
-              <a:t>Use self-contained, self-updating UI components</a:t>
-            </a:r>
-          </a:p>
-          <a:p>
-            <a:pPr>
-              <a:spcBef>
-                <a:spcPts val="600"/>
-              </a:spcBef>
-              <a:buClrTx/>
-              <a:buFontTx/>
-              <a:buNone/>
-            </a:pPr>
-            <a:endParaRPr lang="en-US" dirty="0"/>
-          </a:p>
-          <a:p>
-            <a:pPr>
-              <a:spcBef>
-                <a:spcPts val="600"/>
-              </a:spcBef>
-            </a:pPr>
-            <a:r>
-              <a:rPr lang="en-US" dirty="0" smtClean="0"/>
-              <a:t>Move, rotate, and swap </a:t>
-            </a:r>
-            <a:r>
-              <a:rPr lang="en-US" dirty="0"/>
-              <a:t>UI elements</a:t>
-            </a:r>
-          </a:p>
-          <a:p>
-            <a:pPr>
-              <a:spcBef>
-                <a:spcPts val="600"/>
-              </a:spcBef>
-              <a:buClrTx/>
-              <a:buFontTx/>
-              <a:buNone/>
-            </a:pPr>
-            <a:endParaRPr lang="en-US" dirty="0" smtClean="0"/>
-          </a:p>
-          <a:p>
-            <a:pPr>
-              <a:spcBef>
-                <a:spcPts val="600"/>
-              </a:spcBef>
-              <a:buClrTx/>
-              <a:buFontTx/>
-              <a:buNone/>
-            </a:pPr>
-            <a:r>
-              <a:rPr lang="en-US" dirty="0" smtClean="0"/>
-              <a:t>Take advantage of the orientation</a:t>
-            </a:r>
-          </a:p>
-          <a:p>
-            <a:pPr>
-              <a:spcBef>
-                <a:spcPts val="600"/>
-              </a:spcBef>
-              <a:buClrTx/>
-              <a:buFontTx/>
-              <a:buNone/>
-            </a:pPr>
-            <a:endParaRPr lang="en-US" dirty="0"/>
-          </a:p>
-          <a:p>
-            <a:pPr>
-              <a:spcBef>
-                <a:spcPts val="600"/>
-              </a:spcBef>
-              <a:buClrTx/>
-              <a:buFontTx/>
-              <a:buNone/>
-            </a:pPr>
-            <a:r>
-              <a:rPr lang="en-US" dirty="0" smtClean="0"/>
-              <a:t>Don’t forget the soft keyboard</a:t>
-            </a:r>
-          </a:p>
-          <a:p>
-            <a:pPr>
-              <a:spcBef>
-                <a:spcPts val="600"/>
-              </a:spcBef>
-              <a:buClrTx/>
-              <a:buFontTx/>
-              <a:buNone/>
-            </a:pPr>
-            <a:endParaRPr lang="en-US" dirty="0"/>
-          </a:p>
-          <a:p>
-            <a:pPr>
-              <a:spcBef>
-                <a:spcPts val="600"/>
-              </a:spcBef>
-              <a:buClrTx/>
-              <a:buFontTx/>
-              <a:buNone/>
-            </a:pPr>
-            <a:endParaRPr lang="en-US" dirty="0" smtClean="0"/>
-          </a:p>
-        </p:txBody>
-      </p:sp>
-      <p:sp>
-        <p:nvSpPr>
-          <p:cNvPr id="4" name="Slide Number Placeholder 5"/>
-          <p:cNvSpPr>
-            <a:spLocks noGrp="1"/>
-          </p:cNvSpPr>
-          <p:nvPr>
-            <p:ph type="sldNum" sz="quarter" idx="12"/>
-          </p:nvPr>
-        </p:nvSpPr>
-        <p:spPr bwMode="auto">
-          <a:xfrm>
-            <a:off x="203200" y="6400800"/>
-            <a:ext cx="2133600" cy="365125"/>
-          </a:xfrm>
-          <a:noFill/>
-          <a:extLst>
-            <a:ext uri="{909E8E84-426E-40dd-AFC4-6F175D3DCCD1}">
-              <a14:hiddenFill xmlns:a14="http://schemas.microsoft.com/office/drawing/2010/main">
-                <a:solidFill>
-                  <a:srgbClr val="FFFFFF"/>
-                </a:solidFill>
-              </a14:hiddenFill>
-            </a:ext>
-            <a:ext uri="{91240B29-F687-4f45-9708-019B960494DF}">
-              <a14:hiddenLine xmlns:a14="http://schemas.microsoft.com/office/drawing/2010/main" w="9525">
-                <a:solidFill>
-                  <a:srgbClr val="000000"/>
-                </a:solidFill>
-                <a:miter lim="800000"/>
-                <a:headEnd/>
-                <a:tailEnd/>
-              </a14:hiddenLine>
-            </a:ext>
-          </a:extLst>
-        </p:spPr>
-        <p:txBody>
-          <a:bodyPr vert="horz" wrap="square" lIns="91440" tIns="45720" rIns="91440" bIns="45720" numCol="1" anchor="ctr" anchorCtr="0" compatLnSpc="1">
-            <a:prstTxWarp prst="textNoShape">
-              <a:avLst/>
-            </a:prstTxWarp>
-          </a:bodyPr>
-          <a:lstStyle>
-            <a:lvl1pPr eaLnBrk="0" hangingPunct="0">
-              <a:defRPr sz="2400">
-                <a:solidFill>
-                  <a:schemeClr val="tx1"/>
-                </a:solidFill>
-                <a:latin typeface="Trebuchet MS" charset="0"/>
-                <a:ea typeface="ＭＳ Ｐゴシック" charset="0"/>
-                <a:cs typeface="ＭＳ Ｐゴシック" charset="0"/>
-              </a:defRPr>
-            </a:lvl1pPr>
-            <a:lvl2pPr marL="742950" indent="-285750" eaLnBrk="0" hangingPunct="0">
-              <a:defRPr sz="2400">
-                <a:solidFill>
-                  <a:schemeClr val="tx1"/>
-                </a:solidFill>
-                <a:latin typeface="Trebuchet MS" charset="0"/>
-                <a:ea typeface="ＭＳ Ｐゴシック" charset="0"/>
-              </a:defRPr>
-            </a:lvl2pPr>
-            <a:lvl3pPr marL="1143000" indent="-228600" eaLnBrk="0" hangingPunct="0">
-              <a:defRPr sz="2400">
-                <a:solidFill>
-                  <a:schemeClr val="tx1"/>
-                </a:solidFill>
-                <a:latin typeface="Trebuchet MS" charset="0"/>
-                <a:ea typeface="ＭＳ Ｐゴシック" charset="0"/>
-              </a:defRPr>
-            </a:lvl3pPr>
-            <a:lvl4pPr marL="1600200" indent="-228600" eaLnBrk="0" hangingPunct="0">
-              <a:defRPr sz="2400">
-                <a:solidFill>
-                  <a:schemeClr val="tx1"/>
-                </a:solidFill>
-                <a:latin typeface="Trebuchet MS" charset="0"/>
-                <a:ea typeface="ＭＳ Ｐゴシック" charset="0"/>
-              </a:defRPr>
-            </a:lvl4pPr>
-            <a:lvl5pPr marL="2057400" indent="-228600" eaLnBrk="0" hangingPunct="0">
-              <a:defRPr sz="2400">
-                <a:solidFill>
-                  <a:schemeClr val="tx1"/>
-                </a:solidFill>
-                <a:latin typeface="Trebuchet MS" charset="0"/>
-                <a:ea typeface="ＭＳ Ｐゴシック" charset="0"/>
-              </a:defRPr>
-            </a:lvl5pPr>
-            <a:lvl6pPr marL="2514600" indent="-228600" eaLnBrk="0" fontAlgn="base" hangingPunct="0">
-              <a:spcBef>
-                <a:spcPct val="0"/>
-              </a:spcBef>
-              <a:spcAft>
-                <a:spcPct val="0"/>
-              </a:spcAft>
-              <a:defRPr sz="2400">
-                <a:solidFill>
-                  <a:schemeClr val="tx1"/>
-                </a:solidFill>
-                <a:latin typeface="Trebuchet MS" charset="0"/>
-                <a:ea typeface="ＭＳ Ｐゴシック" charset="0"/>
-              </a:defRPr>
-            </a:lvl6pPr>
-            <a:lvl7pPr marL="2971800" indent="-228600" eaLnBrk="0" fontAlgn="base" hangingPunct="0">
-              <a:spcBef>
-                <a:spcPct val="0"/>
-              </a:spcBef>
-              <a:spcAft>
-                <a:spcPct val="0"/>
-              </a:spcAft>
-              <a:defRPr sz="2400">
-                <a:solidFill>
-                  <a:schemeClr val="tx1"/>
-                </a:solidFill>
-                <a:latin typeface="Trebuchet MS" charset="0"/>
-                <a:ea typeface="ＭＳ Ｐゴシック" charset="0"/>
-              </a:defRPr>
-            </a:lvl7pPr>
-            <a:lvl8pPr marL="3429000" indent="-228600" eaLnBrk="0" fontAlgn="base" hangingPunct="0">
-              <a:spcBef>
-                <a:spcPct val="0"/>
-              </a:spcBef>
-              <a:spcAft>
-                <a:spcPct val="0"/>
-              </a:spcAft>
-              <a:defRPr sz="2400">
-                <a:solidFill>
-                  <a:schemeClr val="tx1"/>
-                </a:solidFill>
-                <a:latin typeface="Trebuchet MS" charset="0"/>
-                <a:ea typeface="ＭＳ Ｐゴシック" charset="0"/>
-              </a:defRPr>
-            </a:lvl8pPr>
-            <a:lvl9pPr marL="3886200" indent="-228600" eaLnBrk="0" fontAlgn="base" hangingPunct="0">
-              <a:spcBef>
-                <a:spcPct val="0"/>
-              </a:spcBef>
-              <a:spcAft>
-                <a:spcPct val="0"/>
-              </a:spcAft>
-              <a:defRPr sz="2400">
-                <a:solidFill>
-                  <a:schemeClr val="tx1"/>
-                </a:solidFill>
-                <a:latin typeface="Trebuchet MS" charset="0"/>
-                <a:ea typeface="ＭＳ Ｐゴシック" charset="0"/>
-              </a:defRPr>
-            </a:lvl9pPr>
-          </a:lstStyle>
-          <a:p>
-            <a:pPr algn="l" eaLnBrk="1" hangingPunct="1"/>
-            <a:r>
-              <a:rPr lang="en-US" sz="1200" b="1" dirty="0">
-                <a:solidFill>
-                  <a:srgbClr val="122956"/>
-                </a:solidFill>
-                <a:cs typeface="Trebuchet MS" charset="0"/>
-              </a:rPr>
-              <a:t>OG-</a:t>
-            </a:r>
-            <a:fld id="{31B56995-E14C-B64F-86C9-12D6DB74A41E}" type="slidenum">
-              <a:rPr lang="en-US" sz="1200" b="1">
-                <a:solidFill>
-                  <a:srgbClr val="122956"/>
-                </a:solidFill>
-                <a:cs typeface="Trebuchet MS" charset="0"/>
-              </a:rPr>
-              <a:pPr algn="l" eaLnBrk="1" hangingPunct="1"/>
-              <a:t>10</a:t>
-            </a:fld>
-            <a:endParaRPr lang="en-US" sz="1200" b="1" dirty="0">
-              <a:solidFill>
-                <a:srgbClr val="122956"/>
-              </a:solidFill>
-              <a:cs typeface="Trebuchet MS" charset="0"/>
-            </a:endParaRPr>
-          </a:p>
-        </p:txBody>
-      </p:sp>
-    </p:spTree>
-    <p:extLst>
-      <p:ext uri="{BB962C8B-B14F-4D97-AF65-F5344CB8AC3E}">
-        <p14:creationId xmlns:p14="http://schemas.microsoft.com/office/powerpoint/2010/main" val="1672932865"/>
-      </p:ext>
-    </p:extLst>
-  </p:cSld>
-  <p:clrMapOvr>
-    <a:masterClrMapping/>
-  </p:clrMapOvr>
-  <p:timing>
-    <p:tnLst>
-      <p:par>
-        <p:cTn xmlns:p14="http://schemas.microsoft.com/office/powerpoint/2010/main" id="1" dur="indefinite" restart="never" nodeType="tmRoot"/>
-      </p:par>
-    </p:tnLst>
-  </p:timing>
-</p:sld>
-</file>
-
-<file path=ppt/slides/slide11.xml><?xml version="1.0" encoding="utf-8"?>
-<p:sld xmlns:a="http://schemas.openxmlformats.org/drawingml/2006/main" xmlns:r="http://schemas.openxmlformats.org/officeDocument/2006/relationships" xmlns:p="http://schemas.openxmlformats.org/presentationml/2006/main">
-  <p:cSld>
-    <p:spTree>
-      <p:nvGrpSpPr>
-        <p:cNvPr id="1" name=""/>
-        <p:cNvGrpSpPr/>
-        <p:nvPr/>
-      </p:nvGrpSpPr>
-      <p:grpSpPr>
-        <a:xfrm>
-          <a:off x="0" y="0"/>
-          <a:ext cx="0" cy="0"/>
-          <a:chOff x="0" y="0"/>
-          <a:chExt cx="0" cy="0"/>
-        </a:xfrm>
-      </p:grpSpPr>
       <p:pic>
         <p:nvPicPr>
           <p:cNvPr id="23553" name="Picture 5" descr="raised_paper.png"/>
@@ -8835,7 +8439,7 @@
                 <a:cs typeface="Trebuchet MS" charset="0"/>
               </a:rPr>
               <a:pPr algn="l" eaLnBrk="1" hangingPunct="1"/>
-              <a:t>11</a:t>
+              <a:t>10</a:t>
             </a:fld>
             <a:endParaRPr lang="en-US" sz="1200" b="1" dirty="0">
               <a:solidFill>
@@ -8866,7 +8470,7 @@
 </p:sld>
 </file>
 
-<file path=ppt/slides/slide12.xml><?xml version="1.0" encoding="utf-8"?>
+<file path=ppt/slides/slide11.xml><?xml version="1.0" encoding="utf-8"?>
 <p:sld xmlns:a="http://schemas.openxmlformats.org/drawingml/2006/main" xmlns:r="http://schemas.openxmlformats.org/officeDocument/2006/relationships" xmlns:p="http://schemas.openxmlformats.org/presentationml/2006/main">
   <p:cSld>
     <p:spTree>
@@ -8981,8 +8585,46 @@
             </a:pPr>
             <a:r>
               <a:rPr lang="en-US" dirty="0" smtClean="0"/>
-              <a:t>Touch start, end, move, and cancel</a:t>
-            </a:r>
+              <a:t>Touch start, end, move, and </a:t>
+            </a:r>
+            <a:r>
+              <a:rPr lang="en-US" dirty="0" smtClean="0"/>
+              <a:t>cancel</a:t>
+            </a:r>
+          </a:p>
+          <a:p>
+            <a:pPr>
+              <a:spcBef>
+                <a:spcPts val="600"/>
+              </a:spcBef>
+              <a:buClrTx/>
+              <a:buFontTx/>
+              <a:buNone/>
+            </a:pPr>
+            <a:endParaRPr lang="en-US" dirty="0"/>
+          </a:p>
+          <a:p>
+            <a:pPr>
+              <a:spcBef>
+                <a:spcPts val="600"/>
+              </a:spcBef>
+              <a:buClrTx/>
+              <a:buFontTx/>
+              <a:buNone/>
+            </a:pPr>
+            <a:r>
+              <a:rPr lang="en-US" dirty="0" smtClean="0"/>
+              <a:t>Pinch (</a:t>
+            </a:r>
+            <a:r>
+              <a:rPr lang="en-US" dirty="0" err="1" smtClean="0"/>
+              <a:t>iOS</a:t>
+            </a:r>
+            <a:r>
+              <a:rPr lang="en-US" dirty="0" smtClean="0"/>
+              <a:t>)</a:t>
+            </a:r>
+            <a:endParaRPr lang="en-US" dirty="0" smtClean="0"/>
           </a:p>
           <a:p>
             <a:pPr>
@@ -9205,7 +8847,7 @@
                 <a:cs typeface="Trebuchet MS" charset="0"/>
               </a:rPr>
               <a:pPr algn="l" eaLnBrk="1" hangingPunct="1"/>
-              <a:t>12</a:t>
+              <a:t>11</a:t>
             </a:fld>
             <a:endParaRPr lang="en-US" sz="1200" b="1" dirty="0">
               <a:solidFill>
@@ -9236,7 +8878,7 @@
 </p:sld>
 </file>
 
-<file path=ppt/slides/slide13.xml><?xml version="1.0" encoding="utf-8"?>
+<file path=ppt/slides/slide12.xml><?xml version="1.0" encoding="utf-8"?>
 <p:sld xmlns:a="http://schemas.openxmlformats.org/drawingml/2006/main" xmlns:r="http://schemas.openxmlformats.org/officeDocument/2006/relationships" xmlns:p="http://schemas.openxmlformats.org/presentationml/2006/main">
   <p:cSld>
     <p:spTree>
@@ -9680,7 +9322,7 @@
                 <a:cs typeface="Trebuchet MS" charset="0"/>
               </a:rPr>
               <a:pPr algn="l" eaLnBrk="1" hangingPunct="1"/>
-              <a:t>13</a:t>
+              <a:t>12</a:t>
             </a:fld>
             <a:endParaRPr lang="en-US" sz="1200" b="1" dirty="0">
               <a:solidFill>
@@ -9711,7 +9353,7 @@
 </p:sld>
 </file>
 
-<file path=ppt/slides/slide14.xml><?xml version="1.0" encoding="utf-8"?>
+<file path=ppt/slides/slide13.xml><?xml version="1.0" encoding="utf-8"?>
 <p:sld xmlns:a="http://schemas.openxmlformats.org/drawingml/2006/main" xmlns:r="http://schemas.openxmlformats.org/officeDocument/2006/relationships" xmlns:p="http://schemas.openxmlformats.org/presentationml/2006/main">
   <p:cSld>
     <p:spTree>
@@ -10397,6 +10039,434 @@
                 <a:cs typeface="Trebuchet MS" charset="0"/>
               </a:rPr>
               <a:pPr algn="l" eaLnBrk="1" hangingPunct="1"/>
+              <a:t>13</a:t>
+            </a:fld>
+            <a:endParaRPr lang="en-US" sz="1200" b="1" dirty="0">
+              <a:solidFill>
+                <a:srgbClr val="122956"/>
+              </a:solidFill>
+              <a:cs typeface="Trebuchet MS" charset="0"/>
+            </a:endParaRPr>
+          </a:p>
+        </p:txBody>
+      </p:sp>
+    </p:spTree>
+    <p:extLst>
+      <p:ext uri="{BB962C8B-B14F-4D97-AF65-F5344CB8AC3E}">
+        <p14:creationId xmlns:p14="http://schemas.microsoft.com/office/powerpoint/2010/main" val="888710459"/>
+      </p:ext>
+    </p:extLst>
+  </p:cSld>
+  <p:clrMapOvr>
+    <a:masterClrMapping/>
+  </p:clrMapOvr>
+  <p:timing>
+    <p:tnLst>
+      <p:par>
+        <p:cTn xmlns:p14="http://schemas.microsoft.com/office/powerpoint/2010/main" id="1" dur="indefinite" restart="never" nodeType="tmRoot"/>
+      </p:par>
+    </p:tnLst>
+  </p:timing>
+</p:sld>
+</file>
+
+<file path=ppt/slides/slide14.xml><?xml version="1.0" encoding="utf-8"?>
+<p:sld xmlns:a="http://schemas.openxmlformats.org/drawingml/2006/main" xmlns:r="http://schemas.openxmlformats.org/officeDocument/2006/relationships" xmlns:p="http://schemas.openxmlformats.org/presentationml/2006/main">
+  <p:cSld>
+    <p:spTree>
+      <p:nvGrpSpPr>
+        <p:cNvPr id="1" name=""/>
+        <p:cNvGrpSpPr/>
+        <p:nvPr/>
+      </p:nvGrpSpPr>
+      <p:grpSpPr>
+        <a:xfrm>
+          <a:off x="0" y="0"/>
+          <a:ext cx="0" cy="0"/>
+          <a:chOff x="0" y="0"/>
+          <a:chExt cx="0" cy="0"/>
+        </a:xfrm>
+      </p:grpSpPr>
+      <p:sp>
+        <p:nvSpPr>
+          <p:cNvPr id="2" name="Title 1"/>
+          <p:cNvSpPr>
+            <a:spLocks noGrp="1"/>
+          </p:cNvSpPr>
+          <p:nvPr>
+            <p:ph type="title"/>
+          </p:nvPr>
+        </p:nvSpPr>
+        <p:spPr/>
+        <p:txBody>
+          <a:bodyPr/>
+          <a:lstStyle/>
+          <a:p>
+            <a:r>
+              <a:rPr lang="en-US" dirty="0" smtClean="0"/>
+              <a:t>Touches</a:t>
+            </a:r>
+            <a:endParaRPr lang="en-US" dirty="0"/>
+          </a:p>
+        </p:txBody>
+      </p:sp>
+      <p:sp>
+        <p:nvSpPr>
+          <p:cNvPr id="3" name="Content Placeholder 2"/>
+          <p:cNvSpPr>
+            <a:spLocks noGrp="1"/>
+          </p:cNvSpPr>
+          <p:nvPr>
+            <p:ph idx="1"/>
+          </p:nvPr>
+        </p:nvSpPr>
+        <p:spPr/>
+        <p:txBody>
+          <a:bodyPr/>
+          <a:lstStyle/>
+          <a:p>
+            <a:pPr>
+              <a:spcBef>
+                <a:spcPts val="600"/>
+              </a:spcBef>
+              <a:buClrTx/>
+              <a:buFontTx/>
+              <a:buNone/>
+            </a:pPr>
+            <a:r>
+              <a:rPr lang="en-US" dirty="0"/>
+              <a:t>Built-in event on most </a:t>
+            </a:r>
+            <a:r>
+              <a:rPr lang="en-US" dirty="0" err="1"/>
+              <a:t>Ti.UI</a:t>
+            </a:r>
+            <a:r>
+              <a:rPr lang="en-US" dirty="0"/>
+              <a:t> </a:t>
+            </a:r>
+            <a:r>
+              <a:rPr lang="en-US" dirty="0" smtClean="0"/>
+              <a:t>elements</a:t>
+            </a:r>
+          </a:p>
+          <a:p>
+            <a:pPr>
+              <a:spcBef>
+                <a:spcPts val="600"/>
+              </a:spcBef>
+              <a:buClrTx/>
+              <a:buFontTx/>
+              <a:buNone/>
+            </a:pPr>
+            <a:endParaRPr lang="en-US" dirty="0"/>
+          </a:p>
+          <a:p>
+            <a:pPr>
+              <a:spcBef>
+                <a:spcPts val="600"/>
+              </a:spcBef>
+              <a:buClrTx/>
+              <a:buFontTx/>
+              <a:buNone/>
+            </a:pPr>
+            <a:r>
+              <a:rPr lang="en-US" dirty="0" smtClean="0"/>
+              <a:t>Subtypes: </a:t>
+            </a:r>
+            <a:r>
+              <a:rPr lang="en-US" dirty="0" err="1" smtClean="0"/>
+              <a:t>touchstart</a:t>
+            </a:r>
+            <a:r>
+              <a:rPr lang="en-US" dirty="0" smtClean="0"/>
+              <a:t>, </a:t>
+            </a:r>
+            <a:r>
+              <a:rPr lang="en-US" dirty="0" err="1" smtClean="0"/>
+              <a:t>touchmove</a:t>
+            </a:r>
+            <a:r>
+              <a:rPr lang="en-US" dirty="0" smtClean="0"/>
+              <a:t>, </a:t>
+            </a:r>
+            <a:r>
+              <a:rPr lang="en-US" dirty="0" err="1" smtClean="0"/>
+              <a:t>touchend</a:t>
+            </a:r>
+            <a:r>
+              <a:rPr lang="en-US" dirty="0" smtClean="0"/>
+              <a:t>, </a:t>
+            </a:r>
+            <a:r>
+              <a:rPr lang="en-US" dirty="0" err="1" smtClean="0"/>
+              <a:t>touchcancel</a:t>
+            </a:r>
+            <a:endParaRPr lang="en-US" dirty="0"/>
+          </a:p>
+          <a:p>
+            <a:pPr>
+              <a:spcBef>
+                <a:spcPts val="600"/>
+              </a:spcBef>
+              <a:buClrTx/>
+              <a:buFontTx/>
+              <a:buNone/>
+            </a:pPr>
+            <a:endParaRPr lang="en-US" dirty="0"/>
+          </a:p>
+          <a:p>
+            <a:pPr>
+              <a:spcBef>
+                <a:spcPts val="600"/>
+              </a:spcBef>
+              <a:buClrTx/>
+              <a:buFontTx/>
+              <a:buNone/>
+            </a:pPr>
+            <a:r>
+              <a:rPr lang="en-US" dirty="0"/>
+              <a:t>Event object properties:</a:t>
+            </a:r>
+          </a:p>
+          <a:p>
+            <a:pPr marL="800100" lvl="1" indent="-342900">
+              <a:spcBef>
+                <a:spcPts val="600"/>
+              </a:spcBef>
+              <a:buFont typeface="Arial"/>
+              <a:buChar char="•"/>
+            </a:pPr>
+            <a:r>
+              <a:rPr lang="en-US" dirty="0" smtClean="0"/>
+              <a:t>source</a:t>
+            </a:r>
+            <a:endParaRPr lang="en-US" dirty="0"/>
+          </a:p>
+          <a:p>
+            <a:pPr marL="800100" lvl="1" indent="-342900">
+              <a:spcBef>
+                <a:spcPts val="600"/>
+              </a:spcBef>
+              <a:buFont typeface="Arial"/>
+              <a:buChar char="•"/>
+            </a:pPr>
+            <a:r>
+              <a:rPr lang="en-US" dirty="0"/>
+              <a:t>x/y </a:t>
+            </a:r>
+            <a:r>
+              <a:rPr lang="en-US" dirty="0" err="1"/>
+              <a:t>coords</a:t>
+            </a:r>
+            <a:endParaRPr lang="en-US" dirty="0"/>
+          </a:p>
+          <a:p>
+            <a:pPr>
+              <a:spcBef>
+                <a:spcPts val="600"/>
+              </a:spcBef>
+            </a:pPr>
+            <a:endParaRPr lang="en-US" dirty="0" smtClean="0"/>
+          </a:p>
+          <a:p>
+            <a:pPr>
+              <a:spcBef>
+                <a:spcPts val="600"/>
+              </a:spcBef>
+            </a:pPr>
+            <a:r>
+              <a:rPr lang="en-US" dirty="0" err="1" smtClean="0"/>
+              <a:t>touchmove</a:t>
+            </a:r>
+            <a:r>
+              <a:rPr lang="en-US" dirty="0" smtClean="0"/>
+              <a:t> fires continuously during event</a:t>
+            </a:r>
+            <a:endParaRPr lang="en-US" dirty="0"/>
+          </a:p>
+          <a:p>
+            <a:pPr>
+              <a:spcBef>
+                <a:spcPts val="600"/>
+              </a:spcBef>
+              <a:buClrTx/>
+              <a:buFontTx/>
+              <a:buNone/>
+            </a:pPr>
+            <a:endParaRPr lang="en-US" dirty="0" smtClean="0"/>
+          </a:p>
+        </p:txBody>
+      </p:sp>
+      <p:sp>
+        <p:nvSpPr>
+          <p:cNvPr id="4" name="Slide Number Placeholder 5"/>
+          <p:cNvSpPr>
+            <a:spLocks noGrp="1"/>
+          </p:cNvSpPr>
+          <p:nvPr>
+            <p:ph type="sldNum" sz="quarter" idx="12"/>
+          </p:nvPr>
+        </p:nvSpPr>
+        <p:spPr bwMode="auto">
+          <a:xfrm>
+            <a:off x="203200" y="6400800"/>
+            <a:ext cx="2133600" cy="365125"/>
+          </a:xfrm>
+          <a:noFill/>
+          <a:extLst>
+            <a:ext uri="{909E8E84-426E-40dd-AFC4-6F175D3DCCD1}">
+              <a14:hiddenFill xmlns:a14="http://schemas.microsoft.com/office/drawing/2010/main">
+                <a:solidFill>
+                  <a:srgbClr val="FFFFFF"/>
+                </a:solidFill>
+              </a14:hiddenFill>
+            </a:ext>
+            <a:ext uri="{91240B29-F687-4f45-9708-019B960494DF}">
+              <a14:hiddenLine xmlns:a14="http://schemas.microsoft.com/office/drawing/2010/main" w="9525">
+                <a:solidFill>
+                  <a:srgbClr val="000000"/>
+                </a:solidFill>
+                <a:miter lim="800000"/>
+                <a:headEnd/>
+                <a:tailEnd/>
+              </a14:hiddenLine>
+            </a:ext>
+          </a:extLst>
+        </p:spPr>
+        <p:txBody>
+          <a:bodyPr vert="horz" wrap="square" lIns="91440" tIns="45720" rIns="91440" bIns="45720" numCol="1" anchor="ctr" anchorCtr="0" compatLnSpc="1">
+            <a:prstTxWarp prst="textNoShape">
+              <a:avLst/>
+            </a:prstTxWarp>
+          </a:bodyPr>
+          <a:lstStyle>
+            <a:lvl1pPr eaLnBrk="0" hangingPunct="0">
+              <a:defRPr sz="2400">
+                <a:solidFill>
+                  <a:schemeClr val="tx1"/>
+                </a:solidFill>
+                <a:latin typeface="Trebuchet MS" charset="0"/>
+                <a:ea typeface="ＭＳ Ｐゴシック" charset="0"/>
+                <a:cs typeface="ＭＳ Ｐゴシック" charset="0"/>
+              </a:defRPr>
+            </a:lvl1pPr>
+            <a:lvl2pPr marL="742950" indent="-285750" eaLnBrk="0" hangingPunct="0">
+              <a:defRPr sz="2400">
+                <a:solidFill>
+                  <a:schemeClr val="tx1"/>
+                </a:solidFill>
+                <a:latin typeface="Trebuchet MS" charset="0"/>
+                <a:ea typeface="ＭＳ Ｐゴシック" charset="0"/>
+              </a:defRPr>
+            </a:lvl2pPr>
+            <a:lvl3pPr marL="1143000" indent="-228600" eaLnBrk="0" hangingPunct="0">
+              <a:defRPr sz="2400">
+                <a:solidFill>
+                  <a:schemeClr val="tx1"/>
+                </a:solidFill>
+                <a:latin typeface="Trebuchet MS" charset="0"/>
+                <a:ea typeface="ＭＳ Ｐゴシック" charset="0"/>
+              </a:defRPr>
+            </a:lvl3pPr>
+            <a:lvl4pPr marL="1600200" indent="-228600" eaLnBrk="0" hangingPunct="0">
+              <a:defRPr sz="2400">
+                <a:solidFill>
+                  <a:schemeClr val="tx1"/>
+                </a:solidFill>
+                <a:latin typeface="Trebuchet MS" charset="0"/>
+                <a:ea typeface="ＭＳ Ｐゴシック" charset="0"/>
+              </a:defRPr>
+            </a:lvl4pPr>
+            <a:lvl5pPr marL="2057400" indent="-228600" eaLnBrk="0" hangingPunct="0">
+              <a:defRPr sz="2400">
+                <a:solidFill>
+                  <a:schemeClr val="tx1"/>
+                </a:solidFill>
+                <a:latin typeface="Trebuchet MS" charset="0"/>
+                <a:ea typeface="ＭＳ Ｐゴシック" charset="0"/>
+              </a:defRPr>
+            </a:lvl5pPr>
+            <a:lvl6pPr marL="2514600" indent="-228600" eaLnBrk="0" fontAlgn="base" hangingPunct="0">
+              <a:spcBef>
+                <a:spcPct val="0"/>
+              </a:spcBef>
+              <a:spcAft>
+                <a:spcPct val="0"/>
+              </a:spcAft>
+              <a:defRPr sz="2400">
+                <a:solidFill>
+                  <a:schemeClr val="tx1"/>
+                </a:solidFill>
+                <a:latin typeface="Trebuchet MS" charset="0"/>
+                <a:ea typeface="ＭＳ Ｐゴシック" charset="0"/>
+              </a:defRPr>
+            </a:lvl6pPr>
+            <a:lvl7pPr marL="2971800" indent="-228600" eaLnBrk="0" fontAlgn="base" hangingPunct="0">
+              <a:spcBef>
+                <a:spcPct val="0"/>
+              </a:spcBef>
+              <a:spcAft>
+                <a:spcPct val="0"/>
+              </a:spcAft>
+              <a:defRPr sz="2400">
+                <a:solidFill>
+                  <a:schemeClr val="tx1"/>
+                </a:solidFill>
+                <a:latin typeface="Trebuchet MS" charset="0"/>
+                <a:ea typeface="ＭＳ Ｐゴシック" charset="0"/>
+              </a:defRPr>
+            </a:lvl7pPr>
+            <a:lvl8pPr marL="3429000" indent="-228600" eaLnBrk="0" fontAlgn="base" hangingPunct="0">
+              <a:spcBef>
+                <a:spcPct val="0"/>
+              </a:spcBef>
+              <a:spcAft>
+                <a:spcPct val="0"/>
+              </a:spcAft>
+              <a:defRPr sz="2400">
+                <a:solidFill>
+                  <a:schemeClr val="tx1"/>
+                </a:solidFill>
+                <a:latin typeface="Trebuchet MS" charset="0"/>
+                <a:ea typeface="ＭＳ Ｐゴシック" charset="0"/>
+              </a:defRPr>
+            </a:lvl8pPr>
+            <a:lvl9pPr marL="3886200" indent="-228600" eaLnBrk="0" fontAlgn="base" hangingPunct="0">
+              <a:spcBef>
+                <a:spcPct val="0"/>
+              </a:spcBef>
+              <a:spcAft>
+                <a:spcPct val="0"/>
+              </a:spcAft>
+              <a:defRPr sz="2400">
+                <a:solidFill>
+                  <a:schemeClr val="tx1"/>
+                </a:solidFill>
+                <a:latin typeface="Trebuchet MS" charset="0"/>
+                <a:ea typeface="ＭＳ Ｐゴシック" charset="0"/>
+              </a:defRPr>
+            </a:lvl9pPr>
+          </a:lstStyle>
+          <a:p>
+            <a:pPr algn="l" eaLnBrk="1" hangingPunct="1"/>
+            <a:r>
+              <a:rPr lang="en-US" sz="1200" b="1" dirty="0">
+                <a:solidFill>
+                  <a:srgbClr val="122956"/>
+                </a:solidFill>
+                <a:cs typeface="Trebuchet MS" charset="0"/>
+              </a:rPr>
+              <a:t>OG-</a:t>
+            </a:r>
+            <a:fld id="{31B56995-E14C-B64F-86C9-12D6DB74A41E}" type="slidenum">
+              <a:rPr lang="en-US" sz="1200" b="1">
+                <a:solidFill>
+                  <a:srgbClr val="122956"/>
+                </a:solidFill>
+                <a:cs typeface="Trebuchet MS" charset="0"/>
+              </a:rPr>
+              <a:pPr algn="l" eaLnBrk="1" hangingPunct="1"/>
               <a:t>14</a:t>
             </a:fld>
             <a:endParaRPr lang="en-US" sz="1200" b="1" dirty="0">
@@ -10462,7 +10532,7 @@
           <a:p>
             <a:r>
               <a:rPr lang="en-US" dirty="0" smtClean="0"/>
-              <a:t>Touches</a:t>
+              <a:t>Pinch</a:t>
             </a:r>
             <a:endParaRPr lang="en-US" dirty="0"/>
           </a:p>
@@ -10483,363 +10553,675 @@
           <a:bodyPr/>
           <a:lstStyle/>
           <a:p>
-            <a:pPr>
-              <a:spcBef>
-                <a:spcPts val="600"/>
-              </a:spcBef>
-              <a:buClrTx/>
-              <a:buFontTx/>
-              <a:buNone/>
-            </a:pPr>
-            <a:r>
-              <a:rPr lang="en-US" dirty="0"/>
-              <a:t>Built-in event on most </a:t>
-            </a:r>
-            <a:r>
-              <a:rPr lang="en-US" dirty="0" err="1"/>
-              <a:t>Ti.UI</a:t>
-            </a:r>
-            <a:r>
-              <a:rPr lang="en-US" dirty="0"/>
-              <a:t> </a:t>
+            <a:r>
+              <a:rPr lang="en-US" dirty="0" err="1" smtClean="0"/>
+              <a:t>iOS</a:t>
             </a:r>
             <a:r>
               <a:rPr lang="en-US" dirty="0" smtClean="0"/>
-              <a:t>elements</a:t>
-            </a:r>
-          </a:p>
-          <a:p>
-            <a:pPr>
-              <a:spcBef>
-                <a:spcPts val="600"/>
-              </a:spcBef>
-              <a:buClrTx/>
-              <a:buFontTx/>
-              <a:buNone/>
-            </a:pPr>
+              <a:t> only (for now)</a:t>
+            </a:r>
+          </a:p>
+          <a:p>
             <a:endParaRPr lang="en-US" dirty="0"/>
           </a:p>
           <a:p>
-            <a:pPr>
-              <a:spcBef>
-                <a:spcPts val="600"/>
-              </a:spcBef>
-              <a:buClrTx/>
-              <a:buFontTx/>
-              <a:buNone/>
-            </a:pPr>
             <a:r>
               <a:rPr lang="en-US" dirty="0" smtClean="0"/>
-              <a:t>Subtypes: </a:t>
-            </a:r>
-            <a:r>
-              <a:rPr lang="en-US" dirty="0" err="1" smtClean="0"/>
-              <a:t>touchstart</a:t>
-            </a:r>
-            <a:r>
-              <a:rPr lang="en-US" dirty="0" smtClean="0"/>
-              <a:t>, </a:t>
-            </a:r>
-            <a:r>
-              <a:rPr lang="en-US" dirty="0" err="1" smtClean="0"/>
-              <a:t>touchmove</a:t>
-            </a:r>
-            <a:r>
-              <a:rPr lang="en-US" dirty="0" smtClean="0"/>
-              <a:t>, </a:t>
-            </a:r>
-            <a:r>
-              <a:rPr lang="en-US" dirty="0" err="1" smtClean="0"/>
-              <a:t>touchend</a:t>
-            </a:r>
-            <a:r>
-              <a:rPr lang="en-US" dirty="0" smtClean="0"/>
-              <a:t>, </a:t>
-            </a:r>
-            <a:r>
-              <a:rPr lang="en-US" dirty="0" err="1" smtClean="0"/>
-              <a:t>touchcancel</a:t>
+              <a:t>Zoom only (no rotation)</a:t>
             </a:r>
             <a:endParaRPr lang="en-US" dirty="0"/>
-          </a:p>
-          <a:p>
-            <a:pPr>
-              <a:spcBef>
-                <a:spcPts val="600"/>
-              </a:spcBef>
-              <a:buClrTx/>
-              <a:buFontTx/>
-              <a:buNone/>
-            </a:pPr>
-            <a:endParaRPr lang="en-US" dirty="0"/>
-          </a:p>
-          <a:p>
-            <a:pPr>
-              <a:spcBef>
-                <a:spcPts val="600"/>
-              </a:spcBef>
-              <a:buClrTx/>
-              <a:buFontTx/>
-              <a:buNone/>
-            </a:pPr>
-            <a:r>
-              <a:rPr lang="en-US" dirty="0"/>
-              <a:t>Event object properties:</a:t>
-            </a:r>
-          </a:p>
-          <a:p>
-            <a:pPr marL="800100" lvl="1" indent="-342900">
-              <a:spcBef>
-                <a:spcPts val="600"/>
-              </a:spcBef>
-              <a:buFont typeface="Arial"/>
-              <a:buChar char="•"/>
-            </a:pPr>
-            <a:r>
-              <a:rPr lang="en-US" dirty="0" smtClean="0"/>
-              <a:t>source</a:t>
-            </a:r>
-            <a:endParaRPr lang="en-US" dirty="0"/>
-          </a:p>
-          <a:p>
-            <a:pPr marL="800100" lvl="1" indent="-342900">
-              <a:spcBef>
-                <a:spcPts val="600"/>
-              </a:spcBef>
-              <a:buFont typeface="Arial"/>
-              <a:buChar char="•"/>
-            </a:pPr>
-            <a:r>
-              <a:rPr lang="en-US" dirty="0"/>
-              <a:t>x/y </a:t>
-            </a:r>
-            <a:r>
-              <a:rPr lang="en-US" dirty="0" err="1"/>
-              <a:t>coords</a:t>
-            </a:r>
-            <a:endParaRPr lang="en-US" dirty="0"/>
-          </a:p>
-          <a:p>
-            <a:pPr>
-              <a:spcBef>
-                <a:spcPts val="600"/>
-              </a:spcBef>
-            </a:pPr>
-            <a:endParaRPr lang="en-US" dirty="0" smtClean="0"/>
-          </a:p>
-          <a:p>
-            <a:pPr>
-              <a:spcBef>
-                <a:spcPts val="600"/>
-              </a:spcBef>
-            </a:pPr>
-            <a:r>
-              <a:rPr lang="en-US" dirty="0" err="1" smtClean="0"/>
-              <a:t>touchmove</a:t>
-            </a:r>
-            <a:r>
-              <a:rPr lang="en-US" dirty="0" smtClean="0"/>
-              <a:t> fires continuously during event</a:t>
-            </a:r>
-            <a:endParaRPr lang="en-US" dirty="0"/>
-          </a:p>
-          <a:p>
-            <a:pPr>
-              <a:spcBef>
-                <a:spcPts val="600"/>
-              </a:spcBef>
-              <a:buClrTx/>
-              <a:buFontTx/>
-              <a:buNone/>
-            </a:pPr>
-            <a:endParaRPr lang="en-US" dirty="0" smtClean="0"/>
           </a:p>
         </p:txBody>
       </p:sp>
       <p:sp>
         <p:nvSpPr>
-          <p:cNvPr id="4" name="Slide Number Placeholder 5"/>
-          <p:cNvSpPr>
-            <a:spLocks noGrp="1"/>
-          </p:cNvSpPr>
-          <p:nvPr>
-            <p:ph type="sldNum" sz="quarter" idx="12"/>
-          </p:nvPr>
+          <p:cNvPr id="4" name="TextBox 3"/>
+          <p:cNvSpPr txBox="1"/>
+          <p:nvPr/>
         </p:nvSpPr>
-        <p:spPr bwMode="auto">
+        <p:spPr>
           <a:xfrm>
-            <a:off x="203200" y="6400800"/>
-            <a:ext cx="2133600" cy="365125"/>
+            <a:off x="457201" y="3703697"/>
+            <a:ext cx="5716212" cy="1323439"/>
           </a:xfrm>
-          <a:noFill/>
-          <a:extLst>
-            <a:ext uri="{909E8E84-426E-40dd-AFC4-6F175D3DCCD1}">
-              <a14:hiddenFill xmlns:a14="http://schemas.microsoft.com/office/drawing/2010/main">
-                <a:solidFill>
-                  <a:srgbClr val="FFFFFF"/>
-                </a:solidFill>
-              </a14:hiddenFill>
-            </a:ext>
-            <a:ext uri="{91240B29-F687-4f45-9708-019B960494DF}">
-              <a14:hiddenLine xmlns:a14="http://schemas.microsoft.com/office/drawing/2010/main" w="9525">
-                <a:solidFill>
-                  <a:srgbClr val="000000"/>
-                </a:solidFill>
-                <a:miter lim="800000"/>
-                <a:headEnd/>
-                <a:tailEnd/>
-              </a14:hiddenLine>
-            </a:ext>
-          </a:extLst>
+          <a:prstGeom prst="rect">
+            <a:avLst/>
+          </a:prstGeom>
+          <a:solidFill>
+            <a:schemeClr val="bg1"/>
+          </a:solidFill>
+          <a:effectLst>
+            <a:outerShdw blurRad="50800" dist="38100" dir="2700000" algn="tl" rotWithShape="0">
+              <a:prstClr val="black">
+                <a:alpha val="40000"/>
+              </a:prstClr>
+            </a:outerShdw>
+          </a:effectLst>
         </p:spPr>
+        <p:style>
+          <a:lnRef idx="2">
+            <a:schemeClr val="accent2"/>
+          </a:lnRef>
+          <a:fillRef idx="1">
+            <a:schemeClr val="lt1"/>
+          </a:fillRef>
+          <a:effectRef idx="0">
+            <a:schemeClr val="accent2"/>
+          </a:effectRef>
+          <a:fontRef idx="minor">
+            <a:schemeClr val="dk1"/>
+          </a:fontRef>
+        </p:style>
         <p:txBody>
-          <a:bodyPr vert="horz" wrap="square" lIns="91440" tIns="45720" rIns="91440" bIns="45720" numCol="1" anchor="ctr" anchorCtr="0" compatLnSpc="1">
-            <a:prstTxWarp prst="textNoShape">
-              <a:avLst/>
-            </a:prstTxWarp>
+          <a:bodyPr wrap="square" rtlCol="0">
+            <a:spAutoFit/>
           </a:bodyPr>
-          <a:lstStyle>
-            <a:lvl1pPr eaLnBrk="0" hangingPunct="0">
-              <a:defRPr sz="2400">
-                <a:solidFill>
-                  <a:schemeClr val="tx1"/>
-                </a:solidFill>
-                <a:latin typeface="Trebuchet MS" charset="0"/>
-                <a:ea typeface="ＭＳ Ｐゴシック" charset="0"/>
-                <a:cs typeface="ＭＳ Ｐゴシック" charset="0"/>
-              </a:defRPr>
-            </a:lvl1pPr>
-            <a:lvl2pPr marL="742950" indent="-285750" eaLnBrk="0" hangingPunct="0">
-              <a:defRPr sz="2400">
-                <a:solidFill>
-                  <a:schemeClr val="tx1"/>
-                </a:solidFill>
-                <a:latin typeface="Trebuchet MS" charset="0"/>
-                <a:ea typeface="ＭＳ Ｐゴシック" charset="0"/>
-              </a:defRPr>
-            </a:lvl2pPr>
-            <a:lvl3pPr marL="1143000" indent="-228600" eaLnBrk="0" hangingPunct="0">
-              <a:defRPr sz="2400">
-                <a:solidFill>
-                  <a:schemeClr val="tx1"/>
-                </a:solidFill>
-                <a:latin typeface="Trebuchet MS" charset="0"/>
-                <a:ea typeface="ＭＳ Ｐゴシック" charset="0"/>
-              </a:defRPr>
-            </a:lvl3pPr>
-            <a:lvl4pPr marL="1600200" indent="-228600" eaLnBrk="0" hangingPunct="0">
-              <a:defRPr sz="2400">
-                <a:solidFill>
-                  <a:schemeClr val="tx1"/>
-                </a:solidFill>
-                <a:latin typeface="Trebuchet MS" charset="0"/>
-                <a:ea typeface="ＭＳ Ｐゴシック" charset="0"/>
-              </a:defRPr>
-            </a:lvl4pPr>
-            <a:lvl5pPr marL="2057400" indent="-228600" eaLnBrk="0" hangingPunct="0">
-              <a:defRPr sz="2400">
-                <a:solidFill>
-                  <a:schemeClr val="tx1"/>
-                </a:solidFill>
-                <a:latin typeface="Trebuchet MS" charset="0"/>
-                <a:ea typeface="ＭＳ Ｐゴシック" charset="0"/>
-              </a:defRPr>
-            </a:lvl5pPr>
-            <a:lvl6pPr marL="2514600" indent="-228600" eaLnBrk="0" fontAlgn="base" hangingPunct="0">
-              <a:spcBef>
-                <a:spcPct val="0"/>
-              </a:spcBef>
-              <a:spcAft>
-                <a:spcPct val="0"/>
-              </a:spcAft>
-              <a:defRPr sz="2400">
-                <a:solidFill>
-                  <a:schemeClr val="tx1"/>
-                </a:solidFill>
-                <a:latin typeface="Trebuchet MS" charset="0"/>
-                <a:ea typeface="ＭＳ Ｐゴシック" charset="0"/>
-              </a:defRPr>
-            </a:lvl6pPr>
-            <a:lvl7pPr marL="2971800" indent="-228600" eaLnBrk="0" fontAlgn="base" hangingPunct="0">
-              <a:spcBef>
-                <a:spcPct val="0"/>
-              </a:spcBef>
-              <a:spcAft>
-                <a:spcPct val="0"/>
-              </a:spcAft>
-              <a:defRPr sz="2400">
-                <a:solidFill>
-                  <a:schemeClr val="tx1"/>
-                </a:solidFill>
-                <a:latin typeface="Trebuchet MS" charset="0"/>
-                <a:ea typeface="ＭＳ Ｐゴシック" charset="0"/>
-              </a:defRPr>
-            </a:lvl7pPr>
-            <a:lvl8pPr marL="3429000" indent="-228600" eaLnBrk="0" fontAlgn="base" hangingPunct="0">
-              <a:spcBef>
-                <a:spcPct val="0"/>
-              </a:spcBef>
-              <a:spcAft>
-                <a:spcPct val="0"/>
-              </a:spcAft>
-              <a:defRPr sz="2400">
-                <a:solidFill>
-                  <a:schemeClr val="tx1"/>
-                </a:solidFill>
-                <a:latin typeface="Trebuchet MS" charset="0"/>
-                <a:ea typeface="ＭＳ Ｐゴシック" charset="0"/>
-              </a:defRPr>
-            </a:lvl8pPr>
-            <a:lvl9pPr marL="3886200" indent="-228600" eaLnBrk="0" fontAlgn="base" hangingPunct="0">
-              <a:spcBef>
-                <a:spcPct val="0"/>
-              </a:spcBef>
-              <a:spcAft>
-                <a:spcPct val="0"/>
-              </a:spcAft>
-              <a:defRPr sz="2400">
-                <a:solidFill>
-                  <a:schemeClr val="tx1"/>
-                </a:solidFill>
-                <a:latin typeface="Trebuchet MS" charset="0"/>
-                <a:ea typeface="ＭＳ Ｐゴシック" charset="0"/>
-              </a:defRPr>
-            </a:lvl9pPr>
-          </a:lstStyle>
-          <a:p>
-            <a:pPr algn="l" eaLnBrk="1" hangingPunct="1"/>
-            <a:r>
-              <a:rPr lang="en-US" sz="1200" b="1" dirty="0">
-                <a:solidFill>
-                  <a:srgbClr val="122956"/>
-                </a:solidFill>
-                <a:cs typeface="Trebuchet MS" charset="0"/>
-              </a:rPr>
-              <a:t>OG-</a:t>
-            </a:r>
-            <a:fld id="{31B56995-E14C-B64F-86C9-12D6DB74A41E}" type="slidenum">
-              <a:rPr lang="en-US" sz="1200" b="1">
-                <a:solidFill>
-                  <a:srgbClr val="122956"/>
-                </a:solidFill>
-                <a:cs typeface="Trebuchet MS" charset="0"/>
-              </a:rPr>
-              <a:pPr algn="l" eaLnBrk="1" hangingPunct="1"/>
-              <a:t>15</a:t>
-            </a:fld>
-            <a:endParaRPr lang="en-US" sz="1200" b="1" dirty="0">
-              <a:solidFill>
-                <a:srgbClr val="122956"/>
-              </a:solidFill>
-              <a:cs typeface="Trebuchet MS" charset="0"/>
+          <a:lstStyle/>
+          <a:p>
+            <a:endParaRPr lang="en-US" sz="1600" dirty="0" smtClean="0">
+              <a:latin typeface="Courier"/>
+              <a:cs typeface="Courier"/>
+            </a:endParaRPr>
+          </a:p>
+          <a:p>
+            <a:r>
+              <a:rPr lang="en-US" sz="1600" dirty="0" err="1" smtClean="0">
+                <a:latin typeface="Courier"/>
+                <a:cs typeface="Courier"/>
+              </a:rPr>
+              <a:t>view.addEventListener</a:t>
+            </a:r>
+            <a:r>
+              <a:rPr lang="en-US" sz="1600" dirty="0" smtClean="0">
+                <a:latin typeface="Courier"/>
+                <a:cs typeface="Courier"/>
+              </a:rPr>
+              <a:t>(’</a:t>
+            </a:r>
+            <a:r>
+              <a:rPr lang="en-US" sz="1600" dirty="0" err="1" smtClean="0">
+                <a:latin typeface="Courier"/>
+                <a:cs typeface="Courier"/>
+              </a:rPr>
+              <a:t>pinch'</a:t>
+            </a:r>
+            <a:r>
+              <a:rPr lang="en-US" sz="1600" dirty="0" err="1">
+                <a:latin typeface="Courier"/>
+                <a:cs typeface="Courier"/>
+              </a:rPr>
+              <a:t>,function</a:t>
+            </a:r>
+            <a:r>
+              <a:rPr lang="en-US" sz="1600" dirty="0">
+                <a:latin typeface="Courier"/>
+                <a:cs typeface="Courier"/>
+              </a:rPr>
+              <a:t>(e) {</a:t>
+            </a:r>
+          </a:p>
+          <a:p>
+            <a:r>
+              <a:rPr lang="en-US" sz="1600" dirty="0">
+                <a:latin typeface="Courier"/>
+                <a:cs typeface="Courier"/>
+              </a:rPr>
+              <a:t>	alert</a:t>
+            </a:r>
+            <a:r>
+              <a:rPr lang="en-US" sz="1600" dirty="0" smtClean="0">
+                <a:latin typeface="Courier"/>
+                <a:cs typeface="Courier"/>
+              </a:rPr>
+              <a:t>(</a:t>
+            </a:r>
+            <a:r>
+              <a:rPr lang="en-US" sz="1600" dirty="0" err="1" smtClean="0">
+                <a:latin typeface="Courier"/>
+                <a:cs typeface="Courier"/>
+              </a:rPr>
+              <a:t>e.scale</a:t>
+            </a:r>
+            <a:r>
+              <a:rPr lang="en-US" sz="1600" dirty="0" smtClean="0">
+                <a:latin typeface="Courier"/>
+                <a:cs typeface="Courier"/>
+              </a:rPr>
+              <a:t>)</a:t>
+            </a:r>
+            <a:r>
+              <a:rPr lang="en-US" sz="1600" dirty="0">
+                <a:latin typeface="Courier"/>
+                <a:cs typeface="Courier"/>
+              </a:rPr>
+              <a:t>;</a:t>
+            </a:r>
+          </a:p>
+          <a:p>
+            <a:r>
+              <a:rPr lang="en-US" sz="1600" dirty="0">
+                <a:latin typeface="Courier"/>
+                <a:cs typeface="Courier"/>
+              </a:rPr>
+              <a:t>})</a:t>
+            </a:r>
+            <a:r>
+              <a:rPr lang="en-US" sz="1600" dirty="0" smtClean="0">
+                <a:latin typeface="Courier"/>
+                <a:cs typeface="Courier"/>
+              </a:rPr>
+              <a:t>;</a:t>
+            </a:r>
+          </a:p>
+          <a:p>
+            <a:endParaRPr lang="en-US" sz="1600" dirty="0">
+              <a:latin typeface="Courier"/>
+              <a:cs typeface="Courier"/>
             </a:endParaRPr>
           </a:p>
         </p:txBody>
       </p:sp>
+      <p:pic>
+        <p:nvPicPr>
+          <p:cNvPr id="5" name="Picture 4" descr="Screenshot_17.png"/>
+          <p:cNvPicPr>
+            <a:picLocks noChangeAspect="1"/>
+          </p:cNvPicPr>
+          <p:nvPr/>
+        </p:nvPicPr>
+        <p:blipFill>
+          <a:blip r:embed="rId3">
+            <a:extLst>
+              <a:ext uri="{28A0092B-C50C-407E-A947-70E740481C1C}">
+                <a14:useLocalDpi xmlns:a14="http://schemas.microsoft.com/office/drawing/2010/main" val="0"/>
+              </a:ext>
+            </a:extLst>
+          </a:blip>
+          <a:stretch>
+            <a:fillRect/>
+          </a:stretch>
+        </p:blipFill>
+        <p:spPr>
+          <a:xfrm>
+            <a:off x="6606416" y="1690305"/>
+            <a:ext cx="1955800" cy="4450080"/>
+          </a:xfrm>
+          <a:prstGeom prst="rect">
+            <a:avLst/>
+          </a:prstGeom>
+        </p:spPr>
+      </p:pic>
+      <p:grpSp>
+        <p:nvGrpSpPr>
+          <p:cNvPr id="63" name="Group 95"/>
+          <p:cNvGrpSpPr>
+            <a:grpSpLocks/>
+          </p:cNvGrpSpPr>
+          <p:nvPr/>
+        </p:nvGrpSpPr>
+        <p:grpSpPr bwMode="auto">
+          <a:xfrm rot="10800000">
+            <a:off x="7025101" y="3279219"/>
+            <a:ext cx="657667" cy="365687"/>
+            <a:chOff x="0" y="0"/>
+            <a:chExt cx="704" cy="392"/>
+          </a:xfrm>
+        </p:grpSpPr>
+        <p:pic>
+          <p:nvPicPr>
+            <p:cNvPr id="65" name="Picture 96"/>
+            <p:cNvPicPr>
+              <a:picLocks noChangeArrowheads="1"/>
+            </p:cNvPicPr>
+            <p:nvPr/>
+          </p:nvPicPr>
+          <p:blipFill>
+            <a:blip r:embed="rId4">
+              <a:extLst>
+                <a:ext uri="{28A0092B-C50C-407E-A947-70E740481C1C}">
+                  <a14:useLocalDpi xmlns:a14="http://schemas.microsoft.com/office/drawing/2010/main" val="0"/>
+                </a:ext>
+              </a:extLst>
+            </a:blip>
+            <a:srcRect/>
+            <a:stretch>
+              <a:fillRect/>
+            </a:stretch>
+          </p:blipFill>
+          <p:spPr bwMode="auto">
+            <a:xfrm rot="10800000">
+              <a:off x="0" y="0"/>
+              <a:ext cx="391" cy="392"/>
+            </a:xfrm>
+            <a:prstGeom prst="rect">
+              <a:avLst/>
+            </a:prstGeom>
+            <a:noFill/>
+            <a:ln>
+              <a:noFill/>
+            </a:ln>
+            <a:extLst>
+              <a:ext uri="{909E8E84-426E-40dd-AFC4-6F175D3DCCD1}">
+                <a14:hiddenFill xmlns:a14="http://schemas.microsoft.com/office/drawing/2010/main">
+                  <a:solidFill>
+                    <a:srgbClr val="FFFFFF"/>
+                  </a:solidFill>
+                </a14:hiddenFill>
+              </a:ext>
+              <a:ext uri="{91240B29-F687-4f45-9708-019B960494DF}">
+                <a14:hiddenLine xmlns:a14="http://schemas.microsoft.com/office/drawing/2010/main" w="12700">
+                  <a:solidFill>
+                    <a:srgbClr val="000000"/>
+                  </a:solidFill>
+                  <a:miter lim="800000"/>
+                  <a:headEnd/>
+                  <a:tailEnd/>
+                </a14:hiddenLine>
+              </a:ext>
+            </a:extLst>
+          </p:spPr>
+        </p:pic>
+        <p:pic>
+          <p:nvPicPr>
+            <p:cNvPr id="66" name="Picture 97"/>
+            <p:cNvPicPr>
+              <a:picLocks noChangeArrowheads="1"/>
+            </p:cNvPicPr>
+            <p:nvPr/>
+          </p:nvPicPr>
+          <p:blipFill>
+            <a:blip r:embed="rId5">
+              <a:extLst>
+                <a:ext uri="{28A0092B-C50C-407E-A947-70E740481C1C}">
+                  <a14:useLocalDpi xmlns:a14="http://schemas.microsoft.com/office/drawing/2010/main" val="0"/>
+                </a:ext>
+              </a:extLst>
+            </a:blip>
+            <a:srcRect/>
+            <a:stretch>
+              <a:fillRect/>
+            </a:stretch>
+          </p:blipFill>
+          <p:spPr bwMode="auto">
+            <a:xfrm rot="10800000">
+              <a:off x="95" y="0"/>
+              <a:ext cx="392" cy="392"/>
+            </a:xfrm>
+            <a:prstGeom prst="rect">
+              <a:avLst/>
+            </a:prstGeom>
+            <a:noFill/>
+            <a:ln>
+              <a:noFill/>
+            </a:ln>
+            <a:extLst>
+              <a:ext uri="{909E8E84-426E-40dd-AFC4-6F175D3DCCD1}">
+                <a14:hiddenFill xmlns:a14="http://schemas.microsoft.com/office/drawing/2010/main">
+                  <a:solidFill>
+                    <a:srgbClr val="FFFFFF"/>
+                  </a:solidFill>
+                </a14:hiddenFill>
+              </a:ext>
+              <a:ext uri="{91240B29-F687-4f45-9708-019B960494DF}">
+                <a14:hiddenLine xmlns:a14="http://schemas.microsoft.com/office/drawing/2010/main" w="12700">
+                  <a:solidFill>
+                    <a:srgbClr val="000000"/>
+                  </a:solidFill>
+                  <a:miter lim="800000"/>
+                  <a:headEnd/>
+                  <a:tailEnd/>
+                </a14:hiddenLine>
+              </a:ext>
+            </a:extLst>
+          </p:spPr>
+        </p:pic>
+        <p:pic>
+          <p:nvPicPr>
+            <p:cNvPr id="67" name="Picture 98"/>
+            <p:cNvPicPr>
+              <a:picLocks noChangeArrowheads="1"/>
+            </p:cNvPicPr>
+            <p:nvPr/>
+          </p:nvPicPr>
+          <p:blipFill>
+            <a:blip r:embed="rId6">
+              <a:extLst>
+                <a:ext uri="{28A0092B-C50C-407E-A947-70E740481C1C}">
+                  <a14:useLocalDpi xmlns:a14="http://schemas.microsoft.com/office/drawing/2010/main" val="0"/>
+                </a:ext>
+              </a:extLst>
+            </a:blip>
+            <a:srcRect/>
+            <a:stretch>
+              <a:fillRect/>
+            </a:stretch>
+          </p:blipFill>
+          <p:spPr bwMode="auto">
+            <a:xfrm rot="10800000">
+              <a:off x="200" y="0"/>
+              <a:ext cx="392" cy="392"/>
+            </a:xfrm>
+            <a:prstGeom prst="rect">
+              <a:avLst/>
+            </a:prstGeom>
+            <a:noFill/>
+            <a:ln>
+              <a:noFill/>
+            </a:ln>
+            <a:extLst>
+              <a:ext uri="{909E8E84-426E-40dd-AFC4-6F175D3DCCD1}">
+                <a14:hiddenFill xmlns:a14="http://schemas.microsoft.com/office/drawing/2010/main">
+                  <a:solidFill>
+                    <a:srgbClr val="FFFFFF"/>
+                  </a:solidFill>
+                </a14:hiddenFill>
+              </a:ext>
+              <a:ext uri="{91240B29-F687-4f45-9708-019B960494DF}">
+                <a14:hiddenLine xmlns:a14="http://schemas.microsoft.com/office/drawing/2010/main" w="12700">
+                  <a:solidFill>
+                    <a:srgbClr val="000000"/>
+                  </a:solidFill>
+                  <a:miter lim="800000"/>
+                  <a:headEnd/>
+                  <a:tailEnd/>
+                </a14:hiddenLine>
+              </a:ext>
+            </a:extLst>
+          </p:spPr>
+        </p:pic>
+        <p:pic>
+          <p:nvPicPr>
+            <p:cNvPr id="68" name="Picture 99"/>
+            <p:cNvPicPr>
+              <a:picLocks noChangeArrowheads="1"/>
+            </p:cNvPicPr>
+            <p:nvPr/>
+          </p:nvPicPr>
+          <p:blipFill>
+            <a:blip r:embed="rId7">
+              <a:extLst>
+                <a:ext uri="{28A0092B-C50C-407E-A947-70E740481C1C}">
+                  <a14:useLocalDpi xmlns:a14="http://schemas.microsoft.com/office/drawing/2010/main" val="0"/>
+                </a:ext>
+              </a:extLst>
+            </a:blip>
+            <a:srcRect/>
+            <a:stretch>
+              <a:fillRect/>
+            </a:stretch>
+          </p:blipFill>
+          <p:spPr bwMode="auto">
+            <a:xfrm rot="10800000">
+              <a:off x="312" y="0"/>
+              <a:ext cx="392" cy="392"/>
+            </a:xfrm>
+            <a:prstGeom prst="rect">
+              <a:avLst/>
+            </a:prstGeom>
+            <a:noFill/>
+            <a:ln>
+              <a:noFill/>
+            </a:ln>
+            <a:extLst>
+              <a:ext uri="{909E8E84-426E-40dd-AFC4-6F175D3DCCD1}">
+                <a14:hiddenFill xmlns:a14="http://schemas.microsoft.com/office/drawing/2010/main">
+                  <a:solidFill>
+                    <a:srgbClr val="FFFFFF"/>
+                  </a:solidFill>
+                </a14:hiddenFill>
+              </a:ext>
+              <a:ext uri="{91240B29-F687-4f45-9708-019B960494DF}">
+                <a14:hiddenLine xmlns:a14="http://schemas.microsoft.com/office/drawing/2010/main" w="12700">
+                  <a:solidFill>
+                    <a:srgbClr val="000000"/>
+                  </a:solidFill>
+                  <a:miter lim="800000"/>
+                  <a:headEnd/>
+                  <a:tailEnd/>
+                </a14:hiddenLine>
+              </a:ext>
+            </a:extLst>
+          </p:spPr>
+        </p:pic>
+      </p:grpSp>
+      <p:grpSp>
+        <p:nvGrpSpPr>
+          <p:cNvPr id="70" name="Group 102"/>
+          <p:cNvGrpSpPr>
+            <a:grpSpLocks/>
+          </p:cNvGrpSpPr>
+          <p:nvPr/>
+        </p:nvGrpSpPr>
+        <p:grpSpPr bwMode="auto">
+          <a:xfrm>
+            <a:off x="7577734" y="3279219"/>
+            <a:ext cx="656744" cy="365687"/>
+            <a:chOff x="0" y="0"/>
+            <a:chExt cx="704" cy="392"/>
+          </a:xfrm>
+        </p:grpSpPr>
+        <p:pic>
+          <p:nvPicPr>
+            <p:cNvPr id="72" name="Picture 103"/>
+            <p:cNvPicPr>
+              <a:picLocks noChangeArrowheads="1"/>
+            </p:cNvPicPr>
+            <p:nvPr/>
+          </p:nvPicPr>
+          <p:blipFill>
+            <a:blip r:embed="rId8">
+              <a:extLst>
+                <a:ext uri="{28A0092B-C50C-407E-A947-70E740481C1C}">
+                  <a14:useLocalDpi xmlns:a14="http://schemas.microsoft.com/office/drawing/2010/main" val="0"/>
+                </a:ext>
+              </a:extLst>
+            </a:blip>
+            <a:srcRect/>
+            <a:stretch>
+              <a:fillRect/>
+            </a:stretch>
+          </p:blipFill>
+          <p:spPr bwMode="auto">
+            <a:xfrm>
+              <a:off x="0" y="0"/>
+              <a:ext cx="392" cy="392"/>
+            </a:xfrm>
+            <a:prstGeom prst="rect">
+              <a:avLst/>
+            </a:prstGeom>
+            <a:noFill/>
+            <a:ln>
+              <a:noFill/>
+            </a:ln>
+            <a:extLst>
+              <a:ext uri="{909E8E84-426E-40dd-AFC4-6F175D3DCCD1}">
+                <a14:hiddenFill xmlns:a14="http://schemas.microsoft.com/office/drawing/2010/main">
+                  <a:solidFill>
+                    <a:srgbClr val="FFFFFF"/>
+                  </a:solidFill>
+                </a14:hiddenFill>
+              </a:ext>
+              <a:ext uri="{91240B29-F687-4f45-9708-019B960494DF}">
+                <a14:hiddenLine xmlns:a14="http://schemas.microsoft.com/office/drawing/2010/main" w="12700">
+                  <a:solidFill>
+                    <a:srgbClr val="000000"/>
+                  </a:solidFill>
+                  <a:miter lim="800000"/>
+                  <a:headEnd/>
+                  <a:tailEnd/>
+                </a14:hiddenLine>
+              </a:ext>
+            </a:extLst>
+          </p:spPr>
+        </p:pic>
+        <p:pic>
+          <p:nvPicPr>
+            <p:cNvPr id="73" name="Picture 104"/>
+            <p:cNvPicPr>
+              <a:picLocks noChangeArrowheads="1"/>
+            </p:cNvPicPr>
+            <p:nvPr/>
+          </p:nvPicPr>
+          <p:blipFill>
+            <a:blip r:embed="rId9">
+              <a:extLst>
+                <a:ext uri="{28A0092B-C50C-407E-A947-70E740481C1C}">
+                  <a14:useLocalDpi xmlns:a14="http://schemas.microsoft.com/office/drawing/2010/main" val="0"/>
+                </a:ext>
+              </a:extLst>
+            </a:blip>
+            <a:srcRect/>
+            <a:stretch>
+              <a:fillRect/>
+            </a:stretch>
+          </p:blipFill>
+          <p:spPr bwMode="auto">
+            <a:xfrm>
+              <a:off x="96" y="0"/>
+              <a:ext cx="392" cy="392"/>
+            </a:xfrm>
+            <a:prstGeom prst="rect">
+              <a:avLst/>
+            </a:prstGeom>
+            <a:noFill/>
+            <a:ln>
+              <a:noFill/>
+            </a:ln>
+            <a:extLst>
+              <a:ext uri="{909E8E84-426E-40dd-AFC4-6F175D3DCCD1}">
+                <a14:hiddenFill xmlns:a14="http://schemas.microsoft.com/office/drawing/2010/main">
+                  <a:solidFill>
+                    <a:srgbClr val="FFFFFF"/>
+                  </a:solidFill>
+                </a14:hiddenFill>
+              </a:ext>
+              <a:ext uri="{91240B29-F687-4f45-9708-019B960494DF}">
+                <a14:hiddenLine xmlns:a14="http://schemas.microsoft.com/office/drawing/2010/main" w="12700">
+                  <a:solidFill>
+                    <a:srgbClr val="000000"/>
+                  </a:solidFill>
+                  <a:miter lim="800000"/>
+                  <a:headEnd/>
+                  <a:tailEnd/>
+                </a14:hiddenLine>
+              </a:ext>
+            </a:extLst>
+          </p:spPr>
+        </p:pic>
+        <p:pic>
+          <p:nvPicPr>
+            <p:cNvPr id="74" name="Picture 105"/>
+            <p:cNvPicPr>
+              <a:picLocks noChangeArrowheads="1"/>
+            </p:cNvPicPr>
+            <p:nvPr/>
+          </p:nvPicPr>
+          <p:blipFill>
+            <a:blip r:embed="rId10">
+              <a:extLst>
+                <a:ext uri="{28A0092B-C50C-407E-A947-70E740481C1C}">
+                  <a14:useLocalDpi xmlns:a14="http://schemas.microsoft.com/office/drawing/2010/main" val="0"/>
+                </a:ext>
+              </a:extLst>
+            </a:blip>
+            <a:srcRect/>
+            <a:stretch>
+              <a:fillRect/>
+            </a:stretch>
+          </p:blipFill>
+          <p:spPr bwMode="auto">
+            <a:xfrm>
+              <a:off x="200" y="0"/>
+              <a:ext cx="392" cy="392"/>
+            </a:xfrm>
+            <a:prstGeom prst="rect">
+              <a:avLst/>
+            </a:prstGeom>
+            <a:noFill/>
+            <a:ln>
+              <a:noFill/>
+            </a:ln>
+            <a:extLst>
+              <a:ext uri="{909E8E84-426E-40dd-AFC4-6F175D3DCCD1}">
+                <a14:hiddenFill xmlns:a14="http://schemas.microsoft.com/office/drawing/2010/main">
+                  <a:solidFill>
+                    <a:srgbClr val="FFFFFF"/>
+                  </a:solidFill>
+                </a14:hiddenFill>
+              </a:ext>
+              <a:ext uri="{91240B29-F687-4f45-9708-019B960494DF}">
+                <a14:hiddenLine xmlns:a14="http://schemas.microsoft.com/office/drawing/2010/main" w="12700">
+                  <a:solidFill>
+                    <a:srgbClr val="000000"/>
+                  </a:solidFill>
+                  <a:miter lim="800000"/>
+                  <a:headEnd/>
+                  <a:tailEnd/>
+                </a14:hiddenLine>
+              </a:ext>
+            </a:extLst>
+          </p:spPr>
+        </p:pic>
+        <p:pic>
+          <p:nvPicPr>
+            <p:cNvPr id="75" name="Picture 106"/>
+            <p:cNvPicPr>
+              <a:picLocks noChangeArrowheads="1"/>
+            </p:cNvPicPr>
+            <p:nvPr/>
+          </p:nvPicPr>
+          <p:blipFill>
+            <a:blip r:embed="rId11">
+              <a:extLst>
+                <a:ext uri="{28A0092B-C50C-407E-A947-70E740481C1C}">
+                  <a14:useLocalDpi xmlns:a14="http://schemas.microsoft.com/office/drawing/2010/main" val="0"/>
+                </a:ext>
+              </a:extLst>
+            </a:blip>
+            <a:srcRect/>
+            <a:stretch>
+              <a:fillRect/>
+            </a:stretch>
+          </p:blipFill>
+          <p:spPr bwMode="auto">
+            <a:xfrm>
+              <a:off x="312" y="0"/>
+              <a:ext cx="392" cy="392"/>
+            </a:xfrm>
+            <a:prstGeom prst="rect">
+              <a:avLst/>
+            </a:prstGeom>
+            <a:noFill/>
+            <a:ln>
+              <a:noFill/>
+            </a:ln>
+            <a:extLst>
+              <a:ext uri="{909E8E84-426E-40dd-AFC4-6F175D3DCCD1}">
+                <a14:hiddenFill xmlns:a14="http://schemas.microsoft.com/office/drawing/2010/main">
+                  <a:solidFill>
+                    <a:srgbClr val="FFFFFF"/>
+                  </a:solidFill>
+                </a14:hiddenFill>
+              </a:ext>
+              <a:ext uri="{91240B29-F687-4f45-9708-019B960494DF}">
+                <a14:hiddenLine xmlns:a14="http://schemas.microsoft.com/office/drawing/2010/main" w="12700">
+                  <a:solidFill>
+                    <a:srgbClr val="000000"/>
+                  </a:solidFill>
+                  <a:miter lim="800000"/>
+                  <a:headEnd/>
+                  <a:tailEnd/>
+                </a14:hiddenLine>
+              </a:ext>
+            </a:extLst>
+          </p:spPr>
+        </p:pic>
+      </p:grpSp>
     </p:spTree>
     <p:extLst>
       <p:ext uri="{BB962C8B-B14F-4D97-AF65-F5344CB8AC3E}">
-        <p14:creationId xmlns:p14="http://schemas.microsoft.com/office/powerpoint/2010/main" val="888710459"/>
+        <p14:creationId xmlns:p14="http://schemas.microsoft.com/office/powerpoint/2010/main" val="940395123"/>
       </p:ext>
     </p:extLst>
   </p:cSld>
@@ -10921,8 +11303,17 @@
             </a:pPr>
             <a:r>
               <a:rPr lang="en-US" dirty="0" smtClean="0"/>
-              <a:t>Not natively supported by Titanium APIs</a:t>
-            </a:r>
+              <a:t>Natively </a:t>
+            </a:r>
+            <a:r>
+              <a:rPr lang="en-US" dirty="0" smtClean="0"/>
+              <a:t>supported </a:t>
+            </a:r>
+            <a:r>
+              <a:rPr lang="en-US" dirty="0" smtClean="0"/>
+              <a:t>in 1.8+</a:t>
+            </a:r>
+            <a:endParaRPr lang="en-US" dirty="0" smtClean="0"/>
           </a:p>
           <a:p>
             <a:pPr>
@@ -15242,7 +15633,7 @@
           <a:p>
             <a:r>
               <a:rPr lang="en-US" dirty="0" smtClean="0"/>
-              <a:t>Locking Orientation - Android</a:t>
+              <a:t>Fixed Orientation per Window</a:t>
             </a:r>
             <a:endParaRPr lang="en-US" dirty="0"/>
           </a:p>
@@ -15272,116 +15663,102 @@
               <a:buNone/>
             </a:pPr>
             <a:r>
-              <a:rPr lang="en-US" u="sng" dirty="0" smtClean="0"/>
-              <a:t>Option 3 - Android manifest file</a:t>
-            </a:r>
-            <a:r>
               <a:rPr lang="en-US" dirty="0" smtClean="0"/>
-              <a:t> – </a:t>
-            </a:r>
-            <a:r>
-              <a:rPr lang="en-US" i="1" dirty="0" smtClean="0">
-                <a:solidFill>
-                  <a:schemeClr val="accent2"/>
-                </a:solidFill>
-              </a:rPr>
-              <a:t>deprecated</a:t>
-            </a:r>
-          </a:p>
-          <a:p>
-            <a:pPr>
+              <a:t>Window Orientation Modes</a:t>
+            </a:r>
+          </a:p>
+          <a:p>
+            <a:pPr lvl="1">
               <a:spcBef>
                 <a:spcPts val="600"/>
               </a:spcBef>
-              <a:buClrTx/>
               <a:buFontTx/>
               <a:buNone/>
             </a:pPr>
             <a:r>
-              <a:rPr lang="en-US" sz="2000" dirty="0"/>
-              <a:t>	- Copy </a:t>
-            </a:r>
-            <a:r>
-              <a:rPr lang="en-US" sz="2000" dirty="0" smtClean="0"/>
-              <a:t>build</a:t>
-            </a:r>
-            <a:r>
-              <a:rPr lang="en-US" sz="2000" dirty="0"/>
-              <a:t>/android/</a:t>
-            </a:r>
-            <a:r>
-              <a:rPr lang="en-US" sz="2000" dirty="0" err="1" smtClean="0"/>
-              <a:t>AndroidManifest.xml</a:t>
-            </a:r>
-            <a:r>
-              <a:rPr lang="en-US" sz="2000" dirty="0" smtClean="0"/>
-              <a:t> to</a:t>
-            </a:r>
-          </a:p>
-          <a:p>
-            <a:pPr>
+              <a:rPr lang="en-US" dirty="0" smtClean="0"/>
+              <a:t>Supported values include:</a:t>
+            </a:r>
+          </a:p>
+          <a:p>
+            <a:pPr marL="800100" lvl="1" indent="-342900">
               <a:spcBef>
                 <a:spcPts val="600"/>
               </a:spcBef>
-              <a:buClrTx/>
-              <a:buFontTx/>
-              <a:buNone/>
+              <a:buFont typeface="Arial"/>
+              <a:buChar char="•"/>
             </a:pPr>
             <a:r>
-              <a:rPr lang="en-US" sz="2000" dirty="0"/>
+              <a:rPr lang="en-US" sz="1800" dirty="0" smtClean="0"/>
+              <a:t>PORTRAIT / UPSIDE_PORTRAIT</a:t>
+            </a:r>
+          </a:p>
+          <a:p>
+            <a:pPr marL="800100" lvl="1" indent="-342900">
+              <a:spcBef>
+                <a:spcPts val="600"/>
+              </a:spcBef>
+              <a:buFont typeface="Arial"/>
+              <a:buChar char="•"/>
+            </a:pPr>
+            <a:r>
+              <a:rPr lang="en-US" sz="1800" dirty="0" smtClean="0"/>
+              <a:t>LANDSCAPE_LEFT / LANDSCAPE_RIGHT</a:t>
+            </a:r>
+          </a:p>
+          <a:p>
+            <a:pPr marL="800100" lvl="1" indent="-342900">
+              <a:spcBef>
+                <a:spcPts val="600"/>
+              </a:spcBef>
+              <a:buFont typeface="Arial"/>
+              <a:buChar char="•"/>
+            </a:pPr>
+            <a:r>
+              <a:rPr lang="en-US" sz="1800" dirty="0" smtClean="0"/>
+              <a:t>FACE_UP / FACE_DOWN</a:t>
+            </a:r>
+          </a:p>
+          <a:p>
+            <a:pPr marL="800100" lvl="1" indent="-342900">
+              <a:spcBef>
+                <a:spcPts val="600"/>
+              </a:spcBef>
+              <a:buFont typeface="Arial"/>
+              <a:buChar char="•"/>
+            </a:pPr>
+            <a:endParaRPr lang="en-US" sz="1800" dirty="0"/>
+          </a:p>
+          <a:p>
+            <a:pPr lvl="1">
+              <a:spcBef>
+                <a:spcPts val="600"/>
+              </a:spcBef>
+            </a:pPr>
+            <a:r>
+              <a:rPr lang="en-US" sz="1800" dirty="0" smtClean="0">
+                <a:latin typeface="Courier"/>
+                <a:cs typeface="Courier"/>
+              </a:rPr>
               <a:t>	</a:t>
             </a:r>
-            <a:r>
-              <a:rPr lang="en-US" sz="2000" dirty="0" smtClean="0"/>
-              <a:t>	  build/</a:t>
-            </a:r>
-            <a:r>
-              <a:rPr lang="en-US" sz="2000" dirty="0"/>
-              <a:t>android/</a:t>
-            </a:r>
-            <a:r>
-              <a:rPr lang="en-US" sz="2000" dirty="0" err="1" smtClean="0"/>
-              <a:t>AndroidManifest.custom.xml</a:t>
-            </a:r>
-            <a:endParaRPr lang="en-US" sz="2000" dirty="0"/>
-          </a:p>
-          <a:p>
-            <a:pPr>
-              <a:spcBef>
-                <a:spcPts val="600"/>
-              </a:spcBef>
-              <a:buClrTx/>
-              <a:buFontTx/>
-              <a:buNone/>
-            </a:pPr>
-            <a:r>
-              <a:rPr lang="en-US" sz="2000" dirty="0"/>
-              <a:t>	- remove “</a:t>
-            </a:r>
-            <a:r>
-              <a:rPr lang="en-US" sz="2000" dirty="0">
-                <a:latin typeface="Courier"/>
-                <a:cs typeface="Courier"/>
-              </a:rPr>
-              <a:t>|orientation</a:t>
-            </a:r>
-            <a:r>
-              <a:rPr lang="en-US" sz="2000" dirty="0"/>
-              <a:t>” from every node</a:t>
-            </a:r>
+            <a:endParaRPr lang="en-US" sz="1800" dirty="0">
+              <a:latin typeface="Courier"/>
+              <a:cs typeface="Courier"/>
+            </a:endParaRPr>
           </a:p>
         </p:txBody>
       </p:sp>
       <p:sp>
         <p:nvSpPr>
-          <p:cNvPr id="4" name="TextBox 3"/>
+          <p:cNvPr id="5" name="TextBox 4"/>
           <p:cNvSpPr txBox="1"/>
           <p:nvPr/>
         </p:nvSpPr>
         <p:spPr>
           <a:xfrm>
-            <a:off x="217714" y="3565970"/>
-            <a:ext cx="8781143" cy="1938992"/>
+            <a:off x="457200" y="3848187"/>
+            <a:ext cx="3963770" cy="1938992"/>
           </a:xfrm>
           <a:prstGeom prst="rect">
             <a:avLst/>
@@ -15422,240 +15799,180 @@
                 <a:latin typeface="Courier"/>
                 <a:cs typeface="Courier"/>
               </a:rPr>
-              <a:t>&lt;</a:t>
-            </a:r>
+              <a:t> // </a:t>
+            </a:r>
+            <a:r>
+              <a:rPr lang="en-US" sz="1500" dirty="0" err="1" smtClean="0">
+                <a:latin typeface="Courier"/>
+                <a:cs typeface="Courier"/>
+              </a:rPr>
+              <a:t>iOS</a:t>
+            </a:r>
+            <a:endParaRPr lang="en-US" sz="1500" dirty="0" smtClean="0">
+              <a:latin typeface="Courier"/>
+              <a:cs typeface="Courier"/>
+            </a:endParaRPr>
+          </a:p>
+          <a:p>
+            <a:r>
+              <a:rPr lang="en-US" sz="1500" dirty="0" smtClean="0">
+                <a:latin typeface="Courier"/>
+                <a:cs typeface="Courier"/>
+              </a:rPr>
+              <a:t> </a:t>
+            </a:r>
+            <a:r>
+              <a:rPr lang="en-US" sz="1500" dirty="0" err="1" smtClean="0">
+                <a:latin typeface="Courier"/>
+                <a:cs typeface="Courier"/>
+              </a:rPr>
+              <a:t>var</a:t>
+            </a:r>
+            <a:r>
+              <a:rPr lang="en-US" sz="1500" dirty="0" smtClean="0">
+                <a:latin typeface="Courier"/>
+                <a:cs typeface="Courier"/>
+              </a:rPr>
+              <a:t> win = </a:t>
+            </a:r>
+            <a:r>
+              <a:rPr lang="en-US" sz="1500" dirty="0" err="1" smtClean="0">
+                <a:latin typeface="Courier"/>
+                <a:cs typeface="Courier"/>
+              </a:rPr>
+              <a:t>Ti.UI.createWindow</a:t>
+            </a:r>
+            <a:r>
+              <a:rPr lang="en-US" sz="1500" dirty="0" smtClean="0">
+                <a:latin typeface="Courier"/>
+                <a:cs typeface="Courier"/>
+              </a:rPr>
+              <a:t>({</a:t>
+            </a:r>
+          </a:p>
+          <a:p>
+            <a:r>
+              <a:rPr lang="en-US" sz="1500" dirty="0" smtClean="0">
+                <a:latin typeface="Courier"/>
+                <a:cs typeface="Courier"/>
+              </a:rPr>
+              <a:t>    </a:t>
+            </a:r>
+            <a:r>
+              <a:rPr lang="en-US" sz="1500" dirty="0" err="1" smtClean="0">
+                <a:latin typeface="Courier"/>
+                <a:cs typeface="Courier"/>
+              </a:rPr>
+              <a:t>orientationModes</a:t>
+            </a:r>
+            <a:r>
+              <a:rPr lang="en-US" sz="1500" dirty="0" smtClean="0">
+                <a:latin typeface="Courier"/>
+                <a:cs typeface="Courier"/>
+              </a:rPr>
+              <a:t>[</a:t>
+            </a:r>
+          </a:p>
+          <a:p>
             <a:r>
               <a:rPr lang="en-US" sz="1500" dirty="0">
                 <a:latin typeface="Courier"/>
                 <a:cs typeface="Courier"/>
               </a:rPr>
-              <a:t>activity</a:t>
-            </a:r>
-          </a:p>
-          <a:p>
+              <a:t> </a:t>
+            </a:r>
             <a:r>
               <a:rPr lang="en-US" sz="1500" dirty="0" smtClean="0">
                 <a:latin typeface="Courier"/>
                 <a:cs typeface="Courier"/>
               </a:rPr>
-              <a:t>  </a:t>
-            </a:r>
-            <a:r>
-              <a:rPr lang="en-US" sz="1500" dirty="0" err="1">
-                <a:latin typeface="Courier"/>
-                <a:cs typeface="Courier"/>
-              </a:rPr>
-              <a:t>android:name</a:t>
-            </a:r>
+              <a:t>        </a:t>
+            </a:r>
+            <a:r>
+              <a:rPr lang="en-US" sz="1500" dirty="0" err="1" smtClean="0">
+                <a:latin typeface="Courier"/>
+                <a:cs typeface="Courier"/>
+              </a:rPr>
+              <a:t>Ti.UI.PORTRAIT</a:t>
+            </a:r>
+            <a:r>
+              <a:rPr lang="en-US" sz="1500" dirty="0" smtClean="0">
+                <a:latin typeface="Courier"/>
+                <a:cs typeface="Courier"/>
+              </a:rPr>
+              <a:t>,</a:t>
+            </a:r>
+          </a:p>
+          <a:p>
             <a:r>
               <a:rPr lang="en-US" sz="1500" dirty="0">
                 <a:latin typeface="Courier"/>
                 <a:cs typeface="Courier"/>
               </a:rPr>
-              <a:t>="</a:t>
+              <a:t> </a:t>
+            </a:r>
+            <a:r>
+              <a:rPr lang="en-US" sz="1500" dirty="0" smtClean="0">
+                <a:latin typeface="Courier"/>
+                <a:cs typeface="Courier"/>
+              </a:rPr>
+              <a:t>        </a:t>
             </a:r>
             <a:r>
               <a:rPr lang="en-US" sz="1500" dirty="0" err="1" smtClean="0">
                 <a:latin typeface="Courier"/>
                 <a:cs typeface="Courier"/>
               </a:rPr>
-              <a:t>org.appcelerator.titanium.TiActivity</a:t>
+              <a:t>Ti.UI.LANDSCAPE_LEFT</a:t>
+            </a:r>
+            <a:endParaRPr lang="en-US" sz="1500" dirty="0" smtClean="0">
+              <a:latin typeface="Courier"/>
+              <a:cs typeface="Courier"/>
+            </a:endParaRPr>
+          </a:p>
+          <a:p>
+            <a:r>
+              <a:rPr lang="en-US" sz="1500" dirty="0">
+                <a:latin typeface="Courier"/>
+                <a:cs typeface="Courier"/>
+              </a:rPr>
+              <a:t> </a:t>
             </a:r>
             <a:r>
               <a:rPr lang="en-US" sz="1500" dirty="0" smtClean="0">
                 <a:latin typeface="Courier"/>
                 <a:cs typeface="Courier"/>
               </a:rPr>
-              <a:t>”</a:t>
+              <a:t>   ]</a:t>
+            </a:r>
+          </a:p>
+          <a:p>
+            <a:r>
+              <a:rPr lang="en-US" sz="1500" dirty="0" smtClean="0">
+                <a:latin typeface="Courier"/>
+                <a:cs typeface="Courier"/>
+              </a:rPr>
+              <a:t> });</a:t>
+            </a:r>
+          </a:p>
+          <a:p>
+            <a:r>
+              <a:rPr lang="en-US" sz="1500" dirty="0" smtClean="0">
+                <a:latin typeface="Courier"/>
+                <a:cs typeface="Courier"/>
+              </a:rPr>
+              <a:t> </a:t>
             </a:r>
             <a:endParaRPr lang="en-US" sz="1500" dirty="0">
               <a:latin typeface="Courier"/>
               <a:cs typeface="Courier"/>
             </a:endParaRPr>
           </a:p>
-          <a:p>
-            <a:r>
-              <a:rPr lang="en-US" sz="1500" dirty="0" smtClean="0">
-                <a:latin typeface="Courier"/>
-                <a:cs typeface="Courier"/>
-              </a:rPr>
-              <a:t>  </a:t>
-            </a:r>
-            <a:r>
-              <a:rPr lang="en-US" sz="1500" dirty="0" err="1">
-                <a:latin typeface="Courier"/>
-                <a:cs typeface="Courier"/>
-              </a:rPr>
-              <a:t>android:configChanges</a:t>
-            </a:r>
-            <a:r>
-              <a:rPr lang="en-US" sz="1500" dirty="0">
-                <a:latin typeface="Courier"/>
-                <a:cs typeface="Courier"/>
-              </a:rPr>
-              <a:t>="</a:t>
-            </a:r>
-            <a:r>
-              <a:rPr lang="en-US" sz="1500" dirty="0" err="1" smtClean="0">
-                <a:latin typeface="Courier"/>
-                <a:cs typeface="Courier"/>
-              </a:rPr>
-              <a:t>keyboardHidden</a:t>
-            </a:r>
-            <a:r>
-              <a:rPr lang="en-US" sz="1500" dirty="0" smtClean="0">
-                <a:latin typeface="Courier"/>
-                <a:cs typeface="Courier"/>
-              </a:rPr>
-              <a:t>”</a:t>
-            </a:r>
-            <a:endParaRPr lang="en-US" sz="1500" dirty="0">
-              <a:latin typeface="Courier"/>
-              <a:cs typeface="Courier"/>
-            </a:endParaRPr>
-          </a:p>
-          <a:p>
-            <a:r>
-              <a:rPr lang="en-US" sz="1500" dirty="0" smtClean="0">
-                <a:latin typeface="Courier"/>
-                <a:cs typeface="Courier"/>
-              </a:rPr>
-              <a:t>    </a:t>
-            </a:r>
-            <a:r>
-              <a:rPr lang="en-US" sz="1500" dirty="0" err="1">
-                <a:latin typeface="Courier"/>
-                <a:cs typeface="Courier"/>
-              </a:rPr>
-              <a:t>android:screenOrientation</a:t>
-            </a:r>
-            <a:r>
-              <a:rPr lang="en-US" sz="1500" dirty="0">
-                <a:latin typeface="Courier"/>
-                <a:cs typeface="Courier"/>
-              </a:rPr>
-              <a:t>="portrait”</a:t>
-            </a:r>
-          </a:p>
-          <a:p>
-            <a:r>
-              <a:rPr lang="en-US" sz="1500" dirty="0" smtClean="0">
-                <a:latin typeface="Courier"/>
-                <a:cs typeface="Courier"/>
-              </a:rPr>
-              <a:t>/</a:t>
-            </a:r>
-            <a:r>
-              <a:rPr lang="en-US" sz="1500" dirty="0">
-                <a:latin typeface="Courier"/>
-                <a:cs typeface="Courier"/>
-              </a:rPr>
-              <a:t>&gt;</a:t>
-            </a:r>
-          </a:p>
-          <a:p>
-            <a:r>
-              <a:rPr lang="en-US" sz="1500" dirty="0" smtClean="0">
-                <a:latin typeface="Courier"/>
-                <a:cs typeface="Courier"/>
-              </a:rPr>
-              <a:t>&lt;</a:t>
-            </a:r>
-            <a:r>
-              <a:rPr lang="en-US" sz="1500" dirty="0">
-                <a:latin typeface="Courier"/>
-                <a:cs typeface="Courier"/>
-              </a:rPr>
-              <a:t>activity </a:t>
-            </a:r>
-            <a:r>
-              <a:rPr lang="en-US" sz="1500" dirty="0" err="1">
-                <a:latin typeface="Courier"/>
-                <a:cs typeface="Courier"/>
-              </a:rPr>
-              <a:t>android:name</a:t>
-            </a:r>
-            <a:r>
-              <a:rPr lang="en-US" sz="1500" dirty="0">
-                <a:latin typeface="Courier"/>
-                <a:cs typeface="Courier"/>
-              </a:rPr>
-              <a:t>="</a:t>
-            </a:r>
-            <a:r>
-              <a:rPr lang="en-US" sz="1500" dirty="0" err="1">
-                <a:latin typeface="Courier"/>
-                <a:cs typeface="Courier"/>
-              </a:rPr>
-              <a:t>ti.modules.titanium.ui.TiTabActivity</a:t>
-            </a:r>
-            <a:r>
-              <a:rPr lang="en-US" sz="1500" dirty="0">
-                <a:latin typeface="Courier"/>
-                <a:cs typeface="Courier"/>
-              </a:rPr>
-              <a:t>"</a:t>
-            </a:r>
-          </a:p>
-          <a:p>
-            <a:r>
-              <a:rPr lang="en-US" sz="1500" dirty="0" smtClean="0">
-                <a:latin typeface="Courier"/>
-                <a:cs typeface="Courier"/>
-              </a:rPr>
-              <a:t>  </a:t>
-            </a:r>
-            <a:r>
-              <a:rPr lang="en-US" sz="1500" dirty="0" err="1" smtClean="0">
-                <a:latin typeface="Courier"/>
-                <a:cs typeface="Courier"/>
-              </a:rPr>
-              <a:t>android:configChanges</a:t>
-            </a:r>
-            <a:r>
-              <a:rPr lang="en-US" sz="1500" dirty="0">
-                <a:latin typeface="Courier"/>
-                <a:cs typeface="Courier"/>
-              </a:rPr>
-              <a:t>="</a:t>
-            </a:r>
-            <a:r>
-              <a:rPr lang="en-US" sz="1500" dirty="0" err="1" smtClean="0">
-                <a:latin typeface="Courier"/>
-                <a:cs typeface="Courier"/>
-              </a:rPr>
-              <a:t>keyboardHidden</a:t>
-            </a:r>
-            <a:r>
-              <a:rPr lang="en-US" sz="1500" dirty="0" smtClean="0">
-                <a:latin typeface="Courier"/>
-                <a:cs typeface="Courier"/>
-              </a:rPr>
-              <a:t>”</a:t>
-            </a:r>
-            <a:endParaRPr lang="en-US" sz="1500" dirty="0">
-              <a:latin typeface="Courier"/>
-              <a:cs typeface="Courier"/>
-            </a:endParaRPr>
-          </a:p>
-          <a:p>
-            <a:r>
-              <a:rPr lang="en-US" sz="1500" dirty="0" smtClean="0">
-                <a:latin typeface="Courier"/>
-                <a:cs typeface="Courier"/>
-              </a:rPr>
-              <a:t>/&gt;</a:t>
-            </a:r>
-            <a:endParaRPr lang="en-US" sz="1500" dirty="0">
-              <a:latin typeface="Courier"/>
-              <a:cs typeface="Courier"/>
-            </a:endParaRPr>
-          </a:p>
         </p:txBody>
       </p:sp>
       <p:sp>
         <p:nvSpPr>
-          <p:cNvPr id="5" name="Slide Number Placeholder 5"/>
+          <p:cNvPr id="11" name="Slide Number Placeholder 5"/>
           <p:cNvSpPr>
             <a:spLocks noGrp="1"/>
           </p:cNvSpPr>
@@ -15833,10 +16150,253 @@
           </a:p>
         </p:txBody>
       </p:sp>
+      <p:sp>
+        <p:nvSpPr>
+          <p:cNvPr id="6" name="TextBox 5"/>
+          <p:cNvSpPr txBox="1"/>
+          <p:nvPr/>
+        </p:nvSpPr>
+        <p:spPr>
+          <a:xfrm>
+            <a:off x="4723030" y="3848187"/>
+            <a:ext cx="3963770" cy="1938992"/>
+          </a:xfrm>
+          <a:prstGeom prst="rect">
+            <a:avLst/>
+          </a:prstGeom>
+          <a:solidFill>
+            <a:schemeClr val="bg1"/>
+          </a:solidFill>
+          <a:effectLst>
+            <a:outerShdw blurRad="50800" dist="38100" dir="2700000" algn="tl" rotWithShape="0">
+              <a:prstClr val="black">
+                <a:alpha val="40000"/>
+              </a:prstClr>
+            </a:outerShdw>
+          </a:effectLst>
+        </p:spPr>
+        <p:style>
+          <a:lnRef idx="2">
+            <a:schemeClr val="accent2"/>
+          </a:lnRef>
+          <a:fillRef idx="1">
+            <a:schemeClr val="lt1"/>
+          </a:fillRef>
+          <a:effectRef idx="0">
+            <a:schemeClr val="accent2"/>
+          </a:effectRef>
+          <a:fontRef idx="minor">
+            <a:schemeClr val="dk1"/>
+          </a:fontRef>
+        </p:style>
+        <p:txBody>
+          <a:bodyPr wrap="square" rtlCol="0">
+            <a:spAutoFit/>
+          </a:bodyPr>
+          <a:lstStyle/>
+          <a:p>
+            <a:r>
+              <a:rPr lang="en-US" sz="1500" dirty="0" smtClean="0">
+                <a:latin typeface="Courier"/>
+                <a:cs typeface="Courier"/>
+              </a:rPr>
+              <a:t> // Android</a:t>
+            </a:r>
+          </a:p>
+          <a:p>
+            <a:r>
+              <a:rPr lang="en-US" sz="1500" dirty="0" smtClean="0">
+                <a:latin typeface="Courier"/>
+                <a:cs typeface="Courier"/>
+              </a:rPr>
+              <a:t> </a:t>
+            </a:r>
+            <a:r>
+              <a:rPr lang="en-US" sz="1500" dirty="0" err="1" smtClean="0">
+                <a:latin typeface="Courier"/>
+                <a:cs typeface="Courier"/>
+              </a:rPr>
+              <a:t>var</a:t>
+            </a:r>
+            <a:r>
+              <a:rPr lang="en-US" sz="1500" dirty="0" smtClean="0">
+                <a:latin typeface="Courier"/>
+                <a:cs typeface="Courier"/>
+              </a:rPr>
+              <a:t> win = </a:t>
+            </a:r>
+            <a:r>
+              <a:rPr lang="en-US" sz="1500" dirty="0" err="1" smtClean="0">
+                <a:latin typeface="Courier"/>
+                <a:cs typeface="Courier"/>
+              </a:rPr>
+              <a:t>Ti.UI.createWindow</a:t>
+            </a:r>
+            <a:r>
+              <a:rPr lang="en-US" sz="1500" dirty="0" smtClean="0">
+                <a:latin typeface="Courier"/>
+                <a:cs typeface="Courier"/>
+              </a:rPr>
+              <a:t>()</a:t>
+            </a:r>
+            <a:r>
+              <a:rPr lang="en-US" sz="1500" dirty="0" smtClean="0">
+                <a:latin typeface="Courier"/>
+                <a:cs typeface="Courier"/>
+              </a:rPr>
+              <a:t>;</a:t>
+            </a:r>
+          </a:p>
+          <a:p>
+            <a:r>
+              <a:rPr lang="en-US" sz="1500" dirty="0">
+                <a:latin typeface="Courier"/>
+                <a:cs typeface="Courier"/>
+              </a:rPr>
+              <a:t> </a:t>
+            </a:r>
+            <a:r>
+              <a:rPr lang="en-US" sz="1500" dirty="0" smtClean="0">
+                <a:latin typeface="Courier"/>
+                <a:cs typeface="Courier"/>
+              </a:rPr>
+              <a:t>// then ...</a:t>
+            </a:r>
+            <a:endParaRPr lang="en-US" sz="1500" dirty="0" smtClean="0">
+              <a:latin typeface="Courier"/>
+              <a:cs typeface="Courier"/>
+            </a:endParaRPr>
+          </a:p>
+          <a:p>
+            <a:r>
+              <a:rPr lang="en-US" sz="1500" dirty="0">
+                <a:latin typeface="Courier"/>
+                <a:cs typeface="Courier"/>
+              </a:rPr>
+              <a:t> </a:t>
+            </a:r>
+            <a:r>
+              <a:rPr lang="en-US" sz="1500" dirty="0" smtClean="0">
+                <a:latin typeface="Courier"/>
+                <a:cs typeface="Courier"/>
+              </a:rPr>
+              <a:t>win.</a:t>
+            </a:r>
+            <a:r>
+              <a:rPr lang="en-US" sz="1500" dirty="0">
+                <a:latin typeface="Courier"/>
+                <a:cs typeface="Courier"/>
+              </a:rPr>
+              <a:t> </a:t>
+            </a:r>
+            <a:r>
+              <a:rPr lang="en-US" sz="1500" dirty="0" err="1" smtClean="0">
+                <a:latin typeface="Courier"/>
+                <a:cs typeface="Courier"/>
+              </a:rPr>
+              <a:t>orientationModes</a:t>
+            </a:r>
+            <a:r>
+              <a:rPr lang="en-US" sz="1500" dirty="0" smtClean="0">
+                <a:latin typeface="Courier"/>
+                <a:cs typeface="Courier"/>
+              </a:rPr>
+              <a:t> = [</a:t>
+            </a:r>
+            <a:endParaRPr lang="en-US" sz="1500" dirty="0">
+              <a:latin typeface="Courier"/>
+              <a:cs typeface="Courier"/>
+            </a:endParaRPr>
+          </a:p>
+          <a:p>
+            <a:r>
+              <a:rPr lang="en-US" sz="1500" dirty="0">
+                <a:latin typeface="Courier"/>
+                <a:cs typeface="Courier"/>
+              </a:rPr>
+              <a:t>         </a:t>
+            </a:r>
+            <a:r>
+              <a:rPr lang="en-US" sz="1500" dirty="0" err="1">
+                <a:latin typeface="Courier"/>
+                <a:cs typeface="Courier"/>
+              </a:rPr>
+              <a:t>Ti.UI.PORTRAIT</a:t>
+            </a:r>
+            <a:r>
+              <a:rPr lang="en-US" sz="1500" dirty="0">
+                <a:latin typeface="Courier"/>
+                <a:cs typeface="Courier"/>
+              </a:rPr>
+              <a:t>,</a:t>
+            </a:r>
+          </a:p>
+          <a:p>
+            <a:r>
+              <a:rPr lang="en-US" sz="1500" dirty="0">
+                <a:latin typeface="Courier"/>
+                <a:cs typeface="Courier"/>
+              </a:rPr>
+              <a:t>         </a:t>
+            </a:r>
+            <a:r>
+              <a:rPr lang="en-US" sz="1500" dirty="0" err="1" smtClean="0">
+                <a:latin typeface="Courier"/>
+                <a:cs typeface="Courier"/>
+              </a:rPr>
+              <a:t>Ti.UI.LANDSCAPE_LEFT</a:t>
+            </a:r>
+            <a:endParaRPr lang="en-US" sz="1500" dirty="0">
+              <a:latin typeface="Courier"/>
+              <a:cs typeface="Courier"/>
+            </a:endParaRPr>
+          </a:p>
+          <a:p>
+            <a:r>
+              <a:rPr lang="en-US" sz="1500" dirty="0">
+                <a:latin typeface="Courier"/>
+                <a:cs typeface="Courier"/>
+              </a:rPr>
+              <a:t>    </a:t>
+            </a:r>
+            <a:r>
+              <a:rPr lang="en-US" sz="1500" dirty="0" smtClean="0">
+                <a:latin typeface="Courier"/>
+                <a:cs typeface="Courier"/>
+              </a:rPr>
+              <a:t>]</a:t>
+            </a:r>
+            <a:r>
+              <a:rPr lang="en-US" sz="1500" dirty="0" smtClean="0">
+                <a:latin typeface="Courier"/>
+                <a:cs typeface="Courier"/>
+              </a:rPr>
+              <a:t>;</a:t>
+            </a:r>
+            <a:endParaRPr lang="en-US" sz="1500" dirty="0" smtClean="0">
+              <a:latin typeface="Courier"/>
+              <a:cs typeface="Courier"/>
+            </a:endParaRPr>
+          </a:p>
+          <a:p>
+            <a:r>
+              <a:rPr lang="en-US" sz="1500" dirty="0" smtClean="0">
+                <a:latin typeface="Courier"/>
+                <a:cs typeface="Courier"/>
+              </a:rPr>
+              <a:t> </a:t>
+            </a:r>
+            <a:endParaRPr lang="en-US" sz="1500" dirty="0">
+              <a:latin typeface="Courier"/>
+              <a:cs typeface="Courier"/>
+            </a:endParaRPr>
+          </a:p>
+        </p:txBody>
+      </p:sp>
     </p:spTree>
     <p:extLst>
       <p:ext uri="{BB962C8B-B14F-4D97-AF65-F5344CB8AC3E}">
-        <p14:creationId xmlns:p14="http://schemas.microsoft.com/office/powerpoint/2010/main" val="3190066946"/>
+        <p14:creationId xmlns:p14="http://schemas.microsoft.com/office/powerpoint/2010/main" val="1861698596"/>
       </p:ext>
     </p:extLst>
   </p:cSld>
@@ -15887,7 +16447,7 @@
           <a:p>
             <a:r>
               <a:rPr lang="en-US" dirty="0" smtClean="0"/>
-              <a:t>Fixed Orientation per Window</a:t>
+              <a:t>Orientation Events</a:t>
             </a:r>
             <a:endParaRPr lang="en-US" dirty="0"/>
           </a:p>
@@ -15917,102 +16477,48 @@
               <a:buNone/>
             </a:pPr>
             <a:r>
-              <a:rPr lang="en-US" dirty="0" smtClean="0"/>
-              <a:t>Window Orientation Modes</a:t>
-            </a:r>
-          </a:p>
-          <a:p>
-            <a:pPr lvl="1">
+              <a:rPr lang="en-US" dirty="0" err="1" smtClean="0"/>
+              <a:t>Ti.Gesture.orientationchange</a:t>
+            </a:r>
+            <a:endParaRPr lang="en-US" dirty="0" smtClean="0"/>
+          </a:p>
+          <a:p>
+            <a:pPr>
               <a:spcBef>
                 <a:spcPts val="600"/>
               </a:spcBef>
+              <a:buClrTx/>
               <a:buFontTx/>
               <a:buNone/>
             </a:pPr>
+            <a:endParaRPr lang="en-US" dirty="0"/>
+          </a:p>
+          <a:p>
+            <a:pPr>
+              <a:spcBef>
+                <a:spcPts val="600"/>
+              </a:spcBef>
+              <a:buClrTx/>
+              <a:buFontTx/>
+              <a:buNone/>
+            </a:pPr>
             <a:r>
               <a:rPr lang="en-US" dirty="0" smtClean="0"/>
-              <a:t>Supported values include:</a:t>
-            </a:r>
-          </a:p>
-          <a:p>
-            <a:pPr marL="800100" lvl="1" indent="-342900">
-              <a:spcBef>
-                <a:spcPts val="600"/>
-              </a:spcBef>
-              <a:buFont typeface="Arial"/>
-              <a:buChar char="•"/>
-            </a:pPr>
-            <a:r>
-              <a:rPr lang="en-US" sz="1800" dirty="0" smtClean="0"/>
-              <a:t>PORTRAIT / UPSIDE_PORTRAIT</a:t>
-            </a:r>
-          </a:p>
-          <a:p>
-            <a:pPr marL="800100" lvl="1" indent="-342900">
-              <a:spcBef>
-                <a:spcPts val="600"/>
-              </a:spcBef>
-              <a:buFont typeface="Arial"/>
-              <a:buChar char="•"/>
-            </a:pPr>
-            <a:r>
-              <a:rPr lang="en-US" sz="1800" dirty="0" smtClean="0"/>
-              <a:t>LANDSCAPE_LEFT / LANDSCAPE_RIGHT</a:t>
-            </a:r>
-          </a:p>
-          <a:p>
-            <a:pPr marL="800100" lvl="1" indent="-342900">
-              <a:spcBef>
-                <a:spcPts val="600"/>
-              </a:spcBef>
-              <a:buFont typeface="Arial"/>
-              <a:buChar char="•"/>
-            </a:pPr>
-            <a:r>
-              <a:rPr lang="en-US" sz="1800" dirty="0" smtClean="0"/>
-              <a:t>FACE_UP / FACE_DOWN</a:t>
-            </a:r>
-          </a:p>
-          <a:p>
-            <a:pPr marL="800100" lvl="1" indent="-342900">
-              <a:spcBef>
-                <a:spcPts val="600"/>
-              </a:spcBef>
-              <a:buFont typeface="Arial"/>
-              <a:buChar char="•"/>
-            </a:pPr>
-            <a:endParaRPr lang="en-US" sz="1800" dirty="0"/>
-          </a:p>
-          <a:p>
-            <a:pPr lvl="1">
-              <a:spcBef>
-                <a:spcPts val="600"/>
-              </a:spcBef>
-            </a:pPr>
-            <a:r>
-              <a:rPr lang="en-US" sz="1800" dirty="0" smtClean="0">
-                <a:latin typeface="Courier"/>
-                <a:cs typeface="Courier"/>
-              </a:rPr>
-              <a:t>	</a:t>
-            </a:r>
-            <a:endParaRPr lang="en-US" sz="1800" dirty="0">
-              <a:latin typeface="Courier"/>
-              <a:cs typeface="Courier"/>
-            </a:endParaRPr>
+              <a:t>Event properties and methods:</a:t>
+            </a:r>
           </a:p>
         </p:txBody>
       </p:sp>
       <p:sp>
         <p:nvSpPr>
-          <p:cNvPr id="5" name="TextBox 4"/>
+          <p:cNvPr id="4" name="TextBox 3"/>
           <p:cNvSpPr txBox="1"/>
           <p:nvPr/>
         </p:nvSpPr>
         <p:spPr>
           <a:xfrm>
-            <a:off x="457200" y="3848187"/>
-            <a:ext cx="3963770" cy="1938992"/>
+            <a:off x="728133" y="3118447"/>
+            <a:ext cx="7958667" cy="2800766"/>
           </a:xfrm>
           <a:prstGeom prst="rect">
             <a:avLst/>
@@ -16049,198 +16555,240 @@
           <a:lstStyle/>
           <a:p>
             <a:r>
-              <a:rPr lang="en-US" sz="1500" dirty="0" smtClean="0">
-                <a:latin typeface="Courier"/>
-                <a:cs typeface="Courier"/>
-              </a:rPr>
-              <a:t> </a:t>
-            </a:r>
-            <a:r>
-              <a:rPr lang="en-US" sz="1500" dirty="0" smtClean="0">
-                <a:latin typeface="Courier"/>
-                <a:cs typeface="Courier"/>
-              </a:rPr>
-              <a:t>// </a:t>
-            </a:r>
-            <a:r>
-              <a:rPr lang="en-US" sz="1500" dirty="0" err="1" smtClean="0">
-                <a:latin typeface="Courier"/>
-                <a:cs typeface="Courier"/>
-              </a:rPr>
-              <a:t>iOS</a:t>
-            </a:r>
-            <a:endParaRPr lang="en-US" sz="1500" dirty="0" smtClean="0">
+              <a:rPr lang="en-US" sz="1600" dirty="0" err="1">
+                <a:latin typeface="Courier"/>
+                <a:cs typeface="Courier"/>
+              </a:rPr>
+              <a:t>Ti.Gesture.addEventListener</a:t>
+            </a:r>
+            <a:r>
+              <a:rPr lang="en-US" sz="1600" dirty="0">
+                <a:latin typeface="Courier"/>
+                <a:cs typeface="Courier"/>
+              </a:rPr>
+              <a:t>('</a:t>
+            </a:r>
+            <a:r>
+              <a:rPr lang="en-US" sz="1600" dirty="0" err="1">
+                <a:latin typeface="Courier"/>
+                <a:cs typeface="Courier"/>
+              </a:rPr>
+              <a:t>orientationchange</a:t>
+            </a:r>
+            <a:r>
+              <a:rPr lang="en-US" sz="1600" dirty="0">
+                <a:latin typeface="Courier"/>
+                <a:cs typeface="Courier"/>
+              </a:rPr>
+              <a:t>',function(e</a:t>
+            </a:r>
+            <a:r>
+              <a:rPr lang="en-US" sz="1600" dirty="0" smtClean="0">
+                <a:latin typeface="Courier"/>
+                <a:cs typeface="Courier"/>
+              </a:rPr>
+              <a:t>) {</a:t>
+            </a:r>
+            <a:endParaRPr lang="en-US" sz="1600" dirty="0">
               <a:latin typeface="Courier"/>
               <a:cs typeface="Courier"/>
             </a:endParaRPr>
           </a:p>
           <a:p>
             <a:r>
-              <a:rPr lang="en-US" sz="1500" dirty="0" smtClean="0">
-                <a:latin typeface="Courier"/>
-                <a:cs typeface="Courier"/>
-              </a:rPr>
-              <a:t> </a:t>
-            </a:r>
-            <a:r>
-              <a:rPr lang="en-US" sz="1500" dirty="0" err="1" smtClean="0">
-                <a:latin typeface="Courier"/>
-                <a:cs typeface="Courier"/>
-              </a:rPr>
-              <a:t>var</a:t>
-            </a:r>
-            <a:r>
-              <a:rPr lang="en-US" sz="1500" dirty="0" smtClean="0">
-                <a:latin typeface="Courier"/>
-                <a:cs typeface="Courier"/>
-              </a:rPr>
-              <a:t> </a:t>
-            </a:r>
-            <a:r>
-              <a:rPr lang="en-US" sz="1500" dirty="0" smtClean="0">
-                <a:latin typeface="Courier"/>
-                <a:cs typeface="Courier"/>
-              </a:rPr>
-              <a:t>win = </a:t>
-            </a:r>
-            <a:r>
-              <a:rPr lang="en-US" sz="1500" dirty="0" err="1" smtClean="0">
-                <a:latin typeface="Courier"/>
-                <a:cs typeface="Courier"/>
-              </a:rPr>
-              <a:t>Ti.UI.createWindow</a:t>
-            </a:r>
-            <a:r>
-              <a:rPr lang="en-US" sz="1500" dirty="0" smtClean="0">
-                <a:latin typeface="Courier"/>
-                <a:cs typeface="Courier"/>
-              </a:rPr>
-              <a:t>({</a:t>
-            </a:r>
-          </a:p>
-          <a:p>
-            <a:r>
-              <a:rPr lang="en-US" sz="1500" dirty="0" smtClean="0">
-                <a:latin typeface="Courier"/>
-                <a:cs typeface="Courier"/>
-              </a:rPr>
-              <a:t>    </a:t>
-            </a:r>
-            <a:r>
-              <a:rPr lang="en-US" sz="1500" dirty="0" err="1" smtClean="0">
-                <a:latin typeface="Courier"/>
-                <a:cs typeface="Courier"/>
-              </a:rPr>
-              <a:t>orientationModes</a:t>
-            </a:r>
-            <a:r>
-              <a:rPr lang="en-US" sz="1500" dirty="0" smtClean="0">
-                <a:latin typeface="Courier"/>
-                <a:cs typeface="Courier"/>
-              </a:rPr>
-              <a:t>[</a:t>
-            </a:r>
-          </a:p>
-          <a:p>
-            <a:r>
-              <a:rPr lang="en-US" sz="1500" dirty="0">
-                <a:latin typeface="Courier"/>
-                <a:cs typeface="Courier"/>
-              </a:rPr>
-              <a:t> </a:t>
-            </a:r>
-            <a:r>
-              <a:rPr lang="en-US" sz="1500" dirty="0" smtClean="0">
-                <a:latin typeface="Courier"/>
-                <a:cs typeface="Courier"/>
-              </a:rPr>
-              <a:t>        </a:t>
-            </a:r>
-            <a:r>
-              <a:rPr lang="en-US" sz="1500" dirty="0" err="1" smtClean="0">
-                <a:latin typeface="Courier"/>
-                <a:cs typeface="Courier"/>
-              </a:rPr>
-              <a:t>Ti.UI.PORTRAIT</a:t>
-            </a:r>
-            <a:r>
-              <a:rPr lang="en-US" sz="1500" dirty="0" smtClean="0">
-                <a:latin typeface="Courier"/>
-                <a:cs typeface="Courier"/>
-              </a:rPr>
-              <a:t>,</a:t>
-            </a:r>
-          </a:p>
-          <a:p>
-            <a:r>
-              <a:rPr lang="en-US" sz="1500" dirty="0">
-                <a:latin typeface="Courier"/>
-                <a:cs typeface="Courier"/>
-              </a:rPr>
-              <a:t> </a:t>
-            </a:r>
-            <a:r>
-              <a:rPr lang="en-US" sz="1500" dirty="0" smtClean="0">
-                <a:latin typeface="Courier"/>
-                <a:cs typeface="Courier"/>
-              </a:rPr>
-              <a:t>        </a:t>
-            </a:r>
-            <a:r>
-              <a:rPr lang="en-US" sz="1500" dirty="0" err="1" smtClean="0">
-                <a:latin typeface="Courier"/>
-                <a:cs typeface="Courier"/>
-              </a:rPr>
-              <a:t>Ti.UI.LANDSCAPE_LEFT</a:t>
-            </a:r>
-            <a:endParaRPr lang="en-US" sz="1500" dirty="0" smtClean="0">
+              <a:rPr lang="en-US" sz="1600" dirty="0">
+                <a:latin typeface="Courier"/>
+                <a:cs typeface="Courier"/>
+              </a:rPr>
+              <a:t>	// </a:t>
+            </a:r>
+            <a:r>
+              <a:rPr lang="en-US" sz="1600" dirty="0" smtClean="0">
+                <a:latin typeface="Courier"/>
+                <a:cs typeface="Courier"/>
+              </a:rPr>
+              <a:t>get current device orientation from</a:t>
+            </a:r>
+          </a:p>
+          <a:p>
+            <a:r>
+              <a:rPr lang="en-US" sz="1600" dirty="0" smtClean="0">
+                <a:latin typeface="Courier"/>
+                <a:cs typeface="Courier"/>
+              </a:rPr>
+              <a:t>	// </a:t>
+            </a:r>
+            <a:r>
+              <a:rPr lang="en-US" sz="1600" dirty="0" err="1" smtClean="0">
+                <a:latin typeface="Courier"/>
+                <a:cs typeface="Courier"/>
+              </a:rPr>
+              <a:t>Titanium.Gesture.orientation</a:t>
+            </a:r>
+            <a:endParaRPr lang="en-US" sz="1600" dirty="0" smtClean="0">
               <a:latin typeface="Courier"/>
               <a:cs typeface="Courier"/>
             </a:endParaRPr>
           </a:p>
           <a:p>
             <a:r>
-              <a:rPr lang="en-US" sz="1500" dirty="0">
-                <a:latin typeface="Courier"/>
-                <a:cs typeface="Courier"/>
-              </a:rPr>
-              <a:t> </a:t>
-            </a:r>
-            <a:r>
-              <a:rPr lang="en-US" sz="1500" dirty="0" smtClean="0">
-                <a:latin typeface="Courier"/>
-                <a:cs typeface="Courier"/>
-              </a:rPr>
-              <a:t>   ]</a:t>
-            </a:r>
-          </a:p>
-          <a:p>
-            <a:r>
-              <a:rPr lang="en-US" sz="1500" dirty="0" smtClean="0">
-                <a:latin typeface="Courier"/>
-                <a:cs typeface="Courier"/>
-              </a:rPr>
-              <a:t> });</a:t>
-            </a:r>
-          </a:p>
-          <a:p>
-            <a:r>
-              <a:rPr lang="en-US" sz="1500" dirty="0" smtClean="0">
-                <a:latin typeface="Courier"/>
-                <a:cs typeface="Courier"/>
-              </a:rPr>
-              <a:t> </a:t>
-            </a:r>
-            <a:endParaRPr lang="en-US" sz="1500" dirty="0">
+              <a:rPr lang="en-US" sz="1600" dirty="0">
+                <a:latin typeface="Courier"/>
+                <a:cs typeface="Courier"/>
+              </a:rPr>
+              <a:t>	</a:t>
+            </a:r>
+          </a:p>
+          <a:p>
+            <a:r>
+              <a:rPr lang="en-US" sz="1600" dirty="0">
+                <a:latin typeface="Courier"/>
+                <a:cs typeface="Courier"/>
+              </a:rPr>
+              <a:t>	// get </a:t>
+            </a:r>
+            <a:r>
+              <a:rPr lang="en-US" sz="1600" dirty="0" smtClean="0">
+                <a:latin typeface="Courier"/>
+                <a:cs typeface="Courier"/>
+              </a:rPr>
+              <a:t>orientation </a:t>
+            </a:r>
+            <a:r>
+              <a:rPr lang="en-US" sz="1600" dirty="0">
+                <a:latin typeface="Courier"/>
+                <a:cs typeface="Courier"/>
+              </a:rPr>
+              <a:t>from event object</a:t>
+            </a:r>
+          </a:p>
+          <a:p>
+            <a:r>
+              <a:rPr lang="en-US" sz="1600" dirty="0">
+                <a:latin typeface="Courier"/>
+                <a:cs typeface="Courier"/>
+              </a:rPr>
+              <a:t>	</a:t>
+            </a:r>
+            <a:r>
+              <a:rPr lang="en-US" sz="1600" dirty="0" smtClean="0">
+                <a:latin typeface="Courier"/>
+                <a:cs typeface="Courier"/>
+              </a:rPr>
+              <a:t>// from </a:t>
+            </a:r>
+            <a:r>
+              <a:rPr lang="en-US" sz="1600" dirty="0" err="1" smtClean="0">
+                <a:latin typeface="Courier"/>
+                <a:cs typeface="Courier"/>
+              </a:rPr>
+              <a:t>e.orientation</a:t>
+            </a:r>
+            <a:endParaRPr lang="en-US" sz="1600" dirty="0" smtClean="0">
               <a:latin typeface="Courier"/>
               <a:cs typeface="Courier"/>
             </a:endParaRPr>
+          </a:p>
+          <a:p>
+            <a:endParaRPr lang="en-US" sz="1600" dirty="0">
+              <a:latin typeface="Courier"/>
+              <a:cs typeface="Courier"/>
+            </a:endParaRPr>
+          </a:p>
+          <a:p>
+            <a:r>
+              <a:rPr lang="en-US" sz="1600" dirty="0" smtClean="0">
+                <a:latin typeface="Courier"/>
+                <a:cs typeface="Courier"/>
+              </a:rPr>
+              <a:t>	// two methods return Boolean</a:t>
+            </a:r>
+          </a:p>
+          <a:p>
+            <a:r>
+              <a:rPr lang="en-US" sz="1600" dirty="0">
+                <a:latin typeface="Courier"/>
+                <a:cs typeface="Courier"/>
+              </a:rPr>
+              <a:t>	</a:t>
+            </a:r>
+            <a:r>
+              <a:rPr lang="en-US" sz="1600" dirty="0" smtClean="0">
+                <a:latin typeface="Courier"/>
+                <a:cs typeface="Courier"/>
+              </a:rPr>
+              <a:t>// </a:t>
+            </a:r>
+            <a:r>
+              <a:rPr lang="en-US" sz="1600" dirty="0" err="1" smtClean="0">
+                <a:latin typeface="Courier"/>
+                <a:cs typeface="Courier"/>
+              </a:rPr>
+              <a:t>e.source.isPortrait</a:t>
+            </a:r>
+            <a:r>
+              <a:rPr lang="en-US" sz="1600" dirty="0" smtClean="0">
+                <a:latin typeface="Courier"/>
+                <a:cs typeface="Courier"/>
+              </a:rPr>
+              <a:t>()</a:t>
+            </a:r>
+          </a:p>
+          <a:p>
+            <a:r>
+              <a:rPr lang="en-US" sz="1600" dirty="0">
+                <a:latin typeface="Courier"/>
+                <a:cs typeface="Courier"/>
+              </a:rPr>
+              <a:t>	</a:t>
+            </a:r>
+            <a:r>
+              <a:rPr lang="en-US" sz="1600" dirty="0" smtClean="0">
+                <a:latin typeface="Courier"/>
+                <a:cs typeface="Courier"/>
+              </a:rPr>
+              <a:t>// </a:t>
+            </a:r>
+            <a:r>
+              <a:rPr lang="en-US" sz="1600" dirty="0" err="1" smtClean="0">
+                <a:latin typeface="Courier"/>
+                <a:cs typeface="Courier"/>
+              </a:rPr>
+              <a:t>e.source.isLandscape</a:t>
+            </a:r>
+            <a:r>
+              <a:rPr lang="en-US" sz="1600" dirty="0" smtClean="0">
+                <a:latin typeface="Courier"/>
+                <a:cs typeface="Courier"/>
+              </a:rPr>
+              <a:t>()</a:t>
+            </a:r>
+            <a:endParaRPr lang="en-US" sz="1600" dirty="0">
+              <a:latin typeface="Courier"/>
+              <a:cs typeface="Courier"/>
+            </a:endParaRPr>
+          </a:p>
+          <a:p>
+            <a:r>
+              <a:rPr lang="en-US" sz="1600" dirty="0" smtClean="0">
+                <a:latin typeface="Courier"/>
+                <a:cs typeface="Courier"/>
+              </a:rPr>
+              <a:t>}</a:t>
+            </a:r>
+            <a:r>
+              <a:rPr lang="en-US" sz="1600" dirty="0">
+                <a:latin typeface="Courier"/>
+                <a:cs typeface="Courier"/>
+              </a:rPr>
+              <a:t>);</a:t>
+            </a:r>
           </a:p>
         </p:txBody>
       </p:sp>
       <p:sp>
         <p:nvSpPr>
-          <p:cNvPr id="11" name="Slide Number Placeholder 5"/>
+          <p:cNvPr id="5" name="Slide Number Placeholder 5"/>
           <p:cNvSpPr>
             <a:spLocks noGrp="1"/>
           </p:cNvSpPr>
@@ -16418,239 +16966,10 @@
           </a:p>
         </p:txBody>
       </p:sp>
-      <p:sp>
-        <p:nvSpPr>
-          <p:cNvPr id="6" name="TextBox 5"/>
-          <p:cNvSpPr txBox="1"/>
-          <p:nvPr/>
-        </p:nvSpPr>
-        <p:spPr>
-          <a:xfrm>
-            <a:off x="4723030" y="3848187"/>
-            <a:ext cx="3963770" cy="1938992"/>
-          </a:xfrm>
-          <a:prstGeom prst="rect">
-            <a:avLst/>
-          </a:prstGeom>
-          <a:solidFill>
-            <a:schemeClr val="bg1"/>
-          </a:solidFill>
-          <a:effectLst>
-            <a:outerShdw blurRad="50800" dist="38100" dir="2700000" algn="tl" rotWithShape="0">
-              <a:prstClr val="black">
-                <a:alpha val="40000"/>
-              </a:prstClr>
-            </a:outerShdw>
-          </a:effectLst>
-        </p:spPr>
-        <p:style>
-          <a:lnRef idx="2">
-            <a:schemeClr val="accent2"/>
-          </a:lnRef>
-          <a:fillRef idx="1">
-            <a:schemeClr val="lt1"/>
-          </a:fillRef>
-          <a:effectRef idx="0">
-            <a:schemeClr val="accent2"/>
-          </a:effectRef>
-          <a:fontRef idx="minor">
-            <a:schemeClr val="dk1"/>
-          </a:fontRef>
-        </p:style>
-        <p:txBody>
-          <a:bodyPr wrap="square" rtlCol="0">
-            <a:spAutoFit/>
-          </a:bodyPr>
-          <a:lstStyle/>
-          <a:p>
-            <a:r>
-              <a:rPr lang="en-US" sz="1500" dirty="0" smtClean="0">
-                <a:latin typeface="Courier"/>
-                <a:cs typeface="Courier"/>
-              </a:rPr>
-              <a:t> </a:t>
-            </a:r>
-            <a:r>
-              <a:rPr lang="en-US" sz="1500" dirty="0" smtClean="0">
-                <a:latin typeface="Courier"/>
-                <a:cs typeface="Courier"/>
-              </a:rPr>
-              <a:t>// Android</a:t>
-            </a:r>
-          </a:p>
-          <a:p>
-            <a:r>
-              <a:rPr lang="en-US" sz="1500" dirty="0" smtClean="0">
-                <a:latin typeface="Courier"/>
-                <a:cs typeface="Courier"/>
-              </a:rPr>
-              <a:t> </a:t>
-            </a:r>
-            <a:r>
-              <a:rPr lang="en-US" sz="1500" dirty="0" err="1" smtClean="0">
-                <a:latin typeface="Courier"/>
-                <a:cs typeface="Courier"/>
-              </a:rPr>
-              <a:t>var</a:t>
-            </a:r>
-            <a:r>
-              <a:rPr lang="en-US" sz="1500" dirty="0" smtClean="0">
-                <a:latin typeface="Courier"/>
-                <a:cs typeface="Courier"/>
-              </a:rPr>
-              <a:t> </a:t>
-            </a:r>
-            <a:r>
-              <a:rPr lang="en-US" sz="1500" dirty="0" smtClean="0">
-                <a:latin typeface="Courier"/>
-                <a:cs typeface="Courier"/>
-              </a:rPr>
-              <a:t>win = </a:t>
-            </a:r>
-            <a:r>
-              <a:rPr lang="en-US" sz="1500" dirty="0" err="1" smtClean="0">
-                <a:latin typeface="Courier"/>
-                <a:cs typeface="Courier"/>
-              </a:rPr>
-              <a:t>Ti.UI.createWindow</a:t>
-            </a:r>
-            <a:r>
-              <a:rPr lang="en-US" sz="1500" dirty="0" smtClean="0">
-                <a:latin typeface="Courier"/>
-                <a:cs typeface="Courier"/>
-              </a:rPr>
-              <a:t>();</a:t>
-            </a:r>
-          </a:p>
-          <a:p>
-            <a:r>
-              <a:rPr lang="en-US" sz="1500" dirty="0">
-                <a:latin typeface="Courier"/>
-                <a:cs typeface="Courier"/>
-              </a:rPr>
-              <a:t> </a:t>
-            </a:r>
-            <a:r>
-              <a:rPr lang="en-US" sz="1500" dirty="0" smtClean="0">
-                <a:latin typeface="Courier"/>
-                <a:cs typeface="Courier"/>
-              </a:rPr>
-              <a:t>win.</a:t>
-            </a:r>
-            <a:r>
-              <a:rPr lang="en-US" sz="1500" dirty="0">
-                <a:latin typeface="Courier"/>
-                <a:cs typeface="Courier"/>
-              </a:rPr>
-              <a:t> </a:t>
-            </a:r>
-            <a:r>
-              <a:rPr lang="en-US" sz="1500" dirty="0" err="1" smtClean="0">
-                <a:latin typeface="Courier"/>
-                <a:cs typeface="Courier"/>
-              </a:rPr>
-              <a:t>orientationModes</a:t>
-            </a:r>
-            <a:r>
-              <a:rPr lang="en-US" sz="1500" dirty="0" smtClean="0">
-                <a:latin typeface="Courier"/>
-                <a:cs typeface="Courier"/>
-              </a:rPr>
-              <a:t> = [</a:t>
-            </a:r>
-            <a:endParaRPr lang="en-US" sz="1500" dirty="0">
-              <a:latin typeface="Courier"/>
-              <a:cs typeface="Courier"/>
-            </a:endParaRPr>
-          </a:p>
-          <a:p>
-            <a:r>
-              <a:rPr lang="en-US" sz="1500" dirty="0">
-                <a:latin typeface="Courier"/>
-                <a:cs typeface="Courier"/>
-              </a:rPr>
-              <a:t>         </a:t>
-            </a:r>
-            <a:r>
-              <a:rPr lang="en-US" sz="1500" dirty="0" err="1">
-                <a:latin typeface="Courier"/>
-                <a:cs typeface="Courier"/>
-              </a:rPr>
-              <a:t>Ti.UI.PORTRAIT</a:t>
-            </a:r>
-            <a:r>
-              <a:rPr lang="en-US" sz="1500" dirty="0">
-                <a:latin typeface="Courier"/>
-                <a:cs typeface="Courier"/>
-              </a:rPr>
-              <a:t>,</a:t>
-            </a:r>
-          </a:p>
-          <a:p>
-            <a:r>
-              <a:rPr lang="en-US" sz="1500" dirty="0">
-                <a:latin typeface="Courier"/>
-                <a:cs typeface="Courier"/>
-              </a:rPr>
-              <a:t>         </a:t>
-            </a:r>
-            <a:r>
-              <a:rPr lang="en-US" sz="1500" dirty="0" err="1" smtClean="0">
-                <a:latin typeface="Courier"/>
-                <a:cs typeface="Courier"/>
-              </a:rPr>
-              <a:t>Ti.UI.LANDSCAPE_LEFT</a:t>
-            </a:r>
-            <a:endParaRPr lang="en-US" sz="1500" dirty="0">
-              <a:latin typeface="Courier"/>
-              <a:cs typeface="Courier"/>
-            </a:endParaRPr>
-          </a:p>
-          <a:p>
-            <a:r>
-              <a:rPr lang="en-US" sz="1500" dirty="0">
-                <a:latin typeface="Courier"/>
-                <a:cs typeface="Courier"/>
-              </a:rPr>
-              <a:t>    </a:t>
-            </a:r>
-            <a:r>
-              <a:rPr lang="en-US" sz="1500" dirty="0" smtClean="0">
-                <a:latin typeface="Courier"/>
-                <a:cs typeface="Courier"/>
-              </a:rPr>
-              <a:t>];</a:t>
-            </a:r>
-            <a:endParaRPr lang="en-US" sz="1500" dirty="0">
-              <a:latin typeface="Courier"/>
-              <a:cs typeface="Courier"/>
-            </a:endParaRPr>
-          </a:p>
-          <a:p>
-            <a:endParaRPr lang="en-US" sz="1500" dirty="0" smtClean="0">
-              <a:latin typeface="Courier"/>
-              <a:cs typeface="Courier"/>
-            </a:endParaRPr>
-          </a:p>
-          <a:p>
-            <a:r>
-              <a:rPr lang="en-US" sz="1500" dirty="0" smtClean="0">
-                <a:latin typeface="Courier"/>
-                <a:cs typeface="Courier"/>
-              </a:rPr>
-              <a:t> </a:t>
-            </a:r>
-            <a:endParaRPr lang="en-US" sz="1500" dirty="0">
-              <a:latin typeface="Courier"/>
-              <a:cs typeface="Courier"/>
-            </a:endParaRPr>
-          </a:p>
-        </p:txBody>
-      </p:sp>
     </p:spTree>
     <p:extLst>
       <p:ext uri="{BB962C8B-B14F-4D97-AF65-F5344CB8AC3E}">
-        <p14:creationId xmlns:p14="http://schemas.microsoft.com/office/powerpoint/2010/main" val="1861698596"/>
+        <p14:creationId xmlns:p14="http://schemas.microsoft.com/office/powerpoint/2010/main" val="1295465546"/>
       </p:ext>
     </p:extLst>
   </p:cSld>
@@ -16700,10 +17019,9 @@
           <a:lstStyle/>
           <a:p>
             <a:r>
-              <a:rPr lang="en-US" dirty="0" smtClean="0"/>
-              <a:t>Orientation Events</a:t>
-            </a:r>
-            <a:endParaRPr lang="en-US" dirty="0"/>
+              <a:rPr lang="en-US" dirty="0"/>
+              <a:t>Handling Orientation Changes</a:t>
+            </a:r>
           </a:p>
         </p:txBody>
       </p:sp>
@@ -16726,15 +17044,36 @@
               <a:spcBef>
                 <a:spcPts val="600"/>
               </a:spcBef>
+            </a:pPr>
+            <a:r>
+              <a:rPr lang="en-US" dirty="0"/>
+              <a:t>React to orientation change via event listener</a:t>
+            </a:r>
+          </a:p>
+          <a:p>
+            <a:pPr>
+              <a:spcBef>
+                <a:spcPts val="600"/>
+              </a:spcBef>
               <a:buClrTx/>
               <a:buFontTx/>
               <a:buNone/>
             </a:pPr>
-            <a:r>
-              <a:rPr lang="en-US" dirty="0" err="1" smtClean="0"/>
-              <a:t>Ti.Gesture.orientationchange</a:t>
-            </a:r>
             <a:endParaRPr lang="en-US" dirty="0" smtClean="0"/>
+          </a:p>
+          <a:p>
+            <a:pPr>
+              <a:spcBef>
+                <a:spcPts val="600"/>
+              </a:spcBef>
+              <a:buClrTx/>
+              <a:buFontTx/>
+              <a:buNone/>
+            </a:pPr>
+            <a:r>
+              <a:rPr lang="en-US" dirty="0" smtClean="0"/>
+              <a:t>Use self-contained, self-updating UI components</a:t>
+            </a:r>
           </a:p>
           <a:p>
             <a:pPr>
@@ -16752,297 +17091,93 @@
               <a:spcBef>
                 <a:spcPts val="600"/>
               </a:spcBef>
+            </a:pPr>
+            <a:r>
+              <a:rPr lang="en-US" dirty="0" smtClean="0"/>
+              <a:t>Move, rotate, and swap </a:t>
+            </a:r>
+            <a:r>
+              <a:rPr lang="en-US" dirty="0"/>
+              <a:t>UI elements</a:t>
+            </a:r>
+          </a:p>
+          <a:p>
+            <a:pPr>
+              <a:spcBef>
+                <a:spcPts val="600"/>
+              </a:spcBef>
               <a:buClrTx/>
               <a:buFontTx/>
               <a:buNone/>
             </a:pPr>
+            <a:endParaRPr lang="en-US" dirty="0" smtClean="0"/>
+          </a:p>
+          <a:p>
+            <a:pPr>
+              <a:spcBef>
+                <a:spcPts val="600"/>
+              </a:spcBef>
+              <a:buClrTx/>
+              <a:buFontTx/>
+              <a:buNone/>
+            </a:pPr>
             <a:r>
               <a:rPr lang="en-US" dirty="0" smtClean="0"/>
-              <a:t>Event properties and methods:</a:t>
-            </a:r>
+              <a:t>Take advantage of the orientation</a:t>
+            </a:r>
+          </a:p>
+          <a:p>
+            <a:pPr>
+              <a:spcBef>
+                <a:spcPts val="600"/>
+              </a:spcBef>
+              <a:buClrTx/>
+              <a:buFontTx/>
+              <a:buNone/>
+            </a:pPr>
+            <a:endParaRPr lang="en-US" dirty="0"/>
+          </a:p>
+          <a:p>
+            <a:pPr>
+              <a:spcBef>
+                <a:spcPts val="600"/>
+              </a:spcBef>
+              <a:buClrTx/>
+              <a:buFontTx/>
+              <a:buNone/>
+            </a:pPr>
+            <a:r>
+              <a:rPr lang="en-US" dirty="0" smtClean="0"/>
+              <a:t>Don’t forget the soft keyboard</a:t>
+            </a:r>
+          </a:p>
+          <a:p>
+            <a:pPr>
+              <a:spcBef>
+                <a:spcPts val="600"/>
+              </a:spcBef>
+              <a:buClrTx/>
+              <a:buFontTx/>
+              <a:buNone/>
+            </a:pPr>
+            <a:endParaRPr lang="en-US" dirty="0"/>
+          </a:p>
+          <a:p>
+            <a:pPr>
+              <a:spcBef>
+                <a:spcPts val="600"/>
+              </a:spcBef>
+              <a:buClrTx/>
+              <a:buFontTx/>
+              <a:buNone/>
+            </a:pPr>
+            <a:endParaRPr lang="en-US" dirty="0" smtClean="0"/>
           </a:p>
         </p:txBody>
       </p:sp>
       <p:sp>
         <p:nvSpPr>
-          <p:cNvPr id="4" name="TextBox 3"/>
-          <p:cNvSpPr txBox="1"/>
-          <p:nvPr/>
-        </p:nvSpPr>
-        <p:spPr>
-          <a:xfrm>
-            <a:off x="728133" y="3118447"/>
-            <a:ext cx="7958667" cy="2800766"/>
-          </a:xfrm>
-          <a:prstGeom prst="rect">
-            <a:avLst/>
-          </a:prstGeom>
-          <a:solidFill>
-            <a:schemeClr val="bg1"/>
-          </a:solidFill>
-          <a:effectLst>
-            <a:outerShdw blurRad="50800" dist="38100" dir="2700000" algn="tl" rotWithShape="0">
-              <a:prstClr val="black">
-                <a:alpha val="40000"/>
-              </a:prstClr>
-            </a:outerShdw>
-          </a:effectLst>
-        </p:spPr>
-        <p:style>
-          <a:lnRef idx="2">
-            <a:schemeClr val="accent2"/>
-          </a:lnRef>
-          <a:fillRef idx="1">
-            <a:schemeClr val="lt1"/>
-          </a:fillRef>
-          <a:effectRef idx="0">
-            <a:schemeClr val="accent2"/>
-          </a:effectRef>
-          <a:fontRef idx="minor">
-            <a:schemeClr val="dk1"/>
-          </a:fontRef>
-        </p:style>
-        <p:txBody>
-          <a:bodyPr wrap="square" rtlCol="0">
-            <a:spAutoFit/>
-          </a:bodyPr>
-          <a:lstStyle/>
-          <a:p>
-            <a:r>
-              <a:rPr lang="en-US" sz="1600" dirty="0" err="1">
-                <a:latin typeface="Courier"/>
-                <a:cs typeface="Courier"/>
-              </a:rPr>
-              <a:t>Ti.Gesture.addEventListener</a:t>
-            </a:r>
-            <a:r>
-              <a:rPr lang="en-US" sz="1600" dirty="0">
-                <a:latin typeface="Courier"/>
-                <a:cs typeface="Courier"/>
-              </a:rPr>
-              <a:t>('</a:t>
-            </a:r>
-            <a:r>
-              <a:rPr lang="en-US" sz="1600" dirty="0" err="1">
-                <a:latin typeface="Courier"/>
-                <a:cs typeface="Courier"/>
-              </a:rPr>
-              <a:t>orientationchange</a:t>
-            </a:r>
-            <a:r>
-              <a:rPr lang="en-US" sz="1600" dirty="0">
-                <a:latin typeface="Courier"/>
-                <a:cs typeface="Courier"/>
-              </a:rPr>
-              <a:t>',function(e</a:t>
-            </a:r>
-            <a:r>
-              <a:rPr lang="en-US" sz="1600" dirty="0" smtClean="0">
-                <a:latin typeface="Courier"/>
-                <a:cs typeface="Courier"/>
-              </a:rPr>
-              <a:t>) {</a:t>
-            </a:r>
-            <a:endParaRPr lang="en-US" sz="1600" dirty="0">
-              <a:latin typeface="Courier"/>
-              <a:cs typeface="Courier"/>
-            </a:endParaRPr>
-          </a:p>
-          <a:p>
-            <a:r>
-              <a:rPr lang="en-US" sz="1600" dirty="0">
-                <a:latin typeface="Courier"/>
-                <a:cs typeface="Courier"/>
-              </a:rPr>
-              <a:t>	// </a:t>
-            </a:r>
-            <a:r>
-              <a:rPr lang="en-US" sz="1600" dirty="0" smtClean="0">
-                <a:latin typeface="Courier"/>
-                <a:cs typeface="Courier"/>
-              </a:rPr>
-              <a:t>get current device orientation from</a:t>
-            </a:r>
-          </a:p>
-          <a:p>
-            <a:r>
-              <a:rPr lang="en-US" sz="1600" dirty="0" smtClean="0">
-                <a:latin typeface="Courier"/>
-                <a:cs typeface="Courier"/>
-              </a:rPr>
-              <a:t>	// </a:t>
-            </a:r>
-            <a:r>
-              <a:rPr lang="en-US" sz="1600" dirty="0" err="1" smtClean="0">
-                <a:latin typeface="Courier"/>
-                <a:cs typeface="Courier"/>
-              </a:rPr>
-              <a:t>Titanium.Gesture.orientation</a:t>
-            </a:r>
-            <a:endParaRPr lang="en-US" sz="1600" dirty="0" smtClean="0">
-              <a:latin typeface="Courier"/>
-              <a:cs typeface="Courier"/>
-            </a:endParaRPr>
-          </a:p>
-          <a:p>
-            <a:r>
-              <a:rPr lang="en-US" sz="1600" dirty="0">
-                <a:latin typeface="Courier"/>
-                <a:cs typeface="Courier"/>
-              </a:rPr>
-              <a:t>	</a:t>
-            </a:r>
-          </a:p>
-          <a:p>
-            <a:r>
-              <a:rPr lang="en-US" sz="1600" dirty="0">
-                <a:latin typeface="Courier"/>
-                <a:cs typeface="Courier"/>
-              </a:rPr>
-              <a:t>	// get </a:t>
-            </a:r>
-            <a:r>
-              <a:rPr lang="en-US" sz="1600" dirty="0" smtClean="0">
-                <a:latin typeface="Courier"/>
-                <a:cs typeface="Courier"/>
-              </a:rPr>
-              <a:t>orientation </a:t>
-            </a:r>
-            <a:r>
-              <a:rPr lang="en-US" sz="1600" dirty="0">
-                <a:latin typeface="Courier"/>
-                <a:cs typeface="Courier"/>
-              </a:rPr>
-              <a:t>from event object</a:t>
-            </a:r>
-          </a:p>
-          <a:p>
-            <a:r>
-              <a:rPr lang="en-US" sz="1600" dirty="0">
-                <a:latin typeface="Courier"/>
-                <a:cs typeface="Courier"/>
-              </a:rPr>
-              <a:t>	</a:t>
-            </a:r>
-            <a:r>
-              <a:rPr lang="en-US" sz="1600" dirty="0" smtClean="0">
-                <a:latin typeface="Courier"/>
-                <a:cs typeface="Courier"/>
-              </a:rPr>
-              <a:t>// from </a:t>
-            </a:r>
-            <a:r>
-              <a:rPr lang="en-US" sz="1600" dirty="0" err="1" smtClean="0">
-                <a:latin typeface="Courier"/>
-                <a:cs typeface="Courier"/>
-              </a:rPr>
-              <a:t>e.orientation</a:t>
-            </a:r>
-            <a:endParaRPr lang="en-US" sz="1600" dirty="0" smtClean="0">
-              <a:latin typeface="Courier"/>
-              <a:cs typeface="Courier"/>
-            </a:endParaRPr>
-          </a:p>
-          <a:p>
-            <a:endParaRPr lang="en-US" sz="1600" dirty="0">
-              <a:latin typeface="Courier"/>
-              <a:cs typeface="Courier"/>
-            </a:endParaRPr>
-          </a:p>
-          <a:p>
-            <a:r>
-              <a:rPr lang="en-US" sz="1600" dirty="0" smtClean="0">
-                <a:latin typeface="Courier"/>
-                <a:cs typeface="Courier"/>
-              </a:rPr>
-              <a:t>	// two methods return Boolean</a:t>
-            </a:r>
-          </a:p>
-          <a:p>
-            <a:r>
-              <a:rPr lang="en-US" sz="1600" dirty="0">
-                <a:latin typeface="Courier"/>
-                <a:cs typeface="Courier"/>
-              </a:rPr>
-              <a:t>	</a:t>
-            </a:r>
-            <a:r>
-              <a:rPr lang="en-US" sz="1600" dirty="0" smtClean="0">
-                <a:latin typeface="Courier"/>
-                <a:cs typeface="Courier"/>
-              </a:rPr>
-              <a:t>// </a:t>
-            </a:r>
-            <a:r>
-              <a:rPr lang="en-US" sz="1600" dirty="0" err="1" smtClean="0">
-                <a:latin typeface="Courier"/>
-                <a:cs typeface="Courier"/>
-              </a:rPr>
-              <a:t>e.source.isPortrait</a:t>
-            </a:r>
-            <a:r>
-              <a:rPr lang="en-US" sz="1600" dirty="0" smtClean="0">
-                <a:latin typeface="Courier"/>
-                <a:cs typeface="Courier"/>
-              </a:rPr>
-              <a:t>()</a:t>
-            </a:r>
-          </a:p>
-          <a:p>
-            <a:r>
-              <a:rPr lang="en-US" sz="1600" dirty="0">
-                <a:latin typeface="Courier"/>
-                <a:cs typeface="Courier"/>
-              </a:rPr>
-              <a:t>	</a:t>
-            </a:r>
-            <a:r>
-              <a:rPr lang="en-US" sz="1600" dirty="0" smtClean="0">
-                <a:latin typeface="Courier"/>
-                <a:cs typeface="Courier"/>
-              </a:rPr>
-              <a:t>// </a:t>
-            </a:r>
-            <a:r>
-              <a:rPr lang="en-US" sz="1600" dirty="0" err="1" smtClean="0">
-                <a:latin typeface="Courier"/>
-                <a:cs typeface="Courier"/>
-              </a:rPr>
-              <a:t>e.source.isLandscape</a:t>
-            </a:r>
-            <a:r>
-              <a:rPr lang="en-US" sz="1600" dirty="0" smtClean="0">
-                <a:latin typeface="Courier"/>
-                <a:cs typeface="Courier"/>
-              </a:rPr>
-              <a:t>()</a:t>
-            </a:r>
-            <a:endParaRPr lang="en-US" sz="1600" dirty="0">
-              <a:latin typeface="Courier"/>
-              <a:cs typeface="Courier"/>
-            </a:endParaRPr>
-          </a:p>
-          <a:p>
-            <a:r>
-              <a:rPr lang="en-US" sz="1600" dirty="0" smtClean="0">
-                <a:latin typeface="Courier"/>
-                <a:cs typeface="Courier"/>
-              </a:rPr>
-              <a:t>}</a:t>
-            </a:r>
-            <a:r>
-              <a:rPr lang="en-US" sz="1600" dirty="0">
-                <a:latin typeface="Courier"/>
-                <a:cs typeface="Courier"/>
-              </a:rPr>
-              <a:t>);</a:t>
-            </a:r>
-          </a:p>
-        </p:txBody>
-      </p:sp>
-      <p:sp>
-        <p:nvSpPr>
-          <p:cNvPr id="5" name="Slide Number Placeholder 5"/>
+          <p:cNvPr id="4" name="Slide Number Placeholder 5"/>
           <p:cNvSpPr>
             <a:spLocks noGrp="1"/>
           </p:cNvSpPr>
@@ -17223,7 +17358,7 @@
     </p:spTree>
     <p:extLst>
       <p:ext uri="{BB962C8B-B14F-4D97-AF65-F5344CB8AC3E}">
-        <p14:creationId xmlns:p14="http://schemas.microsoft.com/office/powerpoint/2010/main" val="1295465546"/>
+        <p14:creationId xmlns:p14="http://schemas.microsoft.com/office/powerpoint/2010/main" val="1672932865"/>
       </p:ext>
     </p:extLst>
   </p:cSld>
